--- a/PowerShell Advanced Fundamentals.pptx
+++ b/PowerShell Advanced Fundamentals.pptx
@@ -402,7 +402,7 @@
           <a:p>
             <a:fld id="{11BE664F-9A4E-421C-8905-E251DED2D814}" type="datetimeFigureOut">
               <a:rPr lang="en-SE" smtClean="0"/>
-              <a:t>2024-08-01</a:t>
+              <a:t>2024-08-02</a:t>
             </a:fld>
             <a:endParaRPr lang="en-SE"/>
           </a:p>
@@ -3276,6 +3276,38 @@
           </a:p>
         </p:txBody>
       </p:sp>
+      <p:pic>
+        <p:nvPicPr>
+          <p:cNvPr id="8" name="Picture 7">
+            <a:extLst>
+              <a:ext uri="{FF2B5EF4-FFF2-40B4-BE49-F238E27FC236}">
+                <a16:creationId xmlns:a16="http://schemas.microsoft.com/office/drawing/2014/main" id="{91C49F91-906D-6973-6A80-46C8C2A5128B}"/>
+              </a:ext>
+            </a:extLst>
+          </p:cNvPr>
+          <p:cNvPicPr>
+            <a:picLocks noChangeAspect="1"/>
+          </p:cNvPicPr>
+          <p:nvPr userDrawn="1"/>
+        </p:nvPicPr>
+        <p:blipFill>
+          <a:blip r:embed="rId2">
+            <a:alphaModFix amt="70000"/>
+          </a:blip>
+          <a:stretch>
+            <a:fillRect/>
+          </a:stretch>
+        </p:blipFill>
+        <p:spPr>
+          <a:xfrm>
+            <a:off x="5543123" y="457200"/>
+            <a:ext cx="5809089" cy="3442479"/>
+          </a:xfrm>
+          <a:prstGeom prst="rect">
+            <a:avLst/>
+          </a:prstGeom>
+        </p:spPr>
+      </p:pic>
     </p:spTree>
     <p:extLst>
       <p:ext uri="{BB962C8B-B14F-4D97-AF65-F5344CB8AC3E}">
@@ -3849,6 +3881,49 @@
           <a:xfrm>
             <a:off x="779349" y="6289307"/>
             <a:ext cx="1430451" cy="432168"/>
+          </a:xfrm>
+          <a:prstGeom prst="rect">
+            <a:avLst/>
+          </a:prstGeom>
+        </p:spPr>
+      </p:pic>
+      <p:pic>
+        <p:nvPicPr>
+          <p:cNvPr id="4" name="Picture 3">
+            <a:extLst>
+              <a:ext uri="{FF2B5EF4-FFF2-40B4-BE49-F238E27FC236}">
+                <a16:creationId xmlns:a16="http://schemas.microsoft.com/office/drawing/2014/main" id="{196D1C45-7532-0DCC-C156-AB0B4E53685C}"/>
+              </a:ext>
+            </a:extLst>
+          </p:cNvPr>
+          <p:cNvPicPr>
+            <a:picLocks noChangeAspect="1"/>
+          </p:cNvPicPr>
+          <p:nvPr userDrawn="1"/>
+        </p:nvPicPr>
+        <p:blipFill>
+          <a:blip r:embed="rId15">
+            <a:alphaModFix amt="20000"/>
+            <a:extLst>
+              <a:ext uri="{BEBA8EAE-BF5A-486C-A8C5-ECC9F3942E4B}">
+                <a14:imgProps xmlns:a14="http://schemas.microsoft.com/office/drawing/2010/main">
+                  <a14:imgLayer r:embed="rId16">
+                    <a14:imgEffect>
+                      <a14:sharpenSoften amount="-100000"/>
+                    </a14:imgEffect>
+                  </a14:imgLayer>
+                </a14:imgProps>
+              </a:ext>
+            </a:extLst>
+          </a:blip>
+          <a:stretch>
+            <a:fillRect/>
+          </a:stretch>
+        </p:blipFill>
+        <p:spPr>
+          <a:xfrm>
+            <a:off x="10184835" y="5404546"/>
+            <a:ext cx="1544834" cy="1544834"/>
           </a:xfrm>
           <a:prstGeom prst="rect">
             <a:avLst/>

--- a/PowerShell Advanced Fundamentals.pptx
+++ b/PowerShell Advanced Fundamentals.pptx
@@ -5,7 +5,7 @@
     <p:sldMasterId id="2147483648" r:id="rId1"/>
   </p:sldMasterIdLst>
   <p:notesMasterIdLst>
-    <p:notesMasterId r:id="rId80"/>
+    <p:notesMasterId r:id="rId81"/>
   </p:notesMasterIdLst>
   <p:sldIdLst>
     <p:sldId id="256" r:id="rId2"/>
@@ -34,58 +34,59 @@
     <p:sldId id="262" r:id="rId25"/>
     <p:sldId id="291" r:id="rId26"/>
     <p:sldId id="290" r:id="rId27"/>
-    <p:sldId id="289" r:id="rId28"/>
-    <p:sldId id="292" r:id="rId29"/>
-    <p:sldId id="295" r:id="rId30"/>
-    <p:sldId id="335" r:id="rId31"/>
-    <p:sldId id="293" r:id="rId32"/>
-    <p:sldId id="294" r:id="rId33"/>
-    <p:sldId id="296" r:id="rId34"/>
-    <p:sldId id="297" r:id="rId35"/>
-    <p:sldId id="263" r:id="rId36"/>
-    <p:sldId id="312" r:id="rId37"/>
-    <p:sldId id="313" r:id="rId38"/>
-    <p:sldId id="311" r:id="rId39"/>
-    <p:sldId id="298" r:id="rId40"/>
-    <p:sldId id="299" r:id="rId41"/>
-    <p:sldId id="264" r:id="rId42"/>
-    <p:sldId id="336" r:id="rId43"/>
-    <p:sldId id="314" r:id="rId44"/>
-    <p:sldId id="315" r:id="rId45"/>
-    <p:sldId id="316" r:id="rId46"/>
-    <p:sldId id="317" r:id="rId47"/>
-    <p:sldId id="318" r:id="rId48"/>
-    <p:sldId id="305" r:id="rId49"/>
-    <p:sldId id="300" r:id="rId50"/>
-    <p:sldId id="265" r:id="rId51"/>
-    <p:sldId id="319" r:id="rId52"/>
-    <p:sldId id="320" r:id="rId53"/>
-    <p:sldId id="321" r:id="rId54"/>
-    <p:sldId id="306" r:id="rId55"/>
-    <p:sldId id="301" r:id="rId56"/>
-    <p:sldId id="266" r:id="rId57"/>
-    <p:sldId id="322" r:id="rId58"/>
-    <p:sldId id="323" r:id="rId59"/>
-    <p:sldId id="307" r:id="rId60"/>
-    <p:sldId id="302" r:id="rId61"/>
-    <p:sldId id="267" r:id="rId62"/>
-    <p:sldId id="324" r:id="rId63"/>
-    <p:sldId id="325" r:id="rId64"/>
-    <p:sldId id="308" r:id="rId65"/>
-    <p:sldId id="303" r:id="rId66"/>
-    <p:sldId id="268" r:id="rId67"/>
-    <p:sldId id="326" r:id="rId68"/>
-    <p:sldId id="327" r:id="rId69"/>
-    <p:sldId id="328" r:id="rId70"/>
-    <p:sldId id="329" r:id="rId71"/>
-    <p:sldId id="330" r:id="rId72"/>
-    <p:sldId id="309" r:id="rId73"/>
-    <p:sldId id="304" r:id="rId74"/>
-    <p:sldId id="269" r:id="rId75"/>
-    <p:sldId id="331" r:id="rId76"/>
-    <p:sldId id="332" r:id="rId77"/>
-    <p:sldId id="310" r:id="rId78"/>
-    <p:sldId id="333" r:id="rId79"/>
+    <p:sldId id="337" r:id="rId28"/>
+    <p:sldId id="289" r:id="rId29"/>
+    <p:sldId id="292" r:id="rId30"/>
+    <p:sldId id="295" r:id="rId31"/>
+    <p:sldId id="335" r:id="rId32"/>
+    <p:sldId id="293" r:id="rId33"/>
+    <p:sldId id="294" r:id="rId34"/>
+    <p:sldId id="296" r:id="rId35"/>
+    <p:sldId id="297" r:id="rId36"/>
+    <p:sldId id="263" r:id="rId37"/>
+    <p:sldId id="312" r:id="rId38"/>
+    <p:sldId id="313" r:id="rId39"/>
+    <p:sldId id="311" r:id="rId40"/>
+    <p:sldId id="298" r:id="rId41"/>
+    <p:sldId id="299" r:id="rId42"/>
+    <p:sldId id="264" r:id="rId43"/>
+    <p:sldId id="336" r:id="rId44"/>
+    <p:sldId id="314" r:id="rId45"/>
+    <p:sldId id="315" r:id="rId46"/>
+    <p:sldId id="316" r:id="rId47"/>
+    <p:sldId id="317" r:id="rId48"/>
+    <p:sldId id="318" r:id="rId49"/>
+    <p:sldId id="305" r:id="rId50"/>
+    <p:sldId id="300" r:id="rId51"/>
+    <p:sldId id="265" r:id="rId52"/>
+    <p:sldId id="319" r:id="rId53"/>
+    <p:sldId id="320" r:id="rId54"/>
+    <p:sldId id="321" r:id="rId55"/>
+    <p:sldId id="306" r:id="rId56"/>
+    <p:sldId id="301" r:id="rId57"/>
+    <p:sldId id="266" r:id="rId58"/>
+    <p:sldId id="322" r:id="rId59"/>
+    <p:sldId id="323" r:id="rId60"/>
+    <p:sldId id="307" r:id="rId61"/>
+    <p:sldId id="302" r:id="rId62"/>
+    <p:sldId id="267" r:id="rId63"/>
+    <p:sldId id="324" r:id="rId64"/>
+    <p:sldId id="325" r:id="rId65"/>
+    <p:sldId id="308" r:id="rId66"/>
+    <p:sldId id="303" r:id="rId67"/>
+    <p:sldId id="268" r:id="rId68"/>
+    <p:sldId id="326" r:id="rId69"/>
+    <p:sldId id="327" r:id="rId70"/>
+    <p:sldId id="328" r:id="rId71"/>
+    <p:sldId id="329" r:id="rId72"/>
+    <p:sldId id="330" r:id="rId73"/>
+    <p:sldId id="309" r:id="rId74"/>
+    <p:sldId id="304" r:id="rId75"/>
+    <p:sldId id="269" r:id="rId76"/>
+    <p:sldId id="331" r:id="rId77"/>
+    <p:sldId id="332" r:id="rId78"/>
+    <p:sldId id="310" r:id="rId79"/>
+    <p:sldId id="333" r:id="rId80"/>
   </p:sldIdLst>
   <p:sldSz cx="12192000" cy="6858000"/>
   <p:notesSz cx="6858000" cy="9144000"/>
@@ -231,6 +232,7 @@
             <p14:sldId id="262"/>
             <p14:sldId id="291"/>
             <p14:sldId id="290"/>
+            <p14:sldId id="337"/>
             <p14:sldId id="289"/>
             <p14:sldId id="292"/>
             <p14:sldId id="295"/>
@@ -408,7 +410,7 @@
           <a:p>
             <a:fld id="{11BE664F-9A4E-421C-8905-E251DED2D814}" type="datetimeFigureOut">
               <a:rPr lang="en-SE" smtClean="0"/>
-              <a:t>2025-02-11</a:t>
+              <a:t>2025-02-17</a:t>
             </a:fld>
             <a:endParaRPr lang="en-SE"/>
           </a:p>
@@ -972,7 +974,24 @@
           <a:bodyPr/>
           <a:lstStyle/>
           <a:p>
-            <a:endParaRPr lang="en-SE" dirty="0"/>
+            <a:pPr marL="0" marR="0" lvl="0" indent="0" algn="l" defTabSz="914400" rtl="0" eaLnBrk="1" fontAlgn="auto" latinLnBrk="0" hangingPunct="1">
+              <a:lnSpc>
+                <a:spcPct val="100000"/>
+              </a:lnSpc>
+              <a:spcBef>
+                <a:spcPts val="0"/>
+              </a:spcBef>
+              <a:spcAft>
+                <a:spcPts val="0"/>
+              </a:spcAft>
+              <a:buClrTx/>
+              <a:buSzTx/>
+              <a:buFontTx/>
+              <a:buNone/>
+              <a:tabLst/>
+              <a:defRPr/>
+            </a:pPr>
+            <a:endParaRPr lang="en-US" b="0" dirty="0"/>
           </a:p>
         </p:txBody>
       </p:sp>
@@ -993,7 +1012,7 @@
           <a:p>
             <a:fld id="{19592BCA-B8D7-4059-A661-C132E0F5E2FC}" type="slidenum">
               <a:rPr lang="en-SE" smtClean="0"/>
-              <a:t>28</a:t>
+              <a:t>26</a:t>
             </a:fld>
             <a:endParaRPr lang="en-SE"/>
           </a:p>
@@ -1002,7 +1021,7 @@
     </p:spTree>
     <p:extLst>
       <p:ext uri="{BB962C8B-B14F-4D97-AF65-F5344CB8AC3E}">
-        <p14:creationId xmlns:p14="http://schemas.microsoft.com/office/powerpoint/2010/main" val="1752366239"/>
+        <p14:creationId xmlns:p14="http://schemas.microsoft.com/office/powerpoint/2010/main" val="2128597131"/>
       </p:ext>
     </p:extLst>
   </p:cSld>
@@ -1017,7 +1036,13 @@
   <p:cSld>
     <p:spTree>
       <p:nvGrpSpPr>
-        <p:cNvPr id="1" name=""/>
+        <p:cNvPr id="1" name="">
+          <a:extLst>
+            <a:ext uri="{FF2B5EF4-FFF2-40B4-BE49-F238E27FC236}">
+              <a16:creationId xmlns:a16="http://schemas.microsoft.com/office/drawing/2014/main" id="{B93DB39C-C69B-F0EB-0A55-530F67F30923}"/>
+            </a:ext>
+          </a:extLst>
+        </p:cNvPr>
         <p:cNvGrpSpPr/>
         <p:nvPr/>
       </p:nvGrpSpPr>
@@ -1031,7 +1056,13 @@
       </p:grpSpPr>
       <p:sp>
         <p:nvSpPr>
-          <p:cNvPr id="2" name="Slide Image Placeholder 1"/>
+          <p:cNvPr id="2" name="Slide Image Placeholder 1">
+            <a:extLst>
+              <a:ext uri="{FF2B5EF4-FFF2-40B4-BE49-F238E27FC236}">
+                <a16:creationId xmlns:a16="http://schemas.microsoft.com/office/drawing/2014/main" id="{E2B47927-B879-E7EC-68DF-18D7046BB61B}"/>
+              </a:ext>
+            </a:extLst>
+          </p:cNvPr>
           <p:cNvSpPr>
             <a:spLocks noGrp="1" noRot="1" noChangeAspect="1"/>
           </p:cNvSpPr>
@@ -1043,7 +1074,13 @@
       </p:sp>
       <p:sp>
         <p:nvSpPr>
-          <p:cNvPr id="3" name="Notes Placeholder 2"/>
+          <p:cNvPr id="3" name="Notes Placeholder 2">
+            <a:extLst>
+              <a:ext uri="{FF2B5EF4-FFF2-40B4-BE49-F238E27FC236}">
+                <a16:creationId xmlns:a16="http://schemas.microsoft.com/office/drawing/2014/main" id="{4A2AE4EF-A9EC-5EE5-505F-D33659999175}"/>
+              </a:ext>
+            </a:extLst>
+          </p:cNvPr>
           <p:cNvSpPr>
             <a:spLocks noGrp="1"/>
           </p:cNvSpPr>
@@ -1056,13 +1093,36 @@
           <a:bodyPr/>
           <a:lstStyle/>
           <a:p>
-            <a:endParaRPr lang="en-SE" dirty="0"/>
-          </a:p>
-        </p:txBody>
-      </p:sp>
-      <p:sp>
-        <p:nvSpPr>
-          <p:cNvPr id="4" name="Slide Number Placeholder 3"/>
+            <a:pPr marL="0" marR="0" lvl="0" indent="0" algn="l" defTabSz="914400" rtl="0" eaLnBrk="1" fontAlgn="auto" latinLnBrk="0" hangingPunct="1">
+              <a:lnSpc>
+                <a:spcPct val="100000"/>
+              </a:lnSpc>
+              <a:spcBef>
+                <a:spcPts val="0"/>
+              </a:spcBef>
+              <a:spcAft>
+                <a:spcPts val="0"/>
+              </a:spcAft>
+              <a:buClrTx/>
+              <a:buSzTx/>
+              <a:buFontTx/>
+              <a:buNone/>
+              <a:tabLst/>
+              <a:defRPr/>
+            </a:pPr>
+            <a:endParaRPr lang="en-US" b="0" dirty="0"/>
+          </a:p>
+        </p:txBody>
+      </p:sp>
+      <p:sp>
+        <p:nvSpPr>
+          <p:cNvPr id="4" name="Slide Number Placeholder 3">
+            <a:extLst>
+              <a:ext uri="{FF2B5EF4-FFF2-40B4-BE49-F238E27FC236}">
+                <a16:creationId xmlns:a16="http://schemas.microsoft.com/office/drawing/2014/main" id="{28228623-A558-C181-C7F1-98707CAF47D6}"/>
+              </a:ext>
+            </a:extLst>
+          </p:cNvPr>
           <p:cNvSpPr>
             <a:spLocks noGrp="1"/>
           </p:cNvSpPr>
@@ -1077,7 +1137,7 @@
           <a:p>
             <a:fld id="{19592BCA-B8D7-4059-A661-C132E0F5E2FC}" type="slidenum">
               <a:rPr lang="en-SE" smtClean="0"/>
-              <a:t>37</a:t>
+              <a:t>27</a:t>
             </a:fld>
             <a:endParaRPr lang="en-SE"/>
           </a:p>
@@ -1086,7 +1146,7 @@
     </p:spTree>
     <p:extLst>
       <p:ext uri="{BB962C8B-B14F-4D97-AF65-F5344CB8AC3E}">
-        <p14:creationId xmlns:p14="http://schemas.microsoft.com/office/powerpoint/2010/main" val="400808321"/>
+        <p14:creationId xmlns:p14="http://schemas.microsoft.com/office/powerpoint/2010/main" val="2076526949"/>
       </p:ext>
     </p:extLst>
   </p:cSld>
@@ -1161,7 +1221,175 @@
           <a:p>
             <a:fld id="{19592BCA-B8D7-4059-A661-C132E0F5E2FC}" type="slidenum">
               <a:rPr lang="en-SE" smtClean="0"/>
-              <a:t>42</a:t>
+              <a:t>29</a:t>
+            </a:fld>
+            <a:endParaRPr lang="en-SE"/>
+          </a:p>
+        </p:txBody>
+      </p:sp>
+    </p:spTree>
+    <p:extLst>
+      <p:ext uri="{BB962C8B-B14F-4D97-AF65-F5344CB8AC3E}">
+        <p14:creationId xmlns:p14="http://schemas.microsoft.com/office/powerpoint/2010/main" val="1752366239"/>
+      </p:ext>
+    </p:extLst>
+  </p:cSld>
+  <p:clrMapOvr>
+    <a:masterClrMapping/>
+  </p:clrMapOvr>
+</p:notes>
+</file>
+
+<file path=ppt/notesSlides/notesSlide7.xml><?xml version="1.0" encoding="utf-8"?>
+<p:notes xmlns:a="http://schemas.openxmlformats.org/drawingml/2006/main" xmlns:r="http://schemas.openxmlformats.org/officeDocument/2006/relationships" xmlns:p="http://schemas.openxmlformats.org/presentationml/2006/main">
+  <p:cSld>
+    <p:spTree>
+      <p:nvGrpSpPr>
+        <p:cNvPr id="1" name=""/>
+        <p:cNvGrpSpPr/>
+        <p:nvPr/>
+      </p:nvGrpSpPr>
+      <p:grpSpPr>
+        <a:xfrm>
+          <a:off x="0" y="0"/>
+          <a:ext cx="0" cy="0"/>
+          <a:chOff x="0" y="0"/>
+          <a:chExt cx="0" cy="0"/>
+        </a:xfrm>
+      </p:grpSpPr>
+      <p:sp>
+        <p:nvSpPr>
+          <p:cNvPr id="2" name="Slide Image Placeholder 1"/>
+          <p:cNvSpPr>
+            <a:spLocks noGrp="1" noRot="1" noChangeAspect="1"/>
+          </p:cNvSpPr>
+          <p:nvPr>
+            <p:ph type="sldImg"/>
+          </p:nvPr>
+        </p:nvSpPr>
+        <p:spPr/>
+      </p:sp>
+      <p:sp>
+        <p:nvSpPr>
+          <p:cNvPr id="3" name="Notes Placeholder 2"/>
+          <p:cNvSpPr>
+            <a:spLocks noGrp="1"/>
+          </p:cNvSpPr>
+          <p:nvPr>
+            <p:ph type="body" idx="1"/>
+          </p:nvPr>
+        </p:nvSpPr>
+        <p:spPr/>
+        <p:txBody>
+          <a:bodyPr/>
+          <a:lstStyle/>
+          <a:p>
+            <a:endParaRPr lang="en-SE" dirty="0"/>
+          </a:p>
+        </p:txBody>
+      </p:sp>
+      <p:sp>
+        <p:nvSpPr>
+          <p:cNvPr id="4" name="Slide Number Placeholder 3"/>
+          <p:cNvSpPr>
+            <a:spLocks noGrp="1"/>
+          </p:cNvSpPr>
+          <p:nvPr>
+            <p:ph type="sldNum" sz="quarter" idx="5"/>
+          </p:nvPr>
+        </p:nvSpPr>
+        <p:spPr/>
+        <p:txBody>
+          <a:bodyPr/>
+          <a:lstStyle/>
+          <a:p>
+            <a:fld id="{19592BCA-B8D7-4059-A661-C132E0F5E2FC}" type="slidenum">
+              <a:rPr lang="en-SE" smtClean="0"/>
+              <a:t>38</a:t>
+            </a:fld>
+            <a:endParaRPr lang="en-SE"/>
+          </a:p>
+        </p:txBody>
+      </p:sp>
+    </p:spTree>
+    <p:extLst>
+      <p:ext uri="{BB962C8B-B14F-4D97-AF65-F5344CB8AC3E}">
+        <p14:creationId xmlns:p14="http://schemas.microsoft.com/office/powerpoint/2010/main" val="400808321"/>
+      </p:ext>
+    </p:extLst>
+  </p:cSld>
+  <p:clrMapOvr>
+    <a:masterClrMapping/>
+  </p:clrMapOvr>
+</p:notes>
+</file>
+
+<file path=ppt/notesSlides/notesSlide8.xml><?xml version="1.0" encoding="utf-8"?>
+<p:notes xmlns:a="http://schemas.openxmlformats.org/drawingml/2006/main" xmlns:r="http://schemas.openxmlformats.org/officeDocument/2006/relationships" xmlns:p="http://schemas.openxmlformats.org/presentationml/2006/main">
+  <p:cSld>
+    <p:spTree>
+      <p:nvGrpSpPr>
+        <p:cNvPr id="1" name=""/>
+        <p:cNvGrpSpPr/>
+        <p:nvPr/>
+      </p:nvGrpSpPr>
+      <p:grpSpPr>
+        <a:xfrm>
+          <a:off x="0" y="0"/>
+          <a:ext cx="0" cy="0"/>
+          <a:chOff x="0" y="0"/>
+          <a:chExt cx="0" cy="0"/>
+        </a:xfrm>
+      </p:grpSpPr>
+      <p:sp>
+        <p:nvSpPr>
+          <p:cNvPr id="2" name="Slide Image Placeholder 1"/>
+          <p:cNvSpPr>
+            <a:spLocks noGrp="1" noRot="1" noChangeAspect="1"/>
+          </p:cNvSpPr>
+          <p:nvPr>
+            <p:ph type="sldImg"/>
+          </p:nvPr>
+        </p:nvSpPr>
+        <p:spPr/>
+      </p:sp>
+      <p:sp>
+        <p:nvSpPr>
+          <p:cNvPr id="3" name="Notes Placeholder 2"/>
+          <p:cNvSpPr>
+            <a:spLocks noGrp="1"/>
+          </p:cNvSpPr>
+          <p:nvPr>
+            <p:ph type="body" idx="1"/>
+          </p:nvPr>
+        </p:nvSpPr>
+        <p:spPr/>
+        <p:txBody>
+          <a:bodyPr/>
+          <a:lstStyle/>
+          <a:p>
+            <a:endParaRPr lang="en-SE" dirty="0"/>
+          </a:p>
+        </p:txBody>
+      </p:sp>
+      <p:sp>
+        <p:nvSpPr>
+          <p:cNvPr id="4" name="Slide Number Placeholder 3"/>
+          <p:cNvSpPr>
+            <a:spLocks noGrp="1"/>
+          </p:cNvSpPr>
+          <p:nvPr>
+            <p:ph type="sldNum" sz="quarter" idx="5"/>
+          </p:nvPr>
+        </p:nvSpPr>
+        <p:spPr/>
+        <p:txBody>
+          <a:bodyPr/>
+          <a:lstStyle/>
+          <a:p>
+            <a:fld id="{19592BCA-B8D7-4059-A661-C132E0F5E2FC}" type="slidenum">
+              <a:rPr lang="en-SE" smtClean="0"/>
+              <a:t>43</a:t>
             </a:fld>
             <a:endParaRPr lang="en-SE"/>
           </a:p>
@@ -5790,7 +6018,7 @@
               <a:rPr lang="en-GB" dirty="0">
                 <a:latin typeface="Arial" panose="020B0604020202020204" pitchFamily="34" charset="0"/>
               </a:rPr>
-              <a:t>ge without </a:t>
+              <a:t>ge without entering vim…</a:t>
             </a:r>
             <a:endParaRPr lang="en-GB" b="0" i="0" u="none" strike="noStrike" baseline="0" dirty="0">
               <a:latin typeface="Arial" panose="020B0604020202020204" pitchFamily="34" charset="0"/>
@@ -8780,6 +9008,32 @@
               <a:t>(Better in PS7!)</a:t>
             </a:r>
           </a:p>
+          <a:p>
+            <a:pPr lvl="1"/>
+            <a:r>
+              <a:rPr lang="en-GB" dirty="0">
+                <a:latin typeface="Arial" panose="020B0604020202020204" pitchFamily="34" charset="0"/>
+              </a:rPr>
+              <a:t>Unless you are writing “internal” functions.</a:t>
+            </a:r>
+            <a:endParaRPr lang="en-US" b="1" dirty="0"/>
+          </a:p>
+          <a:p>
+            <a:pPr lvl="1"/>
+            <a:endParaRPr lang="en-US" dirty="0"/>
+          </a:p>
+          <a:p>
+            <a:pPr lvl="1"/>
+            <a:endParaRPr lang="en-GB" b="0" i="0" u="none" strike="noStrike" baseline="0" dirty="0">
+              <a:latin typeface="Arial" panose="020B0604020202020204" pitchFamily="34" charset="0"/>
+            </a:endParaRPr>
+          </a:p>
+          <a:p>
+            <a:pPr lvl="1"/>
+            <a:endParaRPr lang="en-GB" b="0" i="0" u="none" strike="noStrike" baseline="0" dirty="0">
+              <a:latin typeface="Arial" panose="020B0604020202020204" pitchFamily="34" charset="0"/>
+            </a:endParaRPr>
+          </a:p>
         </p:txBody>
       </p:sp>
       <p:sp>
@@ -8858,7 +9112,13 @@
   <p:cSld>
     <p:spTree>
       <p:nvGrpSpPr>
-        <p:cNvPr id="1" name=""/>
+        <p:cNvPr id="1" name="">
+          <a:extLst>
+            <a:ext uri="{FF2B5EF4-FFF2-40B4-BE49-F238E27FC236}">
+              <a16:creationId xmlns:a16="http://schemas.microsoft.com/office/drawing/2014/main" id="{92E9487B-0D0E-987A-5569-4B88FFBC478A}"/>
+            </a:ext>
+          </a:extLst>
+        </p:cNvPr>
         <p:cNvGrpSpPr/>
         <p:nvPr/>
       </p:nvGrpSpPr>
@@ -8875,7 +9135,7 @@
           <p:cNvPr id="2" name="Title 1">
             <a:extLst>
               <a:ext uri="{FF2B5EF4-FFF2-40B4-BE49-F238E27FC236}">
-                <a16:creationId xmlns:a16="http://schemas.microsoft.com/office/drawing/2014/main" id="{13077EAC-4E7A-68C9-F67D-861052C88580}"/>
+                <a16:creationId xmlns:a16="http://schemas.microsoft.com/office/drawing/2014/main" id="{5D2CAB38-ED72-A1E2-6F5F-A63844BE4A04}"/>
               </a:ext>
             </a:extLst>
           </p:cNvPr>
@@ -8914,7 +9174,7 @@
           <p:cNvPr id="3" name="Text Placeholder 2">
             <a:extLst>
               <a:ext uri="{FF2B5EF4-FFF2-40B4-BE49-F238E27FC236}">
-                <a16:creationId xmlns:a16="http://schemas.microsoft.com/office/drawing/2014/main" id="{0DF2CE34-7562-F431-0861-70DE616EA733}"/>
+                <a16:creationId xmlns:a16="http://schemas.microsoft.com/office/drawing/2014/main" id="{7E3949CE-8C60-9759-EC12-A696F9D4EE9C}"/>
               </a:ext>
             </a:extLst>
           </p:cNvPr>
@@ -8932,64 +9192,116 @@
           </a:bodyPr>
           <a:lstStyle/>
           <a:p>
-            <a:pPr marR="0" lvl="0" rtl="0"/>
-            <a:r>
-              <a:rPr lang="en-GB" b="0" i="0" u="none" strike="noStrike" baseline="0" dirty="0">
-                <a:latin typeface="Arial" panose="020B0604020202020204" pitchFamily="34" charset="0"/>
-              </a:rPr>
-              <a:t>Three Types of "functions"</a:t>
-            </a:r>
-          </a:p>
-          <a:p>
-            <a:pPr marR="0" lvl="1" rtl="0"/>
-            <a:r>
-              <a:rPr lang="en-GB" b="0" i="0" u="none" strike="noStrike" baseline="0" dirty="0">
-                <a:latin typeface="Arial" panose="020B0604020202020204" pitchFamily="34" charset="0"/>
-              </a:rPr>
-              <a:t>Filters</a:t>
-            </a:r>
-          </a:p>
-          <a:p>
-            <a:pPr marR="0" lvl="2" rtl="0"/>
-            <a:r>
-              <a:rPr lang="en-GB" b="0" i="0" u="none" strike="noStrike" baseline="0" dirty="0">
-                <a:latin typeface="Arial" panose="020B0604020202020204" pitchFamily="34" charset="0"/>
-              </a:rPr>
-              <a:t>Extremely uncommon</a:t>
-            </a:r>
-          </a:p>
-          <a:p>
-            <a:pPr marR="0" lvl="2" rtl="0"/>
-            <a:r>
-              <a:rPr lang="en-GB" b="0" i="0" u="none" strike="noStrike" baseline="0" dirty="0">
-                <a:latin typeface="Arial" panose="020B0604020202020204" pitchFamily="34" charset="0"/>
-              </a:rPr>
-              <a:t>Your own "Select" commands</a:t>
-            </a:r>
-          </a:p>
-          <a:p>
-            <a:pPr marR="0" lvl="2" rtl="0"/>
-            <a:r>
-              <a:rPr lang="en-GB" b="0" i="0" u="none" strike="noStrike" baseline="0" dirty="0">
-                <a:latin typeface="Arial" panose="020B0604020202020204" pitchFamily="34" charset="0"/>
-              </a:rPr>
-              <a:t>Behaves like a function with all code in the ‘process’ block</a:t>
-            </a:r>
-          </a:p>
-          <a:p>
-            <a:pPr lvl="3"/>
-            <a:r>
-              <a:rPr lang="en-GB" dirty="0">
-                <a:latin typeface="Arial" panose="020B0604020202020204" pitchFamily="34" charset="0"/>
-              </a:rPr>
-              <a:t>Repeats once per input from pipeline</a:t>
-            </a:r>
+            <a:r>
+              <a:rPr lang="en-GB" b="0" i="0" u="none" strike="noStrike" baseline="0" dirty="0">
+                <a:latin typeface="Arial" panose="020B0604020202020204" pitchFamily="34" charset="0"/>
+              </a:rPr>
+              <a:t>Function scoped variables</a:t>
+            </a:r>
+          </a:p>
+          <a:p>
+            <a:pPr lvl="1"/>
+            <a:r>
+              <a:rPr lang="en-US" b="0" dirty="0"/>
+              <a:t>$</a:t>
+            </a:r>
+            <a:r>
+              <a:rPr lang="en-US" b="0" dirty="0" err="1"/>
+              <a:t>PSBoundParameters</a:t>
+            </a:r>
+            <a:endParaRPr lang="en-US" dirty="0"/>
+          </a:p>
+          <a:p>
+            <a:pPr lvl="2"/>
+            <a:r>
+              <a:rPr lang="en-US" b="0" dirty="0"/>
+              <a:t>Always available</a:t>
+            </a:r>
+          </a:p>
+          <a:p>
+            <a:pPr lvl="2"/>
+            <a:r>
+              <a:rPr lang="en-US" b="0" dirty="0"/>
+              <a:t>Only contains key/value of parameters</a:t>
+            </a:r>
+          </a:p>
+          <a:p>
+            <a:pPr lvl="1"/>
+            <a:r>
+              <a:rPr lang="en-US" b="0" dirty="0"/>
+              <a:t>$</a:t>
+            </a:r>
+            <a:r>
+              <a:rPr lang="en-US" b="0" dirty="0" err="1"/>
+              <a:t>PSCmdlet</a:t>
+            </a:r>
+            <a:endParaRPr lang="en-US" b="0" dirty="0"/>
+          </a:p>
+          <a:p>
+            <a:pPr lvl="2"/>
+            <a:r>
+              <a:rPr lang="en-US" dirty="0"/>
+              <a:t>Only in advanced functions</a:t>
+            </a:r>
+          </a:p>
+          <a:p>
+            <a:pPr lvl="2"/>
+            <a:r>
+              <a:rPr lang="en-US" b="0" dirty="0"/>
+              <a:t>Contains “everything” about a function execution</a:t>
+            </a:r>
+          </a:p>
+          <a:p>
+            <a:pPr lvl="1"/>
+            <a:r>
+              <a:rPr lang="en-US" dirty="0"/>
+              <a:t>$</a:t>
+            </a:r>
+            <a:r>
+              <a:rPr lang="en-US" dirty="0" err="1"/>
+              <a:t>PSCommandPath</a:t>
+            </a:r>
+            <a:endParaRPr lang="en-US" dirty="0"/>
+          </a:p>
+          <a:p>
+            <a:pPr lvl="2"/>
+            <a:r>
+              <a:rPr lang="en-US" b="0" dirty="0"/>
+              <a:t>Only in </a:t>
+            </a:r>
+            <a:r>
+              <a:rPr lang="en-US" dirty="0"/>
+              <a:t>saved files</a:t>
+            </a:r>
+          </a:p>
+          <a:p>
+            <a:pPr lvl="2"/>
+            <a:r>
+              <a:rPr lang="en-US" b="0" dirty="0"/>
+              <a:t>Contains f</a:t>
+            </a:r>
+            <a:r>
+              <a:rPr lang="en-US" dirty="0"/>
+              <a:t>ull path to .ps1/.psm1</a:t>
+            </a:r>
+            <a:endParaRPr lang="en-US" b="0" dirty="0"/>
+          </a:p>
+          <a:p>
+            <a:pPr lvl="1"/>
+            <a:endParaRPr lang="en-US" b="1" dirty="0"/>
+          </a:p>
+          <a:p>
+            <a:pPr lvl="1"/>
+            <a:endParaRPr lang="en-US" dirty="0"/>
+          </a:p>
+          <a:p>
+            <a:pPr lvl="1"/>
             <a:endParaRPr lang="en-GB" b="0" i="0" u="none" strike="noStrike" baseline="0" dirty="0">
               <a:latin typeface="Arial" panose="020B0604020202020204" pitchFamily="34" charset="0"/>
             </a:endParaRPr>
           </a:p>
           <a:p>
-            <a:pPr marR="0" lvl="1" rtl="0"/>
+            <a:pPr lvl="1"/>
             <a:endParaRPr lang="en-GB" b="0" i="0" u="none" strike="noStrike" baseline="0" dirty="0">
               <a:latin typeface="Arial" panose="020B0604020202020204" pitchFamily="34" charset="0"/>
             </a:endParaRPr>
@@ -9001,7 +9313,7 @@
           <p:cNvPr id="4" name="Footer Placeholder 3">
             <a:extLst>
               <a:ext uri="{FF2B5EF4-FFF2-40B4-BE49-F238E27FC236}">
-                <a16:creationId xmlns:a16="http://schemas.microsoft.com/office/drawing/2014/main" id="{C70716A7-DCB3-9253-BAE1-A00E05FB6801}"/>
+                <a16:creationId xmlns:a16="http://schemas.microsoft.com/office/drawing/2014/main" id="{549A1816-C9DC-70C6-C868-D4C758E4FC97}"/>
               </a:ext>
             </a:extLst>
           </p:cNvPr>
@@ -9030,7 +9342,7 @@
           <p:cNvPr id="5" name="Slide Number Placeholder 4">
             <a:extLst>
               <a:ext uri="{FF2B5EF4-FFF2-40B4-BE49-F238E27FC236}">
-                <a16:creationId xmlns:a16="http://schemas.microsoft.com/office/drawing/2014/main" id="{F2740C89-727C-4741-99D3-48F95BA4CAF7}"/>
+                <a16:creationId xmlns:a16="http://schemas.microsoft.com/office/drawing/2014/main" id="{B8E6AF9D-099F-FA2B-808E-9860D7F1C783}"/>
               </a:ext>
             </a:extLst>
           </p:cNvPr>
@@ -9057,7 +9369,7 @@
     </p:spTree>
     <p:extLst>
       <p:ext uri="{BB962C8B-B14F-4D97-AF65-F5344CB8AC3E}">
-        <p14:creationId xmlns:p14="http://schemas.microsoft.com/office/powerpoint/2010/main" val="1555497421"/>
+        <p14:creationId xmlns:p14="http://schemas.microsoft.com/office/powerpoint/2010/main" val="3546806023"/>
       </p:ext>
     </p:extLst>
   </p:cSld>
@@ -9160,7 +9472,7 @@
               <a:rPr lang="en-GB" b="0" i="0" u="none" strike="noStrike" baseline="0" dirty="0">
                 <a:latin typeface="Arial" panose="020B0604020202020204" pitchFamily="34" charset="0"/>
               </a:rPr>
-              <a:t>Function</a:t>
+              <a:t>Filters</a:t>
             </a:r>
           </a:p>
           <a:p>
@@ -9169,7 +9481,7 @@
               <a:rPr lang="en-GB" b="0" i="0" u="none" strike="noStrike" baseline="0" dirty="0">
                 <a:latin typeface="Arial" panose="020B0604020202020204" pitchFamily="34" charset="0"/>
               </a:rPr>
-              <a:t>Not for pipelines</a:t>
+              <a:t>Extremely uncommon</a:t>
             </a:r>
           </a:p>
           <a:p>
@@ -9178,7 +9490,7 @@
               <a:rPr lang="en-GB" b="0" i="0" u="none" strike="noStrike" baseline="0" dirty="0">
                 <a:latin typeface="Arial" panose="020B0604020202020204" pitchFamily="34" charset="0"/>
               </a:rPr>
-              <a:t>Easy to understand</a:t>
+              <a:t>Your own "Select" commands</a:t>
             </a:r>
           </a:p>
           <a:p>
@@ -9187,22 +9499,16 @@
               <a:rPr lang="en-GB" b="0" i="0" u="none" strike="noStrike" baseline="0" dirty="0">
                 <a:latin typeface="Arial" panose="020B0604020202020204" pitchFamily="34" charset="0"/>
               </a:rPr>
-              <a:t>Good for "helpers“</a:t>
-            </a:r>
-          </a:p>
-          <a:p>
-            <a:pPr marR="0" lvl="2" rtl="0"/>
+              <a:t>Behaves like a function with all code in the ‘process’ block</a:t>
+            </a:r>
+          </a:p>
+          <a:p>
+            <a:pPr lvl="3"/>
             <a:r>
               <a:rPr lang="en-GB" dirty="0">
                 <a:latin typeface="Arial" panose="020B0604020202020204" pitchFamily="34" charset="0"/>
               </a:rPr>
-              <a:t>Can still use parameters, named or $</a:t>
-            </a:r>
-            <a:r>
-              <a:rPr lang="en-GB" dirty="0" err="1">
-                <a:latin typeface="Arial" panose="020B0604020202020204" pitchFamily="34" charset="0"/>
-              </a:rPr>
-              <a:t>args</a:t>
+              <a:t>Repeats once per input from pipeline</a:t>
             </a:r>
             <a:endParaRPr lang="en-GB" b="0" i="0" u="none" strike="noStrike" baseline="0" dirty="0">
               <a:latin typeface="Arial" panose="020B0604020202020204" pitchFamily="34" charset="0"/>
@@ -9221,7 +9527,7 @@
           <p:cNvPr id="4" name="Footer Placeholder 3">
             <a:extLst>
               <a:ext uri="{FF2B5EF4-FFF2-40B4-BE49-F238E27FC236}">
-                <a16:creationId xmlns:a16="http://schemas.microsoft.com/office/drawing/2014/main" id="{0396DF2E-9343-5775-16E5-CF4F283EF339}"/>
+                <a16:creationId xmlns:a16="http://schemas.microsoft.com/office/drawing/2014/main" id="{C70716A7-DCB3-9253-BAE1-A00E05FB6801}"/>
               </a:ext>
             </a:extLst>
           </p:cNvPr>
@@ -9250,7 +9556,7 @@
           <p:cNvPr id="5" name="Slide Number Placeholder 4">
             <a:extLst>
               <a:ext uri="{FF2B5EF4-FFF2-40B4-BE49-F238E27FC236}">
-                <a16:creationId xmlns:a16="http://schemas.microsoft.com/office/drawing/2014/main" id="{FD3B2D6B-8C6C-3010-3DAE-2825373B7683}"/>
+                <a16:creationId xmlns:a16="http://schemas.microsoft.com/office/drawing/2014/main" id="{F2740C89-727C-4741-99D3-48F95BA4CAF7}"/>
               </a:ext>
             </a:extLst>
           </p:cNvPr>
@@ -9277,7 +9583,7 @@
     </p:spTree>
     <p:extLst>
       <p:ext uri="{BB962C8B-B14F-4D97-AF65-F5344CB8AC3E}">
-        <p14:creationId xmlns:p14="http://schemas.microsoft.com/office/powerpoint/2010/main" val="3676320783"/>
+        <p14:creationId xmlns:p14="http://schemas.microsoft.com/office/powerpoint/2010/main" val="1555497421"/>
       </p:ext>
     </p:extLst>
   </p:cSld>
@@ -9380,84 +9686,60 @@
               <a:rPr lang="en-GB" b="0" i="0" u="none" strike="noStrike" baseline="0" dirty="0">
                 <a:latin typeface="Arial" panose="020B0604020202020204" pitchFamily="34" charset="0"/>
               </a:rPr>
-              <a:t>Advanced Function</a:t>
+              <a:t>Function</a:t>
             </a:r>
           </a:p>
           <a:p>
             <a:pPr marR="0" lvl="2" rtl="0"/>
             <a:r>
-              <a:rPr lang="en-GB" b="0" i="0" u="none" strike="noStrike" baseline="0" dirty="0" err="1">
-                <a:latin typeface="Arial" panose="020B0604020202020204" pitchFamily="34" charset="0"/>
-              </a:rPr>
-              <a:t>CmdletBinding</a:t>
+              <a:rPr lang="en-GB" b="0" i="0" u="none" strike="noStrike" baseline="0" dirty="0">
+                <a:latin typeface="Arial" panose="020B0604020202020204" pitchFamily="34" charset="0"/>
+              </a:rPr>
+              <a:t>Not for pipelines</a:t>
+            </a:r>
+          </a:p>
+          <a:p>
+            <a:pPr marR="0" lvl="2" rtl="0"/>
+            <a:r>
+              <a:rPr lang="en-GB" b="0" i="0" u="none" strike="noStrike" baseline="0" dirty="0">
+                <a:latin typeface="Arial" panose="020B0604020202020204" pitchFamily="34" charset="0"/>
+              </a:rPr>
+              <a:t>Easy to understand</a:t>
+            </a:r>
+          </a:p>
+          <a:p>
+            <a:pPr marR="0" lvl="2" rtl="0"/>
+            <a:r>
+              <a:rPr lang="en-GB" b="0" i="0" u="none" strike="noStrike" baseline="0" dirty="0">
+                <a:latin typeface="Arial" panose="020B0604020202020204" pitchFamily="34" charset="0"/>
+              </a:rPr>
+              <a:t>Good for "helpers“</a:t>
+            </a:r>
+          </a:p>
+          <a:p>
+            <a:pPr marR="0" lvl="2" rtl="0"/>
+            <a:r>
+              <a:rPr lang="en-GB" dirty="0">
+                <a:latin typeface="Arial" panose="020B0604020202020204" pitchFamily="34" charset="0"/>
+              </a:rPr>
+              <a:t>Can still use parameters, named or $</a:t>
+            </a:r>
+            <a:r>
+              <a:rPr lang="en-GB" dirty="0" err="1">
+                <a:latin typeface="Arial" panose="020B0604020202020204" pitchFamily="34" charset="0"/>
+              </a:rPr>
+              <a:t>args</a:t>
             </a:r>
             <a:endParaRPr lang="en-GB" b="0" i="0" u="none" strike="noStrike" baseline="0" dirty="0">
               <a:latin typeface="Arial" panose="020B0604020202020204" pitchFamily="34" charset="0"/>
             </a:endParaRPr>
           </a:p>
           <a:p>
-            <a:pPr marR="0" lvl="3" rtl="0"/>
-            <a:r>
-              <a:rPr lang="en-GB" b="0" i="0" u="none" strike="noStrike" baseline="0" dirty="0" err="1">
-                <a:latin typeface="Arial" panose="020B0604020202020204" pitchFamily="34" charset="0"/>
-              </a:rPr>
-              <a:t>ConfirmImpact</a:t>
-            </a:r>
+            <a:pPr marR="0" lvl="1" rtl="0"/>
             <a:endParaRPr lang="en-GB" b="0" i="0" u="none" strike="noStrike" baseline="0" dirty="0">
               <a:latin typeface="Arial" panose="020B0604020202020204" pitchFamily="34" charset="0"/>
             </a:endParaRPr>
           </a:p>
-          <a:p>
-            <a:pPr marR="0" lvl="3" rtl="0"/>
-            <a:r>
-              <a:rPr lang="en-GB" b="0" i="0" u="none" strike="noStrike" baseline="0" dirty="0" err="1">
-                <a:latin typeface="Arial" panose="020B0604020202020204" pitchFamily="34" charset="0"/>
-              </a:rPr>
-              <a:t>DefaultParameterSetName</a:t>
-            </a:r>
-            <a:endParaRPr lang="en-GB" b="0" i="0" u="none" strike="noStrike" baseline="0" dirty="0">
-              <a:latin typeface="Arial" panose="020B0604020202020204" pitchFamily="34" charset="0"/>
-            </a:endParaRPr>
-          </a:p>
-          <a:p>
-            <a:pPr marR="0" lvl="3" rtl="0"/>
-            <a:r>
-              <a:rPr lang="en-GB" b="0" i="0" u="none" strike="noStrike" baseline="0" dirty="0" err="1">
-                <a:latin typeface="Arial" panose="020B0604020202020204" pitchFamily="34" charset="0"/>
-              </a:rPr>
-              <a:t>HelpUri</a:t>
-            </a:r>
-            <a:endParaRPr lang="en-GB" b="0" i="0" u="none" strike="noStrike" baseline="0" dirty="0">
-              <a:latin typeface="Arial" panose="020B0604020202020204" pitchFamily="34" charset="0"/>
-            </a:endParaRPr>
-          </a:p>
-          <a:p>
-            <a:pPr marR="0" lvl="3" rtl="0"/>
-            <a:r>
-              <a:rPr lang="en-GB" b="0" i="0" u="none" strike="noStrike" baseline="0" dirty="0" err="1">
-                <a:latin typeface="Arial" panose="020B0604020202020204" pitchFamily="34" charset="0"/>
-              </a:rPr>
-              <a:t>SupportsShouldProcess</a:t>
-            </a:r>
-            <a:endParaRPr lang="en-GB" b="0" i="0" u="none" strike="noStrike" baseline="0" dirty="0">
-              <a:latin typeface="Arial" panose="020B0604020202020204" pitchFamily="34" charset="0"/>
-            </a:endParaRPr>
-          </a:p>
-          <a:p>
-            <a:pPr lvl="2"/>
-            <a:r>
-              <a:rPr lang="en-GB" b="0" i="0" u="none" strike="noStrike" baseline="0" dirty="0" err="1">
-                <a:latin typeface="Arial" panose="020B0604020202020204" pitchFamily="34" charset="0"/>
-              </a:rPr>
-              <a:t>OutputType</a:t>
-            </a:r>
-            <a:r>
-              <a:rPr lang="en-GB" b="0" i="0" u="none" strike="noStrike" baseline="0" dirty="0">
-                <a:latin typeface="Arial" panose="020B0604020202020204" pitchFamily="34" charset="0"/>
-              </a:rPr>
-              <a:t>()</a:t>
-            </a:r>
-          </a:p>
         </p:txBody>
       </p:sp>
       <p:sp>
@@ -9465,7 +9747,7 @@
           <p:cNvPr id="4" name="Footer Placeholder 3">
             <a:extLst>
               <a:ext uri="{FF2B5EF4-FFF2-40B4-BE49-F238E27FC236}">
-                <a16:creationId xmlns:a16="http://schemas.microsoft.com/office/drawing/2014/main" id="{75BBB81C-45AB-AEAB-5FAD-EFFABA8938FF}"/>
+                <a16:creationId xmlns:a16="http://schemas.microsoft.com/office/drawing/2014/main" id="{0396DF2E-9343-5775-16E5-CF4F283EF339}"/>
               </a:ext>
             </a:extLst>
           </p:cNvPr>
@@ -9494,7 +9776,7 @@
           <p:cNvPr id="5" name="Slide Number Placeholder 4">
             <a:extLst>
               <a:ext uri="{FF2B5EF4-FFF2-40B4-BE49-F238E27FC236}">
-                <a16:creationId xmlns:a16="http://schemas.microsoft.com/office/drawing/2014/main" id="{0E3BFC2C-1865-0D7A-4844-3CA4D42BD2B4}"/>
+                <a16:creationId xmlns:a16="http://schemas.microsoft.com/office/drawing/2014/main" id="{FD3B2D6B-8C6C-3010-3DAE-2825373B7683}"/>
               </a:ext>
             </a:extLst>
           </p:cNvPr>
@@ -9521,7 +9803,7 @@
     </p:spTree>
     <p:extLst>
       <p:ext uri="{BB962C8B-B14F-4D97-AF65-F5344CB8AC3E}">
-        <p14:creationId xmlns:p14="http://schemas.microsoft.com/office/powerpoint/2010/main" val="2676301420"/>
+        <p14:creationId xmlns:p14="http://schemas.microsoft.com/office/powerpoint/2010/main" val="3676320783"/>
       </p:ext>
     </p:extLst>
   </p:cSld>
@@ -9748,6 +10030,250 @@
   <p:cSld>
     <p:spTree>
       <p:nvGrpSpPr>
+        <p:cNvPr id="1" name=""/>
+        <p:cNvGrpSpPr/>
+        <p:nvPr/>
+      </p:nvGrpSpPr>
+      <p:grpSpPr>
+        <a:xfrm>
+          <a:off x="0" y="0"/>
+          <a:ext cx="0" cy="0"/>
+          <a:chOff x="0" y="0"/>
+          <a:chExt cx="0" cy="0"/>
+        </a:xfrm>
+      </p:grpSpPr>
+      <p:sp>
+        <p:nvSpPr>
+          <p:cNvPr id="2" name="Title 1">
+            <a:extLst>
+              <a:ext uri="{FF2B5EF4-FFF2-40B4-BE49-F238E27FC236}">
+                <a16:creationId xmlns:a16="http://schemas.microsoft.com/office/drawing/2014/main" id="{13077EAC-4E7A-68C9-F67D-861052C88580}"/>
+              </a:ext>
+            </a:extLst>
+          </p:cNvPr>
+          <p:cNvSpPr>
+            <a:spLocks noGrp="1"/>
+          </p:cNvSpPr>
+          <p:nvPr>
+            <p:ph type="title"/>
+          </p:nvPr>
+        </p:nvSpPr>
+        <p:spPr>
+          <a:xfrm>
+            <a:off x="838200" y="365125"/>
+            <a:ext cx="10515600" cy="1325563"/>
+          </a:xfrm>
+        </p:spPr>
+        <p:txBody>
+          <a:bodyPr/>
+          <a:lstStyle/>
+          <a:p>
+            <a:pPr marR="0" rtl="0"/>
+            <a:r>
+              <a:rPr lang="en-US" b="1" i="0" u="none" strike="noStrike" baseline="0" dirty="0">
+                <a:latin typeface="Arial" panose="020B0604020202020204" pitchFamily="34" charset="0"/>
+              </a:rPr>
+              <a:t>Filters, Functions and Advanced Functions</a:t>
+            </a:r>
+            <a:endParaRPr lang="en-US" b="0" i="0" u="none" strike="noStrike" baseline="0" dirty="0">
+              <a:latin typeface="Arial" panose="020B0604020202020204" pitchFamily="34" charset="0"/>
+            </a:endParaRPr>
+          </a:p>
+        </p:txBody>
+      </p:sp>
+      <p:sp>
+        <p:nvSpPr>
+          <p:cNvPr id="3" name="Text Placeholder 2">
+            <a:extLst>
+              <a:ext uri="{FF2B5EF4-FFF2-40B4-BE49-F238E27FC236}">
+                <a16:creationId xmlns:a16="http://schemas.microsoft.com/office/drawing/2014/main" id="{0DF2CE34-7562-F431-0861-70DE616EA733}"/>
+              </a:ext>
+            </a:extLst>
+          </p:cNvPr>
+          <p:cNvSpPr>
+            <a:spLocks noGrp="1"/>
+          </p:cNvSpPr>
+          <p:nvPr>
+            <p:ph type="body" idx="1"/>
+          </p:nvPr>
+        </p:nvSpPr>
+        <p:spPr/>
+        <p:txBody>
+          <a:bodyPr>
+            <a:normAutofit/>
+          </a:bodyPr>
+          <a:lstStyle/>
+          <a:p>
+            <a:pPr marR="0" lvl="0" rtl="0"/>
+            <a:r>
+              <a:rPr lang="en-GB" b="0" i="0" u="none" strike="noStrike" baseline="0" dirty="0">
+                <a:latin typeface="Arial" panose="020B0604020202020204" pitchFamily="34" charset="0"/>
+              </a:rPr>
+              <a:t>Three Types of "functions"</a:t>
+            </a:r>
+          </a:p>
+          <a:p>
+            <a:pPr marR="0" lvl="1" rtl="0"/>
+            <a:r>
+              <a:rPr lang="en-GB" b="0" i="0" u="none" strike="noStrike" baseline="0" dirty="0">
+                <a:latin typeface="Arial" panose="020B0604020202020204" pitchFamily="34" charset="0"/>
+              </a:rPr>
+              <a:t>Advanced Function</a:t>
+            </a:r>
+          </a:p>
+          <a:p>
+            <a:pPr marR="0" lvl="2" rtl="0"/>
+            <a:r>
+              <a:rPr lang="en-GB" b="0" i="0" u="none" strike="noStrike" baseline="0" dirty="0" err="1">
+                <a:latin typeface="Arial" panose="020B0604020202020204" pitchFamily="34" charset="0"/>
+              </a:rPr>
+              <a:t>CmdletBinding</a:t>
+            </a:r>
+            <a:endParaRPr lang="en-GB" b="0" i="0" u="none" strike="noStrike" baseline="0" dirty="0">
+              <a:latin typeface="Arial" panose="020B0604020202020204" pitchFamily="34" charset="0"/>
+            </a:endParaRPr>
+          </a:p>
+          <a:p>
+            <a:pPr marR="0" lvl="3" rtl="0"/>
+            <a:r>
+              <a:rPr lang="en-GB" b="0" i="0" u="none" strike="noStrike" baseline="0" dirty="0" err="1">
+                <a:latin typeface="Arial" panose="020B0604020202020204" pitchFamily="34" charset="0"/>
+              </a:rPr>
+              <a:t>ConfirmImpact</a:t>
+            </a:r>
+            <a:endParaRPr lang="en-GB" b="0" i="0" u="none" strike="noStrike" baseline="0" dirty="0">
+              <a:latin typeface="Arial" panose="020B0604020202020204" pitchFamily="34" charset="0"/>
+            </a:endParaRPr>
+          </a:p>
+          <a:p>
+            <a:pPr marR="0" lvl="3" rtl="0"/>
+            <a:r>
+              <a:rPr lang="en-GB" b="0" i="0" u="none" strike="noStrike" baseline="0" dirty="0" err="1">
+                <a:latin typeface="Arial" panose="020B0604020202020204" pitchFamily="34" charset="0"/>
+              </a:rPr>
+              <a:t>DefaultParameterSetName</a:t>
+            </a:r>
+            <a:endParaRPr lang="en-GB" b="0" i="0" u="none" strike="noStrike" baseline="0" dirty="0">
+              <a:latin typeface="Arial" panose="020B0604020202020204" pitchFamily="34" charset="0"/>
+            </a:endParaRPr>
+          </a:p>
+          <a:p>
+            <a:pPr marR="0" lvl="3" rtl="0"/>
+            <a:r>
+              <a:rPr lang="en-GB" b="0" i="0" u="none" strike="noStrike" baseline="0" dirty="0" err="1">
+                <a:latin typeface="Arial" panose="020B0604020202020204" pitchFamily="34" charset="0"/>
+              </a:rPr>
+              <a:t>HelpUri</a:t>
+            </a:r>
+            <a:endParaRPr lang="en-GB" b="0" i="0" u="none" strike="noStrike" baseline="0" dirty="0">
+              <a:latin typeface="Arial" panose="020B0604020202020204" pitchFamily="34" charset="0"/>
+            </a:endParaRPr>
+          </a:p>
+          <a:p>
+            <a:pPr marR="0" lvl="3" rtl="0"/>
+            <a:r>
+              <a:rPr lang="en-GB" b="0" i="0" u="none" strike="noStrike" baseline="0" dirty="0" err="1">
+                <a:latin typeface="Arial" panose="020B0604020202020204" pitchFamily="34" charset="0"/>
+              </a:rPr>
+              <a:t>SupportsShouldProcess</a:t>
+            </a:r>
+            <a:endParaRPr lang="en-GB" b="0" i="0" u="none" strike="noStrike" baseline="0" dirty="0">
+              <a:latin typeface="Arial" panose="020B0604020202020204" pitchFamily="34" charset="0"/>
+            </a:endParaRPr>
+          </a:p>
+          <a:p>
+            <a:pPr lvl="2"/>
+            <a:r>
+              <a:rPr lang="en-GB" b="0" i="0" u="none" strike="noStrike" baseline="0" dirty="0" err="1">
+                <a:latin typeface="Arial" panose="020B0604020202020204" pitchFamily="34" charset="0"/>
+              </a:rPr>
+              <a:t>OutputType</a:t>
+            </a:r>
+            <a:r>
+              <a:rPr lang="en-GB" b="0" i="0" u="none" strike="noStrike" baseline="0" dirty="0">
+                <a:latin typeface="Arial" panose="020B0604020202020204" pitchFamily="34" charset="0"/>
+              </a:rPr>
+              <a:t>()</a:t>
+            </a:r>
+          </a:p>
+        </p:txBody>
+      </p:sp>
+      <p:sp>
+        <p:nvSpPr>
+          <p:cNvPr id="4" name="Footer Placeholder 3">
+            <a:extLst>
+              <a:ext uri="{FF2B5EF4-FFF2-40B4-BE49-F238E27FC236}">
+                <a16:creationId xmlns:a16="http://schemas.microsoft.com/office/drawing/2014/main" id="{75BBB81C-45AB-AEAB-5FAD-EFFABA8938FF}"/>
+              </a:ext>
+            </a:extLst>
+          </p:cNvPr>
+          <p:cNvSpPr>
+            <a:spLocks noGrp="1"/>
+          </p:cNvSpPr>
+          <p:nvPr>
+            <p:ph type="ftr" sz="quarter" idx="11"/>
+          </p:nvPr>
+        </p:nvSpPr>
+        <p:spPr/>
+        <p:txBody>
+          <a:bodyPr/>
+          <a:lstStyle/>
+          <a:p>
+            <a:r>
+              <a:rPr lang="sv-SE"/>
+              <a:t>Björn Sundling  bjorn.sundling@advania.com</a:t>
+            </a:r>
+            <a:endParaRPr lang="en-SE"/>
+          </a:p>
+        </p:txBody>
+      </p:sp>
+      <p:sp>
+        <p:nvSpPr>
+          <p:cNvPr id="5" name="Slide Number Placeholder 4">
+            <a:extLst>
+              <a:ext uri="{FF2B5EF4-FFF2-40B4-BE49-F238E27FC236}">
+                <a16:creationId xmlns:a16="http://schemas.microsoft.com/office/drawing/2014/main" id="{0E3BFC2C-1865-0D7A-4844-3CA4D42BD2B4}"/>
+              </a:ext>
+            </a:extLst>
+          </p:cNvPr>
+          <p:cNvSpPr>
+            <a:spLocks noGrp="1"/>
+          </p:cNvSpPr>
+          <p:nvPr>
+            <p:ph type="sldNum" sz="quarter" idx="12"/>
+          </p:nvPr>
+        </p:nvSpPr>
+        <p:spPr/>
+        <p:txBody>
+          <a:bodyPr/>
+          <a:lstStyle/>
+          <a:p>
+            <a:fld id="{9993A830-6DA6-4394-A358-10250CDB3A67}" type="slidenum">
+              <a:rPr lang="en-SE" smtClean="0"/>
+              <a:t>30</a:t>
+            </a:fld>
+            <a:endParaRPr lang="en-SE"/>
+          </a:p>
+        </p:txBody>
+      </p:sp>
+    </p:spTree>
+    <p:extLst>
+      <p:ext uri="{BB962C8B-B14F-4D97-AF65-F5344CB8AC3E}">
+        <p14:creationId xmlns:p14="http://schemas.microsoft.com/office/powerpoint/2010/main" val="2676301420"/>
+      </p:ext>
+    </p:extLst>
+  </p:cSld>
+  <p:clrMapOvr>
+    <a:masterClrMapping/>
+  </p:clrMapOvr>
+</p:sld>
+</file>
+
+<file path=ppt/slides/slide31.xml><?xml version="1.0" encoding="utf-8"?>
+<p:sld xmlns:a="http://schemas.openxmlformats.org/drawingml/2006/main" xmlns:r="http://schemas.openxmlformats.org/officeDocument/2006/relationships" xmlns:p="http://schemas.openxmlformats.org/presentationml/2006/main">
+  <p:cSld>
+    <p:spTree>
+      <p:nvGrpSpPr>
         <p:cNvPr id="1" name="">
           <a:extLst>
             <a:ext uri="{FF2B5EF4-FFF2-40B4-BE49-F238E27FC236}">
@@ -9938,7 +10464,7 @@
           <a:p>
             <a:fld id="{9993A830-6DA6-4394-A358-10250CDB3A67}" type="slidenum">
               <a:rPr lang="en-SE" smtClean="0"/>
-              <a:t>30</a:t>
+              <a:t>31</a:t>
             </a:fld>
             <a:endParaRPr lang="en-SE"/>
           </a:p>
@@ -9948,433 +10474,6 @@
     <p:extLst>
       <p:ext uri="{BB962C8B-B14F-4D97-AF65-F5344CB8AC3E}">
         <p14:creationId xmlns:p14="http://schemas.microsoft.com/office/powerpoint/2010/main" val="1300984583"/>
-      </p:ext>
-    </p:extLst>
-  </p:cSld>
-  <p:clrMapOvr>
-    <a:masterClrMapping/>
-  </p:clrMapOvr>
-</p:sld>
-</file>
-
-<file path=ppt/slides/slide31.xml><?xml version="1.0" encoding="utf-8"?>
-<p:sld xmlns:a="http://schemas.openxmlformats.org/drawingml/2006/main" xmlns:r="http://schemas.openxmlformats.org/officeDocument/2006/relationships" xmlns:p="http://schemas.openxmlformats.org/presentationml/2006/main">
-  <p:cSld>
-    <p:spTree>
-      <p:nvGrpSpPr>
-        <p:cNvPr id="1" name=""/>
-        <p:cNvGrpSpPr/>
-        <p:nvPr/>
-      </p:nvGrpSpPr>
-      <p:grpSpPr>
-        <a:xfrm>
-          <a:off x="0" y="0"/>
-          <a:ext cx="0" cy="0"/>
-          <a:chOff x="0" y="0"/>
-          <a:chExt cx="0" cy="0"/>
-        </a:xfrm>
-      </p:grpSpPr>
-      <p:sp>
-        <p:nvSpPr>
-          <p:cNvPr id="2" name="Title 1">
-            <a:extLst>
-              <a:ext uri="{FF2B5EF4-FFF2-40B4-BE49-F238E27FC236}">
-                <a16:creationId xmlns:a16="http://schemas.microsoft.com/office/drawing/2014/main" id="{13077EAC-4E7A-68C9-F67D-861052C88580}"/>
-              </a:ext>
-            </a:extLst>
-          </p:cNvPr>
-          <p:cNvSpPr>
-            <a:spLocks noGrp="1"/>
-          </p:cNvSpPr>
-          <p:nvPr>
-            <p:ph type="title"/>
-          </p:nvPr>
-        </p:nvSpPr>
-        <p:spPr>
-          <a:xfrm>
-            <a:off x="838200" y="365125"/>
-            <a:ext cx="10515600" cy="1325563"/>
-          </a:xfrm>
-        </p:spPr>
-        <p:txBody>
-          <a:bodyPr/>
-          <a:lstStyle/>
-          <a:p>
-            <a:pPr marR="0" rtl="0"/>
-            <a:r>
-              <a:rPr lang="en-US" b="1" i="0" u="none" strike="noStrike" baseline="0" dirty="0">
-                <a:latin typeface="Arial" panose="020B0604020202020204" pitchFamily="34" charset="0"/>
-              </a:rPr>
-              <a:t>Filters, Functions and Advanced Functions</a:t>
-            </a:r>
-            <a:endParaRPr lang="en-US" b="0" i="0" u="none" strike="noStrike" baseline="0" dirty="0">
-              <a:latin typeface="Arial" panose="020B0604020202020204" pitchFamily="34" charset="0"/>
-            </a:endParaRPr>
-          </a:p>
-        </p:txBody>
-      </p:sp>
-      <p:sp>
-        <p:nvSpPr>
-          <p:cNvPr id="3" name="Text Placeholder 2">
-            <a:extLst>
-              <a:ext uri="{FF2B5EF4-FFF2-40B4-BE49-F238E27FC236}">
-                <a16:creationId xmlns:a16="http://schemas.microsoft.com/office/drawing/2014/main" id="{0DF2CE34-7562-F431-0861-70DE616EA733}"/>
-              </a:ext>
-            </a:extLst>
-          </p:cNvPr>
-          <p:cNvSpPr>
-            <a:spLocks noGrp="1"/>
-          </p:cNvSpPr>
-          <p:nvPr>
-            <p:ph type="body" idx="1"/>
-          </p:nvPr>
-        </p:nvSpPr>
-        <p:spPr/>
-        <p:txBody>
-          <a:bodyPr>
-            <a:normAutofit fontScale="62500" lnSpcReduction="20000"/>
-          </a:bodyPr>
-          <a:lstStyle/>
-          <a:p>
-            <a:pPr marR="0" lvl="0" rtl="0"/>
-            <a:r>
-              <a:rPr lang="en-GB" b="0" i="0" u="none" strike="noStrike" baseline="0" dirty="0">
-                <a:latin typeface="Arial" panose="020B0604020202020204" pitchFamily="34" charset="0"/>
-              </a:rPr>
-              <a:t>Three Types of "functions"</a:t>
-            </a:r>
-          </a:p>
-          <a:p>
-            <a:pPr marR="0" lvl="1" rtl="0"/>
-            <a:r>
-              <a:rPr lang="en-GB" b="0" i="0" u="none" strike="noStrike" baseline="0" dirty="0">
-                <a:latin typeface="Arial" panose="020B0604020202020204" pitchFamily="34" charset="0"/>
-              </a:rPr>
-              <a:t>Advanced Function</a:t>
-            </a:r>
-          </a:p>
-          <a:p>
-            <a:pPr marR="0" lvl="2" rtl="0"/>
-            <a:r>
-              <a:rPr lang="en-GB" b="0" i="0" u="none" strike="noStrike" baseline="0" dirty="0">
-                <a:latin typeface="Arial" panose="020B0604020202020204" pitchFamily="34" charset="0"/>
-              </a:rPr>
-              <a:t>Rich Parameter support</a:t>
-            </a:r>
-          </a:p>
-          <a:p>
-            <a:pPr marR="0" lvl="3" rtl="0"/>
-            <a:r>
-              <a:rPr lang="en-GB" b="0" i="0" u="none" strike="noStrike" baseline="0" dirty="0">
-                <a:latin typeface="Arial" panose="020B0604020202020204" pitchFamily="34" charset="0"/>
-              </a:rPr>
-              <a:t>Metadata</a:t>
-            </a:r>
-          </a:p>
-          <a:p>
-            <a:pPr marR="0" lvl="4" rtl="0"/>
-            <a:r>
-              <a:rPr lang="en-GB" b="0" i="0" u="none" strike="noStrike" baseline="0" dirty="0">
-                <a:latin typeface="Arial" panose="020B0604020202020204" pitchFamily="34" charset="0"/>
-              </a:rPr>
-              <a:t>Mandatory</a:t>
-            </a:r>
-          </a:p>
-          <a:p>
-            <a:pPr marR="0" lvl="4" rtl="0"/>
-            <a:r>
-              <a:rPr lang="en-GB" b="0" i="0" u="none" strike="noStrike" baseline="0" dirty="0">
-                <a:latin typeface="Arial" panose="020B0604020202020204" pitchFamily="34" charset="0"/>
-              </a:rPr>
-              <a:t>Position</a:t>
-            </a:r>
-          </a:p>
-          <a:p>
-            <a:pPr marR="0" lvl="4" rtl="0"/>
-            <a:r>
-              <a:rPr lang="en-GB" b="0" i="0" u="none" strike="noStrike" baseline="0" dirty="0">
-                <a:latin typeface="Arial" panose="020B0604020202020204" pitchFamily="34" charset="0"/>
-              </a:rPr>
-              <a:t>Pipeline Input</a:t>
-            </a:r>
-          </a:p>
-          <a:p>
-            <a:pPr marR="0" lvl="4" rtl="0"/>
-            <a:r>
-              <a:rPr lang="en-GB" b="0" i="0" u="none" strike="noStrike" baseline="0" dirty="0" err="1">
-                <a:latin typeface="Arial" panose="020B0604020202020204" pitchFamily="34" charset="0"/>
-              </a:rPr>
-              <a:t>ParameterSetName</a:t>
-            </a:r>
-            <a:endParaRPr lang="en-GB" b="0" i="0" u="none" strike="noStrike" baseline="0" dirty="0">
-              <a:latin typeface="Arial" panose="020B0604020202020204" pitchFamily="34" charset="0"/>
-            </a:endParaRPr>
-          </a:p>
-          <a:p>
-            <a:pPr marR="0" lvl="4" rtl="0"/>
-            <a:r>
-              <a:rPr lang="en-GB" b="0" i="0" u="none" strike="noStrike" baseline="0" dirty="0">
-                <a:latin typeface="Arial" panose="020B0604020202020204" pitchFamily="34" charset="0"/>
-              </a:rPr>
-              <a:t>Alias</a:t>
-            </a:r>
-          </a:p>
-          <a:p>
-            <a:pPr marR="0" lvl="4" rtl="0"/>
-            <a:r>
-              <a:rPr lang="en-GB" b="0" i="0" u="none" strike="noStrike" baseline="0" dirty="0" err="1">
-                <a:latin typeface="Arial" panose="020B0604020202020204" pitchFamily="34" charset="0"/>
-              </a:rPr>
-              <a:t>HelpMessage</a:t>
-            </a:r>
-            <a:endParaRPr lang="en-GB" b="0" i="0" u="none" strike="noStrike" baseline="0" dirty="0">
-              <a:latin typeface="Arial" panose="020B0604020202020204" pitchFamily="34" charset="0"/>
-            </a:endParaRPr>
-          </a:p>
-          <a:p>
-            <a:pPr marR="0" lvl="4" rtl="0"/>
-            <a:r>
-              <a:rPr lang="en-GB" b="0" i="0" u="none" strike="noStrike" baseline="0" dirty="0" err="1">
-                <a:latin typeface="Arial" panose="020B0604020202020204" pitchFamily="34" charset="0"/>
-              </a:rPr>
-              <a:t>DontShow</a:t>
-            </a:r>
-            <a:endParaRPr lang="en-GB" b="0" i="0" u="none" strike="noStrike" baseline="0" dirty="0">
-              <a:latin typeface="Arial" panose="020B0604020202020204" pitchFamily="34" charset="0"/>
-            </a:endParaRPr>
-          </a:p>
-          <a:p>
-            <a:pPr marR="0" lvl="3" rtl="0"/>
-            <a:r>
-              <a:rPr lang="en-GB" b="0" i="0" u="none" strike="noStrike" baseline="0" dirty="0">
-                <a:latin typeface="Arial" panose="020B0604020202020204" pitchFamily="34" charset="0"/>
-              </a:rPr>
-              <a:t>Type</a:t>
-            </a:r>
-          </a:p>
-          <a:p>
-            <a:pPr marR="0" lvl="4" rtl="0"/>
-            <a:r>
-              <a:rPr lang="en-GB" b="0" i="0" u="none" strike="noStrike" baseline="0" dirty="0">
-                <a:latin typeface="Arial" panose="020B0604020202020204" pitchFamily="34" charset="0"/>
-              </a:rPr>
-              <a:t>Implicit Casting</a:t>
-            </a:r>
-          </a:p>
-          <a:p>
-            <a:pPr marR="0" lvl="3" rtl="0"/>
-            <a:r>
-              <a:rPr lang="en-GB" b="0" i="0" u="none" strike="noStrike" baseline="0" dirty="0">
-                <a:latin typeface="Arial" panose="020B0604020202020204" pitchFamily="34" charset="0"/>
-              </a:rPr>
-              <a:t>Validation</a:t>
-            </a:r>
-          </a:p>
-          <a:p>
-            <a:pPr marR="0" lvl="4" rtl="0"/>
-            <a:r>
-              <a:rPr lang="en-GB" b="0" i="0" u="none" strike="noStrike" baseline="0" dirty="0" err="1">
-                <a:latin typeface="Arial" panose="020B0604020202020204" pitchFamily="34" charset="0"/>
-              </a:rPr>
-              <a:t>AllowNull</a:t>
-            </a:r>
-            <a:r>
-              <a:rPr lang="en-GB" b="0" i="0" u="none" strike="noStrike" baseline="0" dirty="0">
-                <a:latin typeface="Arial" panose="020B0604020202020204" pitchFamily="34" charset="0"/>
-              </a:rPr>
-              <a:t>()</a:t>
-            </a:r>
-          </a:p>
-          <a:p>
-            <a:pPr marR="0" lvl="4" rtl="0"/>
-            <a:r>
-              <a:rPr lang="en-GB" b="0" i="0" u="none" strike="noStrike" baseline="0" dirty="0" err="1">
-                <a:latin typeface="Arial" panose="020B0604020202020204" pitchFamily="34" charset="0"/>
-              </a:rPr>
-              <a:t>AllowEmptyString</a:t>
-            </a:r>
-            <a:r>
-              <a:rPr lang="en-GB" b="0" i="0" u="none" strike="noStrike" baseline="0" dirty="0">
-                <a:latin typeface="Arial" panose="020B0604020202020204" pitchFamily="34" charset="0"/>
-              </a:rPr>
-              <a:t>()</a:t>
-            </a:r>
-          </a:p>
-          <a:p>
-            <a:pPr marR="0" lvl="4" rtl="0"/>
-            <a:r>
-              <a:rPr lang="en-GB" b="0" i="0" u="none" strike="noStrike" baseline="0" dirty="0" err="1">
-                <a:latin typeface="Arial" panose="020B0604020202020204" pitchFamily="34" charset="0"/>
-              </a:rPr>
-              <a:t>ValidateCount</a:t>
-            </a:r>
-            <a:r>
-              <a:rPr lang="en-GB" b="0" i="0" u="none" strike="noStrike" baseline="0" dirty="0">
-                <a:latin typeface="Arial" panose="020B0604020202020204" pitchFamily="34" charset="0"/>
-              </a:rPr>
-              <a:t>(1,5)</a:t>
-            </a:r>
-          </a:p>
-          <a:p>
-            <a:pPr marR="0" lvl="4" rtl="0"/>
-            <a:r>
-              <a:rPr lang="en-GB" b="0" i="0" u="none" strike="noStrike" baseline="0" dirty="0" err="1">
-                <a:latin typeface="Arial" panose="020B0604020202020204" pitchFamily="34" charset="0"/>
-              </a:rPr>
-              <a:t>ValidateLength</a:t>
-            </a:r>
-            <a:r>
-              <a:rPr lang="en-GB" b="0" i="0" u="none" strike="noStrike" baseline="0" dirty="0">
-                <a:latin typeface="Arial" panose="020B0604020202020204" pitchFamily="34" charset="0"/>
-              </a:rPr>
-              <a:t>(1,5)</a:t>
-            </a:r>
-          </a:p>
-          <a:p>
-            <a:pPr marR="0" lvl="4" rtl="0"/>
-            <a:r>
-              <a:rPr lang="en-GB" b="0" i="0" u="none" strike="noStrike" baseline="0" dirty="0" err="1">
-                <a:latin typeface="Arial" panose="020B0604020202020204" pitchFamily="34" charset="0"/>
-              </a:rPr>
-              <a:t>ValidatePattern</a:t>
-            </a:r>
-            <a:r>
-              <a:rPr lang="en-GB" b="0" i="0" u="none" strike="noStrike" baseline="0" dirty="0">
-                <a:latin typeface="Arial" panose="020B0604020202020204" pitchFamily="34" charset="0"/>
-              </a:rPr>
-              <a:t>('+')</a:t>
-            </a:r>
-          </a:p>
-          <a:p>
-            <a:pPr marR="0" lvl="4" rtl="0"/>
-            <a:r>
-              <a:rPr lang="en-GB" b="0" i="0" u="none" strike="noStrike" baseline="0" dirty="0" err="1">
-                <a:latin typeface="Arial" panose="020B0604020202020204" pitchFamily="34" charset="0"/>
-              </a:rPr>
-              <a:t>ValidateScript</a:t>
-            </a:r>
-            <a:r>
-              <a:rPr lang="en-GB" b="0" i="0" u="none" strike="noStrike" baseline="0" dirty="0">
-                <a:latin typeface="Arial" panose="020B0604020202020204" pitchFamily="34" charset="0"/>
-              </a:rPr>
-              <a:t>( { Test-Path $_ } )</a:t>
-            </a:r>
-          </a:p>
-          <a:p>
-            <a:pPr marR="0" lvl="4" rtl="0"/>
-            <a:r>
-              <a:rPr lang="en-GB" b="0" i="0" u="none" strike="noStrike" baseline="0" dirty="0" err="1">
-                <a:latin typeface="Arial" panose="020B0604020202020204" pitchFamily="34" charset="0"/>
-              </a:rPr>
-              <a:t>ValidateSet</a:t>
-            </a:r>
-            <a:r>
-              <a:rPr lang="en-GB" b="0" i="0" u="none" strike="noStrike" baseline="0" dirty="0">
-                <a:latin typeface="Arial" panose="020B0604020202020204" pitchFamily="34" charset="0"/>
-              </a:rPr>
-              <a:t>( '</a:t>
-            </a:r>
-            <a:r>
-              <a:rPr lang="en-GB" b="0" i="0" u="none" strike="noStrike" baseline="0" dirty="0" err="1">
-                <a:latin typeface="Arial" panose="020B0604020202020204" pitchFamily="34" charset="0"/>
-              </a:rPr>
-              <a:t>Apelsin</a:t>
-            </a:r>
-            <a:r>
-              <a:rPr lang="en-GB" b="0" i="0" u="none" strike="noStrike" baseline="0" dirty="0">
-                <a:latin typeface="Arial" panose="020B0604020202020204" pitchFamily="34" charset="0"/>
-              </a:rPr>
-              <a:t>', 'Banan', '</a:t>
-            </a:r>
-            <a:r>
-              <a:rPr lang="en-GB" b="0" i="0" u="none" strike="noStrike" baseline="0" dirty="0" err="1">
-                <a:latin typeface="Arial" panose="020B0604020202020204" pitchFamily="34" charset="0"/>
-              </a:rPr>
-              <a:t>Clementin</a:t>
-            </a:r>
-            <a:r>
-              <a:rPr lang="en-GB" b="0" i="0" u="none" strike="noStrike" baseline="0" dirty="0">
-                <a:latin typeface="Arial" panose="020B0604020202020204" pitchFamily="34" charset="0"/>
-              </a:rPr>
-              <a:t>')</a:t>
-            </a:r>
-          </a:p>
-          <a:p>
-            <a:pPr marR="0" lvl="4" rtl="0"/>
-            <a:r>
-              <a:rPr lang="en-GB" b="0" i="0" u="none" strike="noStrike" baseline="0" dirty="0" err="1">
-                <a:latin typeface="Arial" panose="020B0604020202020204" pitchFamily="34" charset="0"/>
-              </a:rPr>
-              <a:t>ErrorMessage</a:t>
-            </a:r>
-            <a:endParaRPr lang="en-GB" b="0" i="0" u="none" strike="noStrike" baseline="0" dirty="0">
-              <a:latin typeface="Arial" panose="020B0604020202020204" pitchFamily="34" charset="0"/>
-            </a:endParaRPr>
-          </a:p>
-        </p:txBody>
-      </p:sp>
-      <p:sp>
-        <p:nvSpPr>
-          <p:cNvPr id="4" name="Footer Placeholder 3">
-            <a:extLst>
-              <a:ext uri="{FF2B5EF4-FFF2-40B4-BE49-F238E27FC236}">
-                <a16:creationId xmlns:a16="http://schemas.microsoft.com/office/drawing/2014/main" id="{AF8AAFD1-C71B-C491-B876-6EB34F12D4E4}"/>
-              </a:ext>
-            </a:extLst>
-          </p:cNvPr>
-          <p:cNvSpPr>
-            <a:spLocks noGrp="1"/>
-          </p:cNvSpPr>
-          <p:nvPr>
-            <p:ph type="ftr" sz="quarter" idx="11"/>
-          </p:nvPr>
-        </p:nvSpPr>
-        <p:spPr/>
-        <p:txBody>
-          <a:bodyPr/>
-          <a:lstStyle/>
-          <a:p>
-            <a:r>
-              <a:rPr lang="sv-SE"/>
-              <a:t>Björn Sundling  bjorn.sundling@advania.com</a:t>
-            </a:r>
-            <a:endParaRPr lang="en-SE"/>
-          </a:p>
-        </p:txBody>
-      </p:sp>
-      <p:sp>
-        <p:nvSpPr>
-          <p:cNvPr id="5" name="Slide Number Placeholder 4">
-            <a:extLst>
-              <a:ext uri="{FF2B5EF4-FFF2-40B4-BE49-F238E27FC236}">
-                <a16:creationId xmlns:a16="http://schemas.microsoft.com/office/drawing/2014/main" id="{A73457F0-5CAD-73BF-BED0-B16B159E269D}"/>
-              </a:ext>
-            </a:extLst>
-          </p:cNvPr>
-          <p:cNvSpPr>
-            <a:spLocks noGrp="1"/>
-          </p:cNvSpPr>
-          <p:nvPr>
-            <p:ph type="sldNum" sz="quarter" idx="12"/>
-          </p:nvPr>
-        </p:nvSpPr>
-        <p:spPr/>
-        <p:txBody>
-          <a:bodyPr/>
-          <a:lstStyle/>
-          <a:p>
-            <a:fld id="{9993A830-6DA6-4394-A358-10250CDB3A67}" type="slidenum">
-              <a:rPr lang="en-SE" smtClean="0"/>
-              <a:t>31</a:t>
-            </a:fld>
-            <a:endParaRPr lang="en-SE"/>
-          </a:p>
-        </p:txBody>
-      </p:sp>
-    </p:spTree>
-    <p:extLst>
-      <p:ext uri="{BB962C8B-B14F-4D97-AF65-F5344CB8AC3E}">
-        <p14:creationId xmlns:p14="http://schemas.microsoft.com/office/powerpoint/2010/main" val="2741780184"/>
       </p:ext>
     </p:extLst>
   </p:cSld>
@@ -10459,7 +10558,7 @@
         <p:spPr/>
         <p:txBody>
           <a:bodyPr>
-            <a:normAutofit/>
+            <a:normAutofit fontScale="62500" lnSpcReduction="20000"/>
           </a:bodyPr>
           <a:lstStyle/>
           <a:p>
@@ -10486,7 +10585,7 @@
               <a:rPr lang="en-GB" b="0" i="0" u="none" strike="noStrike" baseline="0" dirty="0">
                 <a:latin typeface="Arial" panose="020B0604020202020204" pitchFamily="34" charset="0"/>
               </a:rPr>
-              <a:t>Switch-Parameters</a:t>
+              <a:t>Rich Parameter support</a:t>
             </a:r>
           </a:p>
           <a:p>
@@ -10495,15 +10594,249 @@
               <a:rPr lang="en-GB" b="0" i="0" u="none" strike="noStrike" baseline="0" dirty="0">
                 <a:latin typeface="Arial" panose="020B0604020202020204" pitchFamily="34" charset="0"/>
               </a:rPr>
-              <a:t>On / Off</a:t>
-            </a:r>
-          </a:p>
-          <a:p>
-            <a:pPr marR="0" lvl="2" rtl="0"/>
+              <a:t>Metadata</a:t>
+            </a:r>
+          </a:p>
+          <a:p>
+            <a:pPr marR="0" lvl="4" rtl="0"/>
+            <a:r>
+              <a:rPr lang="en-GB" b="0" i="0" u="none" strike="noStrike" baseline="0" dirty="0">
+                <a:latin typeface="Arial" panose="020B0604020202020204" pitchFamily="34" charset="0"/>
+              </a:rPr>
+              <a:t>Mandatory</a:t>
+            </a:r>
+          </a:p>
+          <a:p>
+            <a:pPr marR="0" lvl="4" rtl="0"/>
+            <a:r>
+              <a:rPr lang="en-GB" b="0" i="0" u="none" strike="noStrike" baseline="0" dirty="0">
+                <a:latin typeface="Arial" panose="020B0604020202020204" pitchFamily="34" charset="0"/>
+              </a:rPr>
+              <a:t>Position</a:t>
+            </a:r>
+          </a:p>
+          <a:p>
+            <a:pPr marR="0" lvl="4" rtl="0"/>
+            <a:r>
+              <a:rPr lang="en-GB" b="0" i="0" u="none" strike="noStrike" baseline="0" dirty="0">
+                <a:latin typeface="Arial" panose="020B0604020202020204" pitchFamily="34" charset="0"/>
+              </a:rPr>
+              <a:t>Pipeline Input</a:t>
+            </a:r>
+          </a:p>
+          <a:p>
+            <a:pPr marR="0" lvl="4" rtl="0"/>
+            <a:r>
+              <a:rPr lang="en-GB" b="0" i="0" u="none" strike="noStrike" baseline="0" dirty="0" err="1">
+                <a:latin typeface="Arial" panose="020B0604020202020204" pitchFamily="34" charset="0"/>
+              </a:rPr>
+              <a:t>ParameterSetName</a:t>
+            </a:r>
             <a:endParaRPr lang="en-GB" b="0" i="0" u="none" strike="noStrike" baseline="0" dirty="0">
               <a:latin typeface="Arial" panose="020B0604020202020204" pitchFamily="34" charset="0"/>
             </a:endParaRPr>
           </a:p>
+          <a:p>
+            <a:pPr marR="0" lvl="4" rtl="0"/>
+            <a:r>
+              <a:rPr lang="en-GB" b="0" i="0" u="none" strike="noStrike" baseline="0" dirty="0">
+                <a:latin typeface="Arial" panose="020B0604020202020204" pitchFamily="34" charset="0"/>
+              </a:rPr>
+              <a:t>Alias</a:t>
+            </a:r>
+          </a:p>
+          <a:p>
+            <a:pPr marR="0" lvl="4" rtl="0"/>
+            <a:r>
+              <a:rPr lang="en-GB" b="0" i="0" u="none" strike="noStrike" baseline="0" dirty="0" err="1">
+                <a:latin typeface="Arial" panose="020B0604020202020204" pitchFamily="34" charset="0"/>
+              </a:rPr>
+              <a:t>HelpMessage</a:t>
+            </a:r>
+            <a:endParaRPr lang="en-GB" b="0" i="0" u="none" strike="noStrike" baseline="0" dirty="0">
+              <a:latin typeface="Arial" panose="020B0604020202020204" pitchFamily="34" charset="0"/>
+            </a:endParaRPr>
+          </a:p>
+          <a:p>
+            <a:pPr marR="0" lvl="4" rtl="0"/>
+            <a:r>
+              <a:rPr lang="en-GB" b="0" i="0" u="none" strike="noStrike" baseline="0" dirty="0" err="1">
+                <a:latin typeface="Arial" panose="020B0604020202020204" pitchFamily="34" charset="0"/>
+              </a:rPr>
+              <a:t>DontShow</a:t>
+            </a:r>
+            <a:endParaRPr lang="en-GB" b="0" i="0" u="none" strike="noStrike" baseline="0" dirty="0">
+              <a:latin typeface="Arial" panose="020B0604020202020204" pitchFamily="34" charset="0"/>
+            </a:endParaRPr>
+          </a:p>
+          <a:p>
+            <a:pPr marR="0" lvl="3" rtl="0"/>
+            <a:r>
+              <a:rPr lang="en-GB" b="0" i="0" u="none" strike="noStrike" baseline="0" dirty="0">
+                <a:latin typeface="Arial" panose="020B0604020202020204" pitchFamily="34" charset="0"/>
+              </a:rPr>
+              <a:t>Type</a:t>
+            </a:r>
+          </a:p>
+          <a:p>
+            <a:pPr marR="0" lvl="4" rtl="0"/>
+            <a:r>
+              <a:rPr lang="en-GB" b="0" i="0" u="none" strike="noStrike" baseline="0" dirty="0">
+                <a:latin typeface="Arial" panose="020B0604020202020204" pitchFamily="34" charset="0"/>
+              </a:rPr>
+              <a:t>Implicit Casting</a:t>
+            </a:r>
+          </a:p>
+          <a:p>
+            <a:pPr marR="0" lvl="3" rtl="0"/>
+            <a:r>
+              <a:rPr lang="en-GB" b="0" i="0" u="none" strike="noStrike" baseline="0" dirty="0">
+                <a:latin typeface="Arial" panose="020B0604020202020204" pitchFamily="34" charset="0"/>
+              </a:rPr>
+              <a:t>Validation</a:t>
+            </a:r>
+          </a:p>
+          <a:p>
+            <a:pPr marR="0" lvl="4" rtl="0"/>
+            <a:r>
+              <a:rPr lang="en-GB" b="0" i="0" u="none" strike="noStrike" baseline="0" dirty="0" err="1">
+                <a:latin typeface="Arial" panose="020B0604020202020204" pitchFamily="34" charset="0"/>
+              </a:rPr>
+              <a:t>AllowNull</a:t>
+            </a:r>
+            <a:r>
+              <a:rPr lang="en-GB" b="0" i="0" u="none" strike="noStrike" baseline="0" dirty="0">
+                <a:latin typeface="Arial" panose="020B0604020202020204" pitchFamily="34" charset="0"/>
+              </a:rPr>
+              <a:t>()</a:t>
+            </a:r>
+          </a:p>
+          <a:p>
+            <a:pPr marR="0" lvl="4" rtl="0"/>
+            <a:r>
+              <a:rPr lang="en-GB" b="0" i="0" u="none" strike="noStrike" baseline="0" dirty="0" err="1">
+                <a:latin typeface="Arial" panose="020B0604020202020204" pitchFamily="34" charset="0"/>
+              </a:rPr>
+              <a:t>AllowEmptyString</a:t>
+            </a:r>
+            <a:r>
+              <a:rPr lang="en-GB" b="0" i="0" u="none" strike="noStrike" baseline="0" dirty="0">
+                <a:latin typeface="Arial" panose="020B0604020202020204" pitchFamily="34" charset="0"/>
+              </a:rPr>
+              <a:t>()</a:t>
+            </a:r>
+          </a:p>
+          <a:p>
+            <a:pPr marR="0" lvl="4" rtl="0"/>
+            <a:r>
+              <a:rPr lang="en-GB" b="0" i="0" u="none" strike="noStrike" baseline="0" dirty="0" err="1">
+                <a:latin typeface="Arial" panose="020B0604020202020204" pitchFamily="34" charset="0"/>
+              </a:rPr>
+              <a:t>ValidateCount</a:t>
+            </a:r>
+            <a:r>
+              <a:rPr lang="en-GB" b="0" i="0" u="none" strike="noStrike" baseline="0" dirty="0">
+                <a:latin typeface="Arial" panose="020B0604020202020204" pitchFamily="34" charset="0"/>
+              </a:rPr>
+              <a:t>(1,5)</a:t>
+            </a:r>
+          </a:p>
+          <a:p>
+            <a:pPr marR="0" lvl="4" rtl="0"/>
+            <a:r>
+              <a:rPr lang="en-GB" b="0" i="0" u="none" strike="noStrike" baseline="0" dirty="0" err="1">
+                <a:latin typeface="Arial" panose="020B0604020202020204" pitchFamily="34" charset="0"/>
+              </a:rPr>
+              <a:t>ValidateLength</a:t>
+            </a:r>
+            <a:r>
+              <a:rPr lang="en-GB" b="0" i="0" u="none" strike="noStrike" baseline="0" dirty="0">
+                <a:latin typeface="Arial" panose="020B0604020202020204" pitchFamily="34" charset="0"/>
+              </a:rPr>
+              <a:t>(1,5)</a:t>
+            </a:r>
+          </a:p>
+          <a:p>
+            <a:pPr marR="0" lvl="4" rtl="0"/>
+            <a:r>
+              <a:rPr lang="en-GB" b="0" i="0" u="none" strike="noStrike" baseline="0" dirty="0" err="1">
+                <a:latin typeface="Arial" panose="020B0604020202020204" pitchFamily="34" charset="0"/>
+              </a:rPr>
+              <a:t>ValidatePattern</a:t>
+            </a:r>
+            <a:r>
+              <a:rPr lang="en-GB" b="0" i="0" u="none" strike="noStrike" baseline="0" dirty="0">
+                <a:latin typeface="Arial" panose="020B0604020202020204" pitchFamily="34" charset="0"/>
+              </a:rPr>
+              <a:t>('+')</a:t>
+            </a:r>
+          </a:p>
+          <a:p>
+            <a:pPr marR="0" lvl="4" rtl="0"/>
+            <a:r>
+              <a:rPr lang="en-GB" b="0" i="0" u="none" strike="noStrike" baseline="0" dirty="0" err="1">
+                <a:latin typeface="Arial" panose="020B0604020202020204" pitchFamily="34" charset="0"/>
+              </a:rPr>
+              <a:t>ValidateScript</a:t>
+            </a:r>
+            <a:r>
+              <a:rPr lang="en-GB" b="0" i="0" u="none" strike="noStrike" baseline="0" dirty="0">
+                <a:latin typeface="Arial" panose="020B0604020202020204" pitchFamily="34" charset="0"/>
+              </a:rPr>
+              <a:t>( { Test-Path $_ } )</a:t>
+            </a:r>
+          </a:p>
+          <a:p>
+            <a:pPr marR="0" lvl="4" rtl="0"/>
+            <a:r>
+              <a:rPr lang="en-GB" b="0" i="0" u="none" strike="noStrike" baseline="0" dirty="0" err="1">
+                <a:latin typeface="Arial" panose="020B0604020202020204" pitchFamily="34" charset="0"/>
+              </a:rPr>
+              <a:t>ValidateSet</a:t>
+            </a:r>
+            <a:r>
+              <a:rPr lang="en-GB" b="0" i="0" u="none" strike="noStrike" baseline="0" dirty="0">
+                <a:latin typeface="Arial" panose="020B0604020202020204" pitchFamily="34" charset="0"/>
+              </a:rPr>
+              <a:t>( '</a:t>
+            </a:r>
+            <a:r>
+              <a:rPr lang="en-GB" b="0" i="0" u="none" strike="noStrike" baseline="0" dirty="0" err="1">
+                <a:latin typeface="Arial" panose="020B0604020202020204" pitchFamily="34" charset="0"/>
+              </a:rPr>
+              <a:t>Apelsin</a:t>
+            </a:r>
+            <a:r>
+              <a:rPr lang="en-GB" b="0" i="0" u="none" strike="noStrike" baseline="0" dirty="0">
+                <a:latin typeface="Arial" panose="020B0604020202020204" pitchFamily="34" charset="0"/>
+              </a:rPr>
+              <a:t>', 'Banan', '</a:t>
+            </a:r>
+            <a:r>
+              <a:rPr lang="en-GB" b="0" i="0" u="none" strike="noStrike" baseline="0" dirty="0" err="1">
+                <a:latin typeface="Arial" panose="020B0604020202020204" pitchFamily="34" charset="0"/>
+              </a:rPr>
+              <a:t>Clementin</a:t>
+            </a:r>
+            <a:r>
+              <a:rPr lang="en-GB" b="0" i="0" u="none" strike="noStrike" baseline="0" dirty="0">
+                <a:latin typeface="Arial" panose="020B0604020202020204" pitchFamily="34" charset="0"/>
+              </a:rPr>
+              <a:t>')</a:t>
+            </a:r>
+          </a:p>
+          <a:p>
+            <a:pPr marR="0" lvl="4" rtl="0"/>
+            <a:r>
+              <a:rPr lang="en-GB" b="0" i="0" u="none" strike="noStrike" baseline="0" dirty="0" err="1">
+                <a:latin typeface="Arial" panose="020B0604020202020204" pitchFamily="34" charset="0"/>
+              </a:rPr>
+              <a:t>ErrorMessage</a:t>
+            </a:r>
+            <a:endParaRPr lang="en-GB" b="0" i="0" u="none" strike="noStrike" baseline="0" dirty="0">
+              <a:latin typeface="Arial" panose="020B0604020202020204" pitchFamily="34" charset="0"/>
+            </a:endParaRPr>
+          </a:p>
         </p:txBody>
       </p:sp>
       <p:sp>
@@ -10511,7 +10844,7 @@
           <p:cNvPr id="4" name="Footer Placeholder 3">
             <a:extLst>
               <a:ext uri="{FF2B5EF4-FFF2-40B4-BE49-F238E27FC236}">
-                <a16:creationId xmlns:a16="http://schemas.microsoft.com/office/drawing/2014/main" id="{6957AA40-FFB8-C6AB-66CD-B7D31DC7E77A}"/>
+                <a16:creationId xmlns:a16="http://schemas.microsoft.com/office/drawing/2014/main" id="{AF8AAFD1-C71B-C491-B876-6EB34F12D4E4}"/>
               </a:ext>
             </a:extLst>
           </p:cNvPr>
@@ -10540,7 +10873,7 @@
           <p:cNvPr id="5" name="Slide Number Placeholder 4">
             <a:extLst>
               <a:ext uri="{FF2B5EF4-FFF2-40B4-BE49-F238E27FC236}">
-                <a16:creationId xmlns:a16="http://schemas.microsoft.com/office/drawing/2014/main" id="{FD65E550-3557-7AE9-5B73-AC8C7DEF780D}"/>
+                <a16:creationId xmlns:a16="http://schemas.microsoft.com/office/drawing/2014/main" id="{A73457F0-5CAD-73BF-BED0-B16B159E269D}"/>
               </a:ext>
             </a:extLst>
           </p:cNvPr>
@@ -10567,7 +10900,7 @@
     </p:spTree>
     <p:extLst>
       <p:ext uri="{BB962C8B-B14F-4D97-AF65-F5344CB8AC3E}">
-        <p14:creationId xmlns:p14="http://schemas.microsoft.com/office/powerpoint/2010/main" val="196389311"/>
+        <p14:creationId xmlns:p14="http://schemas.microsoft.com/office/powerpoint/2010/main" val="2741780184"/>
       </p:ext>
     </p:extLst>
   </p:cSld>
@@ -10599,7 +10932,7 @@
           <p:cNvPr id="2" name="Title 1">
             <a:extLst>
               <a:ext uri="{FF2B5EF4-FFF2-40B4-BE49-F238E27FC236}">
-                <a16:creationId xmlns:a16="http://schemas.microsoft.com/office/drawing/2014/main" id="{69BCD6E1-D5BF-EF3E-F0CC-EDE7BAE35861}"/>
+                <a16:creationId xmlns:a16="http://schemas.microsoft.com/office/drawing/2014/main" id="{13077EAC-4E7A-68C9-F67D-861052C88580}"/>
               </a:ext>
             </a:extLst>
           </p:cNvPr>
@@ -10612,106 +10945,99 @@
         </p:nvSpPr>
         <p:spPr>
           <a:xfrm>
-            <a:off x="839788" y="457200"/>
-            <a:ext cx="9123078" cy="1600200"/>
+            <a:off x="838200" y="365125"/>
+            <a:ext cx="10515600" cy="1325563"/>
           </a:xfrm>
         </p:spPr>
         <p:txBody>
           <a:bodyPr/>
           <a:lstStyle/>
           <a:p>
+            <a:pPr marR="0" rtl="0"/>
             <a:r>
               <a:rPr lang="en-US" b="1" i="0" u="none" strike="noStrike" baseline="0" dirty="0">
                 <a:latin typeface="Arial" panose="020B0604020202020204" pitchFamily="34" charset="0"/>
               </a:rPr>
               <a:t>Filters, Functions and Advanced Functions</a:t>
             </a:r>
-            <a:endParaRPr lang="en-SE" dirty="0"/>
-          </a:p>
-        </p:txBody>
-      </p:sp>
-      <p:sp>
-        <p:nvSpPr>
-          <p:cNvPr id="4" name="Text Placeholder 3">
-            <a:extLst>
-              <a:ext uri="{FF2B5EF4-FFF2-40B4-BE49-F238E27FC236}">
-                <a16:creationId xmlns:a16="http://schemas.microsoft.com/office/drawing/2014/main" id="{D7ABE405-4C8C-4761-DB98-41C6649D1B66}"/>
-              </a:ext>
-            </a:extLst>
-          </p:cNvPr>
-          <p:cNvSpPr>
-            <a:spLocks noGrp="1"/>
-          </p:cNvSpPr>
-          <p:nvPr>
-            <p:ph type="body" sz="half" idx="2"/>
-          </p:nvPr>
-        </p:nvSpPr>
-        <p:spPr>
-          <a:xfrm>
-            <a:off x="839788" y="2057400"/>
-            <a:ext cx="10877001" cy="3811588"/>
-          </a:xfrm>
-        </p:spPr>
+            <a:endParaRPr lang="en-US" b="0" i="0" u="none" strike="noStrike" baseline="0" dirty="0">
+              <a:latin typeface="Arial" panose="020B0604020202020204" pitchFamily="34" charset="0"/>
+            </a:endParaRPr>
+          </a:p>
+        </p:txBody>
+      </p:sp>
+      <p:sp>
+        <p:nvSpPr>
+          <p:cNvPr id="3" name="Text Placeholder 2">
+            <a:extLst>
+              <a:ext uri="{FF2B5EF4-FFF2-40B4-BE49-F238E27FC236}">
+                <a16:creationId xmlns:a16="http://schemas.microsoft.com/office/drawing/2014/main" id="{0DF2CE34-7562-F431-0861-70DE616EA733}"/>
+              </a:ext>
+            </a:extLst>
+          </p:cNvPr>
+          <p:cNvSpPr>
+            <a:spLocks noGrp="1"/>
+          </p:cNvSpPr>
+          <p:nvPr>
+            <p:ph type="body" idx="1"/>
+          </p:nvPr>
+        </p:nvSpPr>
+        <p:spPr/>
         <p:txBody>
           <a:bodyPr>
             <a:normAutofit/>
           </a:bodyPr>
           <a:lstStyle/>
           <a:p>
-            <a:pPr marL="285750" indent="-285750">
-              <a:buFont typeface="Arial" panose="020B0604020202020204" pitchFamily="34" charset="0"/>
-              <a:buChar char="•"/>
-            </a:pPr>
-            <a:r>
-              <a:rPr lang="en-GB" sz="4400" b="0" i="0" u="none" strike="noStrike" baseline="0" dirty="0">
-                <a:latin typeface="Arial" panose="020B0604020202020204" pitchFamily="34" charset="0"/>
-              </a:rPr>
-              <a:t>Lab 2</a:t>
-            </a:r>
-          </a:p>
-          <a:p>
-            <a:pPr marL="285750" indent="-285750">
-              <a:buFont typeface="Arial" panose="020B0604020202020204" pitchFamily="34" charset="0"/>
-              <a:buChar char="•"/>
-            </a:pPr>
-            <a:endParaRPr lang="en-GB" sz="4400" b="0" i="0" u="none" strike="noStrike" baseline="0" dirty="0">
+            <a:pPr marR="0" lvl="0" rtl="0"/>
+            <a:r>
+              <a:rPr lang="en-GB" b="0" i="0" u="none" strike="noStrike" baseline="0" dirty="0">
+                <a:latin typeface="Arial" panose="020B0604020202020204" pitchFamily="34" charset="0"/>
+              </a:rPr>
+              <a:t>Three Types of "functions"</a:t>
+            </a:r>
+          </a:p>
+          <a:p>
+            <a:pPr marR="0" lvl="1" rtl="0"/>
+            <a:r>
+              <a:rPr lang="en-GB" b="0" i="0" u="none" strike="noStrike" baseline="0" dirty="0">
+                <a:latin typeface="Arial" panose="020B0604020202020204" pitchFamily="34" charset="0"/>
+              </a:rPr>
+              <a:t>Advanced Function</a:t>
+            </a:r>
+          </a:p>
+          <a:p>
+            <a:pPr marR="0" lvl="2" rtl="0"/>
+            <a:r>
+              <a:rPr lang="en-GB" b="0" i="0" u="none" strike="noStrike" baseline="0" dirty="0">
+                <a:latin typeface="Arial" panose="020B0604020202020204" pitchFamily="34" charset="0"/>
+              </a:rPr>
+              <a:t>Switch-Parameters</a:t>
+            </a:r>
+          </a:p>
+          <a:p>
+            <a:pPr marR="0" lvl="3" rtl="0"/>
+            <a:r>
+              <a:rPr lang="en-GB" b="0" i="0" u="none" strike="noStrike" baseline="0" dirty="0">
+                <a:latin typeface="Arial" panose="020B0604020202020204" pitchFamily="34" charset="0"/>
+              </a:rPr>
+              <a:t>On / Off</a:t>
+            </a:r>
+          </a:p>
+          <a:p>
+            <a:pPr marR="0" lvl="2" rtl="0"/>
+            <a:endParaRPr lang="en-GB" b="0" i="0" u="none" strike="noStrike" baseline="0" dirty="0">
               <a:latin typeface="Arial" panose="020B0604020202020204" pitchFamily="34" charset="0"/>
             </a:endParaRPr>
           </a:p>
-          <a:p>
-            <a:pPr marL="285750" indent="-285750">
-              <a:buFont typeface="Arial" panose="020B0604020202020204" pitchFamily="34" charset="0"/>
-              <a:buChar char="•"/>
-            </a:pPr>
-            <a:r>
-              <a:rPr lang="en-US" sz="1800" dirty="0">
-                <a:hlinkClick r:id="rId2"/>
-              </a:rPr>
-              <a:t>https://github.com/AdvaniaSE/PowerShellAdvancedFundamentals</a:t>
-            </a:r>
-            <a:endParaRPr lang="en-US" sz="1800" dirty="0"/>
-          </a:p>
-          <a:p>
-            <a:pPr marL="742950" lvl="1" indent="-285750">
-              <a:buFont typeface="Arial" panose="020B0604020202020204" pitchFamily="34" charset="0"/>
-              <a:buChar char="•"/>
-            </a:pPr>
-            <a:r>
-              <a:rPr lang="en-US" sz="1600" dirty="0"/>
-              <a:t>02. Functions</a:t>
-            </a:r>
-          </a:p>
-          <a:p>
-            <a:endParaRPr lang="en-US" sz="1800" dirty="0"/>
-          </a:p>
-        </p:txBody>
-      </p:sp>
-      <p:sp>
-        <p:nvSpPr>
-          <p:cNvPr id="3" name="Footer Placeholder 2">
-            <a:extLst>
-              <a:ext uri="{FF2B5EF4-FFF2-40B4-BE49-F238E27FC236}">
-                <a16:creationId xmlns:a16="http://schemas.microsoft.com/office/drawing/2014/main" id="{1A09C878-A77D-75B0-2EA5-FEB141BE786C}"/>
+        </p:txBody>
+      </p:sp>
+      <p:sp>
+        <p:nvSpPr>
+          <p:cNvPr id="4" name="Footer Placeholder 3">
+            <a:extLst>
+              <a:ext uri="{FF2B5EF4-FFF2-40B4-BE49-F238E27FC236}">
+                <a16:creationId xmlns:a16="http://schemas.microsoft.com/office/drawing/2014/main" id="{6957AA40-FFB8-C6AB-66CD-B7D31DC7E77A}"/>
               </a:ext>
             </a:extLst>
           </p:cNvPr>
@@ -10740,7 +11066,7 @@
           <p:cNvPr id="5" name="Slide Number Placeholder 4">
             <a:extLst>
               <a:ext uri="{FF2B5EF4-FFF2-40B4-BE49-F238E27FC236}">
-                <a16:creationId xmlns:a16="http://schemas.microsoft.com/office/drawing/2014/main" id="{56895C39-E7F1-3BCD-3384-49494E949527}"/>
+                <a16:creationId xmlns:a16="http://schemas.microsoft.com/office/drawing/2014/main" id="{FD65E550-3557-7AE9-5B73-AC8C7DEF780D}"/>
               </a:ext>
             </a:extLst>
           </p:cNvPr>
@@ -10756,7 +11082,7 @@
           <a:bodyPr/>
           <a:lstStyle/>
           <a:p>
-            <a:fld id="{BFEA1545-8540-491B-83AB-51C306516EA6}" type="slidenum">
+            <a:fld id="{9993A830-6DA6-4394-A358-10250CDB3A67}" type="slidenum">
               <a:rPr lang="en-SE" smtClean="0"/>
               <a:t>33</a:t>
             </a:fld>
@@ -10767,7 +11093,7 @@
     </p:spTree>
     <p:extLst>
       <p:ext uri="{BB962C8B-B14F-4D97-AF65-F5344CB8AC3E}">
-        <p14:creationId xmlns:p14="http://schemas.microsoft.com/office/powerpoint/2010/main" val="3321643553"/>
+        <p14:creationId xmlns:p14="http://schemas.microsoft.com/office/powerpoint/2010/main" val="196389311"/>
       </p:ext>
     </p:extLst>
   </p:cSld>
@@ -10799,7 +11125,7 @@
           <p:cNvPr id="2" name="Title 1">
             <a:extLst>
               <a:ext uri="{FF2B5EF4-FFF2-40B4-BE49-F238E27FC236}">
-                <a16:creationId xmlns:a16="http://schemas.microsoft.com/office/drawing/2014/main" id="{55D23047-3833-EFE0-8A01-090ACFE1D9FC}"/>
+                <a16:creationId xmlns:a16="http://schemas.microsoft.com/office/drawing/2014/main" id="{69BCD6E1-D5BF-EF3E-F0CC-EDE7BAE35861}"/>
               </a:ext>
             </a:extLst>
           </p:cNvPr>
@@ -10810,16 +11136,21 @@
             <p:ph type="title"/>
           </p:nvPr>
         </p:nvSpPr>
-        <p:spPr/>
-        <p:txBody>
-          <a:bodyPr/>
-          <a:lstStyle/>
-          <a:p>
-            <a:r>
-              <a:rPr lang="en-GB" b="1" i="0" u="none" strike="noStrike" baseline="0" dirty="0">
-                <a:latin typeface="Arial" panose="020B0604020202020204" pitchFamily="34" charset="0"/>
-              </a:rPr>
-              <a:t>PowerShell Classes</a:t>
+        <p:spPr>
+          <a:xfrm>
+            <a:off x="839788" y="457200"/>
+            <a:ext cx="9123078" cy="1600200"/>
+          </a:xfrm>
+        </p:spPr>
+        <p:txBody>
+          <a:bodyPr/>
+          <a:lstStyle/>
+          <a:p>
+            <a:r>
+              <a:rPr lang="en-US" b="1" i="0" u="none" strike="noStrike" baseline="0" dirty="0">
+                <a:latin typeface="Arial" panose="020B0604020202020204" pitchFamily="34" charset="0"/>
+              </a:rPr>
+              <a:t>Filters, Functions and Advanced Functions</a:t>
             </a:r>
             <a:endParaRPr lang="en-SE" dirty="0"/>
           </a:p>
@@ -10827,35 +11158,86 @@
       </p:sp>
       <p:sp>
         <p:nvSpPr>
-          <p:cNvPr id="3" name="Text Placeholder 2">
-            <a:extLst>
-              <a:ext uri="{FF2B5EF4-FFF2-40B4-BE49-F238E27FC236}">
-                <a16:creationId xmlns:a16="http://schemas.microsoft.com/office/drawing/2014/main" id="{1F80B5F8-E4FB-9CDB-0C7C-EEDCB4B8AF1D}"/>
-              </a:ext>
-            </a:extLst>
-          </p:cNvPr>
-          <p:cNvSpPr>
-            <a:spLocks noGrp="1"/>
-          </p:cNvSpPr>
-          <p:nvPr>
-            <p:ph type="body" idx="1"/>
-          </p:nvPr>
-        </p:nvSpPr>
-        <p:spPr/>
-        <p:txBody>
-          <a:bodyPr/>
-          <a:lstStyle/>
-          <a:p>
-            <a:endParaRPr lang="en-SE"/>
-          </a:p>
-        </p:txBody>
-      </p:sp>
-      <p:sp>
-        <p:nvSpPr>
-          <p:cNvPr id="4" name="Footer Placeholder 3">
-            <a:extLst>
-              <a:ext uri="{FF2B5EF4-FFF2-40B4-BE49-F238E27FC236}">
-                <a16:creationId xmlns:a16="http://schemas.microsoft.com/office/drawing/2014/main" id="{28835965-16B3-8535-E23A-9197F78FE401}"/>
+          <p:cNvPr id="4" name="Text Placeholder 3">
+            <a:extLst>
+              <a:ext uri="{FF2B5EF4-FFF2-40B4-BE49-F238E27FC236}">
+                <a16:creationId xmlns:a16="http://schemas.microsoft.com/office/drawing/2014/main" id="{D7ABE405-4C8C-4761-DB98-41C6649D1B66}"/>
+              </a:ext>
+            </a:extLst>
+          </p:cNvPr>
+          <p:cNvSpPr>
+            <a:spLocks noGrp="1"/>
+          </p:cNvSpPr>
+          <p:nvPr>
+            <p:ph type="body" sz="half" idx="2"/>
+          </p:nvPr>
+        </p:nvSpPr>
+        <p:spPr>
+          <a:xfrm>
+            <a:off x="839788" y="2057400"/>
+            <a:ext cx="10877001" cy="3811588"/>
+          </a:xfrm>
+        </p:spPr>
+        <p:txBody>
+          <a:bodyPr>
+            <a:normAutofit/>
+          </a:bodyPr>
+          <a:lstStyle/>
+          <a:p>
+            <a:pPr marL="285750" indent="-285750">
+              <a:buFont typeface="Arial" panose="020B0604020202020204" pitchFamily="34" charset="0"/>
+              <a:buChar char="•"/>
+            </a:pPr>
+            <a:r>
+              <a:rPr lang="en-GB" sz="4400" b="0" i="0" u="none" strike="noStrike" baseline="0" dirty="0">
+                <a:latin typeface="Arial" panose="020B0604020202020204" pitchFamily="34" charset="0"/>
+              </a:rPr>
+              <a:t>Lab 2</a:t>
+            </a:r>
+          </a:p>
+          <a:p>
+            <a:pPr marL="285750" indent="-285750">
+              <a:buFont typeface="Arial" panose="020B0604020202020204" pitchFamily="34" charset="0"/>
+              <a:buChar char="•"/>
+            </a:pPr>
+            <a:endParaRPr lang="en-GB" sz="4400" b="0" i="0" u="none" strike="noStrike" baseline="0" dirty="0">
+              <a:latin typeface="Arial" panose="020B0604020202020204" pitchFamily="34" charset="0"/>
+            </a:endParaRPr>
+          </a:p>
+          <a:p>
+            <a:pPr marL="285750" indent="-285750">
+              <a:buFont typeface="Arial" panose="020B0604020202020204" pitchFamily="34" charset="0"/>
+              <a:buChar char="•"/>
+            </a:pPr>
+            <a:r>
+              <a:rPr lang="en-US" sz="1800" dirty="0">
+                <a:hlinkClick r:id="rId2"/>
+              </a:rPr>
+              <a:t>https://github.com/AdvaniaSE/PowerShellAdvancedFundamentals</a:t>
+            </a:r>
+            <a:endParaRPr lang="en-US" sz="1800" dirty="0"/>
+          </a:p>
+          <a:p>
+            <a:pPr marL="742950" lvl="1" indent="-285750">
+              <a:buFont typeface="Arial" panose="020B0604020202020204" pitchFamily="34" charset="0"/>
+              <a:buChar char="•"/>
+            </a:pPr>
+            <a:r>
+              <a:rPr lang="en-US" sz="1600" dirty="0"/>
+              <a:t>02. Functions</a:t>
+            </a:r>
+          </a:p>
+          <a:p>
+            <a:endParaRPr lang="en-US" sz="1800" dirty="0"/>
+          </a:p>
+        </p:txBody>
+      </p:sp>
+      <p:sp>
+        <p:nvSpPr>
+          <p:cNvPr id="3" name="Footer Placeholder 2">
+            <a:extLst>
+              <a:ext uri="{FF2B5EF4-FFF2-40B4-BE49-F238E27FC236}">
+                <a16:creationId xmlns:a16="http://schemas.microsoft.com/office/drawing/2014/main" id="{1A09C878-A77D-75B0-2EA5-FEB141BE786C}"/>
               </a:ext>
             </a:extLst>
           </p:cNvPr>
@@ -10884,7 +11266,7 @@
           <p:cNvPr id="5" name="Slide Number Placeholder 4">
             <a:extLst>
               <a:ext uri="{FF2B5EF4-FFF2-40B4-BE49-F238E27FC236}">
-                <a16:creationId xmlns:a16="http://schemas.microsoft.com/office/drawing/2014/main" id="{E0908A46-0C63-C7B3-9784-7C0ECE535454}"/>
+                <a16:creationId xmlns:a16="http://schemas.microsoft.com/office/drawing/2014/main" id="{56895C39-E7F1-3BCD-3384-49494E949527}"/>
               </a:ext>
             </a:extLst>
           </p:cNvPr>
@@ -10911,7 +11293,7 @@
     </p:spTree>
     <p:extLst>
       <p:ext uri="{BB962C8B-B14F-4D97-AF65-F5344CB8AC3E}">
-        <p14:creationId xmlns:p14="http://schemas.microsoft.com/office/powerpoint/2010/main" val="1655640217"/>
+        <p14:creationId xmlns:p14="http://schemas.microsoft.com/office/powerpoint/2010/main" val="3321643553"/>
       </p:ext>
     </p:extLst>
   </p:cSld>
@@ -10943,7 +11325,7 @@
           <p:cNvPr id="2" name="Title 1">
             <a:extLst>
               <a:ext uri="{FF2B5EF4-FFF2-40B4-BE49-F238E27FC236}">
-                <a16:creationId xmlns:a16="http://schemas.microsoft.com/office/drawing/2014/main" id="{C50141D3-9DEC-C6D9-3EA4-67E99BB9BDC0}"/>
+                <a16:creationId xmlns:a16="http://schemas.microsoft.com/office/drawing/2014/main" id="{55D23047-3833-EFE0-8A01-090ACFE1D9FC}"/>
               </a:ext>
             </a:extLst>
           </p:cNvPr>
@@ -10954,26 +11336,18 @@
             <p:ph type="title"/>
           </p:nvPr>
         </p:nvSpPr>
-        <p:spPr>
-          <a:xfrm>
-            <a:off x="838200" y="365125"/>
-            <a:ext cx="10515600" cy="1325563"/>
-          </a:xfrm>
-        </p:spPr>
-        <p:txBody>
-          <a:bodyPr/>
-          <a:lstStyle/>
-          <a:p>
-            <a:pPr marR="0" rtl="0"/>
+        <p:spPr/>
+        <p:txBody>
+          <a:bodyPr/>
+          <a:lstStyle/>
+          <a:p>
             <a:r>
               <a:rPr lang="en-GB" b="1" i="0" u="none" strike="noStrike" baseline="0" dirty="0">
                 <a:latin typeface="Arial" panose="020B0604020202020204" pitchFamily="34" charset="0"/>
               </a:rPr>
               <a:t>PowerShell Classes</a:t>
             </a:r>
-            <a:endParaRPr lang="en-GB" b="0" i="0" u="none" strike="noStrike" baseline="0" dirty="0">
-              <a:latin typeface="Arial" panose="020B0604020202020204" pitchFamily="34" charset="0"/>
-            </a:endParaRPr>
+            <a:endParaRPr lang="en-SE" dirty="0"/>
           </a:p>
         </p:txBody>
       </p:sp>
@@ -10982,7 +11356,7 @@
           <p:cNvPr id="3" name="Text Placeholder 2">
             <a:extLst>
               <a:ext uri="{FF2B5EF4-FFF2-40B4-BE49-F238E27FC236}">
-                <a16:creationId xmlns:a16="http://schemas.microsoft.com/office/drawing/2014/main" id="{61DC45DB-3884-B3FD-7C64-9500A180F37B}"/>
+                <a16:creationId xmlns:a16="http://schemas.microsoft.com/office/drawing/2014/main" id="{1F80B5F8-E4FB-9CDB-0C7C-EEDCB4B8AF1D}"/>
               </a:ext>
             </a:extLst>
           </p:cNvPr>
@@ -10995,30 +11369,10 @@
         </p:nvSpPr>
         <p:spPr/>
         <p:txBody>
-          <a:bodyPr>
-            <a:normAutofit/>
-          </a:bodyPr>
-          <a:lstStyle/>
-          <a:p>
-            <a:pPr marR="0" lvl="0" rtl="0"/>
-            <a:r>
-              <a:rPr lang="en-GB" dirty="0">
-                <a:latin typeface="Arial" panose="020B0604020202020204" pitchFamily="34" charset="0"/>
-              </a:rPr>
-              <a:t>Comes from DSC – Dynamic State Configuration</a:t>
-            </a:r>
-            <a:endParaRPr lang="en-GB" b="0" i="0" u="none" strike="noStrike" baseline="0" dirty="0">
-              <a:latin typeface="Arial" panose="020B0604020202020204" pitchFamily="34" charset="0"/>
-            </a:endParaRPr>
-          </a:p>
-          <a:p>
-            <a:pPr marR="0" lvl="0" rtl="0"/>
-            <a:r>
-              <a:rPr lang="en-GB" b="0" i="0" u="none" strike="noStrike" baseline="0" dirty="0">
-                <a:latin typeface="Arial" panose="020B0604020202020204" pitchFamily="34" charset="0"/>
-              </a:rPr>
-              <a:t>More Dev-Oriented</a:t>
-            </a:r>
+          <a:bodyPr/>
+          <a:lstStyle/>
+          <a:p>
+            <a:endParaRPr lang="en-SE"/>
           </a:p>
         </p:txBody>
       </p:sp>
@@ -11027,7 +11381,7 @@
           <p:cNvPr id="4" name="Footer Placeholder 3">
             <a:extLst>
               <a:ext uri="{FF2B5EF4-FFF2-40B4-BE49-F238E27FC236}">
-                <a16:creationId xmlns:a16="http://schemas.microsoft.com/office/drawing/2014/main" id="{18057B71-4F25-FE7A-1A18-AE4C5BA65272}"/>
+                <a16:creationId xmlns:a16="http://schemas.microsoft.com/office/drawing/2014/main" id="{28835965-16B3-8535-E23A-9197F78FE401}"/>
               </a:ext>
             </a:extLst>
           </p:cNvPr>
@@ -11056,7 +11410,7 @@
           <p:cNvPr id="5" name="Slide Number Placeholder 4">
             <a:extLst>
               <a:ext uri="{FF2B5EF4-FFF2-40B4-BE49-F238E27FC236}">
-                <a16:creationId xmlns:a16="http://schemas.microsoft.com/office/drawing/2014/main" id="{77F0D5C8-0AF2-DF11-AFA9-119E55418747}"/>
+                <a16:creationId xmlns:a16="http://schemas.microsoft.com/office/drawing/2014/main" id="{E0908A46-0C63-C7B3-9784-7C0ECE535454}"/>
               </a:ext>
             </a:extLst>
           </p:cNvPr>
@@ -11072,7 +11426,7 @@
           <a:bodyPr/>
           <a:lstStyle/>
           <a:p>
-            <a:fld id="{9993A830-6DA6-4394-A358-10250CDB3A67}" type="slidenum">
+            <a:fld id="{BFEA1545-8540-491B-83AB-51C306516EA6}" type="slidenum">
               <a:rPr lang="en-SE" smtClean="0"/>
               <a:t>35</a:t>
             </a:fld>
@@ -11083,7 +11437,7 @@
     </p:spTree>
     <p:extLst>
       <p:ext uri="{BB962C8B-B14F-4D97-AF65-F5344CB8AC3E}">
-        <p14:creationId xmlns:p14="http://schemas.microsoft.com/office/powerpoint/2010/main" val="575499759"/>
+        <p14:creationId xmlns:p14="http://schemas.microsoft.com/office/powerpoint/2010/main" val="1655640217"/>
       </p:ext>
     </p:extLst>
   </p:cSld>
@@ -11138,12 +11492,12 @@
           <a:p>
             <a:pPr marR="0" rtl="0"/>
             <a:r>
-              <a:rPr lang="en-GB" b="1" i="0" u="none" strike="noStrike" baseline="0">
+              <a:rPr lang="en-GB" b="1" i="0" u="none" strike="noStrike" baseline="0" dirty="0">
                 <a:latin typeface="Arial" panose="020B0604020202020204" pitchFamily="34" charset="0"/>
               </a:rPr>
               <a:t>PowerShell Classes</a:t>
             </a:r>
-            <a:endParaRPr lang="en-GB" b="0" i="0" u="none" strike="noStrike" baseline="0">
+            <a:endParaRPr lang="en-GB" b="0" i="0" u="none" strike="noStrike" baseline="0" dirty="0">
               <a:latin typeface="Arial" panose="020B0604020202020204" pitchFamily="34" charset="0"/>
             </a:endParaRPr>
           </a:p>
@@ -11174,38 +11528,24 @@
           <a:p>
             <a:pPr marR="0" lvl="0" rtl="0"/>
             <a:r>
-              <a:rPr lang="en-GB" b="0" i="0" u="none" strike="noStrike" baseline="0" dirty="0">
-                <a:latin typeface="Arial" panose="020B0604020202020204" pitchFamily="34" charset="0"/>
-              </a:rPr>
-              <a:t>[</a:t>
-            </a:r>
-            <a:r>
-              <a:rPr lang="en-GB" b="0" i="0" u="none" strike="noStrike" baseline="0" dirty="0" err="1">
-                <a:latin typeface="Arial" panose="020B0604020202020204" pitchFamily="34" charset="0"/>
-              </a:rPr>
-              <a:t>ClassName</a:t>
-            </a:r>
-            <a:r>
-              <a:rPr lang="en-GB" b="0" i="0" u="none" strike="noStrike" baseline="0" dirty="0">
-                <a:latin typeface="Arial" panose="020B0604020202020204" pitchFamily="34" charset="0"/>
-              </a:rPr>
-              <a:t>]::New()</a:t>
-            </a:r>
-          </a:p>
-          <a:p>
-            <a:r>
-              <a:rPr lang="en-GB" b="0" i="0" u="none" strike="noStrike" baseline="0" dirty="0">
-                <a:latin typeface="Arial" panose="020B0604020202020204" pitchFamily="34" charset="0"/>
-              </a:rPr>
-              <a:t>New-Object -TypeName</a:t>
-            </a:r>
-          </a:p>
-          <a:p>
-            <a:pPr marR="0" lvl="0" rtl="0"/>
+              <a:rPr lang="en-GB" dirty="0">
+                <a:latin typeface="Arial" panose="020B0604020202020204" pitchFamily="34" charset="0"/>
+              </a:rPr>
+              <a:t>Comes from DSC – Dynamic State Configuration</a:t>
+            </a:r>
             <a:endParaRPr lang="en-GB" b="0" i="0" u="none" strike="noStrike" baseline="0" dirty="0">
               <a:latin typeface="Arial" panose="020B0604020202020204" pitchFamily="34" charset="0"/>
             </a:endParaRPr>
           </a:p>
+          <a:p>
+            <a:pPr marR="0" lvl="0" rtl="0"/>
+            <a:r>
+              <a:rPr lang="en-GB" b="0" i="0" u="none" strike="noStrike" baseline="0" dirty="0">
+                <a:latin typeface="Arial" panose="020B0604020202020204" pitchFamily="34" charset="0"/>
+              </a:rPr>
+              <a:t>More Dev-Oriented</a:t>
+            </a:r>
+          </a:p>
         </p:txBody>
       </p:sp>
       <p:sp>
@@ -11213,7 +11553,7 @@
           <p:cNvPr id="4" name="Footer Placeholder 3">
             <a:extLst>
               <a:ext uri="{FF2B5EF4-FFF2-40B4-BE49-F238E27FC236}">
-                <a16:creationId xmlns:a16="http://schemas.microsoft.com/office/drawing/2014/main" id="{FD195C08-EBB2-4ED3-D76D-EA0735D8D4E8}"/>
+                <a16:creationId xmlns:a16="http://schemas.microsoft.com/office/drawing/2014/main" id="{18057B71-4F25-FE7A-1A18-AE4C5BA65272}"/>
               </a:ext>
             </a:extLst>
           </p:cNvPr>
@@ -11242,7 +11582,7 @@
           <p:cNvPr id="5" name="Slide Number Placeholder 4">
             <a:extLst>
               <a:ext uri="{FF2B5EF4-FFF2-40B4-BE49-F238E27FC236}">
-                <a16:creationId xmlns:a16="http://schemas.microsoft.com/office/drawing/2014/main" id="{EC5A2D61-7A6D-76E1-B7DA-F0A9089E8008}"/>
+                <a16:creationId xmlns:a16="http://schemas.microsoft.com/office/drawing/2014/main" id="{77F0D5C8-0AF2-DF11-AFA9-119E55418747}"/>
               </a:ext>
             </a:extLst>
           </p:cNvPr>
@@ -11269,7 +11609,7 @@
     </p:spTree>
     <p:extLst>
       <p:ext uri="{BB962C8B-B14F-4D97-AF65-F5344CB8AC3E}">
-        <p14:creationId xmlns:p14="http://schemas.microsoft.com/office/powerpoint/2010/main" val="4076496269"/>
+        <p14:creationId xmlns:p14="http://schemas.microsoft.com/office/powerpoint/2010/main" val="575499759"/>
       </p:ext>
     </p:extLst>
   </p:cSld>
@@ -11354,106 +11694,40 @@
         <p:spPr/>
         <p:txBody>
           <a:bodyPr>
-            <a:normAutofit lnSpcReduction="10000"/>
+            <a:normAutofit/>
           </a:bodyPr>
           <a:lstStyle/>
           <a:p>
-            <a:r>
-              <a:rPr lang="en-GB" b="0" i="0" u="none" strike="noStrike" baseline="0" dirty="0">
-                <a:latin typeface="Arial" panose="020B0604020202020204" pitchFamily="34" charset="0"/>
-              </a:rPr>
-              <a:t>Only output from return</a:t>
-            </a:r>
-          </a:p>
-          <a:p>
             <a:pPr marR="0" lvl="0" rtl="0"/>
             <a:r>
               <a:rPr lang="en-GB" b="0" i="0" u="none" strike="noStrike" baseline="0" dirty="0">
                 <a:latin typeface="Arial" panose="020B0604020202020204" pitchFamily="34" charset="0"/>
               </a:rPr>
-              <a:t>Class</a:t>
-            </a:r>
-          </a:p>
-          <a:p>
-            <a:pPr marR="0" lvl="1" rtl="0"/>
-            <a:r>
-              <a:rPr lang="en-GB" b="0" i="0" u="none" strike="noStrike" baseline="0" dirty="0">
-                <a:latin typeface="Arial" panose="020B0604020202020204" pitchFamily="34" charset="0"/>
-              </a:rPr>
-              <a:t>Property</a:t>
-            </a:r>
-          </a:p>
-          <a:p>
-            <a:pPr marR="0" lvl="1" rtl="0"/>
-            <a:r>
-              <a:rPr lang="en-GB" b="0" i="0" u="none" strike="noStrike" baseline="0" dirty="0">
-                <a:latin typeface="Arial" panose="020B0604020202020204" pitchFamily="34" charset="0"/>
-              </a:rPr>
-              <a:t>Method</a:t>
-            </a:r>
-          </a:p>
-          <a:p>
-            <a:pPr marR="0" lvl="1" rtl="0"/>
-            <a:r>
-              <a:rPr lang="en-GB" b="0" i="0" u="none" strike="noStrike" baseline="0" dirty="0">
-                <a:latin typeface="Arial" panose="020B0604020202020204" pitchFamily="34" charset="0"/>
-              </a:rPr>
-              <a:t>Constructor</a:t>
-            </a:r>
-          </a:p>
-          <a:p>
-            <a:pPr marR="0" lvl="1" rtl="0"/>
-            <a:r>
-              <a:rPr lang="en-GB" b="0" i="0" u="none" strike="noStrike" baseline="0" dirty="0">
-                <a:latin typeface="Arial" panose="020B0604020202020204" pitchFamily="34" charset="0"/>
-              </a:rPr>
-              <a:t>Hidden Property</a:t>
-            </a:r>
-          </a:p>
-          <a:p>
-            <a:pPr marR="0" lvl="1" rtl="0"/>
-            <a:r>
-              <a:rPr lang="en-GB" b="0" i="0" u="none" strike="noStrike" baseline="0" dirty="0">
-                <a:latin typeface="Arial" panose="020B0604020202020204" pitchFamily="34" charset="0"/>
-              </a:rPr>
-              <a:t>Static</a:t>
+              <a:t>[</a:t>
+            </a:r>
+            <a:r>
+              <a:rPr lang="en-GB" b="0" i="0" u="none" strike="noStrike" baseline="0" dirty="0" err="1">
+                <a:latin typeface="Arial" panose="020B0604020202020204" pitchFamily="34" charset="0"/>
+              </a:rPr>
+              <a:t>ClassName</a:t>
+            </a:r>
+            <a:r>
+              <a:rPr lang="en-GB" b="0" i="0" u="none" strike="noStrike" baseline="0" dirty="0">
+                <a:latin typeface="Arial" panose="020B0604020202020204" pitchFamily="34" charset="0"/>
+              </a:rPr>
+              <a:t>]::New()</a:t>
+            </a:r>
+          </a:p>
+          <a:p>
+            <a:r>
+              <a:rPr lang="en-GB" b="0" i="0" u="none" strike="noStrike" baseline="0" dirty="0">
+                <a:latin typeface="Arial" panose="020B0604020202020204" pitchFamily="34" charset="0"/>
+              </a:rPr>
+              <a:t>New-Object -TypeName</a:t>
             </a:r>
           </a:p>
           <a:p>
             <a:pPr marR="0" lvl="0" rtl="0"/>
-            <a:r>
-              <a:rPr lang="en-GB" b="0" i="0" u="none" strike="noStrike" baseline="0" dirty="0">
-                <a:latin typeface="Arial" panose="020B0604020202020204" pitchFamily="34" charset="0"/>
-              </a:rPr>
-              <a:t>Can also do</a:t>
-            </a:r>
-          </a:p>
-          <a:p>
-            <a:pPr lvl="1"/>
-            <a:r>
-              <a:rPr lang="en-GB" dirty="0">
-                <a:latin typeface="Arial" panose="020B0604020202020204" pitchFamily="34" charset="0"/>
-              </a:rPr>
-              <a:t>Inheritance</a:t>
-            </a:r>
-          </a:p>
-          <a:p>
-            <a:pPr lvl="1"/>
-            <a:r>
-              <a:rPr lang="en-GB" b="0" i="0" u="none" strike="noStrike" baseline="0" dirty="0">
-                <a:latin typeface="Arial" panose="020B0604020202020204" pitchFamily="34" charset="0"/>
-              </a:rPr>
-              <a:t>Interfaces</a:t>
-            </a:r>
-          </a:p>
-          <a:p>
-            <a:pPr lvl="1"/>
-            <a:r>
-              <a:rPr lang="en-GB" dirty="0">
-                <a:latin typeface="Arial" panose="020B0604020202020204" pitchFamily="34" charset="0"/>
-              </a:rPr>
-              <a:t>More….</a:t>
-            </a:r>
             <a:endParaRPr lang="en-GB" b="0" i="0" u="none" strike="noStrike" baseline="0" dirty="0">
               <a:latin typeface="Arial" panose="020B0604020202020204" pitchFamily="34" charset="0"/>
             </a:endParaRPr>
@@ -11465,7 +11739,7 @@
           <p:cNvPr id="4" name="Footer Placeholder 3">
             <a:extLst>
               <a:ext uri="{FF2B5EF4-FFF2-40B4-BE49-F238E27FC236}">
-                <a16:creationId xmlns:a16="http://schemas.microsoft.com/office/drawing/2014/main" id="{4FA822F3-0DCE-B90D-4812-36214242CC90}"/>
+                <a16:creationId xmlns:a16="http://schemas.microsoft.com/office/drawing/2014/main" id="{FD195C08-EBB2-4ED3-D76D-EA0735D8D4E8}"/>
               </a:ext>
             </a:extLst>
           </p:cNvPr>
@@ -11494,7 +11768,7 @@
           <p:cNvPr id="5" name="Slide Number Placeholder 4">
             <a:extLst>
               <a:ext uri="{FF2B5EF4-FFF2-40B4-BE49-F238E27FC236}">
-                <a16:creationId xmlns:a16="http://schemas.microsoft.com/office/drawing/2014/main" id="{3A476C40-F879-FFFC-567B-ADDD53D8D26B}"/>
+                <a16:creationId xmlns:a16="http://schemas.microsoft.com/office/drawing/2014/main" id="{EC5A2D61-7A6D-76E1-B7DA-F0A9089E8008}"/>
               </a:ext>
             </a:extLst>
           </p:cNvPr>
@@ -11521,7 +11795,7 @@
     </p:spTree>
     <p:extLst>
       <p:ext uri="{BB962C8B-B14F-4D97-AF65-F5344CB8AC3E}">
-        <p14:creationId xmlns:p14="http://schemas.microsoft.com/office/powerpoint/2010/main" val="2696902136"/>
+        <p14:creationId xmlns:p14="http://schemas.microsoft.com/office/powerpoint/2010/main" val="4076496269"/>
       </p:ext>
     </p:extLst>
   </p:cSld>
@@ -11576,10 +11850,135 @@
           <a:p>
             <a:pPr marR="0" rtl="0"/>
             <a:r>
-              <a:rPr lang="en-GB" b="1" i="0" u="none" strike="noStrike" baseline="0" dirty="0">
+              <a:rPr lang="en-GB" b="1" i="0" u="none" strike="noStrike" baseline="0">
                 <a:latin typeface="Arial" panose="020B0604020202020204" pitchFamily="34" charset="0"/>
               </a:rPr>
               <a:t>PowerShell Classes</a:t>
+            </a:r>
+            <a:endParaRPr lang="en-GB" b="0" i="0" u="none" strike="noStrike" baseline="0">
+              <a:latin typeface="Arial" panose="020B0604020202020204" pitchFamily="34" charset="0"/>
+            </a:endParaRPr>
+          </a:p>
+        </p:txBody>
+      </p:sp>
+      <p:sp>
+        <p:nvSpPr>
+          <p:cNvPr id="3" name="Text Placeholder 2">
+            <a:extLst>
+              <a:ext uri="{FF2B5EF4-FFF2-40B4-BE49-F238E27FC236}">
+                <a16:creationId xmlns:a16="http://schemas.microsoft.com/office/drawing/2014/main" id="{61DC45DB-3884-B3FD-7C64-9500A180F37B}"/>
+              </a:ext>
+            </a:extLst>
+          </p:cNvPr>
+          <p:cNvSpPr>
+            <a:spLocks noGrp="1"/>
+          </p:cNvSpPr>
+          <p:nvPr>
+            <p:ph type="body" idx="1"/>
+          </p:nvPr>
+        </p:nvSpPr>
+        <p:spPr/>
+        <p:txBody>
+          <a:bodyPr>
+            <a:normAutofit lnSpcReduction="10000"/>
+          </a:bodyPr>
+          <a:lstStyle/>
+          <a:p>
+            <a:r>
+              <a:rPr lang="en-GB" b="0" i="0" u="none" strike="noStrike" baseline="0" dirty="0">
+                <a:latin typeface="Arial" panose="020B0604020202020204" pitchFamily="34" charset="0"/>
+              </a:rPr>
+              <a:t>Only output from return</a:t>
+            </a:r>
+          </a:p>
+          <a:p>
+            <a:pPr marR="0" lvl="0" rtl="0"/>
+            <a:r>
+              <a:rPr lang="en-GB" b="0" i="0" u="none" strike="noStrike" baseline="0" dirty="0">
+                <a:latin typeface="Arial" panose="020B0604020202020204" pitchFamily="34" charset="0"/>
+              </a:rPr>
+              <a:t>Class</a:t>
+            </a:r>
+          </a:p>
+          <a:p>
+            <a:pPr marR="0" lvl="1" rtl="0"/>
+            <a:r>
+              <a:rPr lang="en-GB" b="0" i="0" u="none" strike="noStrike" baseline="0" dirty="0">
+                <a:latin typeface="Arial" panose="020B0604020202020204" pitchFamily="34" charset="0"/>
+              </a:rPr>
+              <a:t>Property</a:t>
+            </a:r>
+          </a:p>
+          <a:p>
+            <a:pPr marR="0" lvl="1" rtl="0"/>
+            <a:r>
+              <a:rPr lang="en-GB" b="0" i="0" u="none" strike="noStrike" baseline="0" dirty="0">
+                <a:latin typeface="Arial" panose="020B0604020202020204" pitchFamily="34" charset="0"/>
+              </a:rPr>
+              <a:t>Method</a:t>
+            </a:r>
+          </a:p>
+          <a:p>
+            <a:pPr marR="0" lvl="1" rtl="0"/>
+            <a:r>
+              <a:rPr lang="en-GB" b="0" i="0" u="none" strike="noStrike" baseline="0" dirty="0">
+                <a:latin typeface="Arial" panose="020B0604020202020204" pitchFamily="34" charset="0"/>
+              </a:rPr>
+              <a:t>Constructor</a:t>
+            </a:r>
+          </a:p>
+          <a:p>
+            <a:pPr marR="0" lvl="1" rtl="0"/>
+            <a:r>
+              <a:rPr lang="en-GB" b="0" i="0" u="none" strike="noStrike" baseline="0" dirty="0">
+                <a:latin typeface="Arial" panose="020B0604020202020204" pitchFamily="34" charset="0"/>
+              </a:rPr>
+              <a:t>Hidden Property</a:t>
+            </a:r>
+          </a:p>
+          <a:p>
+            <a:pPr marR="0" lvl="1" rtl="0"/>
+            <a:r>
+              <a:rPr lang="en-GB" b="0" i="0" u="none" strike="noStrike" baseline="0" dirty="0">
+                <a:latin typeface="Arial" panose="020B0604020202020204" pitchFamily="34" charset="0"/>
+              </a:rPr>
+              <a:t>Static</a:t>
+            </a:r>
+          </a:p>
+          <a:p>
+            <a:pPr marR="0" lvl="0" rtl="0"/>
+            <a:r>
+              <a:rPr lang="en-GB" b="0" i="0" u="none" strike="noStrike" baseline="0" dirty="0">
+                <a:latin typeface="Arial" panose="020B0604020202020204" pitchFamily="34" charset="0"/>
+              </a:rPr>
+              <a:t>Can also do</a:t>
+            </a:r>
+          </a:p>
+          <a:p>
+            <a:pPr lvl="1"/>
+            <a:r>
+              <a:rPr lang="en-GB" dirty="0">
+                <a:latin typeface="Arial" panose="020B0604020202020204" pitchFamily="34" charset="0"/>
+              </a:rPr>
+              <a:t>Inheritance</a:t>
+            </a:r>
+          </a:p>
+          <a:p>
+            <a:pPr lvl="1"/>
+            <a:r>
+              <a:rPr lang="en-GB" b="0" i="0" u="none" strike="noStrike" baseline="0" dirty="0">
+                <a:latin typeface="Arial" panose="020B0604020202020204" pitchFamily="34" charset="0"/>
+              </a:rPr>
+              <a:t>Interfaces</a:t>
+            </a:r>
+          </a:p>
+          <a:p>
+            <a:pPr lvl="1"/>
+            <a:r>
+              <a:rPr lang="en-GB" dirty="0">
+                <a:latin typeface="Arial" panose="020B0604020202020204" pitchFamily="34" charset="0"/>
+              </a:rPr>
+              <a:t>More….</a:t>
             </a:r>
             <a:endParaRPr lang="en-GB" b="0" i="0" u="none" strike="noStrike" baseline="0" dirty="0">
               <a:latin typeface="Arial" panose="020B0604020202020204" pitchFamily="34" charset="0"/>
@@ -11589,113 +11988,10 @@
       </p:sp>
       <p:sp>
         <p:nvSpPr>
-          <p:cNvPr id="3" name="Text Placeholder 2">
-            <a:extLst>
-              <a:ext uri="{FF2B5EF4-FFF2-40B4-BE49-F238E27FC236}">
-                <a16:creationId xmlns:a16="http://schemas.microsoft.com/office/drawing/2014/main" id="{61DC45DB-3884-B3FD-7C64-9500A180F37B}"/>
-              </a:ext>
-            </a:extLst>
-          </p:cNvPr>
-          <p:cNvSpPr>
-            <a:spLocks noGrp="1"/>
-          </p:cNvSpPr>
-          <p:nvPr>
-            <p:ph type="body" idx="1"/>
-          </p:nvPr>
-        </p:nvSpPr>
-        <p:spPr/>
-        <p:txBody>
-          <a:bodyPr>
-            <a:normAutofit/>
-          </a:bodyPr>
-          <a:lstStyle/>
-          <a:p>
-            <a:pPr marR="0" lvl="0" rtl="0"/>
-            <a:r>
-              <a:rPr lang="en-GB" b="0" i="0" u="none" strike="noStrike" baseline="0" dirty="0">
-                <a:latin typeface="Arial" panose="020B0604020202020204" pitchFamily="34" charset="0"/>
-              </a:rPr>
-              <a:t>Enum</a:t>
-            </a:r>
-          </a:p>
-          <a:p>
-            <a:pPr lvl="1"/>
-            <a:r>
-              <a:rPr lang="en-GB" dirty="0" err="1">
-                <a:latin typeface="Arial" panose="020B0604020202020204" pitchFamily="34" charset="0"/>
-              </a:rPr>
-              <a:t>enum</a:t>
-            </a:r>
-            <a:r>
-              <a:rPr lang="en-GB" dirty="0">
-                <a:latin typeface="Arial" panose="020B0604020202020204" pitchFamily="34" charset="0"/>
-              </a:rPr>
-              <a:t> &lt;name&gt; {}</a:t>
-            </a:r>
-            <a:endParaRPr lang="en-GB" b="0" i="0" u="none" strike="noStrike" baseline="0" dirty="0">
-              <a:latin typeface="Arial" panose="020B0604020202020204" pitchFamily="34" charset="0"/>
-            </a:endParaRPr>
-          </a:p>
-          <a:p>
-            <a:r>
-              <a:rPr lang="en-GB" b="0" i="0" u="none" strike="noStrike" baseline="0" dirty="0">
-                <a:latin typeface="Arial" panose="020B0604020202020204" pitchFamily="34" charset="0"/>
-              </a:rPr>
-              <a:t>Bitflag-like</a:t>
-            </a:r>
-          </a:p>
-          <a:p>
-            <a:pPr lvl="1"/>
-            <a:r>
-              <a:rPr lang="en-GB" b="0" i="0" u="none" strike="noStrike" baseline="0" dirty="0">
-                <a:latin typeface="Arial" panose="020B0604020202020204" pitchFamily="34" charset="0"/>
-              </a:rPr>
-              <a:t>[flags()]</a:t>
-            </a:r>
-            <a:r>
-              <a:rPr lang="en-GB" dirty="0">
-                <a:latin typeface="Arial" panose="020B0604020202020204" pitchFamily="34" charset="0"/>
-              </a:rPr>
-              <a:t> </a:t>
-            </a:r>
-            <a:r>
-              <a:rPr lang="en-GB" dirty="0" err="1">
-                <a:latin typeface="Arial" panose="020B0604020202020204" pitchFamily="34" charset="0"/>
-              </a:rPr>
-              <a:t>enum</a:t>
-            </a:r>
-            <a:r>
-              <a:rPr lang="en-GB" dirty="0">
-                <a:latin typeface="Arial" panose="020B0604020202020204" pitchFamily="34" charset="0"/>
-              </a:rPr>
-              <a:t> &lt;name&gt; {}</a:t>
-            </a:r>
-            <a:endParaRPr lang="en-GB" b="0" i="0" u="none" strike="noStrike" baseline="0" dirty="0">
-              <a:latin typeface="Arial" panose="020B0604020202020204" pitchFamily="34" charset="0"/>
-            </a:endParaRPr>
-          </a:p>
-          <a:p>
-            <a:pPr marL="457200" lvl="1" indent="0">
-              <a:buNone/>
-            </a:pPr>
-            <a:endParaRPr lang="en-GB" b="0" i="0" u="none" strike="noStrike" baseline="0" dirty="0">
-              <a:latin typeface="Arial" panose="020B0604020202020204" pitchFamily="34" charset="0"/>
-            </a:endParaRPr>
-          </a:p>
-          <a:p>
-            <a:pPr marR="0" lvl="0" rtl="0"/>
-            <a:endParaRPr lang="en-GB" b="0" i="0" u="none" strike="noStrike" baseline="0" dirty="0">
-              <a:latin typeface="Arial" panose="020B0604020202020204" pitchFamily="34" charset="0"/>
-            </a:endParaRPr>
-          </a:p>
-        </p:txBody>
-      </p:sp>
-      <p:sp>
-        <p:nvSpPr>
           <p:cNvPr id="4" name="Footer Placeholder 3">
             <a:extLst>
               <a:ext uri="{FF2B5EF4-FFF2-40B4-BE49-F238E27FC236}">
-                <a16:creationId xmlns:a16="http://schemas.microsoft.com/office/drawing/2014/main" id="{7D1476EF-ABE4-1CBB-66B5-DE513E184C48}"/>
+                <a16:creationId xmlns:a16="http://schemas.microsoft.com/office/drawing/2014/main" id="{4FA822F3-0DCE-B90D-4812-36214242CC90}"/>
               </a:ext>
             </a:extLst>
           </p:cNvPr>
@@ -11724,7 +12020,7 @@
           <p:cNvPr id="5" name="Slide Number Placeholder 4">
             <a:extLst>
               <a:ext uri="{FF2B5EF4-FFF2-40B4-BE49-F238E27FC236}">
-                <a16:creationId xmlns:a16="http://schemas.microsoft.com/office/drawing/2014/main" id="{901BB5FF-5B06-6860-ECFF-56C58DBFF8AC}"/>
+                <a16:creationId xmlns:a16="http://schemas.microsoft.com/office/drawing/2014/main" id="{3A476C40-F879-FFFC-567B-ADDD53D8D26B}"/>
               </a:ext>
             </a:extLst>
           </p:cNvPr>
@@ -11751,7 +12047,7 @@
     </p:spTree>
     <p:extLst>
       <p:ext uri="{BB962C8B-B14F-4D97-AF65-F5344CB8AC3E}">
-        <p14:creationId xmlns:p14="http://schemas.microsoft.com/office/powerpoint/2010/main" val="2527303206"/>
+        <p14:creationId xmlns:p14="http://schemas.microsoft.com/office/powerpoint/2010/main" val="2696902136"/>
       </p:ext>
     </p:extLst>
   </p:cSld>
@@ -11783,7 +12079,7 @@
           <p:cNvPr id="2" name="Title 1">
             <a:extLst>
               <a:ext uri="{FF2B5EF4-FFF2-40B4-BE49-F238E27FC236}">
-                <a16:creationId xmlns:a16="http://schemas.microsoft.com/office/drawing/2014/main" id="{69BCD6E1-D5BF-EF3E-F0CC-EDE7BAE35861}"/>
+                <a16:creationId xmlns:a16="http://schemas.microsoft.com/office/drawing/2014/main" id="{C50141D3-9DEC-C6D9-3EA4-67E99BB9BDC0}"/>
               </a:ext>
             </a:extLst>
           </p:cNvPr>
@@ -11796,104 +12092,136 @@
         </p:nvSpPr>
         <p:spPr>
           <a:xfrm>
-            <a:off x="839788" y="457200"/>
-            <a:ext cx="9123078" cy="1600200"/>
+            <a:off x="838200" y="365125"/>
+            <a:ext cx="10515600" cy="1325563"/>
           </a:xfrm>
         </p:spPr>
         <p:txBody>
           <a:bodyPr/>
           <a:lstStyle/>
           <a:p>
+            <a:pPr marR="0" rtl="0"/>
             <a:r>
               <a:rPr lang="en-GB" b="1" i="0" u="none" strike="noStrike" baseline="0" dirty="0">
                 <a:latin typeface="Arial" panose="020B0604020202020204" pitchFamily="34" charset="0"/>
               </a:rPr>
               <a:t>PowerShell Classes</a:t>
             </a:r>
-            <a:endParaRPr lang="en-SE" dirty="0"/>
-          </a:p>
-        </p:txBody>
-      </p:sp>
-      <p:sp>
-        <p:nvSpPr>
-          <p:cNvPr id="4" name="Text Placeholder 3">
-            <a:extLst>
-              <a:ext uri="{FF2B5EF4-FFF2-40B4-BE49-F238E27FC236}">
-                <a16:creationId xmlns:a16="http://schemas.microsoft.com/office/drawing/2014/main" id="{D7ABE405-4C8C-4761-DB98-41C6649D1B66}"/>
-              </a:ext>
-            </a:extLst>
-          </p:cNvPr>
-          <p:cNvSpPr>
-            <a:spLocks noGrp="1"/>
-          </p:cNvSpPr>
-          <p:nvPr>
-            <p:ph type="body" sz="half" idx="2"/>
-          </p:nvPr>
-        </p:nvSpPr>
-        <p:spPr>
-          <a:xfrm>
-            <a:off x="839788" y="2057400"/>
-            <a:ext cx="10877001" cy="3811588"/>
-          </a:xfrm>
-        </p:spPr>
+            <a:endParaRPr lang="en-GB" b="0" i="0" u="none" strike="noStrike" baseline="0" dirty="0">
+              <a:latin typeface="Arial" panose="020B0604020202020204" pitchFamily="34" charset="0"/>
+            </a:endParaRPr>
+          </a:p>
+        </p:txBody>
+      </p:sp>
+      <p:sp>
+        <p:nvSpPr>
+          <p:cNvPr id="3" name="Text Placeholder 2">
+            <a:extLst>
+              <a:ext uri="{FF2B5EF4-FFF2-40B4-BE49-F238E27FC236}">
+                <a16:creationId xmlns:a16="http://schemas.microsoft.com/office/drawing/2014/main" id="{61DC45DB-3884-B3FD-7C64-9500A180F37B}"/>
+              </a:ext>
+            </a:extLst>
+          </p:cNvPr>
+          <p:cNvSpPr>
+            <a:spLocks noGrp="1"/>
+          </p:cNvSpPr>
+          <p:nvPr>
+            <p:ph type="body" idx="1"/>
+          </p:nvPr>
+        </p:nvSpPr>
+        <p:spPr/>
         <p:txBody>
           <a:bodyPr>
             <a:normAutofit/>
           </a:bodyPr>
           <a:lstStyle/>
           <a:p>
-            <a:pPr marL="285750" indent="-285750">
-              <a:buFont typeface="Arial" panose="020B0604020202020204" pitchFamily="34" charset="0"/>
-              <a:buChar char="•"/>
-            </a:pPr>
-            <a:r>
-              <a:rPr lang="en-GB" sz="4400" b="0" i="0" u="none" strike="noStrike" baseline="0" dirty="0">
-                <a:latin typeface="Arial" panose="020B0604020202020204" pitchFamily="34" charset="0"/>
-              </a:rPr>
-              <a:t>Lab 3</a:t>
-            </a:r>
-          </a:p>
-          <a:p>
-            <a:pPr marL="285750" indent="-285750">
-              <a:buFont typeface="Arial" panose="020B0604020202020204" pitchFamily="34" charset="0"/>
-              <a:buChar char="•"/>
-            </a:pPr>
-            <a:endParaRPr lang="en-GB" sz="4400" b="0" i="0" u="none" strike="noStrike" baseline="0" dirty="0">
+            <a:pPr marR="0" lvl="0" rtl="0"/>
+            <a:r>
+              <a:rPr lang="en-GB" b="0" i="0" u="none" strike="noStrike" baseline="0" dirty="0">
+                <a:latin typeface="Arial" panose="020B0604020202020204" pitchFamily="34" charset="0"/>
+              </a:rPr>
+              <a:t>Enum</a:t>
+            </a:r>
+          </a:p>
+          <a:p>
+            <a:pPr lvl="1"/>
+            <a:r>
+              <a:rPr lang="en-GB" dirty="0" err="1">
+                <a:latin typeface="Arial" panose="020B0604020202020204" pitchFamily="34" charset="0"/>
+              </a:rPr>
+              <a:t>enum</a:t>
+            </a:r>
+            <a:r>
+              <a:rPr lang="en-GB" dirty="0">
+                <a:latin typeface="Arial" panose="020B0604020202020204" pitchFamily="34" charset="0"/>
+              </a:rPr>
+              <a:t> &lt;name&gt; {}</a:t>
+            </a:r>
+            <a:endParaRPr lang="en-GB" b="0" i="0" u="none" strike="noStrike" baseline="0" dirty="0">
               <a:latin typeface="Arial" panose="020B0604020202020204" pitchFamily="34" charset="0"/>
             </a:endParaRPr>
           </a:p>
           <a:p>
-            <a:pPr marL="285750" indent="-285750">
-              <a:buFont typeface="Arial" panose="020B0604020202020204" pitchFamily="34" charset="0"/>
-              <a:buChar char="•"/>
+            <a:r>
+              <a:rPr lang="en-GB" b="0" i="0" u="none" strike="noStrike" baseline="0" dirty="0">
+                <a:latin typeface="Arial" panose="020B0604020202020204" pitchFamily="34" charset="0"/>
+              </a:rPr>
+              <a:t>Bitflag-like</a:t>
+            </a:r>
+          </a:p>
+          <a:p>
+            <a:pPr lvl="1"/>
+            <a:r>
+              <a:rPr lang="en-GB" b="0" i="0" u="none" strike="noStrike" baseline="0" dirty="0">
+                <a:latin typeface="Arial" panose="020B0604020202020204" pitchFamily="34" charset="0"/>
+              </a:rPr>
+              <a:t>[flags()]</a:t>
+            </a:r>
+            <a:r>
+              <a:rPr lang="en-GB" dirty="0">
+                <a:latin typeface="Arial" panose="020B0604020202020204" pitchFamily="34" charset="0"/>
+              </a:rPr>
+              <a:t> </a:t>
+            </a:r>
+            <a:r>
+              <a:rPr lang="en-GB" dirty="0" err="1">
+                <a:latin typeface="Arial" panose="020B0604020202020204" pitchFamily="34" charset="0"/>
+              </a:rPr>
+              <a:t>enum</a:t>
+            </a:r>
+            <a:r>
+              <a:rPr lang="en-GB" dirty="0">
+                <a:latin typeface="Arial" panose="020B0604020202020204" pitchFamily="34" charset="0"/>
+              </a:rPr>
+              <a:t> &lt;name&gt; {}</a:t>
+            </a:r>
+            <a:endParaRPr lang="en-GB" b="0" i="0" u="none" strike="noStrike" baseline="0" dirty="0">
+              <a:latin typeface="Arial" panose="020B0604020202020204" pitchFamily="34" charset="0"/>
+            </a:endParaRPr>
+          </a:p>
+          <a:p>
+            <a:pPr marL="457200" lvl="1" indent="0">
+              <a:buNone/>
             </a:pPr>
-            <a:r>
-              <a:rPr lang="en-US" sz="1800" dirty="0">
-                <a:hlinkClick r:id="rId2"/>
-              </a:rPr>
-              <a:t>https://github.com/AdvaniaSE/PowerShellAdvancedFundamentals</a:t>
-            </a:r>
-            <a:endParaRPr lang="en-US" sz="1800" dirty="0"/>
-          </a:p>
-          <a:p>
-            <a:pPr marL="742950" lvl="1" indent="-285750">
-              <a:buFont typeface="Arial" panose="020B0604020202020204" pitchFamily="34" charset="0"/>
-              <a:buChar char="•"/>
-            </a:pPr>
-            <a:r>
-              <a:rPr lang="en-US" sz="1600" dirty="0"/>
-              <a:t>03. Classes</a:t>
-            </a:r>
-            <a:endParaRPr lang="en-US" sz="1800" dirty="0"/>
-          </a:p>
-        </p:txBody>
-      </p:sp>
-      <p:sp>
-        <p:nvSpPr>
-          <p:cNvPr id="3" name="Footer Placeholder 2">
-            <a:extLst>
-              <a:ext uri="{FF2B5EF4-FFF2-40B4-BE49-F238E27FC236}">
-                <a16:creationId xmlns:a16="http://schemas.microsoft.com/office/drawing/2014/main" id="{C204AFE4-7BF5-6186-6F37-7137FC047894}"/>
+            <a:endParaRPr lang="en-GB" b="0" i="0" u="none" strike="noStrike" baseline="0" dirty="0">
+              <a:latin typeface="Arial" panose="020B0604020202020204" pitchFamily="34" charset="0"/>
+            </a:endParaRPr>
+          </a:p>
+          <a:p>
+            <a:pPr marR="0" lvl="0" rtl="0"/>
+            <a:endParaRPr lang="en-GB" b="0" i="0" u="none" strike="noStrike" baseline="0" dirty="0">
+              <a:latin typeface="Arial" panose="020B0604020202020204" pitchFamily="34" charset="0"/>
+            </a:endParaRPr>
+          </a:p>
+        </p:txBody>
+      </p:sp>
+      <p:sp>
+        <p:nvSpPr>
+          <p:cNvPr id="4" name="Footer Placeholder 3">
+            <a:extLst>
+              <a:ext uri="{FF2B5EF4-FFF2-40B4-BE49-F238E27FC236}">
+                <a16:creationId xmlns:a16="http://schemas.microsoft.com/office/drawing/2014/main" id="{7D1476EF-ABE4-1CBB-66B5-DE513E184C48}"/>
               </a:ext>
             </a:extLst>
           </p:cNvPr>
@@ -11922,7 +12250,7 @@
           <p:cNvPr id="5" name="Slide Number Placeholder 4">
             <a:extLst>
               <a:ext uri="{FF2B5EF4-FFF2-40B4-BE49-F238E27FC236}">
-                <a16:creationId xmlns:a16="http://schemas.microsoft.com/office/drawing/2014/main" id="{E16AC27F-9D27-C81C-5C20-32E2FB2F33CB}"/>
+                <a16:creationId xmlns:a16="http://schemas.microsoft.com/office/drawing/2014/main" id="{901BB5FF-5B06-6860-ECFF-56C58DBFF8AC}"/>
               </a:ext>
             </a:extLst>
           </p:cNvPr>
@@ -11938,7 +12266,7 @@
           <a:bodyPr/>
           <a:lstStyle/>
           <a:p>
-            <a:fld id="{BFEA1545-8540-491B-83AB-51C306516EA6}" type="slidenum">
+            <a:fld id="{9993A830-6DA6-4394-A358-10250CDB3A67}" type="slidenum">
               <a:rPr lang="en-SE" smtClean="0"/>
               <a:t>39</a:t>
             </a:fld>
@@ -11949,7 +12277,7 @@
     </p:spTree>
     <p:extLst>
       <p:ext uri="{BB962C8B-B14F-4D97-AF65-F5344CB8AC3E}">
-        <p14:creationId xmlns:p14="http://schemas.microsoft.com/office/powerpoint/2010/main" val="2688050415"/>
+        <p14:creationId xmlns:p14="http://schemas.microsoft.com/office/powerpoint/2010/main" val="2527303206"/>
       </p:ext>
     </p:extLst>
   </p:cSld>
@@ -12231,7 +12559,7 @@
           <p:cNvPr id="2" name="Title 1">
             <a:extLst>
               <a:ext uri="{FF2B5EF4-FFF2-40B4-BE49-F238E27FC236}">
-                <a16:creationId xmlns:a16="http://schemas.microsoft.com/office/drawing/2014/main" id="{55D23047-3833-EFE0-8A01-090ACFE1D9FC}"/>
+                <a16:creationId xmlns:a16="http://schemas.microsoft.com/office/drawing/2014/main" id="{69BCD6E1-D5BF-EF3E-F0CC-EDE7BAE35861}"/>
               </a:ext>
             </a:extLst>
           </p:cNvPr>
@@ -12242,7 +12570,12 @@
             <p:ph type="title"/>
           </p:nvPr>
         </p:nvSpPr>
-        <p:spPr/>
+        <p:spPr>
+          <a:xfrm>
+            <a:off x="839788" y="457200"/>
+            <a:ext cx="9123078" cy="1600200"/>
+          </a:xfrm>
+        </p:spPr>
         <p:txBody>
           <a:bodyPr/>
           <a:lstStyle/>
@@ -12251,7 +12584,7 @@
               <a:rPr lang="en-GB" b="1" i="0" u="none" strike="noStrike" baseline="0" dirty="0">
                 <a:latin typeface="Arial" panose="020B0604020202020204" pitchFamily="34" charset="0"/>
               </a:rPr>
-              <a:t>Regex</a:t>
+              <a:t>PowerShell Classes</a:t>
             </a:r>
             <a:endParaRPr lang="en-SE" dirty="0"/>
           </a:p>
@@ -12259,35 +12592,84 @@
       </p:sp>
       <p:sp>
         <p:nvSpPr>
-          <p:cNvPr id="3" name="Text Placeholder 2">
-            <a:extLst>
-              <a:ext uri="{FF2B5EF4-FFF2-40B4-BE49-F238E27FC236}">
-                <a16:creationId xmlns:a16="http://schemas.microsoft.com/office/drawing/2014/main" id="{1F80B5F8-E4FB-9CDB-0C7C-EEDCB4B8AF1D}"/>
-              </a:ext>
-            </a:extLst>
-          </p:cNvPr>
-          <p:cNvSpPr>
-            <a:spLocks noGrp="1"/>
-          </p:cNvSpPr>
-          <p:nvPr>
-            <p:ph type="body" idx="1"/>
-          </p:nvPr>
-        </p:nvSpPr>
-        <p:spPr/>
-        <p:txBody>
-          <a:bodyPr/>
-          <a:lstStyle/>
-          <a:p>
-            <a:endParaRPr lang="en-SE"/>
-          </a:p>
-        </p:txBody>
-      </p:sp>
-      <p:sp>
-        <p:nvSpPr>
-          <p:cNvPr id="4" name="Footer Placeholder 3">
-            <a:extLst>
-              <a:ext uri="{FF2B5EF4-FFF2-40B4-BE49-F238E27FC236}">
-                <a16:creationId xmlns:a16="http://schemas.microsoft.com/office/drawing/2014/main" id="{0B638D5A-9086-BE5F-C795-35FAE3631806}"/>
+          <p:cNvPr id="4" name="Text Placeholder 3">
+            <a:extLst>
+              <a:ext uri="{FF2B5EF4-FFF2-40B4-BE49-F238E27FC236}">
+                <a16:creationId xmlns:a16="http://schemas.microsoft.com/office/drawing/2014/main" id="{D7ABE405-4C8C-4761-DB98-41C6649D1B66}"/>
+              </a:ext>
+            </a:extLst>
+          </p:cNvPr>
+          <p:cNvSpPr>
+            <a:spLocks noGrp="1"/>
+          </p:cNvSpPr>
+          <p:nvPr>
+            <p:ph type="body" sz="half" idx="2"/>
+          </p:nvPr>
+        </p:nvSpPr>
+        <p:spPr>
+          <a:xfrm>
+            <a:off x="839788" y="2057400"/>
+            <a:ext cx="10877001" cy="3811588"/>
+          </a:xfrm>
+        </p:spPr>
+        <p:txBody>
+          <a:bodyPr>
+            <a:normAutofit/>
+          </a:bodyPr>
+          <a:lstStyle/>
+          <a:p>
+            <a:pPr marL="285750" indent="-285750">
+              <a:buFont typeface="Arial" panose="020B0604020202020204" pitchFamily="34" charset="0"/>
+              <a:buChar char="•"/>
+            </a:pPr>
+            <a:r>
+              <a:rPr lang="en-GB" sz="4400" b="0" i="0" u="none" strike="noStrike" baseline="0" dirty="0">
+                <a:latin typeface="Arial" panose="020B0604020202020204" pitchFamily="34" charset="0"/>
+              </a:rPr>
+              <a:t>Lab 3</a:t>
+            </a:r>
+          </a:p>
+          <a:p>
+            <a:pPr marL="285750" indent="-285750">
+              <a:buFont typeface="Arial" panose="020B0604020202020204" pitchFamily="34" charset="0"/>
+              <a:buChar char="•"/>
+            </a:pPr>
+            <a:endParaRPr lang="en-GB" sz="4400" b="0" i="0" u="none" strike="noStrike" baseline="0" dirty="0">
+              <a:latin typeface="Arial" panose="020B0604020202020204" pitchFamily="34" charset="0"/>
+            </a:endParaRPr>
+          </a:p>
+          <a:p>
+            <a:pPr marL="285750" indent="-285750">
+              <a:buFont typeface="Arial" panose="020B0604020202020204" pitchFamily="34" charset="0"/>
+              <a:buChar char="•"/>
+            </a:pPr>
+            <a:r>
+              <a:rPr lang="en-US" sz="1800" dirty="0">
+                <a:hlinkClick r:id="rId2"/>
+              </a:rPr>
+              <a:t>https://github.com/AdvaniaSE/PowerShellAdvancedFundamentals</a:t>
+            </a:r>
+            <a:endParaRPr lang="en-US" sz="1800" dirty="0"/>
+          </a:p>
+          <a:p>
+            <a:pPr marL="742950" lvl="1" indent="-285750">
+              <a:buFont typeface="Arial" panose="020B0604020202020204" pitchFamily="34" charset="0"/>
+              <a:buChar char="•"/>
+            </a:pPr>
+            <a:r>
+              <a:rPr lang="en-US" sz="1600" dirty="0"/>
+              <a:t>03. Classes</a:t>
+            </a:r>
+            <a:endParaRPr lang="en-US" sz="1800" dirty="0"/>
+          </a:p>
+        </p:txBody>
+      </p:sp>
+      <p:sp>
+        <p:nvSpPr>
+          <p:cNvPr id="3" name="Footer Placeholder 2">
+            <a:extLst>
+              <a:ext uri="{FF2B5EF4-FFF2-40B4-BE49-F238E27FC236}">
+                <a16:creationId xmlns:a16="http://schemas.microsoft.com/office/drawing/2014/main" id="{C204AFE4-7BF5-6186-6F37-7137FC047894}"/>
               </a:ext>
             </a:extLst>
           </p:cNvPr>
@@ -12316,7 +12698,7 @@
           <p:cNvPr id="5" name="Slide Number Placeholder 4">
             <a:extLst>
               <a:ext uri="{FF2B5EF4-FFF2-40B4-BE49-F238E27FC236}">
-                <a16:creationId xmlns:a16="http://schemas.microsoft.com/office/drawing/2014/main" id="{F61F325F-DD42-D5BE-190A-E126B5250125}"/>
+                <a16:creationId xmlns:a16="http://schemas.microsoft.com/office/drawing/2014/main" id="{E16AC27F-9D27-C81C-5C20-32E2FB2F33CB}"/>
               </a:ext>
             </a:extLst>
           </p:cNvPr>
@@ -12343,7 +12725,7 @@
     </p:spTree>
     <p:extLst>
       <p:ext uri="{BB962C8B-B14F-4D97-AF65-F5344CB8AC3E}">
-        <p14:creationId xmlns:p14="http://schemas.microsoft.com/office/powerpoint/2010/main" val="3155537225"/>
+        <p14:creationId xmlns:p14="http://schemas.microsoft.com/office/powerpoint/2010/main" val="2688050415"/>
       </p:ext>
     </p:extLst>
   </p:cSld>
@@ -12375,6 +12757,150 @@
           <p:cNvPr id="2" name="Title 1">
             <a:extLst>
               <a:ext uri="{FF2B5EF4-FFF2-40B4-BE49-F238E27FC236}">
+                <a16:creationId xmlns:a16="http://schemas.microsoft.com/office/drawing/2014/main" id="{55D23047-3833-EFE0-8A01-090ACFE1D9FC}"/>
+              </a:ext>
+            </a:extLst>
+          </p:cNvPr>
+          <p:cNvSpPr>
+            <a:spLocks noGrp="1"/>
+          </p:cNvSpPr>
+          <p:nvPr>
+            <p:ph type="title"/>
+          </p:nvPr>
+        </p:nvSpPr>
+        <p:spPr/>
+        <p:txBody>
+          <a:bodyPr/>
+          <a:lstStyle/>
+          <a:p>
+            <a:r>
+              <a:rPr lang="en-GB" b="1" i="0" u="none" strike="noStrike" baseline="0" dirty="0">
+                <a:latin typeface="Arial" panose="020B0604020202020204" pitchFamily="34" charset="0"/>
+              </a:rPr>
+              <a:t>Regex</a:t>
+            </a:r>
+            <a:endParaRPr lang="en-SE" dirty="0"/>
+          </a:p>
+        </p:txBody>
+      </p:sp>
+      <p:sp>
+        <p:nvSpPr>
+          <p:cNvPr id="3" name="Text Placeholder 2">
+            <a:extLst>
+              <a:ext uri="{FF2B5EF4-FFF2-40B4-BE49-F238E27FC236}">
+                <a16:creationId xmlns:a16="http://schemas.microsoft.com/office/drawing/2014/main" id="{1F80B5F8-E4FB-9CDB-0C7C-EEDCB4B8AF1D}"/>
+              </a:ext>
+            </a:extLst>
+          </p:cNvPr>
+          <p:cNvSpPr>
+            <a:spLocks noGrp="1"/>
+          </p:cNvSpPr>
+          <p:nvPr>
+            <p:ph type="body" idx="1"/>
+          </p:nvPr>
+        </p:nvSpPr>
+        <p:spPr/>
+        <p:txBody>
+          <a:bodyPr/>
+          <a:lstStyle/>
+          <a:p>
+            <a:endParaRPr lang="en-SE"/>
+          </a:p>
+        </p:txBody>
+      </p:sp>
+      <p:sp>
+        <p:nvSpPr>
+          <p:cNvPr id="4" name="Footer Placeholder 3">
+            <a:extLst>
+              <a:ext uri="{FF2B5EF4-FFF2-40B4-BE49-F238E27FC236}">
+                <a16:creationId xmlns:a16="http://schemas.microsoft.com/office/drawing/2014/main" id="{0B638D5A-9086-BE5F-C795-35FAE3631806}"/>
+              </a:ext>
+            </a:extLst>
+          </p:cNvPr>
+          <p:cNvSpPr>
+            <a:spLocks noGrp="1"/>
+          </p:cNvSpPr>
+          <p:nvPr>
+            <p:ph type="ftr" sz="quarter" idx="11"/>
+          </p:nvPr>
+        </p:nvSpPr>
+        <p:spPr/>
+        <p:txBody>
+          <a:bodyPr/>
+          <a:lstStyle/>
+          <a:p>
+            <a:r>
+              <a:rPr lang="sv-SE"/>
+              <a:t>Björn Sundling  bjorn.sundling@advania.com</a:t>
+            </a:r>
+            <a:endParaRPr lang="en-SE"/>
+          </a:p>
+        </p:txBody>
+      </p:sp>
+      <p:sp>
+        <p:nvSpPr>
+          <p:cNvPr id="5" name="Slide Number Placeholder 4">
+            <a:extLst>
+              <a:ext uri="{FF2B5EF4-FFF2-40B4-BE49-F238E27FC236}">
+                <a16:creationId xmlns:a16="http://schemas.microsoft.com/office/drawing/2014/main" id="{F61F325F-DD42-D5BE-190A-E126B5250125}"/>
+              </a:ext>
+            </a:extLst>
+          </p:cNvPr>
+          <p:cNvSpPr>
+            <a:spLocks noGrp="1"/>
+          </p:cNvSpPr>
+          <p:nvPr>
+            <p:ph type="sldNum" sz="quarter" idx="12"/>
+          </p:nvPr>
+        </p:nvSpPr>
+        <p:spPr/>
+        <p:txBody>
+          <a:bodyPr/>
+          <a:lstStyle/>
+          <a:p>
+            <a:fld id="{BFEA1545-8540-491B-83AB-51C306516EA6}" type="slidenum">
+              <a:rPr lang="en-SE" smtClean="0"/>
+              <a:t>41</a:t>
+            </a:fld>
+            <a:endParaRPr lang="en-SE"/>
+          </a:p>
+        </p:txBody>
+      </p:sp>
+    </p:spTree>
+    <p:extLst>
+      <p:ext uri="{BB962C8B-B14F-4D97-AF65-F5344CB8AC3E}">
+        <p14:creationId xmlns:p14="http://schemas.microsoft.com/office/powerpoint/2010/main" val="3155537225"/>
+      </p:ext>
+    </p:extLst>
+  </p:cSld>
+  <p:clrMapOvr>
+    <a:masterClrMapping/>
+  </p:clrMapOvr>
+</p:sld>
+</file>
+
+<file path=ppt/slides/slide42.xml><?xml version="1.0" encoding="utf-8"?>
+<p:sld xmlns:a="http://schemas.openxmlformats.org/drawingml/2006/main" xmlns:r="http://schemas.openxmlformats.org/officeDocument/2006/relationships" xmlns:p="http://schemas.openxmlformats.org/presentationml/2006/main">
+  <p:cSld>
+    <p:spTree>
+      <p:nvGrpSpPr>
+        <p:cNvPr id="1" name=""/>
+        <p:cNvGrpSpPr/>
+        <p:nvPr/>
+      </p:nvGrpSpPr>
+      <p:grpSpPr>
+        <a:xfrm>
+          <a:off x="0" y="0"/>
+          <a:ext cx="0" cy="0"/>
+          <a:chOff x="0" y="0"/>
+          <a:chExt cx="0" cy="0"/>
+        </a:xfrm>
+      </p:grpSpPr>
+      <p:sp>
+        <p:nvSpPr>
+          <p:cNvPr id="2" name="Title 1">
+            <a:extLst>
+              <a:ext uri="{FF2B5EF4-FFF2-40B4-BE49-F238E27FC236}">
                 <a16:creationId xmlns:a16="http://schemas.microsoft.com/office/drawing/2014/main" id="{9FFBD372-F671-B37D-0DA3-A3EC727D2803}"/>
               </a:ext>
             </a:extLst>
@@ -12554,7 +13080,7 @@
           <a:p>
             <a:fld id="{9993A830-6DA6-4394-A358-10250CDB3A67}" type="slidenum">
               <a:rPr lang="en-SE" smtClean="0"/>
-              <a:t>41</a:t>
+              <a:t>42</a:t>
             </a:fld>
             <a:endParaRPr lang="en-SE"/>
           </a:p>
@@ -12573,7 +13099,7 @@
 </p:sld>
 </file>
 
-<file path=ppt/slides/slide42.xml><?xml version="1.0" encoding="utf-8"?>
+<file path=ppt/slides/slide43.xml><?xml version="1.0" encoding="utf-8"?>
 <p:sld xmlns:a="http://schemas.openxmlformats.org/drawingml/2006/main" xmlns:r="http://schemas.openxmlformats.org/officeDocument/2006/relationships" xmlns:p="http://schemas.openxmlformats.org/presentationml/2006/main">
   <p:cSld>
     <p:spTree>
@@ -12755,7 +13281,7 @@
           <a:p>
             <a:fld id="{9993A830-6DA6-4394-A358-10250CDB3A67}" type="slidenum">
               <a:rPr lang="en-SE" smtClean="0"/>
-              <a:t>42</a:t>
+              <a:t>43</a:t>
             </a:fld>
             <a:endParaRPr lang="en-SE"/>
           </a:p>
@@ -12765,281 +13291,6 @@
     <p:extLst>
       <p:ext uri="{BB962C8B-B14F-4D97-AF65-F5344CB8AC3E}">
         <p14:creationId xmlns:p14="http://schemas.microsoft.com/office/powerpoint/2010/main" val="762080917"/>
-      </p:ext>
-    </p:extLst>
-  </p:cSld>
-  <p:clrMapOvr>
-    <a:masterClrMapping/>
-  </p:clrMapOvr>
-</p:sld>
-</file>
-
-<file path=ppt/slides/slide43.xml><?xml version="1.0" encoding="utf-8"?>
-<p:sld xmlns:a="http://schemas.openxmlformats.org/drawingml/2006/main" xmlns:r="http://schemas.openxmlformats.org/officeDocument/2006/relationships" xmlns:p="http://schemas.openxmlformats.org/presentationml/2006/main">
-  <p:cSld>
-    <p:spTree>
-      <p:nvGrpSpPr>
-        <p:cNvPr id="1" name=""/>
-        <p:cNvGrpSpPr/>
-        <p:nvPr/>
-      </p:nvGrpSpPr>
-      <p:grpSpPr>
-        <a:xfrm>
-          <a:off x="0" y="0"/>
-          <a:ext cx="0" cy="0"/>
-          <a:chOff x="0" y="0"/>
-          <a:chExt cx="0" cy="0"/>
-        </a:xfrm>
-      </p:grpSpPr>
-      <p:sp>
-        <p:nvSpPr>
-          <p:cNvPr id="2" name="Title 1">
-            <a:extLst>
-              <a:ext uri="{FF2B5EF4-FFF2-40B4-BE49-F238E27FC236}">
-                <a16:creationId xmlns:a16="http://schemas.microsoft.com/office/drawing/2014/main" id="{9FFBD372-F671-B37D-0DA3-A3EC727D2803}"/>
-              </a:ext>
-            </a:extLst>
-          </p:cNvPr>
-          <p:cNvSpPr>
-            <a:spLocks noGrp="1"/>
-          </p:cNvSpPr>
-          <p:nvPr>
-            <p:ph type="title"/>
-          </p:nvPr>
-        </p:nvSpPr>
-        <p:spPr>
-          <a:xfrm>
-            <a:off x="838200" y="365125"/>
-            <a:ext cx="10515600" cy="1325563"/>
-          </a:xfrm>
-        </p:spPr>
-        <p:txBody>
-          <a:bodyPr/>
-          <a:lstStyle/>
-          <a:p>
-            <a:pPr marR="0" rtl="0"/>
-            <a:r>
-              <a:rPr lang="en-GB" b="1" i="0" u="none" strike="noStrike" baseline="0" dirty="0">
-                <a:latin typeface="Arial" panose="020B0604020202020204" pitchFamily="34" charset="0"/>
-              </a:rPr>
-              <a:t>Regex</a:t>
-            </a:r>
-            <a:endParaRPr lang="en-GB" b="0" i="0" u="none" strike="noStrike" baseline="0" dirty="0">
-              <a:latin typeface="Arial" panose="020B0604020202020204" pitchFamily="34" charset="0"/>
-            </a:endParaRPr>
-          </a:p>
-        </p:txBody>
-      </p:sp>
-      <p:sp>
-        <p:nvSpPr>
-          <p:cNvPr id="3" name="Text Placeholder 2">
-            <a:extLst>
-              <a:ext uri="{FF2B5EF4-FFF2-40B4-BE49-F238E27FC236}">
-                <a16:creationId xmlns:a16="http://schemas.microsoft.com/office/drawing/2014/main" id="{8644391E-6A12-A9C9-0782-E88032B073B7}"/>
-              </a:ext>
-            </a:extLst>
-          </p:cNvPr>
-          <p:cNvSpPr>
-            <a:spLocks noGrp="1"/>
-          </p:cNvSpPr>
-          <p:nvPr>
-            <p:ph type="body" idx="1"/>
-          </p:nvPr>
-        </p:nvSpPr>
-        <p:spPr/>
-        <p:txBody>
-          <a:bodyPr>
-            <a:normAutofit/>
-          </a:bodyPr>
-          <a:lstStyle/>
-          <a:p>
-            <a:pPr marR="0" lvl="0" rtl="0"/>
-            <a:r>
-              <a:rPr lang="en-GB" b="0" i="0" u="none" strike="noStrike" baseline="0" dirty="0">
-                <a:latin typeface="Arial" panose="020B0604020202020204" pitchFamily="34" charset="0"/>
-              </a:rPr>
-              <a:t>Use web tools</a:t>
-            </a:r>
-          </a:p>
-          <a:p>
-            <a:pPr marR="0" lvl="1" rtl="0"/>
-            <a:r>
-              <a:rPr lang="en-GB" b="0" i="0" u="none" strike="noStrike" baseline="0" dirty="0">
-                <a:latin typeface="Arial" panose="020B0604020202020204" pitchFamily="34" charset="0"/>
-              </a:rPr>
-              <a:t>But remember to check the </a:t>
-            </a:r>
-            <a:r>
-              <a:rPr lang="en-GB" dirty="0" err="1">
-                <a:latin typeface="Arial" panose="020B0604020202020204" pitchFamily="34" charset="0"/>
-              </a:rPr>
-              <a:t>RegEx</a:t>
-            </a:r>
-            <a:r>
-              <a:rPr lang="en-GB" dirty="0">
-                <a:latin typeface="Arial" panose="020B0604020202020204" pitchFamily="34" charset="0"/>
-              </a:rPr>
-              <a:t> </a:t>
-            </a:r>
-            <a:r>
-              <a:rPr lang="en-GB" dirty="0" err="1">
-                <a:latin typeface="Arial" panose="020B0604020202020204" pitchFamily="34" charset="0"/>
-              </a:rPr>
-              <a:t>f</a:t>
-            </a:r>
-            <a:r>
-              <a:rPr lang="en-GB" b="0" i="0" u="none" strike="noStrike" baseline="0" dirty="0" err="1">
-                <a:latin typeface="Arial" panose="020B0604020202020204" pitchFamily="34" charset="0"/>
-              </a:rPr>
-              <a:t>lavors</a:t>
-            </a:r>
-            <a:r>
-              <a:rPr lang="en-GB" b="0" i="0" u="none" strike="noStrike" baseline="0" dirty="0">
-                <a:latin typeface="Arial" panose="020B0604020202020204" pitchFamily="34" charset="0"/>
-              </a:rPr>
-              <a:t> – PowerShell uses </a:t>
-            </a:r>
-            <a:r>
-              <a:rPr lang="en-GB" b="0" i="0" u="none" strike="noStrike" baseline="0" dirty="0" err="1">
-                <a:latin typeface="Arial" panose="020B0604020202020204" pitchFamily="34" charset="0"/>
-              </a:rPr>
-              <a:t>.Net</a:t>
-            </a:r>
-            <a:endParaRPr lang="en-GB" b="0" i="0" u="none" strike="noStrike" baseline="0" dirty="0">
-              <a:latin typeface="Arial" panose="020B0604020202020204" pitchFamily="34" charset="0"/>
-            </a:endParaRPr>
-          </a:p>
-          <a:p>
-            <a:pPr marR="0" lvl="1" rtl="0"/>
-            <a:endParaRPr lang="en-GB" b="0" i="0" u="none" strike="noStrike" baseline="0" dirty="0">
-              <a:latin typeface="Arial" panose="020B0604020202020204" pitchFamily="34" charset="0"/>
-            </a:endParaRPr>
-          </a:p>
-          <a:p>
-            <a:pPr marR="0" lvl="1" rtl="0"/>
-            <a:r>
-              <a:rPr lang="en-US" dirty="0">
-                <a:latin typeface="Arial" panose="020B0604020202020204" pitchFamily="34" charset="0"/>
-                <a:hlinkClick r:id="rId2"/>
-              </a:rPr>
-              <a:t>Regular Expression Language - Quick Reference</a:t>
-            </a:r>
-            <a:endParaRPr lang="en-US" dirty="0">
-              <a:latin typeface="Arial" panose="020B0604020202020204" pitchFamily="34" charset="0"/>
-            </a:endParaRPr>
-          </a:p>
-          <a:p>
-            <a:pPr lvl="2"/>
-            <a:r>
-              <a:rPr lang="en-GB" b="0" i="0" u="none" strike="noStrike" baseline="0" dirty="0">
-                <a:latin typeface="Arial" panose="020B0604020202020204" pitchFamily="34" charset="0"/>
-              </a:rPr>
-              <a:t>Microsoft Learn</a:t>
-            </a:r>
-            <a:endParaRPr lang="en-US" b="1" i="0" u="none" strike="noStrike" baseline="0" dirty="0">
-              <a:solidFill>
-                <a:srgbClr val="B5FFE1"/>
-              </a:solidFill>
-              <a:latin typeface="Arial" panose="020B0604020202020204" pitchFamily="34" charset="0"/>
-              <a:hlinkClick r:id="rId2"/>
-            </a:endParaRPr>
-          </a:p>
-          <a:p>
-            <a:pPr marR="0" lvl="1" rtl="0"/>
-            <a:r>
-              <a:rPr lang="en-GB" b="0" i="0" u="none" strike="noStrike" baseline="0" dirty="0">
-                <a:latin typeface="Arial" panose="020B0604020202020204" pitchFamily="34" charset="0"/>
-                <a:hlinkClick r:id="rId3"/>
-              </a:rPr>
-              <a:t>Regex101.com</a:t>
-            </a:r>
-            <a:endParaRPr lang="en-GB" b="0" i="0" u="none" strike="noStrike" baseline="0" dirty="0">
-              <a:latin typeface="Arial" panose="020B0604020202020204" pitchFamily="34" charset="0"/>
-            </a:endParaRPr>
-          </a:p>
-          <a:p>
-            <a:pPr lvl="2"/>
-            <a:r>
-              <a:rPr lang="en-GB" b="0" i="0" u="none" strike="noStrike" baseline="0" dirty="0">
-                <a:latin typeface="Arial" panose="020B0604020202020204" pitchFamily="34" charset="0"/>
-              </a:rPr>
-              <a:t>Online regex tester and debugger: PHP, PCRE, Python, Golang and JavaScript</a:t>
-            </a:r>
-            <a:endParaRPr lang="en-GB" b="0" i="0" u="none" strike="noStrike" baseline="0" dirty="0">
-              <a:latin typeface="Arial" panose="020B0604020202020204" pitchFamily="34" charset="0"/>
-              <a:hlinkClick r:id="rId3"/>
-            </a:endParaRPr>
-          </a:p>
-          <a:p>
-            <a:pPr marR="0" lvl="0" rtl="0"/>
-            <a:endParaRPr lang="en-GB" b="0" i="0" u="none" strike="noStrike" baseline="0" dirty="0">
-              <a:latin typeface="Arial" panose="020B0604020202020204" pitchFamily="34" charset="0"/>
-            </a:endParaRPr>
-          </a:p>
-        </p:txBody>
-      </p:sp>
-      <p:sp>
-        <p:nvSpPr>
-          <p:cNvPr id="4" name="Footer Placeholder 3">
-            <a:extLst>
-              <a:ext uri="{FF2B5EF4-FFF2-40B4-BE49-F238E27FC236}">
-                <a16:creationId xmlns:a16="http://schemas.microsoft.com/office/drawing/2014/main" id="{E7162F62-B977-5DCB-11DA-4B82D75DADEA}"/>
-              </a:ext>
-            </a:extLst>
-          </p:cNvPr>
-          <p:cNvSpPr>
-            <a:spLocks noGrp="1"/>
-          </p:cNvSpPr>
-          <p:nvPr>
-            <p:ph type="ftr" sz="quarter" idx="11"/>
-          </p:nvPr>
-        </p:nvSpPr>
-        <p:spPr/>
-        <p:txBody>
-          <a:bodyPr/>
-          <a:lstStyle/>
-          <a:p>
-            <a:r>
-              <a:rPr lang="sv-SE"/>
-              <a:t>Björn Sundling  bjorn.sundling@advania.com</a:t>
-            </a:r>
-            <a:endParaRPr lang="en-SE"/>
-          </a:p>
-        </p:txBody>
-      </p:sp>
-      <p:sp>
-        <p:nvSpPr>
-          <p:cNvPr id="5" name="Slide Number Placeholder 4">
-            <a:extLst>
-              <a:ext uri="{FF2B5EF4-FFF2-40B4-BE49-F238E27FC236}">
-                <a16:creationId xmlns:a16="http://schemas.microsoft.com/office/drawing/2014/main" id="{BA160651-B855-8D12-1878-3DA7795E0117}"/>
-              </a:ext>
-            </a:extLst>
-          </p:cNvPr>
-          <p:cNvSpPr>
-            <a:spLocks noGrp="1"/>
-          </p:cNvSpPr>
-          <p:nvPr>
-            <p:ph type="sldNum" sz="quarter" idx="12"/>
-          </p:nvPr>
-        </p:nvSpPr>
-        <p:spPr/>
-        <p:txBody>
-          <a:bodyPr/>
-          <a:lstStyle/>
-          <a:p>
-            <a:fld id="{9993A830-6DA6-4394-A358-10250CDB3A67}" type="slidenum">
-              <a:rPr lang="en-SE" smtClean="0"/>
-              <a:t>43</a:t>
-            </a:fld>
-            <a:endParaRPr lang="en-SE"/>
-          </a:p>
-        </p:txBody>
-      </p:sp>
-    </p:spTree>
-    <p:extLst>
-      <p:ext uri="{BB962C8B-B14F-4D97-AF65-F5344CB8AC3E}">
-        <p14:creationId xmlns:p14="http://schemas.microsoft.com/office/powerpoint/2010/main" val="3575248227"/>
       </p:ext>
     </p:extLst>
   </p:cSld>
@@ -13133,7 +13384,7 @@
               <a:rPr lang="en-GB" b="0" i="0" u="none" strike="noStrike" baseline="0" dirty="0">
                 <a:latin typeface="Arial" panose="020B0604020202020204" pitchFamily="34" charset="0"/>
               </a:rPr>
-              <a:t>Special characters</a:t>
+              <a:t>Use web tools</a:t>
             </a:r>
           </a:p>
           <a:p>
@@ -13142,8 +13393,114 @@
               <a:rPr lang="en-GB" b="0" i="0" u="none" strike="noStrike" baseline="0" dirty="0">
                 <a:latin typeface="Arial" panose="020B0604020202020204" pitchFamily="34" charset="0"/>
               </a:rPr>
-              <a:t>[]$.|?*+()</a:t>
-            </a:r>
+              <a:t>But remember to check the </a:t>
+            </a:r>
+            <a:r>
+              <a:rPr lang="en-GB" dirty="0" err="1">
+                <a:latin typeface="Arial" panose="020B0604020202020204" pitchFamily="34" charset="0"/>
+              </a:rPr>
+              <a:t>RegEx</a:t>
+            </a:r>
+            <a:r>
+              <a:rPr lang="en-GB" dirty="0">
+                <a:latin typeface="Arial" panose="020B0604020202020204" pitchFamily="34" charset="0"/>
+              </a:rPr>
+              <a:t> </a:t>
+            </a:r>
+            <a:r>
+              <a:rPr lang="en-GB" dirty="0" err="1">
+                <a:latin typeface="Arial" panose="020B0604020202020204" pitchFamily="34" charset="0"/>
+              </a:rPr>
+              <a:t>f</a:t>
+            </a:r>
+            <a:r>
+              <a:rPr lang="en-GB" b="0" i="0" u="none" strike="noStrike" baseline="0" dirty="0" err="1">
+                <a:latin typeface="Arial" panose="020B0604020202020204" pitchFamily="34" charset="0"/>
+              </a:rPr>
+              <a:t>lavors</a:t>
+            </a:r>
+            <a:r>
+              <a:rPr lang="en-GB" b="0" i="0" u="none" strike="noStrike" baseline="0" dirty="0">
+                <a:latin typeface="Arial" panose="020B0604020202020204" pitchFamily="34" charset="0"/>
+              </a:rPr>
+              <a:t> – PowerShell uses </a:t>
+            </a:r>
+            <a:r>
+              <a:rPr lang="en-GB" b="0" i="0" u="none" strike="noStrike" baseline="0" dirty="0" err="1">
+                <a:latin typeface="Arial" panose="020B0604020202020204" pitchFamily="34" charset="0"/>
+              </a:rPr>
+              <a:t>.Net</a:t>
+            </a:r>
+            <a:endParaRPr lang="en-GB" b="0" i="0" u="none" strike="noStrike" baseline="0" dirty="0">
+              <a:latin typeface="Arial" panose="020B0604020202020204" pitchFamily="34" charset="0"/>
+            </a:endParaRPr>
+          </a:p>
+          <a:p>
+            <a:pPr marR="0" lvl="1" rtl="0"/>
+            <a:endParaRPr lang="en-GB" b="0" i="0" u="none" strike="noStrike" baseline="0" dirty="0">
+              <a:latin typeface="Arial" panose="020B0604020202020204" pitchFamily="34" charset="0"/>
+            </a:endParaRPr>
+          </a:p>
+          <a:p>
+            <a:pPr marR="0" lvl="1" rtl="0"/>
+            <a:r>
+              <a:rPr lang="en-US" dirty="0">
+                <a:latin typeface="Arial" panose="020B0604020202020204" pitchFamily="34" charset="0"/>
+                <a:hlinkClick r:id="rId2"/>
+              </a:rPr>
+              <a:t>Regular Expression Language - Quick Reference</a:t>
+            </a:r>
+            <a:endParaRPr lang="en-US" dirty="0">
+              <a:latin typeface="Arial" panose="020B0604020202020204" pitchFamily="34" charset="0"/>
+            </a:endParaRPr>
+          </a:p>
+          <a:p>
+            <a:pPr lvl="2"/>
+            <a:r>
+              <a:rPr lang="en-GB" b="0" i="0" u="none" strike="noStrike" baseline="0" dirty="0">
+                <a:latin typeface="Arial" panose="020B0604020202020204" pitchFamily="34" charset="0"/>
+              </a:rPr>
+              <a:t>Microsoft Learn</a:t>
+            </a:r>
+            <a:endParaRPr lang="en-US" b="1" i="0" u="none" strike="noStrike" baseline="0" dirty="0">
+              <a:solidFill>
+                <a:srgbClr val="B5FFE1"/>
+              </a:solidFill>
+              <a:latin typeface="Arial" panose="020B0604020202020204" pitchFamily="34" charset="0"/>
+              <a:hlinkClick r:id="rId2"/>
+            </a:endParaRPr>
+          </a:p>
+          <a:p>
+            <a:pPr marR="0" lvl="1" rtl="0"/>
+            <a:r>
+              <a:rPr lang="en-GB" b="0" i="0" u="none" strike="noStrike" baseline="0" dirty="0">
+                <a:latin typeface="Arial" panose="020B0604020202020204" pitchFamily="34" charset="0"/>
+                <a:hlinkClick r:id="rId3"/>
+              </a:rPr>
+              <a:t>Regex101.com</a:t>
+            </a:r>
+            <a:endParaRPr lang="en-GB" b="0" i="0" u="none" strike="noStrike" baseline="0" dirty="0">
+              <a:latin typeface="Arial" panose="020B0604020202020204" pitchFamily="34" charset="0"/>
+            </a:endParaRPr>
+          </a:p>
+          <a:p>
+            <a:pPr lvl="2"/>
+            <a:r>
+              <a:rPr lang="en-GB" b="0" i="0" u="none" strike="noStrike" baseline="0" dirty="0">
+                <a:latin typeface="Arial" panose="020B0604020202020204" pitchFamily="34" charset="0"/>
+              </a:rPr>
+              <a:t>Online regex tester and debugger: PHP, PCRE, Python, Golang and JavaScript</a:t>
+            </a:r>
+            <a:endParaRPr lang="en-GB" b="0" i="0" u="none" strike="noStrike" baseline="0" dirty="0">
+              <a:latin typeface="Arial" panose="020B0604020202020204" pitchFamily="34" charset="0"/>
+              <a:hlinkClick r:id="rId3"/>
+            </a:endParaRPr>
+          </a:p>
+          <a:p>
+            <a:pPr marR="0" lvl="0" rtl="0"/>
+            <a:endParaRPr lang="en-GB" b="0" i="0" u="none" strike="noStrike" baseline="0" dirty="0">
+              <a:latin typeface="Arial" panose="020B0604020202020204" pitchFamily="34" charset="0"/>
+            </a:endParaRPr>
           </a:p>
         </p:txBody>
       </p:sp>
@@ -13152,7 +13509,7 @@
           <p:cNvPr id="4" name="Footer Placeholder 3">
             <a:extLst>
               <a:ext uri="{FF2B5EF4-FFF2-40B4-BE49-F238E27FC236}">
-                <a16:creationId xmlns:a16="http://schemas.microsoft.com/office/drawing/2014/main" id="{507EC4A3-E32B-43F6-026F-446E75000BCC}"/>
+                <a16:creationId xmlns:a16="http://schemas.microsoft.com/office/drawing/2014/main" id="{E7162F62-B977-5DCB-11DA-4B82D75DADEA}"/>
               </a:ext>
             </a:extLst>
           </p:cNvPr>
@@ -13181,7 +13538,7 @@
           <p:cNvPr id="5" name="Slide Number Placeholder 4">
             <a:extLst>
               <a:ext uri="{FF2B5EF4-FFF2-40B4-BE49-F238E27FC236}">
-                <a16:creationId xmlns:a16="http://schemas.microsoft.com/office/drawing/2014/main" id="{03874F1B-0674-50D8-B306-B9D8FEBE8129}"/>
+                <a16:creationId xmlns:a16="http://schemas.microsoft.com/office/drawing/2014/main" id="{BA160651-B855-8D12-1878-3DA7795E0117}"/>
               </a:ext>
             </a:extLst>
           </p:cNvPr>
@@ -13208,7 +13565,7 @@
     </p:spTree>
     <p:extLst>
       <p:ext uri="{BB962C8B-B14F-4D97-AF65-F5344CB8AC3E}">
-        <p14:creationId xmlns:p14="http://schemas.microsoft.com/office/powerpoint/2010/main" val="772902526"/>
+        <p14:creationId xmlns:p14="http://schemas.microsoft.com/office/powerpoint/2010/main" val="3575248227"/>
       </p:ext>
     </p:extLst>
   </p:cSld>
@@ -13302,7 +13659,7 @@
               <a:rPr lang="en-GB" b="0" i="0" u="none" strike="noStrike" baseline="0" dirty="0">
                 <a:latin typeface="Arial" panose="020B0604020202020204" pitchFamily="34" charset="0"/>
               </a:rPr>
-              <a:t>Character classes</a:t>
+              <a:t>Special characters</a:t>
             </a:r>
           </a:p>
           <a:p>
@@ -13311,43 +13668,7 @@
               <a:rPr lang="en-GB" b="0" i="0" u="none" strike="noStrike" baseline="0" dirty="0">
                 <a:latin typeface="Arial" panose="020B0604020202020204" pitchFamily="34" charset="0"/>
               </a:rPr>
-              <a:t>Word</a:t>
-            </a:r>
-          </a:p>
-          <a:p>
-            <a:pPr marR="0" lvl="1" rtl="0"/>
-            <a:r>
-              <a:rPr lang="en-GB" b="0" i="0" u="none" strike="noStrike" baseline="0" dirty="0">
-                <a:latin typeface="Arial" panose="020B0604020202020204" pitchFamily="34" charset="0"/>
-              </a:rPr>
-              <a:t>Space</a:t>
-            </a:r>
-          </a:p>
-          <a:p>
-            <a:pPr marR="0" lvl="1" rtl="0"/>
-            <a:r>
-              <a:rPr lang="en-GB" b="0" i="0" u="none" strike="noStrike" baseline="0" dirty="0">
-                <a:latin typeface="Arial" panose="020B0604020202020204" pitchFamily="34" charset="0"/>
-              </a:rPr>
-              <a:t>Digit</a:t>
-            </a:r>
-          </a:p>
-          <a:p>
-            <a:pPr marR="0" lvl="1" rtl="0"/>
-            <a:r>
-              <a:rPr lang="en-GB" b="0" i="0" u="none" strike="noStrike" baseline="0" dirty="0">
-                <a:latin typeface="Arial" panose="020B0604020202020204" pitchFamily="34" charset="0"/>
-              </a:rPr>
-              <a:t>Character group</a:t>
-            </a:r>
-          </a:p>
-          <a:p>
-            <a:pPr marR="0" lvl="1" rtl="0"/>
-            <a:r>
-              <a:rPr lang="en-GB" b="0" i="0" u="none" strike="noStrike" baseline="0" dirty="0">
-                <a:latin typeface="Arial" panose="020B0604020202020204" pitchFamily="34" charset="0"/>
-              </a:rPr>
-              <a:t>Unicode</a:t>
+              <a:t>[]$.|?*+()</a:t>
             </a:r>
           </a:p>
         </p:txBody>
@@ -13357,7 +13678,7 @@
           <p:cNvPr id="4" name="Footer Placeholder 3">
             <a:extLst>
               <a:ext uri="{FF2B5EF4-FFF2-40B4-BE49-F238E27FC236}">
-                <a16:creationId xmlns:a16="http://schemas.microsoft.com/office/drawing/2014/main" id="{EB0E6BC6-9F7E-E848-ABBD-2FA7B43F46B6}"/>
+                <a16:creationId xmlns:a16="http://schemas.microsoft.com/office/drawing/2014/main" id="{507EC4A3-E32B-43F6-026F-446E75000BCC}"/>
               </a:ext>
             </a:extLst>
           </p:cNvPr>
@@ -13386,7 +13707,7 @@
           <p:cNvPr id="5" name="Slide Number Placeholder 4">
             <a:extLst>
               <a:ext uri="{FF2B5EF4-FFF2-40B4-BE49-F238E27FC236}">
-                <a16:creationId xmlns:a16="http://schemas.microsoft.com/office/drawing/2014/main" id="{7AE1C5F7-71B4-D24D-75E6-762CAF894A8C}"/>
+                <a16:creationId xmlns:a16="http://schemas.microsoft.com/office/drawing/2014/main" id="{03874F1B-0674-50D8-B306-B9D8FEBE8129}"/>
               </a:ext>
             </a:extLst>
           </p:cNvPr>
@@ -13413,7 +13734,7 @@
     </p:spTree>
     <p:extLst>
       <p:ext uri="{BB962C8B-B14F-4D97-AF65-F5344CB8AC3E}">
-        <p14:creationId xmlns:p14="http://schemas.microsoft.com/office/powerpoint/2010/main" val="2835815495"/>
+        <p14:creationId xmlns:p14="http://schemas.microsoft.com/office/powerpoint/2010/main" val="772902526"/>
       </p:ext>
     </p:extLst>
   </p:cSld>
@@ -13507,7 +13828,7 @@
               <a:rPr lang="en-GB" b="0" i="0" u="none" strike="noStrike" baseline="0" dirty="0">
                 <a:latin typeface="Arial" panose="020B0604020202020204" pitchFamily="34" charset="0"/>
               </a:rPr>
-              <a:t>Quantifiers</a:t>
+              <a:t>Character classes</a:t>
             </a:r>
           </a:p>
           <a:p>
@@ -13516,7 +13837,7 @@
               <a:rPr lang="en-GB" b="0" i="0" u="none" strike="noStrike" baseline="0" dirty="0">
                 <a:latin typeface="Arial" panose="020B0604020202020204" pitchFamily="34" charset="0"/>
               </a:rPr>
-              <a:t>?</a:t>
+              <a:t>Word</a:t>
             </a:r>
           </a:p>
           <a:p>
@@ -13525,7 +13846,7 @@
               <a:rPr lang="en-GB" b="0" i="0" u="none" strike="noStrike" baseline="0" dirty="0">
                 <a:latin typeface="Arial" panose="020B0604020202020204" pitchFamily="34" charset="0"/>
               </a:rPr>
-              <a:t>*</a:t>
+              <a:t>Space</a:t>
             </a:r>
           </a:p>
           <a:p>
@@ -13534,7 +13855,7 @@
               <a:rPr lang="en-GB" b="0" i="0" u="none" strike="noStrike" baseline="0" dirty="0">
                 <a:latin typeface="Arial" panose="020B0604020202020204" pitchFamily="34" charset="0"/>
               </a:rPr>
-              <a:t>+</a:t>
+              <a:t>Digit</a:t>
             </a:r>
           </a:p>
           <a:p>
@@ -13543,7 +13864,7 @@
               <a:rPr lang="en-GB" b="0" i="0" u="none" strike="noStrike" baseline="0" dirty="0">
                 <a:latin typeface="Arial" panose="020B0604020202020204" pitchFamily="34" charset="0"/>
               </a:rPr>
-              <a:t>{2}</a:t>
+              <a:t>Character group</a:t>
             </a:r>
           </a:p>
           <a:p>
@@ -13552,16 +13873,7 @@
               <a:rPr lang="en-GB" b="0" i="0" u="none" strike="noStrike" baseline="0" dirty="0">
                 <a:latin typeface="Arial" panose="020B0604020202020204" pitchFamily="34" charset="0"/>
               </a:rPr>
-              <a:t>{2,}</a:t>
-            </a:r>
-          </a:p>
-          <a:p>
-            <a:pPr marR="0" lvl="1" rtl="0"/>
-            <a:r>
-              <a:rPr lang="en-GB" b="0" i="0" u="none" strike="noStrike" baseline="0" dirty="0">
-                <a:latin typeface="Arial" panose="020B0604020202020204" pitchFamily="34" charset="0"/>
-              </a:rPr>
-              <a:t>{2,5}</a:t>
+              <a:t>Unicode</a:t>
             </a:r>
           </a:p>
         </p:txBody>
@@ -13571,7 +13883,7 @@
           <p:cNvPr id="4" name="Footer Placeholder 3">
             <a:extLst>
               <a:ext uri="{FF2B5EF4-FFF2-40B4-BE49-F238E27FC236}">
-                <a16:creationId xmlns:a16="http://schemas.microsoft.com/office/drawing/2014/main" id="{C7614F70-F878-ABC3-8878-62947DD57F04}"/>
+                <a16:creationId xmlns:a16="http://schemas.microsoft.com/office/drawing/2014/main" id="{EB0E6BC6-9F7E-E848-ABBD-2FA7B43F46B6}"/>
               </a:ext>
             </a:extLst>
           </p:cNvPr>
@@ -13600,7 +13912,7 @@
           <p:cNvPr id="5" name="Slide Number Placeholder 4">
             <a:extLst>
               <a:ext uri="{FF2B5EF4-FFF2-40B4-BE49-F238E27FC236}">
-                <a16:creationId xmlns:a16="http://schemas.microsoft.com/office/drawing/2014/main" id="{EB746841-4D73-51EF-36C0-6EBAB845548C}"/>
+                <a16:creationId xmlns:a16="http://schemas.microsoft.com/office/drawing/2014/main" id="{7AE1C5F7-71B4-D24D-75E6-762CAF894A8C}"/>
               </a:ext>
             </a:extLst>
           </p:cNvPr>
@@ -13627,7 +13939,7 @@
     </p:spTree>
     <p:extLst>
       <p:ext uri="{BB962C8B-B14F-4D97-AF65-F5344CB8AC3E}">
-        <p14:creationId xmlns:p14="http://schemas.microsoft.com/office/powerpoint/2010/main" val="575476293"/>
+        <p14:creationId xmlns:p14="http://schemas.microsoft.com/office/powerpoint/2010/main" val="2835815495"/>
       </p:ext>
     </p:extLst>
   </p:cSld>
@@ -13721,7 +14033,7 @@
               <a:rPr lang="en-GB" b="0" i="0" u="none" strike="noStrike" baseline="0" dirty="0">
                 <a:latin typeface="Arial" panose="020B0604020202020204" pitchFamily="34" charset="0"/>
               </a:rPr>
-              <a:t>Groups</a:t>
+              <a:t>Quantifiers</a:t>
             </a:r>
           </a:p>
           <a:p>
@@ -13730,20 +14042,53 @@
               <a:rPr lang="en-GB" b="0" i="0" u="none" strike="noStrike" baseline="0" dirty="0">
                 <a:latin typeface="Arial" panose="020B0604020202020204" pitchFamily="34" charset="0"/>
               </a:rPr>
-              <a:t>Subexpression  My name is (+)</a:t>
+              <a:t>?</a:t>
             </a:r>
           </a:p>
           <a:p>
             <a:pPr marR="0" lvl="1" rtl="0"/>
             <a:r>
-              <a:rPr lang="en-US" b="0" i="0" u="none" strike="noStrike" baseline="0" dirty="0">
-                <a:latin typeface="Arial" panose="020B0604020202020204" pitchFamily="34" charset="0"/>
-              </a:rPr>
-              <a:t>Named Subexpression  My name is (?&lt;name&gt;+)</a:t>
-            </a:r>
-            <a:endParaRPr lang="en-GB" b="0" i="0" u="none" strike="noStrike" baseline="0" dirty="0">
-              <a:latin typeface="Arial" panose="020B0604020202020204" pitchFamily="34" charset="0"/>
-            </a:endParaRPr>
+              <a:rPr lang="en-GB" b="0" i="0" u="none" strike="noStrike" baseline="0" dirty="0">
+                <a:latin typeface="Arial" panose="020B0604020202020204" pitchFamily="34" charset="0"/>
+              </a:rPr>
+              <a:t>*</a:t>
+            </a:r>
+          </a:p>
+          <a:p>
+            <a:pPr marR="0" lvl="1" rtl="0"/>
+            <a:r>
+              <a:rPr lang="en-GB" b="0" i="0" u="none" strike="noStrike" baseline="0" dirty="0">
+                <a:latin typeface="Arial" panose="020B0604020202020204" pitchFamily="34" charset="0"/>
+              </a:rPr>
+              <a:t>+</a:t>
+            </a:r>
+          </a:p>
+          <a:p>
+            <a:pPr marR="0" lvl="1" rtl="0"/>
+            <a:r>
+              <a:rPr lang="en-GB" b="0" i="0" u="none" strike="noStrike" baseline="0" dirty="0">
+                <a:latin typeface="Arial" panose="020B0604020202020204" pitchFamily="34" charset="0"/>
+              </a:rPr>
+              <a:t>{2}</a:t>
+            </a:r>
+          </a:p>
+          <a:p>
+            <a:pPr marR="0" lvl="1" rtl="0"/>
+            <a:r>
+              <a:rPr lang="en-GB" b="0" i="0" u="none" strike="noStrike" baseline="0" dirty="0">
+                <a:latin typeface="Arial" panose="020B0604020202020204" pitchFamily="34" charset="0"/>
+              </a:rPr>
+              <a:t>{2,}</a:t>
+            </a:r>
+          </a:p>
+          <a:p>
+            <a:pPr marR="0" lvl="1" rtl="0"/>
+            <a:r>
+              <a:rPr lang="en-GB" b="0" i="0" u="none" strike="noStrike" baseline="0" dirty="0">
+                <a:latin typeface="Arial" panose="020B0604020202020204" pitchFamily="34" charset="0"/>
+              </a:rPr>
+              <a:t>{2,5}</a:t>
+            </a:r>
           </a:p>
         </p:txBody>
       </p:sp>
@@ -13752,7 +14097,7 @@
           <p:cNvPr id="4" name="Footer Placeholder 3">
             <a:extLst>
               <a:ext uri="{FF2B5EF4-FFF2-40B4-BE49-F238E27FC236}">
-                <a16:creationId xmlns:a16="http://schemas.microsoft.com/office/drawing/2014/main" id="{80232240-14FD-2A66-9C77-C1A82FDA4CFB}"/>
+                <a16:creationId xmlns:a16="http://schemas.microsoft.com/office/drawing/2014/main" id="{C7614F70-F878-ABC3-8878-62947DD57F04}"/>
               </a:ext>
             </a:extLst>
           </p:cNvPr>
@@ -13781,7 +14126,7 @@
           <p:cNvPr id="5" name="Slide Number Placeholder 4">
             <a:extLst>
               <a:ext uri="{FF2B5EF4-FFF2-40B4-BE49-F238E27FC236}">
-                <a16:creationId xmlns:a16="http://schemas.microsoft.com/office/drawing/2014/main" id="{F6539DE5-7DDB-C402-55A7-C3125BD93243}"/>
+                <a16:creationId xmlns:a16="http://schemas.microsoft.com/office/drawing/2014/main" id="{EB746841-4D73-51EF-36C0-6EBAB845548C}"/>
               </a:ext>
             </a:extLst>
           </p:cNvPr>
@@ -13808,7 +14153,7 @@
     </p:spTree>
     <p:extLst>
       <p:ext uri="{BB962C8B-B14F-4D97-AF65-F5344CB8AC3E}">
-        <p14:creationId xmlns:p14="http://schemas.microsoft.com/office/powerpoint/2010/main" val="2410469318"/>
+        <p14:creationId xmlns:p14="http://schemas.microsoft.com/office/powerpoint/2010/main" val="575476293"/>
       </p:ext>
     </p:extLst>
   </p:cSld>
@@ -13840,7 +14185,7 @@
           <p:cNvPr id="2" name="Title 1">
             <a:extLst>
               <a:ext uri="{FF2B5EF4-FFF2-40B4-BE49-F238E27FC236}">
-                <a16:creationId xmlns:a16="http://schemas.microsoft.com/office/drawing/2014/main" id="{69BCD6E1-D5BF-EF3E-F0CC-EDE7BAE35861}"/>
+                <a16:creationId xmlns:a16="http://schemas.microsoft.com/office/drawing/2014/main" id="{9FFBD372-F671-B37D-0DA3-A3EC727D2803}"/>
               </a:ext>
             </a:extLst>
           </p:cNvPr>
@@ -13853,104 +14198,87 @@
         </p:nvSpPr>
         <p:spPr>
           <a:xfrm>
-            <a:off x="839788" y="457200"/>
-            <a:ext cx="9123078" cy="1600200"/>
+            <a:off x="838200" y="365125"/>
+            <a:ext cx="10515600" cy="1325563"/>
           </a:xfrm>
         </p:spPr>
         <p:txBody>
           <a:bodyPr/>
           <a:lstStyle/>
           <a:p>
+            <a:pPr marR="0" rtl="0"/>
             <a:r>
               <a:rPr lang="en-GB" b="1" i="0" u="none" strike="noStrike" baseline="0" dirty="0">
                 <a:latin typeface="Arial" panose="020B0604020202020204" pitchFamily="34" charset="0"/>
               </a:rPr>
               <a:t>Regex</a:t>
             </a:r>
-            <a:endParaRPr lang="en-SE" dirty="0"/>
-          </a:p>
-        </p:txBody>
-      </p:sp>
-      <p:sp>
-        <p:nvSpPr>
-          <p:cNvPr id="4" name="Text Placeholder 3">
-            <a:extLst>
-              <a:ext uri="{FF2B5EF4-FFF2-40B4-BE49-F238E27FC236}">
-                <a16:creationId xmlns:a16="http://schemas.microsoft.com/office/drawing/2014/main" id="{D7ABE405-4C8C-4761-DB98-41C6649D1B66}"/>
-              </a:ext>
-            </a:extLst>
-          </p:cNvPr>
-          <p:cNvSpPr>
-            <a:spLocks noGrp="1"/>
-          </p:cNvSpPr>
-          <p:nvPr>
-            <p:ph type="body" sz="half" idx="2"/>
-          </p:nvPr>
-        </p:nvSpPr>
-        <p:spPr>
-          <a:xfrm>
-            <a:off x="839788" y="2057400"/>
-            <a:ext cx="10877001" cy="3811588"/>
-          </a:xfrm>
-        </p:spPr>
+            <a:endParaRPr lang="en-GB" b="0" i="0" u="none" strike="noStrike" baseline="0" dirty="0">
+              <a:latin typeface="Arial" panose="020B0604020202020204" pitchFamily="34" charset="0"/>
+            </a:endParaRPr>
+          </a:p>
+        </p:txBody>
+      </p:sp>
+      <p:sp>
+        <p:nvSpPr>
+          <p:cNvPr id="3" name="Text Placeholder 2">
+            <a:extLst>
+              <a:ext uri="{FF2B5EF4-FFF2-40B4-BE49-F238E27FC236}">
+                <a16:creationId xmlns:a16="http://schemas.microsoft.com/office/drawing/2014/main" id="{8644391E-6A12-A9C9-0782-E88032B073B7}"/>
+              </a:ext>
+            </a:extLst>
+          </p:cNvPr>
+          <p:cNvSpPr>
+            <a:spLocks noGrp="1"/>
+          </p:cNvSpPr>
+          <p:nvPr>
+            <p:ph type="body" idx="1"/>
+          </p:nvPr>
+        </p:nvSpPr>
+        <p:spPr/>
         <p:txBody>
           <a:bodyPr>
             <a:normAutofit/>
           </a:bodyPr>
           <a:lstStyle/>
           <a:p>
-            <a:pPr marL="285750" indent="-285750">
-              <a:buFont typeface="Arial" panose="020B0604020202020204" pitchFamily="34" charset="0"/>
-              <a:buChar char="•"/>
-            </a:pPr>
-            <a:r>
-              <a:rPr lang="en-GB" sz="4400" b="0" i="0" u="none" strike="noStrike" baseline="0" dirty="0">
-                <a:latin typeface="Arial" panose="020B0604020202020204" pitchFamily="34" charset="0"/>
-              </a:rPr>
-              <a:t>Lab 4</a:t>
-            </a:r>
-          </a:p>
-          <a:p>
-            <a:pPr marL="285750" indent="-285750">
-              <a:buFont typeface="Arial" panose="020B0604020202020204" pitchFamily="34" charset="0"/>
-              <a:buChar char="•"/>
-            </a:pPr>
-            <a:endParaRPr lang="en-GB" sz="4400" b="0" i="0" u="none" strike="noStrike" baseline="0" dirty="0">
+            <a:pPr marR="0" lvl="0" rtl="0"/>
+            <a:r>
+              <a:rPr lang="en-GB" b="0" i="0" u="none" strike="noStrike" baseline="0" dirty="0">
+                <a:latin typeface="Arial" panose="020B0604020202020204" pitchFamily="34" charset="0"/>
+              </a:rPr>
+              <a:t>Groups</a:t>
+            </a:r>
+          </a:p>
+          <a:p>
+            <a:pPr marR="0" lvl="1" rtl="0"/>
+            <a:r>
+              <a:rPr lang="en-GB" b="0" i="0" u="none" strike="noStrike" baseline="0" dirty="0">
+                <a:latin typeface="Arial" panose="020B0604020202020204" pitchFamily="34" charset="0"/>
+              </a:rPr>
+              <a:t>Subexpression  My name is (+)</a:t>
+            </a:r>
+          </a:p>
+          <a:p>
+            <a:pPr marR="0" lvl="1" rtl="0"/>
+            <a:r>
+              <a:rPr lang="en-US" b="0" i="0" u="none" strike="noStrike" baseline="0" dirty="0">
+                <a:latin typeface="Arial" panose="020B0604020202020204" pitchFamily="34" charset="0"/>
+              </a:rPr>
+              <a:t>Named Subexpression  My name is (?&lt;name&gt;+)</a:t>
+            </a:r>
+            <a:endParaRPr lang="en-GB" b="0" i="0" u="none" strike="noStrike" baseline="0" dirty="0">
               <a:latin typeface="Arial" panose="020B0604020202020204" pitchFamily="34" charset="0"/>
             </a:endParaRPr>
           </a:p>
-          <a:p>
-            <a:pPr marL="285750" indent="-285750">
-              <a:buFont typeface="Arial" panose="020B0604020202020204" pitchFamily="34" charset="0"/>
-              <a:buChar char="•"/>
-            </a:pPr>
-            <a:r>
-              <a:rPr lang="en-US" sz="1800" dirty="0">
-                <a:hlinkClick r:id="rId2"/>
-              </a:rPr>
-              <a:t>https://github.com/AdvaniaSE/PowerShellAdvancedFundamentals</a:t>
-            </a:r>
-            <a:endParaRPr lang="en-US" sz="1800" dirty="0"/>
-          </a:p>
-          <a:p>
-            <a:pPr marL="742950" lvl="1" indent="-285750">
-              <a:buFont typeface="Arial" panose="020B0604020202020204" pitchFamily="34" charset="0"/>
-              <a:buChar char="•"/>
-            </a:pPr>
-            <a:r>
-              <a:rPr lang="en-US" sz="1600" dirty="0"/>
-              <a:t>04. Regex</a:t>
-            </a:r>
-            <a:endParaRPr lang="en-US" sz="1800" dirty="0"/>
-          </a:p>
-        </p:txBody>
-      </p:sp>
-      <p:sp>
-        <p:nvSpPr>
-          <p:cNvPr id="3" name="Footer Placeholder 2">
-            <a:extLst>
-              <a:ext uri="{FF2B5EF4-FFF2-40B4-BE49-F238E27FC236}">
-                <a16:creationId xmlns:a16="http://schemas.microsoft.com/office/drawing/2014/main" id="{A1991614-A06B-BF06-B8D8-51FE5BBF12A8}"/>
+        </p:txBody>
+      </p:sp>
+      <p:sp>
+        <p:nvSpPr>
+          <p:cNvPr id="4" name="Footer Placeholder 3">
+            <a:extLst>
+              <a:ext uri="{FF2B5EF4-FFF2-40B4-BE49-F238E27FC236}">
+                <a16:creationId xmlns:a16="http://schemas.microsoft.com/office/drawing/2014/main" id="{80232240-14FD-2A66-9C77-C1A82FDA4CFB}"/>
               </a:ext>
             </a:extLst>
           </p:cNvPr>
@@ -13979,7 +14307,7 @@
           <p:cNvPr id="5" name="Slide Number Placeholder 4">
             <a:extLst>
               <a:ext uri="{FF2B5EF4-FFF2-40B4-BE49-F238E27FC236}">
-                <a16:creationId xmlns:a16="http://schemas.microsoft.com/office/drawing/2014/main" id="{FE47650D-05AE-83D5-5123-F3088C3D0371}"/>
+                <a16:creationId xmlns:a16="http://schemas.microsoft.com/office/drawing/2014/main" id="{F6539DE5-7DDB-C402-55A7-C3125BD93243}"/>
               </a:ext>
             </a:extLst>
           </p:cNvPr>
@@ -13995,7 +14323,7 @@
           <a:bodyPr/>
           <a:lstStyle/>
           <a:p>
-            <a:fld id="{BFEA1545-8540-491B-83AB-51C306516EA6}" type="slidenum">
+            <a:fld id="{9993A830-6DA6-4394-A358-10250CDB3A67}" type="slidenum">
               <a:rPr lang="en-SE" smtClean="0"/>
               <a:t>48</a:t>
             </a:fld>
@@ -14006,7 +14334,7 @@
     </p:spTree>
     <p:extLst>
       <p:ext uri="{BB962C8B-B14F-4D97-AF65-F5344CB8AC3E}">
-        <p14:creationId xmlns:p14="http://schemas.microsoft.com/office/powerpoint/2010/main" val="1676989843"/>
+        <p14:creationId xmlns:p14="http://schemas.microsoft.com/office/powerpoint/2010/main" val="2410469318"/>
       </p:ext>
     </p:extLst>
   </p:cSld>
@@ -14038,7 +14366,7 @@
           <p:cNvPr id="2" name="Title 1">
             <a:extLst>
               <a:ext uri="{FF2B5EF4-FFF2-40B4-BE49-F238E27FC236}">
-                <a16:creationId xmlns:a16="http://schemas.microsoft.com/office/drawing/2014/main" id="{55D23047-3833-EFE0-8A01-090ACFE1D9FC}"/>
+                <a16:creationId xmlns:a16="http://schemas.microsoft.com/office/drawing/2014/main" id="{69BCD6E1-D5BF-EF3E-F0CC-EDE7BAE35861}"/>
               </a:ext>
             </a:extLst>
           </p:cNvPr>
@@ -14049,7 +14377,12 @@
             <p:ph type="title"/>
           </p:nvPr>
         </p:nvSpPr>
-        <p:spPr/>
+        <p:spPr>
+          <a:xfrm>
+            <a:off x="839788" y="457200"/>
+            <a:ext cx="9123078" cy="1600200"/>
+          </a:xfrm>
+        </p:spPr>
         <p:txBody>
           <a:bodyPr/>
           <a:lstStyle/>
@@ -14058,7 +14391,7 @@
               <a:rPr lang="en-GB" b="1" i="0" u="none" strike="noStrike" baseline="0" dirty="0">
                 <a:latin typeface="Arial" panose="020B0604020202020204" pitchFamily="34" charset="0"/>
               </a:rPr>
-              <a:t>API</a:t>
+              <a:t>Regex</a:t>
             </a:r>
             <a:endParaRPr lang="en-SE" dirty="0"/>
           </a:p>
@@ -14066,43 +14399,84 @@
       </p:sp>
       <p:sp>
         <p:nvSpPr>
-          <p:cNvPr id="3" name="Text Placeholder 2">
-            <a:extLst>
-              <a:ext uri="{FF2B5EF4-FFF2-40B4-BE49-F238E27FC236}">
-                <a16:creationId xmlns:a16="http://schemas.microsoft.com/office/drawing/2014/main" id="{1F80B5F8-E4FB-9CDB-0C7C-EEDCB4B8AF1D}"/>
-              </a:ext>
-            </a:extLst>
-          </p:cNvPr>
-          <p:cNvSpPr>
-            <a:spLocks noGrp="1"/>
-          </p:cNvSpPr>
-          <p:nvPr>
-            <p:ph type="body" idx="1"/>
-          </p:nvPr>
-        </p:nvSpPr>
-        <p:spPr/>
-        <p:txBody>
-          <a:bodyPr/>
-          <a:lstStyle/>
-          <a:p>
-            <a:r>
-              <a:rPr lang="en-US" dirty="0"/>
-              <a:t>(yeah, ok, </a:t>
-            </a:r>
-            <a:r>
-              <a:rPr lang="en-US"/>
-              <a:t>web APIs…)</a:t>
-            </a:r>
-            <a:endParaRPr lang="en-SE" dirty="0"/>
-          </a:p>
-        </p:txBody>
-      </p:sp>
-      <p:sp>
-        <p:nvSpPr>
-          <p:cNvPr id="4" name="Footer Placeholder 3">
-            <a:extLst>
-              <a:ext uri="{FF2B5EF4-FFF2-40B4-BE49-F238E27FC236}">
-                <a16:creationId xmlns:a16="http://schemas.microsoft.com/office/drawing/2014/main" id="{02323AB7-B422-71DF-9B55-F581A264F77D}"/>
+          <p:cNvPr id="4" name="Text Placeholder 3">
+            <a:extLst>
+              <a:ext uri="{FF2B5EF4-FFF2-40B4-BE49-F238E27FC236}">
+                <a16:creationId xmlns:a16="http://schemas.microsoft.com/office/drawing/2014/main" id="{D7ABE405-4C8C-4761-DB98-41C6649D1B66}"/>
+              </a:ext>
+            </a:extLst>
+          </p:cNvPr>
+          <p:cNvSpPr>
+            <a:spLocks noGrp="1"/>
+          </p:cNvSpPr>
+          <p:nvPr>
+            <p:ph type="body" sz="half" idx="2"/>
+          </p:nvPr>
+        </p:nvSpPr>
+        <p:spPr>
+          <a:xfrm>
+            <a:off x="839788" y="2057400"/>
+            <a:ext cx="10877001" cy="3811588"/>
+          </a:xfrm>
+        </p:spPr>
+        <p:txBody>
+          <a:bodyPr>
+            <a:normAutofit/>
+          </a:bodyPr>
+          <a:lstStyle/>
+          <a:p>
+            <a:pPr marL="285750" indent="-285750">
+              <a:buFont typeface="Arial" panose="020B0604020202020204" pitchFamily="34" charset="0"/>
+              <a:buChar char="•"/>
+            </a:pPr>
+            <a:r>
+              <a:rPr lang="en-GB" sz="4400" b="0" i="0" u="none" strike="noStrike" baseline="0" dirty="0">
+                <a:latin typeface="Arial" panose="020B0604020202020204" pitchFamily="34" charset="0"/>
+              </a:rPr>
+              <a:t>Lab 4</a:t>
+            </a:r>
+          </a:p>
+          <a:p>
+            <a:pPr marL="285750" indent="-285750">
+              <a:buFont typeface="Arial" panose="020B0604020202020204" pitchFamily="34" charset="0"/>
+              <a:buChar char="•"/>
+            </a:pPr>
+            <a:endParaRPr lang="en-GB" sz="4400" b="0" i="0" u="none" strike="noStrike" baseline="0" dirty="0">
+              <a:latin typeface="Arial" panose="020B0604020202020204" pitchFamily="34" charset="0"/>
+            </a:endParaRPr>
+          </a:p>
+          <a:p>
+            <a:pPr marL="285750" indent="-285750">
+              <a:buFont typeface="Arial" panose="020B0604020202020204" pitchFamily="34" charset="0"/>
+              <a:buChar char="•"/>
+            </a:pPr>
+            <a:r>
+              <a:rPr lang="en-US" sz="1800" dirty="0">
+                <a:hlinkClick r:id="rId2"/>
+              </a:rPr>
+              <a:t>https://github.com/AdvaniaSE/PowerShellAdvancedFundamentals</a:t>
+            </a:r>
+            <a:endParaRPr lang="en-US" sz="1800" dirty="0"/>
+          </a:p>
+          <a:p>
+            <a:pPr marL="742950" lvl="1" indent="-285750">
+              <a:buFont typeface="Arial" panose="020B0604020202020204" pitchFamily="34" charset="0"/>
+              <a:buChar char="•"/>
+            </a:pPr>
+            <a:r>
+              <a:rPr lang="en-US" sz="1600" dirty="0"/>
+              <a:t>04. Regex</a:t>
+            </a:r>
+            <a:endParaRPr lang="en-US" sz="1800" dirty="0"/>
+          </a:p>
+        </p:txBody>
+      </p:sp>
+      <p:sp>
+        <p:nvSpPr>
+          <p:cNvPr id="3" name="Footer Placeholder 2">
+            <a:extLst>
+              <a:ext uri="{FF2B5EF4-FFF2-40B4-BE49-F238E27FC236}">
+                <a16:creationId xmlns:a16="http://schemas.microsoft.com/office/drawing/2014/main" id="{A1991614-A06B-BF06-B8D8-51FE5BBF12A8}"/>
               </a:ext>
             </a:extLst>
           </p:cNvPr>
@@ -14131,7 +14505,7 @@
           <p:cNvPr id="5" name="Slide Number Placeholder 4">
             <a:extLst>
               <a:ext uri="{FF2B5EF4-FFF2-40B4-BE49-F238E27FC236}">
-                <a16:creationId xmlns:a16="http://schemas.microsoft.com/office/drawing/2014/main" id="{E5A8B170-07E9-4954-F276-EED8721ADC47}"/>
+                <a16:creationId xmlns:a16="http://schemas.microsoft.com/office/drawing/2014/main" id="{FE47650D-05AE-83D5-5123-F3088C3D0371}"/>
               </a:ext>
             </a:extLst>
           </p:cNvPr>
@@ -14158,7 +14532,7 @@
     </p:spTree>
     <p:extLst>
       <p:ext uri="{BB962C8B-B14F-4D97-AF65-F5344CB8AC3E}">
-        <p14:creationId xmlns:p14="http://schemas.microsoft.com/office/powerpoint/2010/main" val="3151259491"/>
+        <p14:creationId xmlns:p14="http://schemas.microsoft.com/office/powerpoint/2010/main" val="1676989843"/>
       </p:ext>
     </p:extLst>
   </p:cSld>
@@ -14363,7 +14737,7 @@
           <p:cNvPr id="2" name="Title 1">
             <a:extLst>
               <a:ext uri="{FF2B5EF4-FFF2-40B4-BE49-F238E27FC236}">
-                <a16:creationId xmlns:a16="http://schemas.microsoft.com/office/drawing/2014/main" id="{8B1EC69F-C0F1-C043-312C-BF0035C22AFF}"/>
+                <a16:creationId xmlns:a16="http://schemas.microsoft.com/office/drawing/2014/main" id="{55D23047-3833-EFE0-8A01-090ACFE1D9FC}"/>
               </a:ext>
             </a:extLst>
           </p:cNvPr>
@@ -14374,26 +14748,18 @@
             <p:ph type="title"/>
           </p:nvPr>
         </p:nvSpPr>
-        <p:spPr>
-          <a:xfrm>
-            <a:off x="838200" y="365125"/>
-            <a:ext cx="10515600" cy="1325563"/>
-          </a:xfrm>
-        </p:spPr>
-        <p:txBody>
-          <a:bodyPr/>
-          <a:lstStyle/>
-          <a:p>
-            <a:pPr marR="0" rtl="0"/>
+        <p:spPr/>
+        <p:txBody>
+          <a:bodyPr/>
+          <a:lstStyle/>
+          <a:p>
             <a:r>
               <a:rPr lang="en-GB" b="1" i="0" u="none" strike="noStrike" baseline="0" dirty="0">
                 <a:latin typeface="Arial" panose="020B0604020202020204" pitchFamily="34" charset="0"/>
               </a:rPr>
               <a:t>API</a:t>
             </a:r>
-            <a:endParaRPr lang="en-GB" b="0" i="0" u="none" strike="noStrike" baseline="0" dirty="0">
-              <a:latin typeface="Arial" panose="020B0604020202020204" pitchFamily="34" charset="0"/>
-            </a:endParaRPr>
+            <a:endParaRPr lang="en-SE" dirty="0"/>
           </a:p>
         </p:txBody>
       </p:sp>
@@ -14402,7 +14768,7 @@
           <p:cNvPr id="3" name="Text Placeholder 2">
             <a:extLst>
               <a:ext uri="{FF2B5EF4-FFF2-40B4-BE49-F238E27FC236}">
-                <a16:creationId xmlns:a16="http://schemas.microsoft.com/office/drawing/2014/main" id="{1C38AF72-AE36-79EA-D91A-CB65D8BABAFA}"/>
+                <a16:creationId xmlns:a16="http://schemas.microsoft.com/office/drawing/2014/main" id="{1F80B5F8-E4FB-9CDB-0C7C-EEDCB4B8AF1D}"/>
               </a:ext>
             </a:extLst>
           </p:cNvPr>
@@ -14415,33 +14781,18 @@
         </p:nvSpPr>
         <p:spPr/>
         <p:txBody>
-          <a:bodyPr>
-            <a:normAutofit/>
-          </a:bodyPr>
-          <a:lstStyle/>
-          <a:p>
-            <a:pPr marR="0" lvl="0" rtl="0"/>
-            <a:r>
-              <a:rPr lang="en-GB" b="0" i="0" u="none" strike="noStrike" baseline="0" dirty="0">
-                <a:latin typeface="Arial" panose="020B0604020202020204" pitchFamily="34" charset="0"/>
-              </a:rPr>
-              <a:t>What is an API?</a:t>
-            </a:r>
-            <a:endParaRPr lang="en-GB" dirty="0">
-              <a:latin typeface="Arial" panose="020B0604020202020204" pitchFamily="34" charset="0"/>
-            </a:endParaRPr>
-          </a:p>
-          <a:p>
-            <a:pPr marR="0" lvl="0" rtl="0"/>
-            <a:r>
-              <a:rPr lang="en-GB" dirty="0">
-                <a:latin typeface="Arial" panose="020B0604020202020204" pitchFamily="34" charset="0"/>
-              </a:rPr>
-              <a:t>Rest and SOAP.</a:t>
-            </a:r>
-            <a:endParaRPr lang="en-GB" b="0" i="0" u="none" strike="noStrike" baseline="0" dirty="0">
-              <a:latin typeface="Arial" panose="020B0604020202020204" pitchFamily="34" charset="0"/>
-            </a:endParaRPr>
+          <a:bodyPr/>
+          <a:lstStyle/>
+          <a:p>
+            <a:r>
+              <a:rPr lang="en-US" dirty="0"/>
+              <a:t>(yeah, ok, </a:t>
+            </a:r>
+            <a:r>
+              <a:rPr lang="en-US"/>
+              <a:t>web APIs…)</a:t>
+            </a:r>
+            <a:endParaRPr lang="en-SE" dirty="0"/>
           </a:p>
         </p:txBody>
       </p:sp>
@@ -14450,7 +14801,7 @@
           <p:cNvPr id="4" name="Footer Placeholder 3">
             <a:extLst>
               <a:ext uri="{FF2B5EF4-FFF2-40B4-BE49-F238E27FC236}">
-                <a16:creationId xmlns:a16="http://schemas.microsoft.com/office/drawing/2014/main" id="{8E13D53E-6443-9199-E019-2A7AE565BF5C}"/>
+                <a16:creationId xmlns:a16="http://schemas.microsoft.com/office/drawing/2014/main" id="{02323AB7-B422-71DF-9B55-F581A264F77D}"/>
               </a:ext>
             </a:extLst>
           </p:cNvPr>
@@ -14479,7 +14830,7 @@
           <p:cNvPr id="5" name="Slide Number Placeholder 4">
             <a:extLst>
               <a:ext uri="{FF2B5EF4-FFF2-40B4-BE49-F238E27FC236}">
-                <a16:creationId xmlns:a16="http://schemas.microsoft.com/office/drawing/2014/main" id="{3596855B-4439-3F80-0EF9-1B230DD9F1FD}"/>
+                <a16:creationId xmlns:a16="http://schemas.microsoft.com/office/drawing/2014/main" id="{E5A8B170-07E9-4954-F276-EED8721ADC47}"/>
               </a:ext>
             </a:extLst>
           </p:cNvPr>
@@ -14495,7 +14846,7 @@
           <a:bodyPr/>
           <a:lstStyle/>
           <a:p>
-            <a:fld id="{9993A830-6DA6-4394-A358-10250CDB3A67}" type="slidenum">
+            <a:fld id="{BFEA1545-8540-491B-83AB-51C306516EA6}" type="slidenum">
               <a:rPr lang="en-SE" smtClean="0"/>
               <a:t>50</a:t>
             </a:fld>
@@ -14506,7 +14857,7 @@
     </p:spTree>
     <p:extLst>
       <p:ext uri="{BB962C8B-B14F-4D97-AF65-F5344CB8AC3E}">
-        <p14:creationId xmlns:p14="http://schemas.microsoft.com/office/powerpoint/2010/main" val="1155425843"/>
+        <p14:creationId xmlns:p14="http://schemas.microsoft.com/office/powerpoint/2010/main" val="3151259491"/>
       </p:ext>
     </p:extLst>
   </p:cSld>
@@ -14600,97 +14951,24 @@
               <a:rPr lang="en-GB" b="0" i="0" u="none" strike="noStrike" baseline="0" dirty="0">
                 <a:latin typeface="Arial" panose="020B0604020202020204" pitchFamily="34" charset="0"/>
               </a:rPr>
-              <a:t>Invoke-</a:t>
-            </a:r>
-            <a:r>
-              <a:rPr lang="en-GB" b="0" i="0" u="none" strike="noStrike" baseline="0" dirty="0" err="1">
-                <a:latin typeface="Arial" panose="020B0604020202020204" pitchFamily="34" charset="0"/>
-              </a:rPr>
-              <a:t>WebRequest</a:t>
+              <a:t>What is an API?</a:t>
+            </a:r>
+            <a:endParaRPr lang="en-GB" dirty="0">
+              <a:latin typeface="Arial" panose="020B0604020202020204" pitchFamily="34" charset="0"/>
+            </a:endParaRPr>
+          </a:p>
+          <a:p>
+            <a:pPr marR="0" lvl="0" rtl="0"/>
+            <a:r>
+              <a:rPr lang="en-GB" dirty="0">
+                <a:latin typeface="Arial" panose="020B0604020202020204" pitchFamily="34" charset="0"/>
+              </a:rPr>
+              <a:t>Rest and SOAP.</a:t>
             </a:r>
             <a:endParaRPr lang="en-GB" b="0" i="0" u="none" strike="noStrike" baseline="0" dirty="0">
               <a:latin typeface="Arial" panose="020B0604020202020204" pitchFamily="34" charset="0"/>
             </a:endParaRPr>
           </a:p>
-          <a:p>
-            <a:pPr lvl="1"/>
-            <a:r>
-              <a:rPr lang="en-GB" dirty="0">
-                <a:latin typeface="Arial" panose="020B0604020202020204" pitchFamily="34" charset="0"/>
-              </a:rPr>
-              <a:t>Raw data results</a:t>
-            </a:r>
-            <a:endParaRPr lang="en-GB" b="0" i="0" u="none" strike="noStrike" baseline="0" dirty="0">
-              <a:latin typeface="Arial" panose="020B0604020202020204" pitchFamily="34" charset="0"/>
-            </a:endParaRPr>
-          </a:p>
-          <a:p>
-            <a:pPr marR="0" lvl="0" rtl="0"/>
-            <a:r>
-              <a:rPr lang="en-GB" b="0" i="0" u="none" strike="noStrike" baseline="0" dirty="0">
-                <a:latin typeface="Arial" panose="020B0604020202020204" pitchFamily="34" charset="0"/>
-              </a:rPr>
-              <a:t>Invoke-</a:t>
-            </a:r>
-            <a:r>
-              <a:rPr lang="en-GB" b="0" i="0" u="none" strike="noStrike" baseline="0" dirty="0" err="1">
-                <a:latin typeface="Arial" panose="020B0604020202020204" pitchFamily="34" charset="0"/>
-              </a:rPr>
-              <a:t>RestMethod</a:t>
-            </a:r>
-            <a:endParaRPr lang="en-GB" b="0" i="0" u="none" strike="noStrike" baseline="0" dirty="0">
-              <a:latin typeface="Arial" panose="020B0604020202020204" pitchFamily="34" charset="0"/>
-            </a:endParaRPr>
-          </a:p>
-          <a:p>
-            <a:pPr lvl="1"/>
-            <a:r>
-              <a:rPr lang="en-GB" dirty="0">
-                <a:latin typeface="Arial" panose="020B0604020202020204" pitchFamily="34" charset="0"/>
-              </a:rPr>
-              <a:t>Parses results</a:t>
-            </a:r>
-          </a:p>
-          <a:p>
-            <a:pPr lvl="1"/>
-            <a:r>
-              <a:rPr lang="en-GB" b="0" i="0" u="none" strike="noStrike" baseline="0" dirty="0">
-                <a:latin typeface="Arial" panose="020B0604020202020204" pitchFamily="34" charset="0"/>
-              </a:rPr>
-              <a:t>Better in PowerShell 7</a:t>
-            </a:r>
-          </a:p>
-          <a:p>
-            <a:endParaRPr lang="en-GB" b="0" i="0" u="none" strike="noStrike" baseline="0" dirty="0">
-              <a:latin typeface="Arial" panose="020B0604020202020204" pitchFamily="34" charset="0"/>
-            </a:endParaRPr>
-          </a:p>
-          <a:p>
-            <a:r>
-              <a:rPr lang="en-GB" b="0" i="0" u="none" strike="noStrike" baseline="0" dirty="0">
-                <a:latin typeface="Arial" panose="020B0604020202020204" pitchFamily="34" charset="0"/>
-              </a:rPr>
-              <a:t>Entirely different backend in PS7 </a:t>
-            </a:r>
-          </a:p>
-          <a:p>
-            <a:pPr lvl="1"/>
-            <a:r>
-              <a:rPr lang="en-GB" b="0" i="0" u="none" strike="noStrike" baseline="0" dirty="0">
-                <a:latin typeface="Arial" panose="020B0604020202020204" pitchFamily="34" charset="0"/>
-              </a:rPr>
-              <a:t>Behaves different</a:t>
-            </a:r>
-            <a:r>
-              <a:rPr lang="en-GB" dirty="0">
-                <a:latin typeface="Arial" panose="020B0604020202020204" pitchFamily="34" charset="0"/>
-              </a:rPr>
-              <a:t>. Verify your code.</a:t>
-            </a:r>
-            <a:endParaRPr lang="en-GB" b="0" i="0" u="none" strike="noStrike" baseline="0" dirty="0">
-              <a:latin typeface="Arial" panose="020B0604020202020204" pitchFamily="34" charset="0"/>
-            </a:endParaRPr>
-          </a:p>
         </p:txBody>
       </p:sp>
       <p:sp>
@@ -14698,7 +14976,7 @@
           <p:cNvPr id="4" name="Footer Placeholder 3">
             <a:extLst>
               <a:ext uri="{FF2B5EF4-FFF2-40B4-BE49-F238E27FC236}">
-                <a16:creationId xmlns:a16="http://schemas.microsoft.com/office/drawing/2014/main" id="{DB000B69-C6A3-FC95-858E-458B1F185A78}"/>
+                <a16:creationId xmlns:a16="http://schemas.microsoft.com/office/drawing/2014/main" id="{8E13D53E-6443-9199-E019-2A7AE565BF5C}"/>
               </a:ext>
             </a:extLst>
           </p:cNvPr>
@@ -14727,7 +15005,7 @@
           <p:cNvPr id="5" name="Slide Number Placeholder 4">
             <a:extLst>
               <a:ext uri="{FF2B5EF4-FFF2-40B4-BE49-F238E27FC236}">
-                <a16:creationId xmlns:a16="http://schemas.microsoft.com/office/drawing/2014/main" id="{74FB5D5F-1AC9-8541-C71A-C7B02AEFA0BF}"/>
+                <a16:creationId xmlns:a16="http://schemas.microsoft.com/office/drawing/2014/main" id="{3596855B-4439-3F80-0EF9-1B230DD9F1FD}"/>
               </a:ext>
             </a:extLst>
           </p:cNvPr>
@@ -14754,7 +15032,7 @@
     </p:spTree>
     <p:extLst>
       <p:ext uri="{BB962C8B-B14F-4D97-AF65-F5344CB8AC3E}">
-        <p14:creationId xmlns:p14="http://schemas.microsoft.com/office/powerpoint/2010/main" val="2108381833"/>
+        <p14:creationId xmlns:p14="http://schemas.microsoft.com/office/powerpoint/2010/main" val="1155425843"/>
       </p:ext>
     </p:extLst>
   </p:cSld>
@@ -14848,63 +15126,97 @@
               <a:rPr lang="en-GB" b="0" i="0" u="none" strike="noStrike" baseline="0" dirty="0">
                 <a:latin typeface="Arial" panose="020B0604020202020204" pitchFamily="34" charset="0"/>
               </a:rPr>
-              <a:t>Authentication</a:t>
-            </a:r>
-          </a:p>
-          <a:p>
-            <a:pPr marR="0" lvl="1" rtl="0"/>
-            <a:r>
-              <a:rPr lang="en-GB" b="0" i="0" u="none" strike="noStrike" baseline="0" dirty="0">
-                <a:latin typeface="Arial" panose="020B0604020202020204" pitchFamily="34" charset="0"/>
-              </a:rPr>
-              <a:t>Basic</a:t>
-            </a:r>
-          </a:p>
-          <a:p>
-            <a:pPr marR="0" lvl="2" rtl="0"/>
-            <a:r>
-              <a:rPr lang="en-GB" b="0" i="0" u="none" strike="noStrike" baseline="0" dirty="0">
-                <a:latin typeface="Arial" panose="020B0604020202020204" pitchFamily="34" charset="0"/>
-              </a:rPr>
-              <a:t>Username / password</a:t>
-            </a:r>
-          </a:p>
-          <a:p>
-            <a:pPr marR="0" lvl="2" rtl="0"/>
-            <a:r>
-              <a:rPr lang="en-GB" b="0" i="0" u="none" strike="noStrike" baseline="0" dirty="0">
-                <a:latin typeface="Arial" panose="020B0604020202020204" pitchFamily="34" charset="0"/>
-              </a:rPr>
-              <a:t>PAT - Personal Access Tokens</a:t>
-            </a:r>
-          </a:p>
-          <a:p>
-            <a:pPr marR="0" lvl="1" rtl="0"/>
-            <a:r>
-              <a:rPr lang="en-GB" b="0" i="0" u="none" strike="noStrike" baseline="0" dirty="0">
-                <a:latin typeface="Arial" panose="020B0604020202020204" pitchFamily="34" charset="0"/>
-              </a:rPr>
-              <a:t>OAUTH</a:t>
-            </a:r>
-          </a:p>
-          <a:p>
-            <a:pPr marR="0" lvl="1" rtl="0"/>
-            <a:r>
-              <a:rPr lang="en-GB" b="0" i="0" u="none" strike="noStrike" baseline="0" dirty="0">
-                <a:latin typeface="Arial" panose="020B0604020202020204" pitchFamily="34" charset="0"/>
-              </a:rPr>
-              <a:t>-</a:t>
+              <a:t>Invoke-</a:t>
             </a:r>
             <a:r>
               <a:rPr lang="en-GB" b="0" i="0" u="none" strike="noStrike" baseline="0" dirty="0" err="1">
                 <a:latin typeface="Arial" panose="020B0604020202020204" pitchFamily="34" charset="0"/>
               </a:rPr>
-              <a:t>UseDefaultCredentials</a:t>
+              <a:t>WebRequest</a:t>
             </a:r>
             <a:endParaRPr lang="en-GB" b="0" i="0" u="none" strike="noStrike" baseline="0" dirty="0">
               <a:latin typeface="Arial" panose="020B0604020202020204" pitchFamily="34" charset="0"/>
             </a:endParaRPr>
           </a:p>
+          <a:p>
+            <a:pPr lvl="1"/>
+            <a:r>
+              <a:rPr lang="en-GB" dirty="0">
+                <a:latin typeface="Arial" panose="020B0604020202020204" pitchFamily="34" charset="0"/>
+              </a:rPr>
+              <a:t>Raw data results</a:t>
+            </a:r>
+            <a:endParaRPr lang="en-GB" b="0" i="0" u="none" strike="noStrike" baseline="0" dirty="0">
+              <a:latin typeface="Arial" panose="020B0604020202020204" pitchFamily="34" charset="0"/>
+            </a:endParaRPr>
+          </a:p>
+          <a:p>
+            <a:pPr marR="0" lvl="0" rtl="0"/>
+            <a:r>
+              <a:rPr lang="en-GB" b="0" i="0" u="none" strike="noStrike" baseline="0" dirty="0">
+                <a:latin typeface="Arial" panose="020B0604020202020204" pitchFamily="34" charset="0"/>
+              </a:rPr>
+              <a:t>Invoke-</a:t>
+            </a:r>
+            <a:r>
+              <a:rPr lang="en-GB" b="0" i="0" u="none" strike="noStrike" baseline="0" dirty="0" err="1">
+                <a:latin typeface="Arial" panose="020B0604020202020204" pitchFamily="34" charset="0"/>
+              </a:rPr>
+              <a:t>RestMethod</a:t>
+            </a:r>
+            <a:endParaRPr lang="en-GB" b="0" i="0" u="none" strike="noStrike" baseline="0" dirty="0">
+              <a:latin typeface="Arial" panose="020B0604020202020204" pitchFamily="34" charset="0"/>
+            </a:endParaRPr>
+          </a:p>
+          <a:p>
+            <a:pPr lvl="1"/>
+            <a:r>
+              <a:rPr lang="en-GB" dirty="0">
+                <a:latin typeface="Arial" panose="020B0604020202020204" pitchFamily="34" charset="0"/>
+              </a:rPr>
+              <a:t>Parses results</a:t>
+            </a:r>
+          </a:p>
+          <a:p>
+            <a:pPr lvl="1"/>
+            <a:r>
+              <a:rPr lang="en-GB" b="0" i="0" u="none" strike="noStrike" baseline="0" dirty="0">
+                <a:latin typeface="Arial" panose="020B0604020202020204" pitchFamily="34" charset="0"/>
+              </a:rPr>
+              <a:t>Better in PowerShell 7</a:t>
+            </a:r>
+          </a:p>
+          <a:p>
+            <a:endParaRPr lang="en-GB" b="0" i="0" u="none" strike="noStrike" baseline="0" dirty="0">
+              <a:latin typeface="Arial" panose="020B0604020202020204" pitchFamily="34" charset="0"/>
+            </a:endParaRPr>
+          </a:p>
+          <a:p>
+            <a:r>
+              <a:rPr lang="en-GB" b="0" i="0" u="none" strike="noStrike" baseline="0" dirty="0">
+                <a:latin typeface="Arial" panose="020B0604020202020204" pitchFamily="34" charset="0"/>
+              </a:rPr>
+              <a:t>Entirely different backend in PS7 </a:t>
+            </a:r>
+          </a:p>
+          <a:p>
+            <a:pPr lvl="1"/>
+            <a:r>
+              <a:rPr lang="en-GB" b="0" i="0" u="none" strike="noStrike" baseline="0" dirty="0">
+                <a:latin typeface="Arial" panose="020B0604020202020204" pitchFamily="34" charset="0"/>
+              </a:rPr>
+              <a:t>Behaves different</a:t>
+            </a:r>
+            <a:r>
+              <a:rPr lang="en-GB" dirty="0">
+                <a:latin typeface="Arial" panose="020B0604020202020204" pitchFamily="34" charset="0"/>
+              </a:rPr>
+              <a:t>. Verify your code.</a:t>
+            </a:r>
+            <a:endParaRPr lang="en-GB" b="0" i="0" u="none" strike="noStrike" baseline="0" dirty="0">
+              <a:latin typeface="Arial" panose="020B0604020202020204" pitchFamily="34" charset="0"/>
+            </a:endParaRPr>
+          </a:p>
         </p:txBody>
       </p:sp>
       <p:sp>
@@ -14912,7 +15224,7 @@
           <p:cNvPr id="4" name="Footer Placeholder 3">
             <a:extLst>
               <a:ext uri="{FF2B5EF4-FFF2-40B4-BE49-F238E27FC236}">
-                <a16:creationId xmlns:a16="http://schemas.microsoft.com/office/drawing/2014/main" id="{4B706F6A-1DFA-464F-6FC2-0DF7E51F3BB1}"/>
+                <a16:creationId xmlns:a16="http://schemas.microsoft.com/office/drawing/2014/main" id="{DB000B69-C6A3-FC95-858E-458B1F185A78}"/>
               </a:ext>
             </a:extLst>
           </p:cNvPr>
@@ -14941,7 +15253,7 @@
           <p:cNvPr id="5" name="Slide Number Placeholder 4">
             <a:extLst>
               <a:ext uri="{FF2B5EF4-FFF2-40B4-BE49-F238E27FC236}">
-                <a16:creationId xmlns:a16="http://schemas.microsoft.com/office/drawing/2014/main" id="{3ABA6169-8005-AFC4-0ABC-8811F2C158FC}"/>
+                <a16:creationId xmlns:a16="http://schemas.microsoft.com/office/drawing/2014/main" id="{74FB5D5F-1AC9-8541-C71A-C7B02AEFA0BF}"/>
               </a:ext>
             </a:extLst>
           </p:cNvPr>
@@ -14968,7 +15280,7 @@
     </p:spTree>
     <p:extLst>
       <p:ext uri="{BB962C8B-B14F-4D97-AF65-F5344CB8AC3E}">
-        <p14:creationId xmlns:p14="http://schemas.microsoft.com/office/powerpoint/2010/main" val="882679310"/>
+        <p14:creationId xmlns:p14="http://schemas.microsoft.com/office/powerpoint/2010/main" val="2108381833"/>
       </p:ext>
     </p:extLst>
   </p:cSld>
@@ -15062,94 +15374,58 @@
               <a:rPr lang="en-GB" b="0" i="0" u="none" strike="noStrike" baseline="0" dirty="0">
                 <a:latin typeface="Arial" panose="020B0604020202020204" pitchFamily="34" charset="0"/>
               </a:rPr>
-              <a:t>TLS</a:t>
-            </a:r>
-          </a:p>
-          <a:p>
-            <a:pPr lvl="1"/>
-            <a:r>
-              <a:rPr lang="en-GB" sz="2000" b="0" i="0" u="none" strike="noStrike" baseline="0" dirty="0">
-                <a:latin typeface="Arial" panose="020B0604020202020204" pitchFamily="34" charset="0"/>
-              </a:rPr>
-              <a:t>[</a:t>
-            </a:r>
-            <a:r>
-              <a:rPr lang="en-GB" sz="2000" b="0" i="0" u="none" strike="noStrike" baseline="0" dirty="0" err="1">
-                <a:latin typeface="Arial" panose="020B0604020202020204" pitchFamily="34" charset="0"/>
-              </a:rPr>
-              <a:t>Net.ServicePointManager</a:t>
-            </a:r>
-            <a:r>
-              <a:rPr lang="en-GB" sz="2000" b="0" i="0" u="none" strike="noStrike" baseline="0" dirty="0">
-                <a:latin typeface="Arial" panose="020B0604020202020204" pitchFamily="34" charset="0"/>
-              </a:rPr>
-              <a:t>]::</a:t>
-            </a:r>
-            <a:r>
-              <a:rPr lang="en-GB" sz="2000" b="0" i="0" u="none" strike="noStrike" baseline="0" dirty="0" err="1">
-                <a:latin typeface="Arial" panose="020B0604020202020204" pitchFamily="34" charset="0"/>
-              </a:rPr>
-              <a:t>SecurityProtocol</a:t>
-            </a:r>
-            <a:r>
-              <a:rPr lang="en-GB" sz="2000" b="0" i="0" u="none" strike="noStrike" baseline="0" dirty="0">
-                <a:latin typeface="Arial" panose="020B0604020202020204" pitchFamily="34" charset="0"/>
-              </a:rPr>
-              <a:t> = [</a:t>
-            </a:r>
-            <a:r>
-              <a:rPr lang="en-GB" sz="2000" b="0" i="0" u="none" strike="noStrike" baseline="0" dirty="0" err="1">
-                <a:latin typeface="Arial" panose="020B0604020202020204" pitchFamily="34" charset="0"/>
-              </a:rPr>
-              <a:t>Net.SecurityProtocolType</a:t>
-            </a:r>
-            <a:r>
-              <a:rPr lang="en-GB" sz="2000" b="0" i="0" u="none" strike="noStrike" baseline="0" dirty="0">
-                <a:latin typeface="Arial" panose="020B0604020202020204" pitchFamily="34" charset="0"/>
-              </a:rPr>
-              <a:t>]::Tls12</a:t>
-            </a:r>
-          </a:p>
-          <a:p>
-            <a:pPr marR="0" lvl="0" rtl="0"/>
-            <a:r>
-              <a:rPr lang="en-GB" b="0" i="0" u="none" strike="noStrike" baseline="0" dirty="0">
-                <a:latin typeface="Arial" panose="020B0604020202020204" pitchFamily="34" charset="0"/>
-              </a:rPr>
-              <a:t>Encoding</a:t>
-            </a:r>
-          </a:p>
-          <a:p>
-            <a:pPr lvl="1"/>
-            <a:r>
-              <a:rPr lang="en-US" b="0" i="0" u="none" strike="noStrike" baseline="0" dirty="0">
-                <a:latin typeface="Arial" panose="020B0604020202020204" pitchFamily="34" charset="0"/>
-              </a:rPr>
-              <a:t> [console]::</a:t>
-            </a:r>
-            <a:r>
-              <a:rPr lang="en-US" b="0" i="0" u="none" strike="noStrike" baseline="0" dirty="0" err="1">
-                <a:latin typeface="Arial" panose="020B0604020202020204" pitchFamily="34" charset="0"/>
-              </a:rPr>
-              <a:t>OutputEncoding</a:t>
-            </a:r>
-            <a:r>
-              <a:rPr lang="en-US" b="0" i="0" u="none" strike="noStrike" baseline="0" dirty="0">
-                <a:latin typeface="Arial" panose="020B0604020202020204" pitchFamily="34" charset="0"/>
-              </a:rPr>
-              <a:t> = [</a:t>
-            </a:r>
-            <a:r>
-              <a:rPr lang="en-US" b="0" i="0" u="none" strike="noStrike" baseline="0" dirty="0" err="1">
-                <a:latin typeface="Arial" panose="020B0604020202020204" pitchFamily="34" charset="0"/>
-              </a:rPr>
-              <a:t>System.Text.Encoding</a:t>
-            </a:r>
-            <a:r>
-              <a:rPr lang="en-US" b="0" i="0" u="none" strike="noStrike" baseline="0" dirty="0">
-                <a:latin typeface="Arial" panose="020B0604020202020204" pitchFamily="34" charset="0"/>
-              </a:rPr>
-              <a:t>]::UTF8</a:t>
+              <a:t>Authentication</a:t>
+            </a:r>
+          </a:p>
+          <a:p>
+            <a:pPr marR="0" lvl="1" rtl="0"/>
+            <a:r>
+              <a:rPr lang="en-GB" b="0" i="0" u="none" strike="noStrike" baseline="0" dirty="0">
+                <a:latin typeface="Arial" panose="020B0604020202020204" pitchFamily="34" charset="0"/>
+              </a:rPr>
+              <a:t>Basic</a:t>
+            </a:r>
+          </a:p>
+          <a:p>
+            <a:pPr marR="0" lvl="2" rtl="0"/>
+            <a:r>
+              <a:rPr lang="en-GB" b="0" i="0" u="none" strike="noStrike" baseline="0" dirty="0">
+                <a:latin typeface="Arial" panose="020B0604020202020204" pitchFamily="34" charset="0"/>
+              </a:rPr>
+              <a:t>Username / password</a:t>
+            </a:r>
+          </a:p>
+          <a:p>
+            <a:pPr marR="0" lvl="2" rtl="0"/>
+            <a:r>
+              <a:rPr lang="en-GB" b="0" i="0" u="none" strike="noStrike" baseline="0" dirty="0">
+                <a:latin typeface="Arial" panose="020B0604020202020204" pitchFamily="34" charset="0"/>
+              </a:rPr>
+              <a:t>PAT - Personal Access Tokens</a:t>
+            </a:r>
+          </a:p>
+          <a:p>
+            <a:pPr marR="0" lvl="1" rtl="0"/>
+            <a:r>
+              <a:rPr lang="en-GB" b="0" i="0" u="none" strike="noStrike" baseline="0" dirty="0">
+                <a:latin typeface="Arial" panose="020B0604020202020204" pitchFamily="34" charset="0"/>
+              </a:rPr>
+              <a:t>OAUTH</a:t>
+            </a:r>
+          </a:p>
+          <a:p>
+            <a:pPr marR="0" lvl="1" rtl="0"/>
+            <a:r>
+              <a:rPr lang="en-GB" b="0" i="0" u="none" strike="noStrike" baseline="0" dirty="0">
+                <a:latin typeface="Arial" panose="020B0604020202020204" pitchFamily="34" charset="0"/>
+              </a:rPr>
+              <a:t>-</a:t>
+            </a:r>
+            <a:r>
+              <a:rPr lang="en-GB" b="0" i="0" u="none" strike="noStrike" baseline="0" dirty="0" err="1">
+                <a:latin typeface="Arial" panose="020B0604020202020204" pitchFamily="34" charset="0"/>
+              </a:rPr>
+              <a:t>UseDefaultCredentials</a:t>
             </a:r>
             <a:endParaRPr lang="en-GB" b="0" i="0" u="none" strike="noStrike" baseline="0" dirty="0">
               <a:latin typeface="Arial" panose="020B0604020202020204" pitchFamily="34" charset="0"/>
@@ -15162,7 +15438,7 @@
           <p:cNvPr id="4" name="Footer Placeholder 3">
             <a:extLst>
               <a:ext uri="{FF2B5EF4-FFF2-40B4-BE49-F238E27FC236}">
-                <a16:creationId xmlns:a16="http://schemas.microsoft.com/office/drawing/2014/main" id="{569675EF-41AA-8A84-0755-2354FF6F55E2}"/>
+                <a16:creationId xmlns:a16="http://schemas.microsoft.com/office/drawing/2014/main" id="{4B706F6A-1DFA-464F-6FC2-0DF7E51F3BB1}"/>
               </a:ext>
             </a:extLst>
           </p:cNvPr>
@@ -15191,7 +15467,7 @@
           <p:cNvPr id="5" name="Slide Number Placeholder 4">
             <a:extLst>
               <a:ext uri="{FF2B5EF4-FFF2-40B4-BE49-F238E27FC236}">
-                <a16:creationId xmlns:a16="http://schemas.microsoft.com/office/drawing/2014/main" id="{3F057AC6-09A3-4A48-2D35-F35B9532CDE5}"/>
+                <a16:creationId xmlns:a16="http://schemas.microsoft.com/office/drawing/2014/main" id="{3ABA6169-8005-AFC4-0ABC-8811F2C158FC}"/>
               </a:ext>
             </a:extLst>
           </p:cNvPr>
@@ -15218,7 +15494,7 @@
     </p:spTree>
     <p:extLst>
       <p:ext uri="{BB962C8B-B14F-4D97-AF65-F5344CB8AC3E}">
-        <p14:creationId xmlns:p14="http://schemas.microsoft.com/office/powerpoint/2010/main" val="684655515"/>
+        <p14:creationId xmlns:p14="http://schemas.microsoft.com/office/powerpoint/2010/main" val="882679310"/>
       </p:ext>
     </p:extLst>
   </p:cSld>
@@ -15250,7 +15526,7 @@
           <p:cNvPr id="2" name="Title 1">
             <a:extLst>
               <a:ext uri="{FF2B5EF4-FFF2-40B4-BE49-F238E27FC236}">
-                <a16:creationId xmlns:a16="http://schemas.microsoft.com/office/drawing/2014/main" id="{69BCD6E1-D5BF-EF3E-F0CC-EDE7BAE35861}"/>
+                <a16:creationId xmlns:a16="http://schemas.microsoft.com/office/drawing/2014/main" id="{8B1EC69F-C0F1-C043-312C-BF0035C22AFF}"/>
               </a:ext>
             </a:extLst>
           </p:cNvPr>
@@ -15263,104 +15539,156 @@
         </p:nvSpPr>
         <p:spPr>
           <a:xfrm>
-            <a:off x="839788" y="457200"/>
-            <a:ext cx="9123078" cy="1600200"/>
+            <a:off x="838200" y="365125"/>
+            <a:ext cx="10515600" cy="1325563"/>
           </a:xfrm>
         </p:spPr>
         <p:txBody>
           <a:bodyPr/>
           <a:lstStyle/>
           <a:p>
-            <a:r>
-              <a:rPr lang="en-US" b="1" i="0" u="none" strike="noStrike" baseline="0" dirty="0">
+            <a:pPr marR="0" rtl="0"/>
+            <a:r>
+              <a:rPr lang="en-GB" b="1" i="0" u="none" strike="noStrike" baseline="0" dirty="0">
                 <a:latin typeface="Arial" panose="020B0604020202020204" pitchFamily="34" charset="0"/>
               </a:rPr>
               <a:t>API</a:t>
             </a:r>
-            <a:endParaRPr lang="en-SE" dirty="0"/>
-          </a:p>
-        </p:txBody>
-      </p:sp>
-      <p:sp>
-        <p:nvSpPr>
-          <p:cNvPr id="4" name="Text Placeholder 3">
-            <a:extLst>
-              <a:ext uri="{FF2B5EF4-FFF2-40B4-BE49-F238E27FC236}">
-                <a16:creationId xmlns:a16="http://schemas.microsoft.com/office/drawing/2014/main" id="{D7ABE405-4C8C-4761-DB98-41C6649D1B66}"/>
-              </a:ext>
-            </a:extLst>
-          </p:cNvPr>
-          <p:cNvSpPr>
-            <a:spLocks noGrp="1"/>
-          </p:cNvSpPr>
-          <p:nvPr>
-            <p:ph type="body" sz="half" idx="2"/>
-          </p:nvPr>
-        </p:nvSpPr>
-        <p:spPr>
-          <a:xfrm>
-            <a:off x="839788" y="2057400"/>
-            <a:ext cx="10877001" cy="3811588"/>
-          </a:xfrm>
-        </p:spPr>
+            <a:endParaRPr lang="en-GB" b="0" i="0" u="none" strike="noStrike" baseline="0" dirty="0">
+              <a:latin typeface="Arial" panose="020B0604020202020204" pitchFamily="34" charset="0"/>
+            </a:endParaRPr>
+          </a:p>
+        </p:txBody>
+      </p:sp>
+      <p:sp>
+        <p:nvSpPr>
+          <p:cNvPr id="3" name="Text Placeholder 2">
+            <a:extLst>
+              <a:ext uri="{FF2B5EF4-FFF2-40B4-BE49-F238E27FC236}">
+                <a16:creationId xmlns:a16="http://schemas.microsoft.com/office/drawing/2014/main" id="{1C38AF72-AE36-79EA-D91A-CB65D8BABAFA}"/>
+              </a:ext>
+            </a:extLst>
+          </p:cNvPr>
+          <p:cNvSpPr>
+            <a:spLocks noGrp="1"/>
+          </p:cNvSpPr>
+          <p:nvPr>
+            <p:ph type="body" idx="1"/>
+          </p:nvPr>
+        </p:nvSpPr>
+        <p:spPr/>
         <p:txBody>
           <a:bodyPr>
             <a:normAutofit/>
           </a:bodyPr>
           <a:lstStyle/>
           <a:p>
-            <a:pPr marL="285750" indent="-285750">
-              <a:buFont typeface="Arial" panose="020B0604020202020204" pitchFamily="34" charset="0"/>
-              <a:buChar char="•"/>
-            </a:pPr>
-            <a:r>
-              <a:rPr lang="en-GB" sz="4400" b="0" i="0" u="none" strike="noStrike" baseline="0" dirty="0">
-                <a:latin typeface="Arial" panose="020B0604020202020204" pitchFamily="34" charset="0"/>
-              </a:rPr>
-              <a:t>Lab 5</a:t>
-            </a:r>
-          </a:p>
-          <a:p>
-            <a:pPr marL="285750" indent="-285750">
-              <a:buFont typeface="Arial" panose="020B0604020202020204" pitchFamily="34" charset="0"/>
-              <a:buChar char="•"/>
-            </a:pPr>
-            <a:endParaRPr lang="en-GB" sz="4400" b="0" i="0" u="none" strike="noStrike" baseline="0" dirty="0">
+            <a:pPr marR="0" lvl="0" rtl="0"/>
+            <a:r>
+              <a:rPr lang="en-GB" b="0" i="0" u="none" strike="noStrike" baseline="0" dirty="0">
+                <a:latin typeface="Arial" panose="020B0604020202020204" pitchFamily="34" charset="0"/>
+              </a:rPr>
+              <a:t>TLS</a:t>
+            </a:r>
+          </a:p>
+          <a:p>
+            <a:pPr lvl="1"/>
+            <a:r>
+              <a:rPr lang="en-GB" sz="2000" b="0" i="0" u="none" strike="noStrike" baseline="0" dirty="0">
+                <a:latin typeface="Arial" panose="020B0604020202020204" pitchFamily="34" charset="0"/>
+              </a:rPr>
+              <a:t>[</a:t>
+            </a:r>
+            <a:r>
+              <a:rPr lang="en-GB" sz="2000" b="0" i="0" u="none" strike="noStrike" baseline="0" dirty="0" err="1">
+                <a:latin typeface="Arial" panose="020B0604020202020204" pitchFamily="34" charset="0"/>
+              </a:rPr>
+              <a:t>Net.ServicePointManager</a:t>
+            </a:r>
+            <a:r>
+              <a:rPr lang="en-GB" sz="2000" b="0" i="0" u="none" strike="noStrike" baseline="0" dirty="0">
+                <a:latin typeface="Arial" panose="020B0604020202020204" pitchFamily="34" charset="0"/>
+              </a:rPr>
+              <a:t>]::</a:t>
+            </a:r>
+            <a:r>
+              <a:rPr lang="en-GB" sz="2000" b="0" i="0" u="none" strike="noStrike" baseline="0" dirty="0" err="1">
+                <a:latin typeface="Arial" panose="020B0604020202020204" pitchFamily="34" charset="0"/>
+              </a:rPr>
+              <a:t>SecurityProtocol</a:t>
+            </a:r>
+            <a:r>
+              <a:rPr lang="en-GB" sz="2000" b="0" i="0" u="none" strike="noStrike" baseline="0" dirty="0">
+                <a:latin typeface="Arial" panose="020B0604020202020204" pitchFamily="34" charset="0"/>
+              </a:rPr>
+              <a:t> = [</a:t>
+            </a:r>
+            <a:r>
+              <a:rPr lang="en-GB" sz="2000" b="0" i="0" u="none" strike="noStrike" baseline="0" dirty="0" err="1">
+                <a:latin typeface="Arial" panose="020B0604020202020204" pitchFamily="34" charset="0"/>
+              </a:rPr>
+              <a:t>Net.SecurityProtocolType</a:t>
+            </a:r>
+            <a:r>
+              <a:rPr lang="en-GB" sz="2000" b="0" i="0" u="none" strike="noStrike" baseline="0" dirty="0">
+                <a:latin typeface="Arial" panose="020B0604020202020204" pitchFamily="34" charset="0"/>
+              </a:rPr>
+              <a:t>]::Tls12</a:t>
+            </a:r>
+          </a:p>
+          <a:p>
+            <a:pPr marR="0" lvl="0" rtl="0"/>
+            <a:r>
+              <a:rPr lang="en-GB" b="0" i="0" u="none" strike="noStrike" baseline="0" dirty="0">
+                <a:latin typeface="Arial" panose="020B0604020202020204" pitchFamily="34" charset="0"/>
+              </a:rPr>
+              <a:t>Encoding</a:t>
+            </a:r>
+          </a:p>
+          <a:p>
+            <a:pPr lvl="1"/>
+            <a:r>
+              <a:rPr lang="en-US" b="0" i="0" u="none" strike="noStrike" baseline="0" dirty="0">
+                <a:latin typeface="Arial" panose="020B0604020202020204" pitchFamily="34" charset="0"/>
+              </a:rPr>
+              <a:t> [console]::</a:t>
+            </a:r>
+            <a:r>
+              <a:rPr lang="en-US" b="0" i="0" u="none" strike="noStrike" baseline="0" dirty="0" err="1">
+                <a:latin typeface="Arial" panose="020B0604020202020204" pitchFamily="34" charset="0"/>
+              </a:rPr>
+              <a:t>OutputEncoding</a:t>
+            </a:r>
+            <a:r>
+              <a:rPr lang="en-US" b="0" i="0" u="none" strike="noStrike" baseline="0" dirty="0">
+                <a:latin typeface="Arial" panose="020B0604020202020204" pitchFamily="34" charset="0"/>
+              </a:rPr>
+              <a:t> = [</a:t>
+            </a:r>
+            <a:r>
+              <a:rPr lang="en-US" b="0" i="0" u="none" strike="noStrike" baseline="0" dirty="0" err="1">
+                <a:latin typeface="Arial" panose="020B0604020202020204" pitchFamily="34" charset="0"/>
+              </a:rPr>
+              <a:t>System.Text.Encoding</a:t>
+            </a:r>
+            <a:r>
+              <a:rPr lang="en-US" b="0" i="0" u="none" strike="noStrike" baseline="0" dirty="0">
+                <a:latin typeface="Arial" panose="020B0604020202020204" pitchFamily="34" charset="0"/>
+              </a:rPr>
+              <a:t>]::UTF8</a:t>
+            </a:r>
+            <a:endParaRPr lang="en-GB" b="0" i="0" u="none" strike="noStrike" baseline="0" dirty="0">
               <a:latin typeface="Arial" panose="020B0604020202020204" pitchFamily="34" charset="0"/>
             </a:endParaRPr>
           </a:p>
-          <a:p>
-            <a:pPr marL="285750" indent="-285750">
-              <a:buFont typeface="Arial" panose="020B0604020202020204" pitchFamily="34" charset="0"/>
-              <a:buChar char="•"/>
-            </a:pPr>
-            <a:r>
-              <a:rPr lang="en-US" sz="1800" dirty="0">
-                <a:hlinkClick r:id="rId2"/>
-              </a:rPr>
-              <a:t>https://github.com/AdvaniaSE/PowerShellAdvancedFundamentals</a:t>
-            </a:r>
-            <a:endParaRPr lang="en-US" sz="1800" dirty="0"/>
-          </a:p>
-          <a:p>
-            <a:pPr marL="742950" lvl="1" indent="-285750">
-              <a:buFont typeface="Arial" panose="020B0604020202020204" pitchFamily="34" charset="0"/>
-              <a:buChar char="•"/>
-            </a:pPr>
-            <a:r>
-              <a:rPr lang="en-US" sz="1600" dirty="0"/>
-              <a:t>05. API</a:t>
-            </a:r>
-            <a:endParaRPr lang="en-US" sz="1800" dirty="0"/>
-          </a:p>
-        </p:txBody>
-      </p:sp>
-      <p:sp>
-        <p:nvSpPr>
-          <p:cNvPr id="3" name="Footer Placeholder 2">
-            <a:extLst>
-              <a:ext uri="{FF2B5EF4-FFF2-40B4-BE49-F238E27FC236}">
-                <a16:creationId xmlns:a16="http://schemas.microsoft.com/office/drawing/2014/main" id="{4A748DF4-E5E0-A14C-6605-0C788DFA5492}"/>
+        </p:txBody>
+      </p:sp>
+      <p:sp>
+        <p:nvSpPr>
+          <p:cNvPr id="4" name="Footer Placeholder 3">
+            <a:extLst>
+              <a:ext uri="{FF2B5EF4-FFF2-40B4-BE49-F238E27FC236}">
+                <a16:creationId xmlns:a16="http://schemas.microsoft.com/office/drawing/2014/main" id="{569675EF-41AA-8A84-0755-2354FF6F55E2}"/>
               </a:ext>
             </a:extLst>
           </p:cNvPr>
@@ -15389,7 +15717,7 @@
           <p:cNvPr id="5" name="Slide Number Placeholder 4">
             <a:extLst>
               <a:ext uri="{FF2B5EF4-FFF2-40B4-BE49-F238E27FC236}">
-                <a16:creationId xmlns:a16="http://schemas.microsoft.com/office/drawing/2014/main" id="{D8786D58-66CC-D526-6EEE-CB1448DA7763}"/>
+                <a16:creationId xmlns:a16="http://schemas.microsoft.com/office/drawing/2014/main" id="{3F057AC6-09A3-4A48-2D35-F35B9532CDE5}"/>
               </a:ext>
             </a:extLst>
           </p:cNvPr>
@@ -15405,7 +15733,7 @@
           <a:bodyPr/>
           <a:lstStyle/>
           <a:p>
-            <a:fld id="{BFEA1545-8540-491B-83AB-51C306516EA6}" type="slidenum">
+            <a:fld id="{9993A830-6DA6-4394-A358-10250CDB3A67}" type="slidenum">
               <a:rPr lang="en-SE" smtClean="0"/>
               <a:t>54</a:t>
             </a:fld>
@@ -15416,7 +15744,7 @@
     </p:spTree>
     <p:extLst>
       <p:ext uri="{BB962C8B-B14F-4D97-AF65-F5344CB8AC3E}">
-        <p14:creationId xmlns:p14="http://schemas.microsoft.com/office/powerpoint/2010/main" val="4003926157"/>
+        <p14:creationId xmlns:p14="http://schemas.microsoft.com/office/powerpoint/2010/main" val="684655515"/>
       </p:ext>
     </p:extLst>
   </p:cSld>
@@ -15448,7 +15776,7 @@
           <p:cNvPr id="2" name="Title 1">
             <a:extLst>
               <a:ext uri="{FF2B5EF4-FFF2-40B4-BE49-F238E27FC236}">
-                <a16:creationId xmlns:a16="http://schemas.microsoft.com/office/drawing/2014/main" id="{55D23047-3833-EFE0-8A01-090ACFE1D9FC}"/>
+                <a16:creationId xmlns:a16="http://schemas.microsoft.com/office/drawing/2014/main" id="{69BCD6E1-D5BF-EF3E-F0CC-EDE7BAE35861}"/>
               </a:ext>
             </a:extLst>
           </p:cNvPr>
@@ -15459,16 +15787,21 @@
             <p:ph type="title"/>
           </p:nvPr>
         </p:nvSpPr>
-        <p:spPr/>
-        <p:txBody>
-          <a:bodyPr/>
-          <a:lstStyle/>
-          <a:p>
-            <a:r>
-              <a:rPr lang="en-GB" b="1" i="0" u="none" strike="noStrike" baseline="0" dirty="0">
-                <a:latin typeface="Arial" panose="020B0604020202020204" pitchFamily="34" charset="0"/>
-              </a:rPr>
-              <a:t>Error Handling</a:t>
+        <p:spPr>
+          <a:xfrm>
+            <a:off x="839788" y="457200"/>
+            <a:ext cx="9123078" cy="1600200"/>
+          </a:xfrm>
+        </p:spPr>
+        <p:txBody>
+          <a:bodyPr/>
+          <a:lstStyle/>
+          <a:p>
+            <a:r>
+              <a:rPr lang="en-US" b="1" i="0" u="none" strike="noStrike" baseline="0" dirty="0">
+                <a:latin typeface="Arial" panose="020B0604020202020204" pitchFamily="34" charset="0"/>
+              </a:rPr>
+              <a:t>API</a:t>
             </a:r>
             <a:endParaRPr lang="en-SE" dirty="0"/>
           </a:p>
@@ -15476,35 +15809,84 @@
       </p:sp>
       <p:sp>
         <p:nvSpPr>
-          <p:cNvPr id="3" name="Text Placeholder 2">
-            <a:extLst>
-              <a:ext uri="{FF2B5EF4-FFF2-40B4-BE49-F238E27FC236}">
-                <a16:creationId xmlns:a16="http://schemas.microsoft.com/office/drawing/2014/main" id="{1F80B5F8-E4FB-9CDB-0C7C-EEDCB4B8AF1D}"/>
-              </a:ext>
-            </a:extLst>
-          </p:cNvPr>
-          <p:cNvSpPr>
-            <a:spLocks noGrp="1"/>
-          </p:cNvSpPr>
-          <p:nvPr>
-            <p:ph type="body" idx="1"/>
-          </p:nvPr>
-        </p:nvSpPr>
-        <p:spPr/>
-        <p:txBody>
-          <a:bodyPr/>
-          <a:lstStyle/>
-          <a:p>
-            <a:endParaRPr lang="en-SE"/>
-          </a:p>
-        </p:txBody>
-      </p:sp>
-      <p:sp>
-        <p:nvSpPr>
-          <p:cNvPr id="4" name="Footer Placeholder 3">
-            <a:extLst>
-              <a:ext uri="{FF2B5EF4-FFF2-40B4-BE49-F238E27FC236}">
-                <a16:creationId xmlns:a16="http://schemas.microsoft.com/office/drawing/2014/main" id="{9DD05CDF-D51B-79E9-1130-4CAC6BF7E66D}"/>
+          <p:cNvPr id="4" name="Text Placeholder 3">
+            <a:extLst>
+              <a:ext uri="{FF2B5EF4-FFF2-40B4-BE49-F238E27FC236}">
+                <a16:creationId xmlns:a16="http://schemas.microsoft.com/office/drawing/2014/main" id="{D7ABE405-4C8C-4761-DB98-41C6649D1B66}"/>
+              </a:ext>
+            </a:extLst>
+          </p:cNvPr>
+          <p:cNvSpPr>
+            <a:spLocks noGrp="1"/>
+          </p:cNvSpPr>
+          <p:nvPr>
+            <p:ph type="body" sz="half" idx="2"/>
+          </p:nvPr>
+        </p:nvSpPr>
+        <p:spPr>
+          <a:xfrm>
+            <a:off x="839788" y="2057400"/>
+            <a:ext cx="10877001" cy="3811588"/>
+          </a:xfrm>
+        </p:spPr>
+        <p:txBody>
+          <a:bodyPr>
+            <a:normAutofit/>
+          </a:bodyPr>
+          <a:lstStyle/>
+          <a:p>
+            <a:pPr marL="285750" indent="-285750">
+              <a:buFont typeface="Arial" panose="020B0604020202020204" pitchFamily="34" charset="0"/>
+              <a:buChar char="•"/>
+            </a:pPr>
+            <a:r>
+              <a:rPr lang="en-GB" sz="4400" b="0" i="0" u="none" strike="noStrike" baseline="0" dirty="0">
+                <a:latin typeface="Arial" panose="020B0604020202020204" pitchFamily="34" charset="0"/>
+              </a:rPr>
+              <a:t>Lab 5</a:t>
+            </a:r>
+          </a:p>
+          <a:p>
+            <a:pPr marL="285750" indent="-285750">
+              <a:buFont typeface="Arial" panose="020B0604020202020204" pitchFamily="34" charset="0"/>
+              <a:buChar char="•"/>
+            </a:pPr>
+            <a:endParaRPr lang="en-GB" sz="4400" b="0" i="0" u="none" strike="noStrike" baseline="0" dirty="0">
+              <a:latin typeface="Arial" panose="020B0604020202020204" pitchFamily="34" charset="0"/>
+            </a:endParaRPr>
+          </a:p>
+          <a:p>
+            <a:pPr marL="285750" indent="-285750">
+              <a:buFont typeface="Arial" panose="020B0604020202020204" pitchFamily="34" charset="0"/>
+              <a:buChar char="•"/>
+            </a:pPr>
+            <a:r>
+              <a:rPr lang="en-US" sz="1800" dirty="0">
+                <a:hlinkClick r:id="rId2"/>
+              </a:rPr>
+              <a:t>https://github.com/AdvaniaSE/PowerShellAdvancedFundamentals</a:t>
+            </a:r>
+            <a:endParaRPr lang="en-US" sz="1800" dirty="0"/>
+          </a:p>
+          <a:p>
+            <a:pPr marL="742950" lvl="1" indent="-285750">
+              <a:buFont typeface="Arial" panose="020B0604020202020204" pitchFamily="34" charset="0"/>
+              <a:buChar char="•"/>
+            </a:pPr>
+            <a:r>
+              <a:rPr lang="en-US" sz="1600" dirty="0"/>
+              <a:t>05. API</a:t>
+            </a:r>
+            <a:endParaRPr lang="en-US" sz="1800" dirty="0"/>
+          </a:p>
+        </p:txBody>
+      </p:sp>
+      <p:sp>
+        <p:nvSpPr>
+          <p:cNvPr id="3" name="Footer Placeholder 2">
+            <a:extLst>
+              <a:ext uri="{FF2B5EF4-FFF2-40B4-BE49-F238E27FC236}">
+                <a16:creationId xmlns:a16="http://schemas.microsoft.com/office/drawing/2014/main" id="{4A748DF4-E5E0-A14C-6605-0C788DFA5492}"/>
               </a:ext>
             </a:extLst>
           </p:cNvPr>
@@ -15533,7 +15915,7 @@
           <p:cNvPr id="5" name="Slide Number Placeholder 4">
             <a:extLst>
               <a:ext uri="{FF2B5EF4-FFF2-40B4-BE49-F238E27FC236}">
-                <a16:creationId xmlns:a16="http://schemas.microsoft.com/office/drawing/2014/main" id="{2BE2057A-BC1B-52EA-08BC-F5BA23177887}"/>
+                <a16:creationId xmlns:a16="http://schemas.microsoft.com/office/drawing/2014/main" id="{D8786D58-66CC-D526-6EEE-CB1448DA7763}"/>
               </a:ext>
             </a:extLst>
           </p:cNvPr>
@@ -15560,7 +15942,7 @@
     </p:spTree>
     <p:extLst>
       <p:ext uri="{BB962C8B-B14F-4D97-AF65-F5344CB8AC3E}">
-        <p14:creationId xmlns:p14="http://schemas.microsoft.com/office/powerpoint/2010/main" val="3885109528"/>
+        <p14:creationId xmlns:p14="http://schemas.microsoft.com/office/powerpoint/2010/main" val="4003926157"/>
       </p:ext>
     </p:extLst>
   </p:cSld>
@@ -15592,7 +15974,7 @@
           <p:cNvPr id="2" name="Title 1">
             <a:extLst>
               <a:ext uri="{FF2B5EF4-FFF2-40B4-BE49-F238E27FC236}">
-                <a16:creationId xmlns:a16="http://schemas.microsoft.com/office/drawing/2014/main" id="{2E301759-F2F7-7878-BE04-7E770D77EFED}"/>
+                <a16:creationId xmlns:a16="http://schemas.microsoft.com/office/drawing/2014/main" id="{55D23047-3833-EFE0-8A01-090ACFE1D9FC}"/>
               </a:ext>
             </a:extLst>
           </p:cNvPr>
@@ -15603,26 +15985,18 @@
             <p:ph type="title"/>
           </p:nvPr>
         </p:nvSpPr>
-        <p:spPr>
-          <a:xfrm>
-            <a:off x="838200" y="365125"/>
-            <a:ext cx="10515600" cy="1325563"/>
-          </a:xfrm>
-        </p:spPr>
-        <p:txBody>
-          <a:bodyPr/>
-          <a:lstStyle/>
-          <a:p>
-            <a:pPr marR="0" rtl="0"/>
+        <p:spPr/>
+        <p:txBody>
+          <a:bodyPr/>
+          <a:lstStyle/>
+          <a:p>
             <a:r>
               <a:rPr lang="en-GB" b="1" i="0" u="none" strike="noStrike" baseline="0" dirty="0">
                 <a:latin typeface="Arial" panose="020B0604020202020204" pitchFamily="34" charset="0"/>
               </a:rPr>
               <a:t>Error Handling</a:t>
             </a:r>
-            <a:endParaRPr lang="en-GB" b="0" i="0" u="none" strike="noStrike" baseline="0" dirty="0">
-              <a:latin typeface="Arial" panose="020B0604020202020204" pitchFamily="34" charset="0"/>
-            </a:endParaRPr>
+            <a:endParaRPr lang="en-SE" dirty="0"/>
           </a:p>
         </p:txBody>
       </p:sp>
@@ -15631,7 +16005,7 @@
           <p:cNvPr id="3" name="Text Placeholder 2">
             <a:extLst>
               <a:ext uri="{FF2B5EF4-FFF2-40B4-BE49-F238E27FC236}">
-                <a16:creationId xmlns:a16="http://schemas.microsoft.com/office/drawing/2014/main" id="{A68A4EB1-98C9-7D0B-AFEB-FF2E0ECE9805}"/>
+                <a16:creationId xmlns:a16="http://schemas.microsoft.com/office/drawing/2014/main" id="{1F80B5F8-E4FB-9CDB-0C7C-EEDCB4B8AF1D}"/>
               </a:ext>
             </a:extLst>
           </p:cNvPr>
@@ -15644,160 +16018,10 @@
         </p:nvSpPr>
         <p:spPr/>
         <p:txBody>
-          <a:bodyPr>
-            <a:normAutofit lnSpcReduction="10000"/>
-          </a:bodyPr>
-          <a:lstStyle/>
-          <a:p>
-            <a:pPr marR="0" lvl="0" rtl="0"/>
-            <a:r>
-              <a:rPr lang="en-GB" b="0" i="0" u="none" strike="noStrike" baseline="0" dirty="0">
-                <a:latin typeface="Arial" panose="020B0604020202020204" pitchFamily="34" charset="0"/>
-              </a:rPr>
-              <a:t>Two kinds of errors</a:t>
-            </a:r>
-          </a:p>
-          <a:p>
-            <a:pPr lvl="1"/>
-            <a:r>
-              <a:rPr lang="en-GB" b="0" i="0" u="none" strike="noStrike" baseline="0" dirty="0">
-                <a:latin typeface="Arial" panose="020B0604020202020204" pitchFamily="34" charset="0"/>
-              </a:rPr>
-              <a:t>Terminating</a:t>
-            </a:r>
-          </a:p>
-          <a:p>
-            <a:pPr lvl="2"/>
-            <a:r>
-              <a:rPr lang="en-GB" dirty="0">
-                <a:latin typeface="Arial" panose="020B0604020202020204" pitchFamily="34" charset="0"/>
-              </a:rPr>
-              <a:t>Stops the command or pipeline</a:t>
-            </a:r>
-          </a:p>
-          <a:p>
-            <a:pPr lvl="3"/>
-            <a:r>
-              <a:rPr lang="en-US" dirty="0">
-                <a:latin typeface="Arial" panose="020B0604020202020204" pitchFamily="34" charset="0"/>
-              </a:rPr>
-              <a:t>Get-Item '</a:t>
-            </a:r>
-            <a:r>
-              <a:rPr lang="en-US" dirty="0" err="1">
-                <a:latin typeface="Arial" panose="020B0604020202020204" pitchFamily="34" charset="0"/>
-              </a:rPr>
-              <a:t>BadFile.bad</a:t>
-            </a:r>
-            <a:r>
-              <a:rPr lang="en-US" dirty="0">
-                <a:latin typeface="Arial" panose="020B0604020202020204" pitchFamily="34" charset="0"/>
-              </a:rPr>
-              <a:t>' -</a:t>
-            </a:r>
-            <a:r>
-              <a:rPr lang="en-US" dirty="0" err="1">
-                <a:latin typeface="Arial" panose="020B0604020202020204" pitchFamily="34" charset="0"/>
-              </a:rPr>
-              <a:t>ErrorAction</a:t>
-            </a:r>
-            <a:r>
-              <a:rPr lang="en-US" dirty="0">
-                <a:latin typeface="Arial" panose="020B0604020202020204" pitchFamily="34" charset="0"/>
-              </a:rPr>
-              <a:t> Stop ; Write-Host 'bad file is bad'</a:t>
-            </a:r>
-            <a:endParaRPr lang="en-GB" dirty="0">
-              <a:latin typeface="Arial" panose="020B0604020202020204" pitchFamily="34" charset="0"/>
-            </a:endParaRPr>
-          </a:p>
-          <a:p>
-            <a:pPr lvl="2"/>
-            <a:endParaRPr lang="en-GB" dirty="0">
-              <a:latin typeface="Arial" panose="020B0604020202020204" pitchFamily="34" charset="0"/>
-            </a:endParaRPr>
-          </a:p>
-          <a:p>
-            <a:pPr lvl="1"/>
-            <a:r>
-              <a:rPr lang="en-GB" b="0" i="0" u="none" strike="noStrike" baseline="0" dirty="0">
-                <a:latin typeface="Arial" panose="020B0604020202020204" pitchFamily="34" charset="0"/>
-              </a:rPr>
-              <a:t>Non-terminating</a:t>
-            </a:r>
-          </a:p>
-          <a:p>
-            <a:pPr lvl="2"/>
-            <a:r>
-              <a:rPr lang="en-GB" b="0" i="0" u="none" strike="noStrike" baseline="0" dirty="0">
-                <a:latin typeface="Arial" panose="020B0604020202020204" pitchFamily="34" charset="0"/>
-              </a:rPr>
-              <a:t>Continues the </a:t>
-            </a:r>
-            <a:r>
-              <a:rPr lang="en-GB" dirty="0">
-                <a:latin typeface="Arial" panose="020B0604020202020204" pitchFamily="34" charset="0"/>
-              </a:rPr>
-              <a:t>command or </a:t>
-            </a:r>
-            <a:r>
-              <a:rPr lang="en-GB" b="0" i="0" u="none" strike="noStrike" baseline="0" dirty="0">
-                <a:latin typeface="Arial" panose="020B0604020202020204" pitchFamily="34" charset="0"/>
-              </a:rPr>
-              <a:t>pipeline</a:t>
-            </a:r>
-          </a:p>
-          <a:p>
-            <a:pPr lvl="3"/>
-            <a:r>
-              <a:rPr lang="en-US" b="0" i="0" u="none" strike="noStrike" baseline="0" dirty="0">
-                <a:latin typeface="Arial" panose="020B0604020202020204" pitchFamily="34" charset="0"/>
-              </a:rPr>
-              <a:t>Get-Item '</a:t>
-            </a:r>
-            <a:r>
-              <a:rPr lang="en-US" b="0" i="0" u="none" strike="noStrike" baseline="0" dirty="0" err="1">
-                <a:latin typeface="Arial" panose="020B0604020202020204" pitchFamily="34" charset="0"/>
-              </a:rPr>
-              <a:t>BadFile.bad</a:t>
-            </a:r>
-            <a:r>
-              <a:rPr lang="en-US" b="0" i="0" u="none" strike="noStrike" baseline="0" dirty="0">
-                <a:latin typeface="Arial" panose="020B0604020202020204" pitchFamily="34" charset="0"/>
-              </a:rPr>
-              <a:t>' ; Write-Host 'bad file is bad'</a:t>
-            </a:r>
-            <a:endParaRPr lang="en-GB" b="0" i="0" u="none" strike="noStrike" baseline="0" dirty="0">
-              <a:latin typeface="Arial" panose="020B0604020202020204" pitchFamily="34" charset="0"/>
-            </a:endParaRPr>
-          </a:p>
-          <a:p>
-            <a:pPr lvl="2"/>
-            <a:endParaRPr lang="en-GB" dirty="0">
-              <a:latin typeface="Arial" panose="020B0604020202020204" pitchFamily="34" charset="0"/>
-            </a:endParaRPr>
-          </a:p>
-          <a:p>
-            <a:endParaRPr lang="en-GB" b="0" i="0" u="none" strike="noStrike" baseline="0" dirty="0">
-              <a:latin typeface="Arial" panose="020B0604020202020204" pitchFamily="34" charset="0"/>
-            </a:endParaRPr>
-          </a:p>
-          <a:p>
-            <a:r>
-              <a:rPr lang="en-GB" sz="1600" dirty="0">
-                <a:latin typeface="Arial" panose="020B0604020202020204" pitchFamily="34" charset="0"/>
-              </a:rPr>
-              <a:t>(actually three – or even more - Statement terminating and script terminating)</a:t>
-            </a:r>
-          </a:p>
-          <a:p>
-            <a:pPr lvl="1"/>
-            <a:r>
-              <a:rPr lang="en-GB" sz="1600" b="0" i="0" u="none" strike="noStrike" baseline="0" dirty="0">
-                <a:latin typeface="Arial" panose="020B0604020202020204" pitchFamily="34" charset="0"/>
-              </a:rPr>
-              <a:t>https://stackoverflow.com/a/72802148</a:t>
-            </a:r>
+          <a:bodyPr/>
+          <a:lstStyle/>
+          <a:p>
+            <a:endParaRPr lang="en-SE"/>
           </a:p>
         </p:txBody>
       </p:sp>
@@ -15806,7 +16030,7 @@
           <p:cNvPr id="4" name="Footer Placeholder 3">
             <a:extLst>
               <a:ext uri="{FF2B5EF4-FFF2-40B4-BE49-F238E27FC236}">
-                <a16:creationId xmlns:a16="http://schemas.microsoft.com/office/drawing/2014/main" id="{C4EB2873-B008-B73A-E2E7-B8B7A37D4F7D}"/>
+                <a16:creationId xmlns:a16="http://schemas.microsoft.com/office/drawing/2014/main" id="{9DD05CDF-D51B-79E9-1130-4CAC6BF7E66D}"/>
               </a:ext>
             </a:extLst>
           </p:cNvPr>
@@ -15835,7 +16059,7 @@
           <p:cNvPr id="5" name="Slide Number Placeholder 4">
             <a:extLst>
               <a:ext uri="{FF2B5EF4-FFF2-40B4-BE49-F238E27FC236}">
-                <a16:creationId xmlns:a16="http://schemas.microsoft.com/office/drawing/2014/main" id="{EF27069B-5C4D-7C8D-E0E6-E4EE4F7AFCF0}"/>
+                <a16:creationId xmlns:a16="http://schemas.microsoft.com/office/drawing/2014/main" id="{2BE2057A-BC1B-52EA-08BC-F5BA23177887}"/>
               </a:ext>
             </a:extLst>
           </p:cNvPr>
@@ -15851,7 +16075,7 @@
           <a:bodyPr/>
           <a:lstStyle/>
           <a:p>
-            <a:fld id="{9993A830-6DA6-4394-A358-10250CDB3A67}" type="slidenum">
+            <a:fld id="{BFEA1545-8540-491B-83AB-51C306516EA6}" type="slidenum">
               <a:rPr lang="en-SE" smtClean="0"/>
               <a:t>56</a:t>
             </a:fld>
@@ -15862,7 +16086,7 @@
     </p:spTree>
     <p:extLst>
       <p:ext uri="{BB962C8B-B14F-4D97-AF65-F5344CB8AC3E}">
-        <p14:creationId xmlns:p14="http://schemas.microsoft.com/office/powerpoint/2010/main" val="2339318300"/>
+        <p14:creationId xmlns:p14="http://schemas.microsoft.com/office/powerpoint/2010/main" val="3885109528"/>
       </p:ext>
     </p:extLst>
   </p:cSld>
@@ -15946,88 +16170,160 @@
         </p:nvSpPr>
         <p:spPr/>
         <p:txBody>
-          <a:bodyPr/>
+          <a:bodyPr>
+            <a:normAutofit lnSpcReduction="10000"/>
+          </a:bodyPr>
           <a:lstStyle/>
           <a:p>
             <a:pPr marR="0" lvl="0" rtl="0"/>
             <a:r>
-              <a:rPr lang="en-GB" b="0" i="0" u="none" strike="noStrike" baseline="0" dirty="0" err="1">
+              <a:rPr lang="en-GB" b="0" i="0" u="none" strike="noStrike" baseline="0" dirty="0">
+                <a:latin typeface="Arial" panose="020B0604020202020204" pitchFamily="34" charset="0"/>
+              </a:rPr>
+              <a:t>Two kinds of errors</a:t>
+            </a:r>
+          </a:p>
+          <a:p>
+            <a:pPr lvl="1"/>
+            <a:r>
+              <a:rPr lang="en-GB" b="0" i="0" u="none" strike="noStrike" baseline="0" dirty="0">
+                <a:latin typeface="Arial" panose="020B0604020202020204" pitchFamily="34" charset="0"/>
+              </a:rPr>
+              <a:t>Terminating</a:t>
+            </a:r>
+          </a:p>
+          <a:p>
+            <a:pPr lvl="2"/>
+            <a:r>
+              <a:rPr lang="en-GB" dirty="0">
+                <a:latin typeface="Arial" panose="020B0604020202020204" pitchFamily="34" charset="0"/>
+              </a:rPr>
+              <a:t>Stops the command or pipeline</a:t>
+            </a:r>
+          </a:p>
+          <a:p>
+            <a:pPr lvl="3"/>
+            <a:r>
+              <a:rPr lang="en-US" dirty="0">
+                <a:latin typeface="Arial" panose="020B0604020202020204" pitchFamily="34" charset="0"/>
+              </a:rPr>
+              <a:t>Get-Item '</a:t>
+            </a:r>
+            <a:r>
+              <a:rPr lang="en-US" dirty="0" err="1">
+                <a:latin typeface="Arial" panose="020B0604020202020204" pitchFamily="34" charset="0"/>
+              </a:rPr>
+              <a:t>BadFile.bad</a:t>
+            </a:r>
+            <a:r>
+              <a:rPr lang="en-US" dirty="0">
+                <a:latin typeface="Arial" panose="020B0604020202020204" pitchFamily="34" charset="0"/>
+              </a:rPr>
+              <a:t>' -</a:t>
+            </a:r>
+            <a:r>
+              <a:rPr lang="en-US" dirty="0" err="1">
                 <a:latin typeface="Arial" panose="020B0604020202020204" pitchFamily="34" charset="0"/>
               </a:rPr>
               <a:t>ErrorAction</a:t>
             </a:r>
             <a:r>
-              <a:rPr lang="en-GB" b="0" i="0" u="none" strike="noStrike" baseline="0" dirty="0">
-                <a:latin typeface="Arial" panose="020B0604020202020204" pitchFamily="34" charset="0"/>
-              </a:rPr>
-              <a:t> / </a:t>
-            </a:r>
-            <a:r>
-              <a:rPr lang="en-GB" b="0" i="0" u="none" strike="noStrike" baseline="0" dirty="0" err="1">
-                <a:latin typeface="Arial" panose="020B0604020202020204" pitchFamily="34" charset="0"/>
-              </a:rPr>
-              <a:t>ErrorActionPreference</a:t>
+              <a:rPr lang="en-US" dirty="0">
+                <a:latin typeface="Arial" panose="020B0604020202020204" pitchFamily="34" charset="0"/>
+              </a:rPr>
+              <a:t> Stop ; Write-Host 'bad file is bad'</a:t>
+            </a:r>
+            <a:endParaRPr lang="en-GB" dirty="0">
+              <a:latin typeface="Arial" panose="020B0604020202020204" pitchFamily="34" charset="0"/>
+            </a:endParaRPr>
+          </a:p>
+          <a:p>
+            <a:pPr lvl="2"/>
+            <a:endParaRPr lang="en-GB" dirty="0">
+              <a:latin typeface="Arial" panose="020B0604020202020204" pitchFamily="34" charset="0"/>
+            </a:endParaRPr>
+          </a:p>
+          <a:p>
+            <a:pPr lvl="1"/>
+            <a:r>
+              <a:rPr lang="en-GB" b="0" i="0" u="none" strike="noStrike" baseline="0" dirty="0">
+                <a:latin typeface="Arial" panose="020B0604020202020204" pitchFamily="34" charset="0"/>
+              </a:rPr>
+              <a:t>Non-terminating</a:t>
+            </a:r>
+          </a:p>
+          <a:p>
+            <a:pPr lvl="2"/>
+            <a:r>
+              <a:rPr lang="en-GB" b="0" i="0" u="none" strike="noStrike" baseline="0" dirty="0">
+                <a:latin typeface="Arial" panose="020B0604020202020204" pitchFamily="34" charset="0"/>
+              </a:rPr>
+              <a:t>Continues the </a:t>
+            </a:r>
+            <a:r>
+              <a:rPr lang="en-GB" dirty="0">
+                <a:latin typeface="Arial" panose="020B0604020202020204" pitchFamily="34" charset="0"/>
+              </a:rPr>
+              <a:t>command or </a:t>
+            </a:r>
+            <a:r>
+              <a:rPr lang="en-GB" b="0" i="0" u="none" strike="noStrike" baseline="0" dirty="0">
+                <a:latin typeface="Arial" panose="020B0604020202020204" pitchFamily="34" charset="0"/>
+              </a:rPr>
+              <a:t>pipeline</a:t>
+            </a:r>
+          </a:p>
+          <a:p>
+            <a:pPr lvl="3"/>
+            <a:r>
+              <a:rPr lang="en-US" b="0" i="0" u="none" strike="noStrike" baseline="0" dirty="0">
+                <a:latin typeface="Arial" panose="020B0604020202020204" pitchFamily="34" charset="0"/>
+              </a:rPr>
+              <a:t>Get-Item '</a:t>
+            </a:r>
+            <a:r>
+              <a:rPr lang="en-US" b="0" i="0" u="none" strike="noStrike" baseline="0" dirty="0" err="1">
+                <a:latin typeface="Arial" panose="020B0604020202020204" pitchFamily="34" charset="0"/>
+              </a:rPr>
+              <a:t>BadFile.bad</a:t>
+            </a:r>
+            <a:r>
+              <a:rPr lang="en-US" b="0" i="0" u="none" strike="noStrike" baseline="0" dirty="0">
+                <a:latin typeface="Arial" panose="020B0604020202020204" pitchFamily="34" charset="0"/>
+              </a:rPr>
+              <a:t>' ; Write-Host 'bad file is bad'</a:t>
             </a:r>
             <a:endParaRPr lang="en-GB" b="0" i="0" u="none" strike="noStrike" baseline="0" dirty="0">
               <a:latin typeface="Arial" panose="020B0604020202020204" pitchFamily="34" charset="0"/>
             </a:endParaRPr>
           </a:p>
           <a:p>
-            <a:pPr marR="0" lvl="0" rtl="0"/>
-            <a:r>
-              <a:rPr lang="en-GB" b="0" i="0" u="none" strike="noStrike" baseline="0" dirty="0" err="1">
-                <a:latin typeface="Arial" panose="020B0604020202020204" pitchFamily="34" charset="0"/>
-              </a:rPr>
-              <a:t>ErrorView</a:t>
-            </a:r>
+            <a:pPr lvl="2"/>
+            <a:endParaRPr lang="en-GB" dirty="0">
+              <a:latin typeface="Arial" panose="020B0604020202020204" pitchFamily="34" charset="0"/>
+            </a:endParaRPr>
+          </a:p>
+          <a:p>
             <a:endParaRPr lang="en-GB" b="0" i="0" u="none" strike="noStrike" baseline="0" dirty="0">
               <a:latin typeface="Arial" panose="020B0604020202020204" pitchFamily="34" charset="0"/>
             </a:endParaRPr>
           </a:p>
           <a:p>
             <a:r>
-              <a:rPr lang="en-GB" b="0" i="0" u="none" strike="noStrike" baseline="0" dirty="0">
-                <a:latin typeface="Arial" panose="020B0604020202020204" pitchFamily="34" charset="0"/>
-              </a:rPr>
-              <a:t>Get-Error</a:t>
-            </a:r>
-          </a:p>
-          <a:p>
-            <a:endParaRPr lang="en-GB" dirty="0">
-              <a:latin typeface="Arial" panose="020B0604020202020204" pitchFamily="34" charset="0"/>
-            </a:endParaRPr>
-          </a:p>
-          <a:p>
-            <a:r>
-              <a:rPr lang="en-GB" b="0" i="0" u="none" strike="noStrike" baseline="0" dirty="0">
-                <a:latin typeface="Arial" panose="020B0604020202020204" pitchFamily="34" charset="0"/>
-              </a:rPr>
-              <a:t>(Coming soon – </a:t>
-            </a:r>
-            <a:r>
-              <a:rPr lang="en-GB" b="0" i="0" u="none" strike="noStrike" baseline="0" dirty="0" err="1">
-                <a:latin typeface="Arial" panose="020B0604020202020204" pitchFamily="34" charset="0"/>
-              </a:rPr>
-              <a:t>RecommendedAction</a:t>
-            </a:r>
-            <a:r>
-              <a:rPr lang="en-GB" b="0" i="0" u="none" strike="noStrike" baseline="0" dirty="0">
-                <a:latin typeface="Arial" panose="020B0604020202020204" pitchFamily="34" charset="0"/>
-              </a:rPr>
-              <a:t>!)</a:t>
-            </a:r>
-          </a:p>
-          <a:p>
-            <a:pPr marR="0" lvl="0" rtl="0"/>
-            <a:endParaRPr lang="en-GB" b="0" i="0" u="none" strike="noStrike" baseline="0" dirty="0">
-              <a:latin typeface="Arial" panose="020B0604020202020204" pitchFamily="34" charset="0"/>
-            </a:endParaRPr>
-          </a:p>
-          <a:p>
-            <a:pPr marR="0" lvl="0" rtl="0"/>
-            <a:endParaRPr lang="en-GB" b="0" i="0" u="none" strike="noStrike" baseline="0" dirty="0">
-              <a:latin typeface="Arial" panose="020B0604020202020204" pitchFamily="34" charset="0"/>
-            </a:endParaRPr>
+              <a:rPr lang="en-GB" sz="1600" dirty="0">
+                <a:latin typeface="Arial" panose="020B0604020202020204" pitchFamily="34" charset="0"/>
+              </a:rPr>
+              <a:t>(actually three – or even more - Statement terminating and script terminating)</a:t>
+            </a:r>
+          </a:p>
+          <a:p>
+            <a:pPr lvl="1"/>
+            <a:r>
+              <a:rPr lang="en-GB" sz="1600" b="0" i="0" u="none" strike="noStrike" baseline="0" dirty="0">
+                <a:latin typeface="Arial" panose="020B0604020202020204" pitchFamily="34" charset="0"/>
+              </a:rPr>
+              <a:t>https://stackoverflow.com/a/72802148</a:t>
+            </a:r>
           </a:p>
         </p:txBody>
       </p:sp>
@@ -16036,7 +16332,7 @@
           <p:cNvPr id="4" name="Footer Placeholder 3">
             <a:extLst>
               <a:ext uri="{FF2B5EF4-FFF2-40B4-BE49-F238E27FC236}">
-                <a16:creationId xmlns:a16="http://schemas.microsoft.com/office/drawing/2014/main" id="{DF3EB8BF-C348-D2C2-D1EC-038FC49159FF}"/>
+                <a16:creationId xmlns:a16="http://schemas.microsoft.com/office/drawing/2014/main" id="{C4EB2873-B008-B73A-E2E7-B8B7A37D4F7D}"/>
               </a:ext>
             </a:extLst>
           </p:cNvPr>
@@ -16065,7 +16361,7 @@
           <p:cNvPr id="5" name="Slide Number Placeholder 4">
             <a:extLst>
               <a:ext uri="{FF2B5EF4-FFF2-40B4-BE49-F238E27FC236}">
-                <a16:creationId xmlns:a16="http://schemas.microsoft.com/office/drawing/2014/main" id="{9E8524CF-B555-9790-959D-D0AE3DB3C91B}"/>
+                <a16:creationId xmlns:a16="http://schemas.microsoft.com/office/drawing/2014/main" id="{EF27069B-5C4D-7C8D-E0E6-E4EE4F7AFCF0}"/>
               </a:ext>
             </a:extLst>
           </p:cNvPr>
@@ -16092,7 +16388,7 @@
     </p:spTree>
     <p:extLst>
       <p:ext uri="{BB962C8B-B14F-4D97-AF65-F5344CB8AC3E}">
-        <p14:creationId xmlns:p14="http://schemas.microsoft.com/office/powerpoint/2010/main" val="329450685"/>
+        <p14:creationId xmlns:p14="http://schemas.microsoft.com/office/powerpoint/2010/main" val="2339318300"/>
       </p:ext>
     </p:extLst>
   </p:cSld>
@@ -16181,11 +16477,107 @@
           <a:p>
             <a:pPr marR="0" lvl="0" rtl="0"/>
             <a:r>
-              <a:rPr lang="en-GB" b="0" i="0" u="none" strike="noStrike" baseline="0" dirty="0">
-                <a:latin typeface="Arial" panose="020B0604020202020204" pitchFamily="34" charset="0"/>
-              </a:rPr>
-              <a:t>Try/Catch/Finally</a:t>
-            </a:r>
+              <a:rPr lang="en-GB" b="0" i="0" u="none" strike="noStrike" baseline="0" dirty="0" err="1">
+                <a:latin typeface="Arial" panose="020B0604020202020204" pitchFamily="34" charset="0"/>
+              </a:rPr>
+              <a:t>ErrorAction</a:t>
+            </a:r>
+            <a:r>
+              <a:rPr lang="en-GB" b="0" i="0" u="none" strike="noStrike" baseline="0" dirty="0">
+                <a:latin typeface="Arial" panose="020B0604020202020204" pitchFamily="34" charset="0"/>
+              </a:rPr>
+              <a:t> / </a:t>
+            </a:r>
+            <a:r>
+              <a:rPr lang="en-GB" b="0" i="0" u="none" strike="noStrike" baseline="0" dirty="0" err="1">
+                <a:latin typeface="Arial" panose="020B0604020202020204" pitchFamily="34" charset="0"/>
+              </a:rPr>
+              <a:t>ErrorActionPreference</a:t>
+            </a:r>
+            <a:endParaRPr lang="en-GB" b="0" i="0" u="none" strike="noStrike" baseline="0" dirty="0">
+              <a:latin typeface="Arial" panose="020B0604020202020204" pitchFamily="34" charset="0"/>
+            </a:endParaRPr>
+          </a:p>
+          <a:p>
+            <a:pPr marR="0" lvl="0" rtl="0"/>
+            <a:r>
+              <a:rPr lang="en-GB" b="0" i="0" u="none" strike="noStrike" baseline="0" dirty="0" err="1">
+                <a:latin typeface="Arial" panose="020B0604020202020204" pitchFamily="34" charset="0"/>
+              </a:rPr>
+              <a:t>ErrorView</a:t>
+            </a:r>
+            <a:endParaRPr lang="en-GB" b="0" i="0" u="none" strike="noStrike" baseline="0" dirty="0">
+              <a:latin typeface="Arial" panose="020B0604020202020204" pitchFamily="34" charset="0"/>
+            </a:endParaRPr>
+          </a:p>
+          <a:p>
+            <a:r>
+              <a:rPr lang="en-GB" b="0" i="0" u="none" strike="noStrike" baseline="0" dirty="0">
+                <a:latin typeface="Arial" panose="020B0604020202020204" pitchFamily="34" charset="0"/>
+              </a:rPr>
+              <a:t>Get-Error</a:t>
+            </a:r>
+          </a:p>
+          <a:p>
+            <a:endParaRPr lang="en-GB" dirty="0">
+              <a:latin typeface="Arial" panose="020B0604020202020204" pitchFamily="34" charset="0"/>
+            </a:endParaRPr>
+          </a:p>
+          <a:p>
+            <a:r>
+              <a:rPr lang="en-GB" b="0" i="0" u="none" strike="noStrike" baseline="0" dirty="0">
+                <a:latin typeface="Arial" panose="020B0604020202020204" pitchFamily="34" charset="0"/>
+              </a:rPr>
+              <a:t>(</a:t>
+            </a:r>
+            <a:r>
+              <a:rPr lang="en-GB" b="0" i="0" u="none" strike="sngStrike" baseline="0" dirty="0">
+                <a:latin typeface="Arial" panose="020B0604020202020204" pitchFamily="34" charset="0"/>
+              </a:rPr>
+              <a:t>Coming</a:t>
+            </a:r>
+            <a:r>
+              <a:rPr lang="en-GB" b="0" i="0" u="none" strike="noStrike" baseline="0" dirty="0">
+                <a:latin typeface="Arial" panose="020B0604020202020204" pitchFamily="34" charset="0"/>
+              </a:rPr>
+              <a:t> </a:t>
+            </a:r>
+            <a:r>
+              <a:rPr lang="en-GB" b="0" i="0" u="none" strike="sngStrike" baseline="0" dirty="0">
+                <a:latin typeface="Arial" panose="020B0604020202020204" pitchFamily="34" charset="0"/>
+              </a:rPr>
+              <a:t>soon</a:t>
+            </a:r>
+            <a:r>
+              <a:rPr lang="en-GB" b="0" i="0" u="none" strike="noStrike" baseline="0" dirty="0">
+                <a:latin typeface="Arial" panose="020B0604020202020204" pitchFamily="34" charset="0"/>
+              </a:rPr>
+              <a:t> Available in 7.5 – </a:t>
+            </a:r>
+            <a:r>
+              <a:rPr lang="en-GB" b="0" i="0" u="none" strike="noStrike" baseline="0" dirty="0" err="1">
+                <a:latin typeface="Arial" panose="020B0604020202020204" pitchFamily="34" charset="0"/>
+              </a:rPr>
+              <a:t>RecommendedAction</a:t>
+            </a:r>
+            <a:r>
+              <a:rPr lang="en-GB" b="0" i="0" u="none" strike="noStrike" baseline="0" dirty="0">
+                <a:latin typeface="Arial" panose="020B0604020202020204" pitchFamily="34" charset="0"/>
+              </a:rPr>
+              <a:t>!)</a:t>
+            </a:r>
+          </a:p>
+          <a:p>
+            <a:pPr marR="0" lvl="0" rtl="0"/>
+            <a:endParaRPr lang="en-GB" b="0" i="0" u="none" strike="noStrike" baseline="0" dirty="0">
+              <a:latin typeface="Arial" panose="020B0604020202020204" pitchFamily="34" charset="0"/>
+            </a:endParaRPr>
+          </a:p>
+          <a:p>
+            <a:pPr marR="0" lvl="0" rtl="0"/>
+            <a:endParaRPr lang="en-GB" b="0" i="0" u="none" strike="noStrike" baseline="0" dirty="0">
+              <a:latin typeface="Arial" panose="020B0604020202020204" pitchFamily="34" charset="0"/>
+            </a:endParaRPr>
           </a:p>
         </p:txBody>
       </p:sp>
@@ -16194,7 +16586,7 @@
           <p:cNvPr id="4" name="Footer Placeholder 3">
             <a:extLst>
               <a:ext uri="{FF2B5EF4-FFF2-40B4-BE49-F238E27FC236}">
-                <a16:creationId xmlns:a16="http://schemas.microsoft.com/office/drawing/2014/main" id="{2DD0189F-7D0A-10E8-5653-7320268F7D06}"/>
+                <a16:creationId xmlns:a16="http://schemas.microsoft.com/office/drawing/2014/main" id="{DF3EB8BF-C348-D2C2-D1EC-038FC49159FF}"/>
               </a:ext>
             </a:extLst>
           </p:cNvPr>
@@ -16223,7 +16615,7 @@
           <p:cNvPr id="5" name="Slide Number Placeholder 4">
             <a:extLst>
               <a:ext uri="{FF2B5EF4-FFF2-40B4-BE49-F238E27FC236}">
-                <a16:creationId xmlns:a16="http://schemas.microsoft.com/office/drawing/2014/main" id="{309D3FF8-D1B3-0DF7-F6C8-F516428CEF7C}"/>
+                <a16:creationId xmlns:a16="http://schemas.microsoft.com/office/drawing/2014/main" id="{9E8524CF-B555-9790-959D-D0AE3DB3C91B}"/>
               </a:ext>
             </a:extLst>
           </p:cNvPr>
@@ -16250,7 +16642,7 @@
     </p:spTree>
     <p:extLst>
       <p:ext uri="{BB962C8B-B14F-4D97-AF65-F5344CB8AC3E}">
-        <p14:creationId xmlns:p14="http://schemas.microsoft.com/office/powerpoint/2010/main" val="858508135"/>
+        <p14:creationId xmlns:p14="http://schemas.microsoft.com/office/powerpoint/2010/main" val="329450685"/>
       </p:ext>
     </p:extLst>
   </p:cSld>
@@ -16282,7 +16674,7 @@
           <p:cNvPr id="2" name="Title 1">
             <a:extLst>
               <a:ext uri="{FF2B5EF4-FFF2-40B4-BE49-F238E27FC236}">
-                <a16:creationId xmlns:a16="http://schemas.microsoft.com/office/drawing/2014/main" id="{69BCD6E1-D5BF-EF3E-F0CC-EDE7BAE35861}"/>
+                <a16:creationId xmlns:a16="http://schemas.microsoft.com/office/drawing/2014/main" id="{2E301759-F2F7-7878-BE04-7E770D77EFED}"/>
               </a:ext>
             </a:extLst>
           </p:cNvPr>
@@ -16295,151 +16687,91 @@
         </p:nvSpPr>
         <p:spPr>
           <a:xfrm>
-            <a:off x="839788" y="457200"/>
-            <a:ext cx="9123078" cy="1600200"/>
+            <a:off x="838200" y="365125"/>
+            <a:ext cx="10515600" cy="1325563"/>
           </a:xfrm>
         </p:spPr>
         <p:txBody>
           <a:bodyPr/>
           <a:lstStyle/>
           <a:p>
+            <a:pPr marR="0" rtl="0"/>
             <a:r>
               <a:rPr lang="en-GB" b="1" i="0" u="none" strike="noStrike" baseline="0" dirty="0">
                 <a:latin typeface="Arial" panose="020B0604020202020204" pitchFamily="34" charset="0"/>
               </a:rPr>
               <a:t>Error Handling</a:t>
             </a:r>
-            <a:endParaRPr lang="en-SE" dirty="0"/>
-          </a:p>
-        </p:txBody>
-      </p:sp>
-      <p:sp>
-        <p:nvSpPr>
-          <p:cNvPr id="4" name="Text Placeholder 3">
-            <a:extLst>
-              <a:ext uri="{FF2B5EF4-FFF2-40B4-BE49-F238E27FC236}">
-                <a16:creationId xmlns:a16="http://schemas.microsoft.com/office/drawing/2014/main" id="{D7ABE405-4C8C-4761-DB98-41C6649D1B66}"/>
-              </a:ext>
-            </a:extLst>
-          </p:cNvPr>
-          <p:cNvSpPr>
-            <a:spLocks noGrp="1"/>
-          </p:cNvSpPr>
-          <p:nvPr>
-            <p:ph type="body" sz="half" idx="2"/>
-          </p:nvPr>
-        </p:nvSpPr>
-        <p:spPr>
-          <a:xfrm>
-            <a:off x="839788" y="2057400"/>
-            <a:ext cx="10877001" cy="3811588"/>
-          </a:xfrm>
-        </p:spPr>
-        <p:txBody>
-          <a:bodyPr>
-            <a:normAutofit/>
-          </a:bodyPr>
-          <a:lstStyle/>
-          <a:p>
-            <a:pPr marL="285750" indent="-285750">
-              <a:buFont typeface="Arial" panose="020B0604020202020204" pitchFamily="34" charset="0"/>
-              <a:buChar char="•"/>
-            </a:pPr>
-            <a:r>
-              <a:rPr lang="en-GB" sz="4400" b="0" i="0" u="none" strike="noStrike" baseline="0" dirty="0">
-                <a:latin typeface="Arial" panose="020B0604020202020204" pitchFamily="34" charset="0"/>
-              </a:rPr>
-              <a:t>Lab 6</a:t>
-            </a:r>
-          </a:p>
-          <a:p>
-            <a:pPr marL="285750" indent="-285750">
-              <a:buFont typeface="Arial" panose="020B0604020202020204" pitchFamily="34" charset="0"/>
-              <a:buChar char="•"/>
-            </a:pPr>
-            <a:endParaRPr lang="en-GB" sz="4400" b="0" i="0" u="none" strike="noStrike" baseline="0" dirty="0">
+            <a:endParaRPr lang="en-GB" b="0" i="0" u="none" strike="noStrike" baseline="0" dirty="0">
               <a:latin typeface="Arial" panose="020B0604020202020204" pitchFamily="34" charset="0"/>
             </a:endParaRPr>
           </a:p>
-          <a:p>
-            <a:pPr marL="285750" indent="-285750">
-              <a:buFont typeface="Arial" panose="020B0604020202020204" pitchFamily="34" charset="0"/>
-              <a:buChar char="•"/>
-            </a:pPr>
-            <a:r>
-              <a:rPr lang="en-US" sz="1800" dirty="0">
-                <a:hlinkClick r:id="rId2"/>
-              </a:rPr>
-              <a:t>https://github.com/AdvaniaSE/PowerShellAdvancedFundamentals</a:t>
-            </a:r>
-            <a:endParaRPr lang="en-US" sz="1800" dirty="0"/>
-          </a:p>
-          <a:p>
-            <a:pPr marL="742950" lvl="1" indent="-285750">
-              <a:buFont typeface="Arial" panose="020B0604020202020204" pitchFamily="34" charset="0"/>
-              <a:buChar char="•"/>
-            </a:pPr>
-            <a:r>
-              <a:rPr lang="en-US" sz="1600" dirty="0"/>
-              <a:t>06. Error Handling</a:t>
-            </a:r>
-          </a:p>
-          <a:p>
-            <a:pPr marL="742950" lvl="1" indent="-285750">
-              <a:buFont typeface="Arial" panose="020B0604020202020204" pitchFamily="34" charset="0"/>
-              <a:buChar char="•"/>
-            </a:pPr>
-            <a:endParaRPr lang="en-US" sz="1600" dirty="0"/>
-          </a:p>
-          <a:p>
-            <a:pPr marL="285750" indent="-285750">
-              <a:buFont typeface="Arial" panose="020B0604020202020204" pitchFamily="34" charset="0"/>
-              <a:buChar char="•"/>
-            </a:pPr>
-            <a:r>
-              <a:rPr lang="en-US" sz="1800" dirty="0"/>
-              <a:t> </a:t>
-            </a:r>
-            <a:r>
-              <a:rPr lang="en-US" sz="1800" dirty="0">
-                <a:hlinkClick r:id="rId3"/>
-              </a:rPr>
-              <a:t>The art of throwing errors - Emrys </a:t>
-            </a:r>
-            <a:r>
-              <a:rPr lang="en-US" sz="1800" dirty="0" err="1">
-                <a:hlinkClick r:id="rId3"/>
-              </a:rPr>
-              <a:t>MacInally</a:t>
-            </a:r>
-            <a:r>
-              <a:rPr lang="en-US" sz="1800" dirty="0">
-                <a:hlinkClick r:id="rId3"/>
-              </a:rPr>
-              <a:t> - </a:t>
-            </a:r>
-            <a:r>
-              <a:rPr lang="en-US" sz="1800" dirty="0" err="1">
-                <a:hlinkClick r:id="rId3"/>
-              </a:rPr>
-              <a:t>PSConfEU</a:t>
-            </a:r>
-            <a:r>
-              <a:rPr lang="en-US" sz="1800" dirty="0">
-                <a:hlinkClick r:id="rId3"/>
-              </a:rPr>
-              <a:t> 2024</a:t>
-            </a:r>
-            <a:endParaRPr lang="en-US" sz="1800" dirty="0"/>
-          </a:p>
-        </p:txBody>
-      </p:sp>
-      <p:sp>
-        <p:nvSpPr>
-          <p:cNvPr id="3" name="Footer Placeholder 2">
-            <a:extLst>
-              <a:ext uri="{FF2B5EF4-FFF2-40B4-BE49-F238E27FC236}">
-                <a16:creationId xmlns:a16="http://schemas.microsoft.com/office/drawing/2014/main" id="{75381DCD-8C60-0DEB-BA73-C30AC2042C81}"/>
+        </p:txBody>
+      </p:sp>
+      <p:sp>
+        <p:nvSpPr>
+          <p:cNvPr id="3" name="Text Placeholder 2">
+            <a:extLst>
+              <a:ext uri="{FF2B5EF4-FFF2-40B4-BE49-F238E27FC236}">
+                <a16:creationId xmlns:a16="http://schemas.microsoft.com/office/drawing/2014/main" id="{A68A4EB1-98C9-7D0B-AFEB-FF2E0ECE9805}"/>
+              </a:ext>
+            </a:extLst>
+          </p:cNvPr>
+          <p:cNvSpPr>
+            <a:spLocks noGrp="1"/>
+          </p:cNvSpPr>
+          <p:nvPr>
+            <p:ph type="body" idx="1"/>
+          </p:nvPr>
+        </p:nvSpPr>
+        <p:spPr/>
+        <p:txBody>
+          <a:bodyPr/>
+          <a:lstStyle/>
+          <a:p>
+            <a:pPr marR="0" lvl="0" rtl="0"/>
+            <a:r>
+              <a:rPr lang="en-GB" b="0" i="0" u="none" strike="noStrike" baseline="0" dirty="0">
+                <a:latin typeface="Arial" panose="020B0604020202020204" pitchFamily="34" charset="0"/>
+              </a:rPr>
+              <a:t>Try/Catch</a:t>
+            </a:r>
+            <a:r>
+              <a:rPr lang="en-GB" b="0" i="0" u="none" strike="noStrike" baseline="0">
+                <a:latin typeface="Arial" panose="020B0604020202020204" pitchFamily="34" charset="0"/>
+              </a:rPr>
+              <a:t>/Finally</a:t>
+            </a:r>
+            <a:endParaRPr lang="en-GB" dirty="0">
+              <a:latin typeface="Arial" panose="020B0604020202020204" pitchFamily="34" charset="0"/>
+            </a:endParaRPr>
+          </a:p>
+          <a:p>
+            <a:pPr marR="0" lvl="0" rtl="0"/>
+            <a:r>
+              <a:rPr lang="en-GB">
+                <a:latin typeface="Arial" panose="020B0604020202020204" pitchFamily="34" charset="0"/>
+              </a:rPr>
+              <a:t>Trap</a:t>
+            </a:r>
+            <a:r>
+              <a:rPr lang="en-GB" dirty="0">
+                <a:latin typeface="Arial" panose="020B0604020202020204" pitchFamily="34" charset="0"/>
+              </a:rPr>
+              <a:t>{}</a:t>
+            </a:r>
+            <a:endParaRPr lang="en-GB" b="0" i="0" u="none" strike="noStrike" baseline="0" dirty="0">
+              <a:latin typeface="Arial" panose="020B0604020202020204" pitchFamily="34" charset="0"/>
+            </a:endParaRPr>
+          </a:p>
+        </p:txBody>
+      </p:sp>
+      <p:sp>
+        <p:nvSpPr>
+          <p:cNvPr id="4" name="Footer Placeholder 3">
+            <a:extLst>
+              <a:ext uri="{FF2B5EF4-FFF2-40B4-BE49-F238E27FC236}">
+                <a16:creationId xmlns:a16="http://schemas.microsoft.com/office/drawing/2014/main" id="{2DD0189F-7D0A-10E8-5653-7320268F7D06}"/>
               </a:ext>
             </a:extLst>
           </p:cNvPr>
@@ -16468,7 +16800,7 @@
           <p:cNvPr id="5" name="Slide Number Placeholder 4">
             <a:extLst>
               <a:ext uri="{FF2B5EF4-FFF2-40B4-BE49-F238E27FC236}">
-                <a16:creationId xmlns:a16="http://schemas.microsoft.com/office/drawing/2014/main" id="{9DAD73BF-1BBF-8A10-AF74-D9157ECBF6C9}"/>
+                <a16:creationId xmlns:a16="http://schemas.microsoft.com/office/drawing/2014/main" id="{309D3FF8-D1B3-0DF7-F6C8-F516428CEF7C}"/>
               </a:ext>
             </a:extLst>
           </p:cNvPr>
@@ -16484,7 +16816,7 @@
           <a:bodyPr/>
           <a:lstStyle/>
           <a:p>
-            <a:fld id="{BFEA1545-8540-491B-83AB-51C306516EA6}" type="slidenum">
+            <a:fld id="{9993A830-6DA6-4394-A358-10250CDB3A67}" type="slidenum">
               <a:rPr lang="en-SE" smtClean="0"/>
               <a:t>59</a:t>
             </a:fld>
@@ -16495,7 +16827,7 @@
     </p:spTree>
     <p:extLst>
       <p:ext uri="{BB962C8B-B14F-4D97-AF65-F5344CB8AC3E}">
-        <p14:creationId xmlns:p14="http://schemas.microsoft.com/office/powerpoint/2010/main" val="213563319"/>
+        <p14:creationId xmlns:p14="http://schemas.microsoft.com/office/powerpoint/2010/main" val="858508135"/>
       </p:ext>
     </p:extLst>
   </p:cSld>
@@ -16740,7 +17072,7 @@
           <p:cNvPr id="2" name="Title 1">
             <a:extLst>
               <a:ext uri="{FF2B5EF4-FFF2-40B4-BE49-F238E27FC236}">
-                <a16:creationId xmlns:a16="http://schemas.microsoft.com/office/drawing/2014/main" id="{55D23047-3833-EFE0-8A01-090ACFE1D9FC}"/>
+                <a16:creationId xmlns:a16="http://schemas.microsoft.com/office/drawing/2014/main" id="{69BCD6E1-D5BF-EF3E-F0CC-EDE7BAE35861}"/>
               </a:ext>
             </a:extLst>
           </p:cNvPr>
@@ -16751,7 +17083,12 @@
             <p:ph type="title"/>
           </p:nvPr>
         </p:nvSpPr>
-        <p:spPr/>
+        <p:spPr>
+          <a:xfrm>
+            <a:off x="839788" y="457200"/>
+            <a:ext cx="9123078" cy="1600200"/>
+          </a:xfrm>
+        </p:spPr>
         <p:txBody>
           <a:bodyPr/>
           <a:lstStyle/>
@@ -16760,7 +17097,7 @@
               <a:rPr lang="en-GB" b="1" i="0" u="none" strike="noStrike" baseline="0" dirty="0">
                 <a:latin typeface="Arial" panose="020B0604020202020204" pitchFamily="34" charset="0"/>
               </a:rPr>
-              <a:t>Debugging</a:t>
+              <a:t>Error Handling</a:t>
             </a:r>
             <a:endParaRPr lang="en-SE" dirty="0"/>
           </a:p>
@@ -16768,35 +17105,131 @@
       </p:sp>
       <p:sp>
         <p:nvSpPr>
-          <p:cNvPr id="3" name="Text Placeholder 2">
-            <a:extLst>
-              <a:ext uri="{FF2B5EF4-FFF2-40B4-BE49-F238E27FC236}">
-                <a16:creationId xmlns:a16="http://schemas.microsoft.com/office/drawing/2014/main" id="{1F80B5F8-E4FB-9CDB-0C7C-EEDCB4B8AF1D}"/>
-              </a:ext>
-            </a:extLst>
-          </p:cNvPr>
-          <p:cNvSpPr>
-            <a:spLocks noGrp="1"/>
-          </p:cNvSpPr>
-          <p:nvPr>
-            <p:ph type="body" idx="1"/>
-          </p:nvPr>
-        </p:nvSpPr>
-        <p:spPr/>
-        <p:txBody>
-          <a:bodyPr/>
-          <a:lstStyle/>
-          <a:p>
-            <a:endParaRPr lang="en-SE"/>
-          </a:p>
-        </p:txBody>
-      </p:sp>
-      <p:sp>
-        <p:nvSpPr>
-          <p:cNvPr id="4" name="Footer Placeholder 3">
-            <a:extLst>
-              <a:ext uri="{FF2B5EF4-FFF2-40B4-BE49-F238E27FC236}">
-                <a16:creationId xmlns:a16="http://schemas.microsoft.com/office/drawing/2014/main" id="{4952217A-77B5-6970-D5D3-F0C20B2C81DF}"/>
+          <p:cNvPr id="4" name="Text Placeholder 3">
+            <a:extLst>
+              <a:ext uri="{FF2B5EF4-FFF2-40B4-BE49-F238E27FC236}">
+                <a16:creationId xmlns:a16="http://schemas.microsoft.com/office/drawing/2014/main" id="{D7ABE405-4C8C-4761-DB98-41C6649D1B66}"/>
+              </a:ext>
+            </a:extLst>
+          </p:cNvPr>
+          <p:cNvSpPr>
+            <a:spLocks noGrp="1"/>
+          </p:cNvSpPr>
+          <p:nvPr>
+            <p:ph type="body" sz="half" idx="2"/>
+          </p:nvPr>
+        </p:nvSpPr>
+        <p:spPr>
+          <a:xfrm>
+            <a:off x="839788" y="2057400"/>
+            <a:ext cx="10877001" cy="3811588"/>
+          </a:xfrm>
+        </p:spPr>
+        <p:txBody>
+          <a:bodyPr>
+            <a:normAutofit/>
+          </a:bodyPr>
+          <a:lstStyle/>
+          <a:p>
+            <a:pPr marL="285750" indent="-285750">
+              <a:buFont typeface="Arial" panose="020B0604020202020204" pitchFamily="34" charset="0"/>
+              <a:buChar char="•"/>
+            </a:pPr>
+            <a:r>
+              <a:rPr lang="en-GB" sz="4400" b="0" i="0" u="none" strike="noStrike" baseline="0" dirty="0">
+                <a:latin typeface="Arial" panose="020B0604020202020204" pitchFamily="34" charset="0"/>
+              </a:rPr>
+              <a:t>Lab 6</a:t>
+            </a:r>
+          </a:p>
+          <a:p>
+            <a:pPr marL="285750" indent="-285750">
+              <a:buFont typeface="Arial" panose="020B0604020202020204" pitchFamily="34" charset="0"/>
+              <a:buChar char="•"/>
+            </a:pPr>
+            <a:endParaRPr lang="en-GB" sz="4400" b="0" i="0" u="none" strike="noStrike" baseline="0" dirty="0">
+              <a:latin typeface="Arial" panose="020B0604020202020204" pitchFamily="34" charset="0"/>
+            </a:endParaRPr>
+          </a:p>
+          <a:p>
+            <a:pPr marL="285750" indent="-285750">
+              <a:buFont typeface="Arial" panose="020B0604020202020204" pitchFamily="34" charset="0"/>
+              <a:buChar char="•"/>
+            </a:pPr>
+            <a:r>
+              <a:rPr lang="en-US" sz="1800" dirty="0">
+                <a:hlinkClick r:id="rId2"/>
+              </a:rPr>
+              <a:t>https://github.com/AdvaniaSE/PowerShellAdvancedFundamentals</a:t>
+            </a:r>
+            <a:endParaRPr lang="en-US" sz="1800" dirty="0"/>
+          </a:p>
+          <a:p>
+            <a:pPr marL="742950" lvl="1" indent="-285750">
+              <a:buFont typeface="Arial" panose="020B0604020202020204" pitchFamily="34" charset="0"/>
+              <a:buChar char="•"/>
+            </a:pPr>
+            <a:r>
+              <a:rPr lang="en-US" sz="1600" dirty="0"/>
+              <a:t>06. Error Handling</a:t>
+            </a:r>
+          </a:p>
+          <a:p>
+            <a:pPr marL="742950" lvl="1" indent="-285750">
+              <a:buFont typeface="Arial" panose="020B0604020202020204" pitchFamily="34" charset="0"/>
+              <a:buChar char="•"/>
+            </a:pPr>
+            <a:endParaRPr lang="en-US" sz="1600" dirty="0"/>
+          </a:p>
+          <a:p>
+            <a:pPr marL="285750" indent="-285750">
+              <a:buFont typeface="Arial" panose="020B0604020202020204" pitchFamily="34" charset="0"/>
+              <a:buChar char="•"/>
+            </a:pPr>
+            <a:r>
+              <a:rPr lang="en-US" sz="1800" dirty="0"/>
+              <a:t> </a:t>
+            </a:r>
+            <a:r>
+              <a:rPr lang="en-US" sz="1800" dirty="0">
+                <a:hlinkClick r:id="rId3"/>
+              </a:rPr>
+              <a:t>The art of throwing errors - Emrys </a:t>
+            </a:r>
+            <a:r>
+              <a:rPr lang="en-US" sz="1800" dirty="0" err="1">
+                <a:hlinkClick r:id="rId3"/>
+              </a:rPr>
+              <a:t>MacInally</a:t>
+            </a:r>
+            <a:r>
+              <a:rPr lang="en-US" sz="1800" dirty="0">
+                <a:hlinkClick r:id="rId3"/>
+              </a:rPr>
+              <a:t> - </a:t>
+            </a:r>
+            <a:r>
+              <a:rPr lang="en-US" sz="1800" dirty="0" err="1">
+                <a:hlinkClick r:id="rId3"/>
+              </a:rPr>
+              <a:t>PSConfEU</a:t>
+            </a:r>
+            <a:r>
+              <a:rPr lang="en-US" sz="1800" dirty="0">
+                <a:hlinkClick r:id="rId3"/>
+              </a:rPr>
+              <a:t> 2024</a:t>
+            </a:r>
+            <a:endParaRPr lang="en-US" sz="1800" dirty="0"/>
+          </a:p>
+        </p:txBody>
+      </p:sp>
+      <p:sp>
+        <p:nvSpPr>
+          <p:cNvPr id="3" name="Footer Placeholder 2">
+            <a:extLst>
+              <a:ext uri="{FF2B5EF4-FFF2-40B4-BE49-F238E27FC236}">
+                <a16:creationId xmlns:a16="http://schemas.microsoft.com/office/drawing/2014/main" id="{75381DCD-8C60-0DEB-BA73-C30AC2042C81}"/>
               </a:ext>
             </a:extLst>
           </p:cNvPr>
@@ -16825,7 +17258,7 @@
           <p:cNvPr id="5" name="Slide Number Placeholder 4">
             <a:extLst>
               <a:ext uri="{FF2B5EF4-FFF2-40B4-BE49-F238E27FC236}">
-                <a16:creationId xmlns:a16="http://schemas.microsoft.com/office/drawing/2014/main" id="{648B734D-838D-94DD-06F5-B635FCEF2149}"/>
+                <a16:creationId xmlns:a16="http://schemas.microsoft.com/office/drawing/2014/main" id="{9DAD73BF-1BBF-8A10-AF74-D9157ECBF6C9}"/>
               </a:ext>
             </a:extLst>
           </p:cNvPr>
@@ -16852,7 +17285,7 @@
     </p:spTree>
     <p:extLst>
       <p:ext uri="{BB962C8B-B14F-4D97-AF65-F5344CB8AC3E}">
-        <p14:creationId xmlns:p14="http://schemas.microsoft.com/office/powerpoint/2010/main" val="747849965"/>
+        <p14:creationId xmlns:p14="http://schemas.microsoft.com/office/powerpoint/2010/main" val="213563319"/>
       </p:ext>
     </p:extLst>
   </p:cSld>
@@ -16884,7 +17317,7 @@
           <p:cNvPr id="2" name="Title 1">
             <a:extLst>
               <a:ext uri="{FF2B5EF4-FFF2-40B4-BE49-F238E27FC236}">
-                <a16:creationId xmlns:a16="http://schemas.microsoft.com/office/drawing/2014/main" id="{B801FD3C-39C9-0365-1CA1-BEA8A53FA4E4}"/>
+                <a16:creationId xmlns:a16="http://schemas.microsoft.com/office/drawing/2014/main" id="{55D23047-3833-EFE0-8A01-090ACFE1D9FC}"/>
               </a:ext>
             </a:extLst>
           </p:cNvPr>
@@ -16895,26 +17328,18 @@
             <p:ph type="title"/>
           </p:nvPr>
         </p:nvSpPr>
-        <p:spPr>
-          <a:xfrm>
-            <a:off x="838200" y="365125"/>
-            <a:ext cx="10515600" cy="1325563"/>
-          </a:xfrm>
-        </p:spPr>
-        <p:txBody>
-          <a:bodyPr/>
-          <a:lstStyle/>
-          <a:p>
-            <a:pPr marR="0" rtl="0"/>
+        <p:spPr/>
+        <p:txBody>
+          <a:bodyPr/>
+          <a:lstStyle/>
+          <a:p>
             <a:r>
               <a:rPr lang="en-GB" b="1" i="0" u="none" strike="noStrike" baseline="0" dirty="0">
                 <a:latin typeface="Arial" panose="020B0604020202020204" pitchFamily="34" charset="0"/>
               </a:rPr>
               <a:t>Debugging</a:t>
             </a:r>
-            <a:endParaRPr lang="en-GB" b="0" i="0" u="none" strike="noStrike" baseline="0" dirty="0">
-              <a:latin typeface="Arial" panose="020B0604020202020204" pitchFamily="34" charset="0"/>
-            </a:endParaRPr>
+            <a:endParaRPr lang="en-SE" dirty="0"/>
           </a:p>
         </p:txBody>
       </p:sp>
@@ -16923,7 +17348,7 @@
           <p:cNvPr id="3" name="Text Placeholder 2">
             <a:extLst>
               <a:ext uri="{FF2B5EF4-FFF2-40B4-BE49-F238E27FC236}">
-                <a16:creationId xmlns:a16="http://schemas.microsoft.com/office/drawing/2014/main" id="{C45A460F-F07D-CCBB-E41C-B81DC05A03A9}"/>
+                <a16:creationId xmlns:a16="http://schemas.microsoft.com/office/drawing/2014/main" id="{1F80B5F8-E4FB-9CDB-0C7C-EEDCB4B8AF1D}"/>
               </a:ext>
             </a:extLst>
           </p:cNvPr>
@@ -16936,50 +17361,10 @@
         </p:nvSpPr>
         <p:spPr/>
         <p:txBody>
-          <a:bodyPr>
-            <a:normAutofit/>
-          </a:bodyPr>
-          <a:lstStyle/>
-          <a:p>
-            <a:pPr marR="0" lvl="0" rtl="0"/>
-            <a:r>
-              <a:rPr lang="en-US" b="0" i="0" u="none" strike="noStrike" baseline="0" dirty="0">
-                <a:latin typeface="Arial" panose="020B0604020202020204" pitchFamily="34" charset="0"/>
-              </a:rPr>
-              <a:t>Hard see what happens inside your code</a:t>
-            </a:r>
-          </a:p>
-          <a:p>
-            <a:pPr lvl="1"/>
-            <a:r>
-              <a:rPr lang="en-GB" b="0" i="0" u="none" strike="noStrike" baseline="0" dirty="0">
-                <a:latin typeface="Arial" panose="020B0604020202020204" pitchFamily="34" charset="0"/>
-              </a:rPr>
-              <a:t>Better than “Write-Host” </a:t>
-            </a:r>
-            <a:r>
-              <a:rPr lang="en-US" b="0" i="0" u="none" strike="noStrike" baseline="0" dirty="0">
-                <a:latin typeface="Arial" panose="020B0604020202020204" pitchFamily="34" charset="0"/>
-              </a:rPr>
-              <a:t>😉</a:t>
-            </a:r>
-          </a:p>
-          <a:p>
-            <a:pPr marL="457200" lvl="1" indent="0">
-              <a:buNone/>
-            </a:pPr>
-            <a:endParaRPr lang="en-GB" b="0" i="0" u="none" strike="noStrike" baseline="0" dirty="0">
-              <a:latin typeface="Arial" panose="020B0604020202020204" pitchFamily="34" charset="0"/>
-            </a:endParaRPr>
-          </a:p>
-          <a:p>
-            <a:pPr marR="0" lvl="0" rtl="0"/>
-            <a:r>
-              <a:rPr lang="en-GB" b="0" i="0" u="none" strike="noStrike" baseline="0" dirty="0">
-                <a:latin typeface="Arial" panose="020B0604020202020204" pitchFamily="34" charset="0"/>
-              </a:rPr>
-              <a:t>Can debug other and external processes</a:t>
-            </a:r>
+          <a:bodyPr/>
+          <a:lstStyle/>
+          <a:p>
+            <a:endParaRPr lang="en-SE"/>
           </a:p>
         </p:txBody>
       </p:sp>
@@ -16988,7 +17373,7 @@
           <p:cNvPr id="4" name="Footer Placeholder 3">
             <a:extLst>
               <a:ext uri="{FF2B5EF4-FFF2-40B4-BE49-F238E27FC236}">
-                <a16:creationId xmlns:a16="http://schemas.microsoft.com/office/drawing/2014/main" id="{AE7DFF94-2EC7-E4CC-DCF8-54106ED5DBC7}"/>
+                <a16:creationId xmlns:a16="http://schemas.microsoft.com/office/drawing/2014/main" id="{4952217A-77B5-6970-D5D3-F0C20B2C81DF}"/>
               </a:ext>
             </a:extLst>
           </p:cNvPr>
@@ -17017,7 +17402,7 @@
           <p:cNvPr id="5" name="Slide Number Placeholder 4">
             <a:extLst>
               <a:ext uri="{FF2B5EF4-FFF2-40B4-BE49-F238E27FC236}">
-                <a16:creationId xmlns:a16="http://schemas.microsoft.com/office/drawing/2014/main" id="{5FCFE233-9D7C-A091-CE7E-BFF3CD96DD38}"/>
+                <a16:creationId xmlns:a16="http://schemas.microsoft.com/office/drawing/2014/main" id="{648B734D-838D-94DD-06F5-B635FCEF2149}"/>
               </a:ext>
             </a:extLst>
           </p:cNvPr>
@@ -17033,7 +17418,7 @@
           <a:bodyPr/>
           <a:lstStyle/>
           <a:p>
-            <a:fld id="{9993A830-6DA6-4394-A358-10250CDB3A67}" type="slidenum">
+            <a:fld id="{BFEA1545-8540-491B-83AB-51C306516EA6}" type="slidenum">
               <a:rPr lang="en-SE" smtClean="0"/>
               <a:t>61</a:t>
             </a:fld>
@@ -17044,7 +17429,7 @@
     </p:spTree>
     <p:extLst>
       <p:ext uri="{BB962C8B-B14F-4D97-AF65-F5344CB8AC3E}">
-        <p14:creationId xmlns:p14="http://schemas.microsoft.com/office/powerpoint/2010/main" val="3995542686"/>
+        <p14:creationId xmlns:p14="http://schemas.microsoft.com/office/powerpoint/2010/main" val="747849965"/>
       </p:ext>
     </p:extLst>
   </p:cSld>
@@ -17135,64 +17520,42 @@
           <a:p>
             <a:pPr marR="0" lvl="0" rtl="0"/>
             <a:r>
-              <a:rPr lang="en-GB" b="0" i="0" u="none" strike="noStrike" baseline="0" dirty="0" err="1">
-                <a:latin typeface="Arial" panose="020B0604020202020204" pitchFamily="34" charset="0"/>
-              </a:rPr>
-              <a:t>VSCode</a:t>
-            </a:r>
-            <a:r>
-              <a:rPr lang="en-GB" b="0" i="0" u="none" strike="noStrike" baseline="0" dirty="0">
-                <a:latin typeface="Arial" panose="020B0604020202020204" pitchFamily="34" charset="0"/>
-              </a:rPr>
-              <a:t> Breakpoints</a:t>
-            </a:r>
-          </a:p>
-          <a:p>
-            <a:pPr marR="0" lvl="1" rtl="0"/>
-            <a:r>
-              <a:rPr lang="en-GB" b="0" i="0" u="none" strike="noStrike" baseline="0" dirty="0">
-                <a:latin typeface="Arial" panose="020B0604020202020204" pitchFamily="34" charset="0"/>
-              </a:rPr>
-              <a:t>Line</a:t>
-            </a:r>
-          </a:p>
-          <a:p>
-            <a:pPr marR="0" lvl="2" rtl="0"/>
-            <a:r>
-              <a:rPr lang="en-GB" b="0" i="0" u="none" strike="noStrike" baseline="0" dirty="0">
-                <a:latin typeface="Arial" panose="020B0604020202020204" pitchFamily="34" charset="0"/>
-              </a:rPr>
-              <a:t>Condition</a:t>
-            </a:r>
-          </a:p>
-          <a:p>
-            <a:pPr marR="0" lvl="2" rtl="0"/>
-            <a:r>
-              <a:rPr lang="en-GB" b="0" i="0" u="none" strike="noStrike" baseline="0" dirty="0" err="1">
-                <a:latin typeface="Arial" panose="020B0604020202020204" pitchFamily="34" charset="0"/>
-              </a:rPr>
-              <a:t>HitCount</a:t>
-            </a:r>
+              <a:rPr lang="en-US" b="0" i="0" u="none" strike="noStrike" baseline="0" dirty="0">
+                <a:latin typeface="Arial" panose="020B0604020202020204" pitchFamily="34" charset="0"/>
+              </a:rPr>
+              <a:t>Hard see what happens inside your code</a:t>
+            </a:r>
+          </a:p>
+          <a:p>
+            <a:pPr lvl="1"/>
+            <a:r>
+              <a:rPr lang="en-GB" b="0" i="0" u="none" strike="noStrike" baseline="0" dirty="0">
+                <a:latin typeface="Arial" panose="020B0604020202020204" pitchFamily="34" charset="0"/>
+              </a:rPr>
+              <a:t>Better than “Write-Host” </a:t>
+            </a:r>
+            <a:r>
+              <a:rPr lang="en-US" b="0" i="0" u="none" strike="noStrike" baseline="0" dirty="0">
+                <a:latin typeface="Arial" panose="020B0604020202020204" pitchFamily="34" charset="0"/>
+              </a:rPr>
+              <a:t>😉</a:t>
+            </a:r>
+          </a:p>
+          <a:p>
+            <a:pPr marL="457200" lvl="1" indent="0">
+              <a:buNone/>
+            </a:pPr>
             <a:endParaRPr lang="en-GB" b="0" i="0" u="none" strike="noStrike" baseline="0" dirty="0">
               <a:latin typeface="Arial" panose="020B0604020202020204" pitchFamily="34" charset="0"/>
             </a:endParaRPr>
           </a:p>
           <a:p>
-            <a:pPr marR="0" lvl="2" rtl="0"/>
-            <a:r>
-              <a:rPr lang="en-GB" b="0" i="0" u="none" strike="noStrike" baseline="0" dirty="0">
-                <a:latin typeface="Arial" panose="020B0604020202020204" pitchFamily="34" charset="0"/>
-              </a:rPr>
-              <a:t>Log</a:t>
-            </a:r>
-          </a:p>
-          <a:p>
-            <a:pPr marR="0" lvl="1" rtl="0"/>
-            <a:r>
-              <a:rPr lang="en-GB" b="0" i="0" u="none" strike="noStrike" baseline="0" dirty="0">
-                <a:latin typeface="Arial" panose="020B0604020202020204" pitchFamily="34" charset="0"/>
-              </a:rPr>
-              <a:t>Watch window</a:t>
+            <a:pPr marR="0" lvl="0" rtl="0"/>
+            <a:r>
+              <a:rPr lang="en-GB" b="0" i="0" u="none" strike="noStrike" baseline="0" dirty="0">
+                <a:latin typeface="Arial" panose="020B0604020202020204" pitchFamily="34" charset="0"/>
+              </a:rPr>
+              <a:t>Can debug other and external processes</a:t>
             </a:r>
           </a:p>
         </p:txBody>
@@ -17202,7 +17565,7 @@
           <p:cNvPr id="4" name="Footer Placeholder 3">
             <a:extLst>
               <a:ext uri="{FF2B5EF4-FFF2-40B4-BE49-F238E27FC236}">
-                <a16:creationId xmlns:a16="http://schemas.microsoft.com/office/drawing/2014/main" id="{5D5A5750-A9DB-CAC1-F3A2-A7E1CDE57457}"/>
+                <a16:creationId xmlns:a16="http://schemas.microsoft.com/office/drawing/2014/main" id="{AE7DFF94-2EC7-E4CC-DCF8-54106ED5DBC7}"/>
               </a:ext>
             </a:extLst>
           </p:cNvPr>
@@ -17231,7 +17594,7 @@
           <p:cNvPr id="5" name="Slide Number Placeholder 4">
             <a:extLst>
               <a:ext uri="{FF2B5EF4-FFF2-40B4-BE49-F238E27FC236}">
-                <a16:creationId xmlns:a16="http://schemas.microsoft.com/office/drawing/2014/main" id="{120E0509-1B1A-E252-B4F1-089DFFDD09C6}"/>
+                <a16:creationId xmlns:a16="http://schemas.microsoft.com/office/drawing/2014/main" id="{5FCFE233-9D7C-A091-CE7E-BFF3CD96DD38}"/>
               </a:ext>
             </a:extLst>
           </p:cNvPr>
@@ -17258,7 +17621,7 @@
     </p:spTree>
     <p:extLst>
       <p:ext uri="{BB962C8B-B14F-4D97-AF65-F5344CB8AC3E}">
-        <p14:creationId xmlns:p14="http://schemas.microsoft.com/office/powerpoint/2010/main" val="2480490728"/>
+        <p14:creationId xmlns:p14="http://schemas.microsoft.com/office/powerpoint/2010/main" val="3995542686"/>
       </p:ext>
     </p:extLst>
   </p:cSld>
@@ -17343,124 +17706,70 @@
         <p:spPr/>
         <p:txBody>
           <a:bodyPr>
-            <a:normAutofit lnSpcReduction="10000"/>
+            <a:normAutofit/>
           </a:bodyPr>
           <a:lstStyle/>
           <a:p>
             <a:pPr marR="0" lvl="0" rtl="0"/>
             <a:r>
-              <a:rPr lang="en-GB" b="0" i="0" u="none" strike="noStrike" baseline="0" dirty="0">
-                <a:latin typeface="Arial" panose="020B0604020202020204" pitchFamily="34" charset="0"/>
-              </a:rPr>
-              <a:t>Set-</a:t>
-            </a:r>
-            <a:r>
               <a:rPr lang="en-GB" b="0" i="0" u="none" strike="noStrike" baseline="0" dirty="0" err="1">
                 <a:latin typeface="Arial" panose="020B0604020202020204" pitchFamily="34" charset="0"/>
               </a:rPr>
-              <a:t>PSBreakpoint</a:t>
+              <a:t>VSCode</a:t>
+            </a:r>
+            <a:r>
+              <a:rPr lang="en-GB" b="0" i="0" u="none" strike="noStrike" baseline="0" dirty="0">
+                <a:latin typeface="Arial" panose="020B0604020202020204" pitchFamily="34" charset="0"/>
+              </a:rPr>
+              <a:t> Breakpoints</a:t>
+            </a:r>
+          </a:p>
+          <a:p>
+            <a:pPr marR="0" lvl="1" rtl="0"/>
+            <a:r>
+              <a:rPr lang="en-GB" b="0" i="0" u="none" strike="noStrike" baseline="0" dirty="0">
+                <a:latin typeface="Arial" panose="020B0604020202020204" pitchFamily="34" charset="0"/>
+              </a:rPr>
+              <a:t>Line</a:t>
+            </a:r>
+          </a:p>
+          <a:p>
+            <a:pPr marR="0" lvl="2" rtl="0"/>
+            <a:r>
+              <a:rPr lang="en-GB" b="0" i="0" u="none" strike="noStrike" baseline="0" dirty="0">
+                <a:latin typeface="Arial" panose="020B0604020202020204" pitchFamily="34" charset="0"/>
+              </a:rPr>
+              <a:t>Condition</a:t>
+            </a:r>
+          </a:p>
+          <a:p>
+            <a:pPr marR="0" lvl="2" rtl="0"/>
+            <a:r>
+              <a:rPr lang="en-GB" b="0" i="0" u="none" strike="noStrike" baseline="0" dirty="0" err="1">
+                <a:latin typeface="Arial" panose="020B0604020202020204" pitchFamily="34" charset="0"/>
+              </a:rPr>
+              <a:t>HitCount</a:t>
             </a:r>
             <a:endParaRPr lang="en-GB" b="0" i="0" u="none" strike="noStrike" baseline="0" dirty="0">
               <a:latin typeface="Arial" panose="020B0604020202020204" pitchFamily="34" charset="0"/>
             </a:endParaRPr>
           </a:p>
           <a:p>
+            <a:pPr marR="0" lvl="2" rtl="0"/>
+            <a:r>
+              <a:rPr lang="en-GB" b="0" i="0" u="none" strike="noStrike" baseline="0" dirty="0">
+                <a:latin typeface="Arial" panose="020B0604020202020204" pitchFamily="34" charset="0"/>
+              </a:rPr>
+              <a:t>Log</a:t>
+            </a:r>
+          </a:p>
+          <a:p>
             <a:pPr marR="0" lvl="1" rtl="0"/>
             <a:r>
               <a:rPr lang="en-GB" b="0" i="0" u="none" strike="noStrike" baseline="0" dirty="0">
                 <a:latin typeface="Arial" panose="020B0604020202020204" pitchFamily="34" charset="0"/>
               </a:rPr>
-              <a:t>Line</a:t>
-            </a:r>
-          </a:p>
-          <a:p>
-            <a:pPr marR="0" lvl="2" rtl="0"/>
-            <a:r>
-              <a:rPr lang="en-GB" b="0" i="0" u="none" strike="noStrike" baseline="0" dirty="0">
-                <a:latin typeface="Arial" panose="020B0604020202020204" pitchFamily="34" charset="0"/>
-              </a:rPr>
-              <a:t>Script</a:t>
-            </a:r>
-          </a:p>
-          <a:p>
-            <a:pPr marR="0" lvl="2" rtl="0"/>
-            <a:r>
-              <a:rPr lang="en-GB" b="0" i="0" u="none" strike="noStrike" baseline="0" dirty="0">
-                <a:latin typeface="Arial" panose="020B0604020202020204" pitchFamily="34" charset="0"/>
-              </a:rPr>
-              <a:t>Action</a:t>
-            </a:r>
-          </a:p>
-          <a:p>
-            <a:pPr marR="0" lvl="2" rtl="0"/>
-            <a:r>
-              <a:rPr lang="en-GB" b="0" i="0" u="none" strike="noStrike" baseline="0" dirty="0">
-                <a:latin typeface="Arial" panose="020B0604020202020204" pitchFamily="34" charset="0"/>
-              </a:rPr>
-              <a:t>Column</a:t>
-            </a:r>
-          </a:p>
-          <a:p>
-            <a:pPr marR="0" lvl="1" rtl="0"/>
-            <a:r>
-              <a:rPr lang="en-GB" b="0" i="0" u="none" strike="noStrike" baseline="0" dirty="0">
-                <a:latin typeface="Arial" panose="020B0604020202020204" pitchFamily="34" charset="0"/>
-              </a:rPr>
-              <a:t>Command</a:t>
-            </a:r>
-          </a:p>
-          <a:p>
-            <a:pPr marR="0" lvl="2" rtl="0"/>
-            <a:r>
-              <a:rPr lang="en-GB" b="0" i="0" u="none" strike="noStrike" baseline="0" dirty="0">
-                <a:latin typeface="Arial" panose="020B0604020202020204" pitchFamily="34" charset="0"/>
-              </a:rPr>
-              <a:t>Script</a:t>
-            </a:r>
-          </a:p>
-          <a:p>
-            <a:pPr marR="0" lvl="2" rtl="0"/>
-            <a:r>
-              <a:rPr lang="en-GB" b="0" i="0" u="none" strike="noStrike" baseline="0" dirty="0">
-                <a:latin typeface="Arial" panose="020B0604020202020204" pitchFamily="34" charset="0"/>
-              </a:rPr>
-              <a:t>Action</a:t>
-            </a:r>
-          </a:p>
-          <a:p>
-            <a:pPr marR="0" lvl="1" rtl="0"/>
-            <a:r>
-              <a:rPr lang="en-GB" b="0" i="0" u="none" strike="noStrike" baseline="0" dirty="0">
-                <a:latin typeface="Arial" panose="020B0604020202020204" pitchFamily="34" charset="0"/>
-              </a:rPr>
-              <a:t>Variable</a:t>
-            </a:r>
-          </a:p>
-          <a:p>
-            <a:pPr marR="0" lvl="2" rtl="0"/>
-            <a:r>
-              <a:rPr lang="en-GB" b="0" i="0" u="none" strike="noStrike" baseline="0" dirty="0">
-                <a:latin typeface="Arial" panose="020B0604020202020204" pitchFamily="34" charset="0"/>
-              </a:rPr>
-              <a:t>Script</a:t>
-            </a:r>
-          </a:p>
-          <a:p>
-            <a:pPr marR="0" lvl="2" rtl="0"/>
-            <a:r>
-              <a:rPr lang="en-GB" b="0" i="0" u="none" strike="noStrike" baseline="0" dirty="0">
-                <a:latin typeface="Arial" panose="020B0604020202020204" pitchFamily="34" charset="0"/>
-              </a:rPr>
-              <a:t>Action</a:t>
-            </a:r>
-          </a:p>
-          <a:p>
-            <a:pPr marR="0" lvl="2" rtl="0"/>
-            <a:r>
-              <a:rPr lang="en-GB" b="0" i="0" u="none" strike="noStrike" baseline="0" dirty="0">
-                <a:latin typeface="Arial" panose="020B0604020202020204" pitchFamily="34" charset="0"/>
-              </a:rPr>
-              <a:t>Mode</a:t>
+              <a:t>Watch window</a:t>
             </a:r>
           </a:p>
         </p:txBody>
@@ -17470,7 +17779,7 @@
           <p:cNvPr id="4" name="Footer Placeholder 3">
             <a:extLst>
               <a:ext uri="{FF2B5EF4-FFF2-40B4-BE49-F238E27FC236}">
-                <a16:creationId xmlns:a16="http://schemas.microsoft.com/office/drawing/2014/main" id="{F2DB9E7E-1D44-3204-2841-76C7459F6F9E}"/>
+                <a16:creationId xmlns:a16="http://schemas.microsoft.com/office/drawing/2014/main" id="{5D5A5750-A9DB-CAC1-F3A2-A7E1CDE57457}"/>
               </a:ext>
             </a:extLst>
           </p:cNvPr>
@@ -17499,7 +17808,7 @@
           <p:cNvPr id="5" name="Slide Number Placeholder 4">
             <a:extLst>
               <a:ext uri="{FF2B5EF4-FFF2-40B4-BE49-F238E27FC236}">
-                <a16:creationId xmlns:a16="http://schemas.microsoft.com/office/drawing/2014/main" id="{EF7E02DF-6FFA-6607-DB2C-91122804BE4F}"/>
+                <a16:creationId xmlns:a16="http://schemas.microsoft.com/office/drawing/2014/main" id="{120E0509-1B1A-E252-B4F1-089DFFDD09C6}"/>
               </a:ext>
             </a:extLst>
           </p:cNvPr>
@@ -17526,7 +17835,7 @@
     </p:spTree>
     <p:extLst>
       <p:ext uri="{BB962C8B-B14F-4D97-AF65-F5344CB8AC3E}">
-        <p14:creationId xmlns:p14="http://schemas.microsoft.com/office/powerpoint/2010/main" val="187632009"/>
+        <p14:creationId xmlns:p14="http://schemas.microsoft.com/office/powerpoint/2010/main" val="2480490728"/>
       </p:ext>
     </p:extLst>
   </p:cSld>
@@ -17558,7 +17867,7 @@
           <p:cNvPr id="2" name="Title 1">
             <a:extLst>
               <a:ext uri="{FF2B5EF4-FFF2-40B4-BE49-F238E27FC236}">
-                <a16:creationId xmlns:a16="http://schemas.microsoft.com/office/drawing/2014/main" id="{69BCD6E1-D5BF-EF3E-F0CC-EDE7BAE35861}"/>
+                <a16:creationId xmlns:a16="http://schemas.microsoft.com/office/drawing/2014/main" id="{B801FD3C-39C9-0365-1CA1-BEA8A53FA4E4}"/>
               </a:ext>
             </a:extLst>
           </p:cNvPr>
@@ -17571,104 +17880,174 @@
         </p:nvSpPr>
         <p:spPr>
           <a:xfrm>
-            <a:off x="839788" y="457200"/>
-            <a:ext cx="9123078" cy="1600200"/>
+            <a:off x="838200" y="365125"/>
+            <a:ext cx="10515600" cy="1325563"/>
           </a:xfrm>
         </p:spPr>
         <p:txBody>
           <a:bodyPr/>
           <a:lstStyle/>
           <a:p>
+            <a:pPr marR="0" rtl="0"/>
             <a:r>
               <a:rPr lang="en-GB" b="1" i="0" u="none" strike="noStrike" baseline="0" dirty="0">
                 <a:latin typeface="Arial" panose="020B0604020202020204" pitchFamily="34" charset="0"/>
               </a:rPr>
               <a:t>Debugging</a:t>
             </a:r>
-            <a:endParaRPr lang="en-SE" dirty="0"/>
-          </a:p>
-        </p:txBody>
-      </p:sp>
-      <p:sp>
-        <p:nvSpPr>
-          <p:cNvPr id="4" name="Text Placeholder 3">
-            <a:extLst>
-              <a:ext uri="{FF2B5EF4-FFF2-40B4-BE49-F238E27FC236}">
-                <a16:creationId xmlns:a16="http://schemas.microsoft.com/office/drawing/2014/main" id="{D7ABE405-4C8C-4761-DB98-41C6649D1B66}"/>
-              </a:ext>
-            </a:extLst>
-          </p:cNvPr>
-          <p:cNvSpPr>
-            <a:spLocks noGrp="1"/>
-          </p:cNvSpPr>
-          <p:nvPr>
-            <p:ph type="body" sz="half" idx="2"/>
-          </p:nvPr>
-        </p:nvSpPr>
-        <p:spPr>
-          <a:xfrm>
-            <a:off x="839788" y="2057400"/>
-            <a:ext cx="10877001" cy="3811588"/>
-          </a:xfrm>
-        </p:spPr>
-        <p:txBody>
-          <a:bodyPr>
-            <a:normAutofit/>
-          </a:bodyPr>
-          <a:lstStyle/>
-          <a:p>
-            <a:pPr marL="285750" indent="-285750">
-              <a:buFont typeface="Arial" panose="020B0604020202020204" pitchFamily="34" charset="0"/>
-              <a:buChar char="•"/>
-            </a:pPr>
-            <a:r>
-              <a:rPr lang="en-GB" sz="4400" b="0" i="0" u="none" strike="noStrike" baseline="0" dirty="0">
-                <a:latin typeface="Arial" panose="020B0604020202020204" pitchFamily="34" charset="0"/>
-              </a:rPr>
-              <a:t>Lab 7</a:t>
-            </a:r>
-          </a:p>
-          <a:p>
-            <a:pPr marL="285750" indent="-285750">
-              <a:buFont typeface="Arial" panose="020B0604020202020204" pitchFamily="34" charset="0"/>
-              <a:buChar char="•"/>
-            </a:pPr>
-            <a:endParaRPr lang="en-GB" sz="4400" b="0" i="0" u="none" strike="noStrike" baseline="0" dirty="0">
+            <a:endParaRPr lang="en-GB" b="0" i="0" u="none" strike="noStrike" baseline="0" dirty="0">
               <a:latin typeface="Arial" panose="020B0604020202020204" pitchFamily="34" charset="0"/>
             </a:endParaRPr>
           </a:p>
-          <a:p>
-            <a:pPr marL="285750" indent="-285750">
-              <a:buFont typeface="Arial" panose="020B0604020202020204" pitchFamily="34" charset="0"/>
-              <a:buChar char="•"/>
-            </a:pPr>
-            <a:r>
-              <a:rPr lang="en-US" sz="1800" dirty="0">
-                <a:hlinkClick r:id="rId2"/>
-              </a:rPr>
-              <a:t>https://github.com/AdvaniaSE/PowerShellAdvancedFundamentals</a:t>
-            </a:r>
-            <a:endParaRPr lang="en-US" sz="1800" dirty="0"/>
-          </a:p>
-          <a:p>
-            <a:pPr marL="742950" lvl="1" indent="-285750">
-              <a:buFont typeface="Arial" panose="020B0604020202020204" pitchFamily="34" charset="0"/>
-              <a:buChar char="•"/>
-            </a:pPr>
-            <a:r>
-              <a:rPr lang="en-US" sz="1600" dirty="0"/>
-              <a:t>07. Debugging</a:t>
-            </a:r>
-            <a:endParaRPr lang="en-US" sz="1800" dirty="0"/>
-          </a:p>
-        </p:txBody>
-      </p:sp>
-      <p:sp>
-        <p:nvSpPr>
-          <p:cNvPr id="3" name="Footer Placeholder 2">
-            <a:extLst>
-              <a:ext uri="{FF2B5EF4-FFF2-40B4-BE49-F238E27FC236}">
-                <a16:creationId xmlns:a16="http://schemas.microsoft.com/office/drawing/2014/main" id="{9E211D7E-C8AA-68BE-F2C7-1EEDAD00D67F}"/>
+        </p:txBody>
+      </p:sp>
+      <p:sp>
+        <p:nvSpPr>
+          <p:cNvPr id="3" name="Text Placeholder 2">
+            <a:extLst>
+              <a:ext uri="{FF2B5EF4-FFF2-40B4-BE49-F238E27FC236}">
+                <a16:creationId xmlns:a16="http://schemas.microsoft.com/office/drawing/2014/main" id="{C45A460F-F07D-CCBB-E41C-B81DC05A03A9}"/>
+              </a:ext>
+            </a:extLst>
+          </p:cNvPr>
+          <p:cNvSpPr>
+            <a:spLocks noGrp="1"/>
+          </p:cNvSpPr>
+          <p:nvPr>
+            <p:ph type="body" idx="1"/>
+          </p:nvPr>
+        </p:nvSpPr>
+        <p:spPr/>
+        <p:txBody>
+          <a:bodyPr>
+            <a:normAutofit lnSpcReduction="10000"/>
+          </a:bodyPr>
+          <a:lstStyle/>
+          <a:p>
+            <a:pPr marR="0" lvl="0" rtl="0"/>
+            <a:r>
+              <a:rPr lang="en-GB" b="0" i="0" u="none" strike="noStrike" baseline="0" dirty="0">
+                <a:latin typeface="Arial" panose="020B0604020202020204" pitchFamily="34" charset="0"/>
+              </a:rPr>
+              <a:t>Set-</a:t>
+            </a:r>
+            <a:r>
+              <a:rPr lang="en-GB" b="0" i="0" u="none" strike="noStrike" baseline="0" dirty="0" err="1">
+                <a:latin typeface="Arial" panose="020B0604020202020204" pitchFamily="34" charset="0"/>
+              </a:rPr>
+              <a:t>PSBreakpoint</a:t>
+            </a:r>
+            <a:endParaRPr lang="en-GB" b="0" i="0" u="none" strike="noStrike" baseline="0" dirty="0">
+              <a:latin typeface="Arial" panose="020B0604020202020204" pitchFamily="34" charset="0"/>
+            </a:endParaRPr>
+          </a:p>
+          <a:p>
+            <a:pPr marR="0" lvl="1" rtl="0"/>
+            <a:r>
+              <a:rPr lang="en-GB" b="0" i="0" u="none" strike="noStrike" baseline="0" dirty="0">
+                <a:latin typeface="Arial" panose="020B0604020202020204" pitchFamily="34" charset="0"/>
+              </a:rPr>
+              <a:t>Line</a:t>
+            </a:r>
+          </a:p>
+          <a:p>
+            <a:pPr marR="0" lvl="2" rtl="0"/>
+            <a:r>
+              <a:rPr lang="en-GB" b="0" i="0" u="none" strike="noStrike" baseline="0" dirty="0">
+                <a:latin typeface="Arial" panose="020B0604020202020204" pitchFamily="34" charset="0"/>
+              </a:rPr>
+              <a:t>Script</a:t>
+            </a:r>
+          </a:p>
+          <a:p>
+            <a:pPr marR="0" lvl="2" rtl="0"/>
+            <a:r>
+              <a:rPr lang="en-GB" b="0" i="0" u="none" strike="noStrike" baseline="0" dirty="0">
+                <a:latin typeface="Arial" panose="020B0604020202020204" pitchFamily="34" charset="0"/>
+              </a:rPr>
+              <a:t>Action</a:t>
+            </a:r>
+          </a:p>
+          <a:p>
+            <a:pPr marR="0" lvl="2" rtl="0"/>
+            <a:r>
+              <a:rPr lang="en-GB" b="0" i="0" u="none" strike="noStrike" baseline="0" dirty="0">
+                <a:latin typeface="Arial" panose="020B0604020202020204" pitchFamily="34" charset="0"/>
+              </a:rPr>
+              <a:t>Column</a:t>
+            </a:r>
+          </a:p>
+          <a:p>
+            <a:pPr marR="0" lvl="1" rtl="0"/>
+            <a:r>
+              <a:rPr lang="en-GB" b="0" i="0" u="none" strike="noStrike" baseline="0" dirty="0">
+                <a:latin typeface="Arial" panose="020B0604020202020204" pitchFamily="34" charset="0"/>
+              </a:rPr>
+              <a:t>Command</a:t>
+            </a:r>
+          </a:p>
+          <a:p>
+            <a:pPr marR="0" lvl="2" rtl="0"/>
+            <a:r>
+              <a:rPr lang="en-GB" b="0" i="0" u="none" strike="noStrike" baseline="0" dirty="0">
+                <a:latin typeface="Arial" panose="020B0604020202020204" pitchFamily="34" charset="0"/>
+              </a:rPr>
+              <a:t>Script</a:t>
+            </a:r>
+          </a:p>
+          <a:p>
+            <a:pPr marR="0" lvl="2" rtl="0"/>
+            <a:r>
+              <a:rPr lang="en-GB" b="0" i="0" u="none" strike="noStrike" baseline="0" dirty="0">
+                <a:latin typeface="Arial" panose="020B0604020202020204" pitchFamily="34" charset="0"/>
+              </a:rPr>
+              <a:t>Action</a:t>
+            </a:r>
+          </a:p>
+          <a:p>
+            <a:pPr marR="0" lvl="1" rtl="0"/>
+            <a:r>
+              <a:rPr lang="en-GB" b="0" i="0" u="none" strike="noStrike" baseline="0" dirty="0">
+                <a:latin typeface="Arial" panose="020B0604020202020204" pitchFamily="34" charset="0"/>
+              </a:rPr>
+              <a:t>Variable</a:t>
+            </a:r>
+          </a:p>
+          <a:p>
+            <a:pPr marR="0" lvl="2" rtl="0"/>
+            <a:r>
+              <a:rPr lang="en-GB" b="0" i="0" u="none" strike="noStrike" baseline="0" dirty="0">
+                <a:latin typeface="Arial" panose="020B0604020202020204" pitchFamily="34" charset="0"/>
+              </a:rPr>
+              <a:t>Script</a:t>
+            </a:r>
+          </a:p>
+          <a:p>
+            <a:pPr marR="0" lvl="2" rtl="0"/>
+            <a:r>
+              <a:rPr lang="en-GB" b="0" i="0" u="none" strike="noStrike" baseline="0" dirty="0">
+                <a:latin typeface="Arial" panose="020B0604020202020204" pitchFamily="34" charset="0"/>
+              </a:rPr>
+              <a:t>Action</a:t>
+            </a:r>
+          </a:p>
+          <a:p>
+            <a:pPr marR="0" lvl="2" rtl="0"/>
+            <a:r>
+              <a:rPr lang="en-GB" b="0" i="0" u="none" strike="noStrike" baseline="0" dirty="0">
+                <a:latin typeface="Arial" panose="020B0604020202020204" pitchFamily="34" charset="0"/>
+              </a:rPr>
+              <a:t>Mode</a:t>
+            </a:r>
+          </a:p>
+        </p:txBody>
+      </p:sp>
+      <p:sp>
+        <p:nvSpPr>
+          <p:cNvPr id="4" name="Footer Placeholder 3">
+            <a:extLst>
+              <a:ext uri="{FF2B5EF4-FFF2-40B4-BE49-F238E27FC236}">
+                <a16:creationId xmlns:a16="http://schemas.microsoft.com/office/drawing/2014/main" id="{F2DB9E7E-1D44-3204-2841-76C7459F6F9E}"/>
               </a:ext>
             </a:extLst>
           </p:cNvPr>
@@ -17697,7 +18076,7 @@
           <p:cNvPr id="5" name="Slide Number Placeholder 4">
             <a:extLst>
               <a:ext uri="{FF2B5EF4-FFF2-40B4-BE49-F238E27FC236}">
-                <a16:creationId xmlns:a16="http://schemas.microsoft.com/office/drawing/2014/main" id="{B354AEC5-021D-5F68-59C4-1D1BD57BBC10}"/>
+                <a16:creationId xmlns:a16="http://schemas.microsoft.com/office/drawing/2014/main" id="{EF7E02DF-6FFA-6607-DB2C-91122804BE4F}"/>
               </a:ext>
             </a:extLst>
           </p:cNvPr>
@@ -17713,7 +18092,7 @@
           <a:bodyPr/>
           <a:lstStyle/>
           <a:p>
-            <a:fld id="{BFEA1545-8540-491B-83AB-51C306516EA6}" type="slidenum">
+            <a:fld id="{9993A830-6DA6-4394-A358-10250CDB3A67}" type="slidenum">
               <a:rPr lang="en-SE" smtClean="0"/>
               <a:t>64</a:t>
             </a:fld>
@@ -17724,7 +18103,7 @@
     </p:spTree>
     <p:extLst>
       <p:ext uri="{BB962C8B-B14F-4D97-AF65-F5344CB8AC3E}">
-        <p14:creationId xmlns:p14="http://schemas.microsoft.com/office/powerpoint/2010/main" val="2913292404"/>
+        <p14:creationId xmlns:p14="http://schemas.microsoft.com/office/powerpoint/2010/main" val="187632009"/>
       </p:ext>
     </p:extLst>
   </p:cSld>
@@ -17756,7 +18135,7 @@
           <p:cNvPr id="2" name="Title 1">
             <a:extLst>
               <a:ext uri="{FF2B5EF4-FFF2-40B4-BE49-F238E27FC236}">
-                <a16:creationId xmlns:a16="http://schemas.microsoft.com/office/drawing/2014/main" id="{55D23047-3833-EFE0-8A01-090ACFE1D9FC}"/>
+                <a16:creationId xmlns:a16="http://schemas.microsoft.com/office/drawing/2014/main" id="{69BCD6E1-D5BF-EF3E-F0CC-EDE7BAE35861}"/>
               </a:ext>
             </a:extLst>
           </p:cNvPr>
@@ -17767,7 +18146,12 @@
             <p:ph type="title"/>
           </p:nvPr>
         </p:nvSpPr>
-        <p:spPr/>
+        <p:spPr>
+          <a:xfrm>
+            <a:off x="839788" y="457200"/>
+            <a:ext cx="9123078" cy="1600200"/>
+          </a:xfrm>
+        </p:spPr>
         <p:txBody>
           <a:bodyPr/>
           <a:lstStyle/>
@@ -17776,7 +18160,7 @@
               <a:rPr lang="en-GB" b="1" i="0" u="none" strike="noStrike" baseline="0" dirty="0">
                 <a:latin typeface="Arial" panose="020B0604020202020204" pitchFamily="34" charset="0"/>
               </a:rPr>
-              <a:t>Building Modules</a:t>
+              <a:t>Debugging</a:t>
             </a:r>
             <a:endParaRPr lang="en-SE" dirty="0"/>
           </a:p>
@@ -17784,35 +18168,84 @@
       </p:sp>
       <p:sp>
         <p:nvSpPr>
-          <p:cNvPr id="3" name="Text Placeholder 2">
-            <a:extLst>
-              <a:ext uri="{FF2B5EF4-FFF2-40B4-BE49-F238E27FC236}">
-                <a16:creationId xmlns:a16="http://schemas.microsoft.com/office/drawing/2014/main" id="{1F80B5F8-E4FB-9CDB-0C7C-EEDCB4B8AF1D}"/>
-              </a:ext>
-            </a:extLst>
-          </p:cNvPr>
-          <p:cNvSpPr>
-            <a:spLocks noGrp="1"/>
-          </p:cNvSpPr>
-          <p:nvPr>
-            <p:ph type="body" idx="1"/>
-          </p:nvPr>
-        </p:nvSpPr>
-        <p:spPr/>
-        <p:txBody>
-          <a:bodyPr/>
-          <a:lstStyle/>
-          <a:p>
-            <a:endParaRPr lang="en-SE"/>
-          </a:p>
-        </p:txBody>
-      </p:sp>
-      <p:sp>
-        <p:nvSpPr>
-          <p:cNvPr id="4" name="Footer Placeholder 3">
-            <a:extLst>
-              <a:ext uri="{FF2B5EF4-FFF2-40B4-BE49-F238E27FC236}">
-                <a16:creationId xmlns:a16="http://schemas.microsoft.com/office/drawing/2014/main" id="{D352E077-C480-4FA8-3486-E5E075AE5034}"/>
+          <p:cNvPr id="4" name="Text Placeholder 3">
+            <a:extLst>
+              <a:ext uri="{FF2B5EF4-FFF2-40B4-BE49-F238E27FC236}">
+                <a16:creationId xmlns:a16="http://schemas.microsoft.com/office/drawing/2014/main" id="{D7ABE405-4C8C-4761-DB98-41C6649D1B66}"/>
+              </a:ext>
+            </a:extLst>
+          </p:cNvPr>
+          <p:cNvSpPr>
+            <a:spLocks noGrp="1"/>
+          </p:cNvSpPr>
+          <p:nvPr>
+            <p:ph type="body" sz="half" idx="2"/>
+          </p:nvPr>
+        </p:nvSpPr>
+        <p:spPr>
+          <a:xfrm>
+            <a:off x="839788" y="2057400"/>
+            <a:ext cx="10877001" cy="3811588"/>
+          </a:xfrm>
+        </p:spPr>
+        <p:txBody>
+          <a:bodyPr>
+            <a:normAutofit/>
+          </a:bodyPr>
+          <a:lstStyle/>
+          <a:p>
+            <a:pPr marL="285750" indent="-285750">
+              <a:buFont typeface="Arial" panose="020B0604020202020204" pitchFamily="34" charset="0"/>
+              <a:buChar char="•"/>
+            </a:pPr>
+            <a:r>
+              <a:rPr lang="en-GB" sz="4400" b="0" i="0" u="none" strike="noStrike" baseline="0" dirty="0">
+                <a:latin typeface="Arial" panose="020B0604020202020204" pitchFamily="34" charset="0"/>
+              </a:rPr>
+              <a:t>Lab 7</a:t>
+            </a:r>
+          </a:p>
+          <a:p>
+            <a:pPr marL="285750" indent="-285750">
+              <a:buFont typeface="Arial" panose="020B0604020202020204" pitchFamily="34" charset="0"/>
+              <a:buChar char="•"/>
+            </a:pPr>
+            <a:endParaRPr lang="en-GB" sz="4400" b="0" i="0" u="none" strike="noStrike" baseline="0" dirty="0">
+              <a:latin typeface="Arial" panose="020B0604020202020204" pitchFamily="34" charset="0"/>
+            </a:endParaRPr>
+          </a:p>
+          <a:p>
+            <a:pPr marL="285750" indent="-285750">
+              <a:buFont typeface="Arial" panose="020B0604020202020204" pitchFamily="34" charset="0"/>
+              <a:buChar char="•"/>
+            </a:pPr>
+            <a:r>
+              <a:rPr lang="en-US" sz="1800" dirty="0">
+                <a:hlinkClick r:id="rId2"/>
+              </a:rPr>
+              <a:t>https://github.com/AdvaniaSE/PowerShellAdvancedFundamentals</a:t>
+            </a:r>
+            <a:endParaRPr lang="en-US" sz="1800" dirty="0"/>
+          </a:p>
+          <a:p>
+            <a:pPr marL="742950" lvl="1" indent="-285750">
+              <a:buFont typeface="Arial" panose="020B0604020202020204" pitchFamily="34" charset="0"/>
+              <a:buChar char="•"/>
+            </a:pPr>
+            <a:r>
+              <a:rPr lang="en-US" sz="1600" dirty="0"/>
+              <a:t>07. Debugging</a:t>
+            </a:r>
+            <a:endParaRPr lang="en-US" sz="1800" dirty="0"/>
+          </a:p>
+        </p:txBody>
+      </p:sp>
+      <p:sp>
+        <p:nvSpPr>
+          <p:cNvPr id="3" name="Footer Placeholder 2">
+            <a:extLst>
+              <a:ext uri="{FF2B5EF4-FFF2-40B4-BE49-F238E27FC236}">
+                <a16:creationId xmlns:a16="http://schemas.microsoft.com/office/drawing/2014/main" id="{9E211D7E-C8AA-68BE-F2C7-1EEDAD00D67F}"/>
               </a:ext>
             </a:extLst>
           </p:cNvPr>
@@ -17841,7 +18274,7 @@
           <p:cNvPr id="5" name="Slide Number Placeholder 4">
             <a:extLst>
               <a:ext uri="{FF2B5EF4-FFF2-40B4-BE49-F238E27FC236}">
-                <a16:creationId xmlns:a16="http://schemas.microsoft.com/office/drawing/2014/main" id="{34C058F4-A444-186C-DF02-27F71BD34997}"/>
+                <a16:creationId xmlns:a16="http://schemas.microsoft.com/office/drawing/2014/main" id="{B354AEC5-021D-5F68-59C4-1D1BD57BBC10}"/>
               </a:ext>
             </a:extLst>
           </p:cNvPr>
@@ -17868,7 +18301,7 @@
     </p:spTree>
     <p:extLst>
       <p:ext uri="{BB962C8B-B14F-4D97-AF65-F5344CB8AC3E}">
-        <p14:creationId xmlns:p14="http://schemas.microsoft.com/office/powerpoint/2010/main" val="517248891"/>
+        <p14:creationId xmlns:p14="http://schemas.microsoft.com/office/powerpoint/2010/main" val="2913292404"/>
       </p:ext>
     </p:extLst>
   </p:cSld>
@@ -17900,7 +18333,7 @@
           <p:cNvPr id="2" name="Title 1">
             <a:extLst>
               <a:ext uri="{FF2B5EF4-FFF2-40B4-BE49-F238E27FC236}">
-                <a16:creationId xmlns:a16="http://schemas.microsoft.com/office/drawing/2014/main" id="{DE18B17E-0A89-005B-96F9-109E1F3023CB}"/>
+                <a16:creationId xmlns:a16="http://schemas.microsoft.com/office/drawing/2014/main" id="{55D23047-3833-EFE0-8A01-090ACFE1D9FC}"/>
               </a:ext>
             </a:extLst>
           </p:cNvPr>
@@ -17911,26 +18344,18 @@
             <p:ph type="title"/>
           </p:nvPr>
         </p:nvSpPr>
-        <p:spPr>
-          <a:xfrm>
-            <a:off x="838200" y="365125"/>
-            <a:ext cx="10515600" cy="1325563"/>
-          </a:xfrm>
-        </p:spPr>
-        <p:txBody>
-          <a:bodyPr/>
-          <a:lstStyle/>
-          <a:p>
-            <a:pPr marR="0" rtl="0"/>
+        <p:spPr/>
+        <p:txBody>
+          <a:bodyPr/>
+          <a:lstStyle/>
+          <a:p>
             <a:r>
               <a:rPr lang="en-GB" b="1" i="0" u="none" strike="noStrike" baseline="0" dirty="0">
                 <a:latin typeface="Arial" panose="020B0604020202020204" pitchFamily="34" charset="0"/>
               </a:rPr>
               <a:t>Building Modules</a:t>
             </a:r>
-            <a:endParaRPr lang="en-GB" b="0" i="0" u="none" strike="noStrike" baseline="0" dirty="0">
-              <a:latin typeface="Arial" panose="020B0604020202020204" pitchFamily="34" charset="0"/>
-            </a:endParaRPr>
+            <a:endParaRPr lang="en-SE" dirty="0"/>
           </a:p>
         </p:txBody>
       </p:sp>
@@ -17939,7 +18364,7 @@
           <p:cNvPr id="3" name="Text Placeholder 2">
             <a:extLst>
               <a:ext uri="{FF2B5EF4-FFF2-40B4-BE49-F238E27FC236}">
-                <a16:creationId xmlns:a16="http://schemas.microsoft.com/office/drawing/2014/main" id="{CE53249F-5592-97C5-55B2-AEF35D6511A0}"/>
+                <a16:creationId xmlns:a16="http://schemas.microsoft.com/office/drawing/2014/main" id="{1F80B5F8-E4FB-9CDB-0C7C-EEDCB4B8AF1D}"/>
               </a:ext>
             </a:extLst>
           </p:cNvPr>
@@ -17952,51 +18377,10 @@
         </p:nvSpPr>
         <p:spPr/>
         <p:txBody>
-          <a:bodyPr>
-            <a:normAutofit/>
-          </a:bodyPr>
-          <a:lstStyle/>
-          <a:p>
-            <a:pPr marR="0" lvl="0" rtl="0"/>
-            <a:r>
-              <a:rPr lang="en-GB" b="0" i="0" u="none" strike="noStrike" baseline="0" dirty="0">
-                <a:latin typeface="Arial" panose="020B0604020202020204" pitchFamily="34" charset="0"/>
-              </a:rPr>
-              <a:t>Basic</a:t>
-            </a:r>
-          </a:p>
-          <a:p>
-            <a:pPr marR="0" lvl="1" rtl="0"/>
-            <a:r>
-              <a:rPr lang="en-GB" b="0" i="0" u="none" strike="noStrike" baseline="0" dirty="0">
-                <a:latin typeface="Arial" panose="020B0604020202020204" pitchFamily="34" charset="0"/>
-              </a:rPr>
-              <a:t>psm1</a:t>
-            </a:r>
-          </a:p>
-          <a:p>
-            <a:pPr marR="0" lvl="1" rtl="0"/>
-            <a:r>
-              <a:rPr lang="en-GB" b="0" i="0" u="none" strike="noStrike" baseline="0" dirty="0">
-                <a:latin typeface="Arial" panose="020B0604020202020204" pitchFamily="34" charset="0"/>
-              </a:rPr>
-              <a:t>Folder name</a:t>
-            </a:r>
-          </a:p>
-          <a:p>
-            <a:pPr marR="0" lvl="1" rtl="0"/>
-            <a:r>
-              <a:rPr lang="en-GB" b="0" i="0" u="none" strike="noStrike" baseline="0" dirty="0">
-                <a:latin typeface="Arial" panose="020B0604020202020204" pitchFamily="34" charset="0"/>
-              </a:rPr>
-              <a:t>Manifest</a:t>
-            </a:r>
-          </a:p>
-          <a:p>
-            <a:pPr marR="0" lvl="0" rtl="0"/>
-            <a:endParaRPr lang="en-GB" b="0" i="0" u="none" strike="noStrike" baseline="0" dirty="0">
-              <a:latin typeface="Arial" panose="020B0604020202020204" pitchFamily="34" charset="0"/>
-            </a:endParaRPr>
+          <a:bodyPr/>
+          <a:lstStyle/>
+          <a:p>
+            <a:endParaRPr lang="en-SE"/>
           </a:p>
         </p:txBody>
       </p:sp>
@@ -18005,7 +18389,7 @@
           <p:cNvPr id="4" name="Footer Placeholder 3">
             <a:extLst>
               <a:ext uri="{FF2B5EF4-FFF2-40B4-BE49-F238E27FC236}">
-                <a16:creationId xmlns:a16="http://schemas.microsoft.com/office/drawing/2014/main" id="{279654AA-4AE9-E2F0-C375-DE450A12ED25}"/>
+                <a16:creationId xmlns:a16="http://schemas.microsoft.com/office/drawing/2014/main" id="{D352E077-C480-4FA8-3486-E5E075AE5034}"/>
               </a:ext>
             </a:extLst>
           </p:cNvPr>
@@ -18034,7 +18418,7 @@
           <p:cNvPr id="5" name="Slide Number Placeholder 4">
             <a:extLst>
               <a:ext uri="{FF2B5EF4-FFF2-40B4-BE49-F238E27FC236}">
-                <a16:creationId xmlns:a16="http://schemas.microsoft.com/office/drawing/2014/main" id="{26A240FC-67F1-5F18-22D8-B35E1792047C}"/>
+                <a16:creationId xmlns:a16="http://schemas.microsoft.com/office/drawing/2014/main" id="{34C058F4-A444-186C-DF02-27F71BD34997}"/>
               </a:ext>
             </a:extLst>
           </p:cNvPr>
@@ -18050,7 +18434,7 @@
           <a:bodyPr/>
           <a:lstStyle/>
           <a:p>
-            <a:fld id="{9993A830-6DA6-4394-A358-10250CDB3A67}" type="slidenum">
+            <a:fld id="{BFEA1545-8540-491B-83AB-51C306516EA6}" type="slidenum">
               <a:rPr lang="en-SE" smtClean="0"/>
               <a:t>66</a:t>
             </a:fld>
@@ -18061,7 +18445,7 @@
     </p:spTree>
     <p:extLst>
       <p:ext uri="{BB962C8B-B14F-4D97-AF65-F5344CB8AC3E}">
-        <p14:creationId xmlns:p14="http://schemas.microsoft.com/office/powerpoint/2010/main" val="4149381025"/>
+        <p14:creationId xmlns:p14="http://schemas.microsoft.com/office/powerpoint/2010/main" val="517248891"/>
       </p:ext>
     </p:extLst>
   </p:cSld>
@@ -18155,7 +18539,7 @@
               <a:rPr lang="en-GB" b="0" i="0" u="none" strike="noStrike" baseline="0" dirty="0">
                 <a:latin typeface="Arial" panose="020B0604020202020204" pitchFamily="34" charset="0"/>
               </a:rPr>
-              <a:t>Splitting code</a:t>
+              <a:t>Basic</a:t>
             </a:r>
           </a:p>
           <a:p>
@@ -18164,7 +18548,7 @@
               <a:rPr lang="en-GB" b="0" i="0" u="none" strike="noStrike" baseline="0" dirty="0">
                 <a:latin typeface="Arial" panose="020B0604020202020204" pitchFamily="34" charset="0"/>
               </a:rPr>
-              <a:t>Private</a:t>
+              <a:t>psm1</a:t>
             </a:r>
           </a:p>
           <a:p>
@@ -18173,7 +18557,7 @@
               <a:rPr lang="en-GB" b="0" i="0" u="none" strike="noStrike" baseline="0" dirty="0">
                 <a:latin typeface="Arial" panose="020B0604020202020204" pitchFamily="34" charset="0"/>
               </a:rPr>
-              <a:t>Public</a:t>
+              <a:t>Folder name</a:t>
             </a:r>
           </a:p>
           <a:p>
@@ -18182,7 +18566,7 @@
               <a:rPr lang="en-GB" b="0" i="0" u="none" strike="noStrike" baseline="0" dirty="0">
                 <a:latin typeface="Arial" panose="020B0604020202020204" pitchFamily="34" charset="0"/>
               </a:rPr>
-              <a:t>Class</a:t>
+              <a:t>Manifest</a:t>
             </a:r>
           </a:p>
           <a:p>
@@ -18198,7 +18582,7 @@
           <p:cNvPr id="4" name="Footer Placeholder 3">
             <a:extLst>
               <a:ext uri="{FF2B5EF4-FFF2-40B4-BE49-F238E27FC236}">
-                <a16:creationId xmlns:a16="http://schemas.microsoft.com/office/drawing/2014/main" id="{364087AD-4C09-4759-7893-4734008876E0}"/>
+                <a16:creationId xmlns:a16="http://schemas.microsoft.com/office/drawing/2014/main" id="{279654AA-4AE9-E2F0-C375-DE450A12ED25}"/>
               </a:ext>
             </a:extLst>
           </p:cNvPr>
@@ -18227,7 +18611,7 @@
           <p:cNvPr id="5" name="Slide Number Placeholder 4">
             <a:extLst>
               <a:ext uri="{FF2B5EF4-FFF2-40B4-BE49-F238E27FC236}">
-                <a16:creationId xmlns:a16="http://schemas.microsoft.com/office/drawing/2014/main" id="{3B24FDD6-55D9-741A-190F-8B0C2BFAA81C}"/>
+                <a16:creationId xmlns:a16="http://schemas.microsoft.com/office/drawing/2014/main" id="{26A240FC-67F1-5F18-22D8-B35E1792047C}"/>
               </a:ext>
             </a:extLst>
           </p:cNvPr>
@@ -18254,7 +18638,7 @@
     </p:spTree>
     <p:extLst>
       <p:ext uri="{BB962C8B-B14F-4D97-AF65-F5344CB8AC3E}">
-        <p14:creationId xmlns:p14="http://schemas.microsoft.com/office/powerpoint/2010/main" val="304859952"/>
+        <p14:creationId xmlns:p14="http://schemas.microsoft.com/office/powerpoint/2010/main" val="4149381025"/>
       </p:ext>
     </p:extLst>
   </p:cSld>
@@ -18348,7 +18732,7 @@
               <a:rPr lang="en-GB" b="0" i="0" u="none" strike="noStrike" baseline="0" dirty="0">
                 <a:latin typeface="Arial" panose="020B0604020202020204" pitchFamily="34" charset="0"/>
               </a:rPr>
-              <a:t>Combining code</a:t>
+              <a:t>Splitting code</a:t>
             </a:r>
           </a:p>
           <a:p>
@@ -18357,7 +18741,7 @@
               <a:rPr lang="en-GB" b="0" i="0" u="none" strike="noStrike" baseline="0" dirty="0">
                 <a:latin typeface="Arial" panose="020B0604020202020204" pitchFamily="34" charset="0"/>
               </a:rPr>
-              <a:t>Faster load time</a:t>
+              <a:t>Private</a:t>
             </a:r>
           </a:p>
           <a:p>
@@ -18366,8 +18750,23 @@
               <a:rPr lang="en-GB" b="0" i="0" u="none" strike="noStrike" baseline="0" dirty="0">
                 <a:latin typeface="Arial" panose="020B0604020202020204" pitchFamily="34" charset="0"/>
               </a:rPr>
-              <a:t>Looking good</a:t>
-            </a:r>
+              <a:t>Public</a:t>
+            </a:r>
+          </a:p>
+          <a:p>
+            <a:pPr marR="0" lvl="1" rtl="0"/>
+            <a:r>
+              <a:rPr lang="en-GB" b="0" i="0" u="none" strike="noStrike" baseline="0" dirty="0">
+                <a:latin typeface="Arial" panose="020B0604020202020204" pitchFamily="34" charset="0"/>
+              </a:rPr>
+              <a:t>Class</a:t>
+            </a:r>
+          </a:p>
+          <a:p>
+            <a:pPr marR="0" lvl="0" rtl="0"/>
+            <a:endParaRPr lang="en-GB" b="0" i="0" u="none" strike="noStrike" baseline="0" dirty="0">
+              <a:latin typeface="Arial" panose="020B0604020202020204" pitchFamily="34" charset="0"/>
+            </a:endParaRPr>
           </a:p>
         </p:txBody>
       </p:sp>
@@ -18376,7 +18775,7 @@
           <p:cNvPr id="4" name="Footer Placeholder 3">
             <a:extLst>
               <a:ext uri="{FF2B5EF4-FFF2-40B4-BE49-F238E27FC236}">
-                <a16:creationId xmlns:a16="http://schemas.microsoft.com/office/drawing/2014/main" id="{514AD157-8533-F4F8-8D64-4A61468AA2E2}"/>
+                <a16:creationId xmlns:a16="http://schemas.microsoft.com/office/drawing/2014/main" id="{364087AD-4C09-4759-7893-4734008876E0}"/>
               </a:ext>
             </a:extLst>
           </p:cNvPr>
@@ -18405,7 +18804,7 @@
           <p:cNvPr id="5" name="Slide Number Placeholder 4">
             <a:extLst>
               <a:ext uri="{FF2B5EF4-FFF2-40B4-BE49-F238E27FC236}">
-                <a16:creationId xmlns:a16="http://schemas.microsoft.com/office/drawing/2014/main" id="{79D383F2-777E-64BE-F7CC-7161947465D6}"/>
+                <a16:creationId xmlns:a16="http://schemas.microsoft.com/office/drawing/2014/main" id="{3B24FDD6-55D9-741A-190F-8B0C2BFAA81C}"/>
               </a:ext>
             </a:extLst>
           </p:cNvPr>
@@ -18432,7 +18831,7 @@
     </p:spTree>
     <p:extLst>
       <p:ext uri="{BB962C8B-B14F-4D97-AF65-F5344CB8AC3E}">
-        <p14:creationId xmlns:p14="http://schemas.microsoft.com/office/powerpoint/2010/main" val="142978159"/>
+        <p14:creationId xmlns:p14="http://schemas.microsoft.com/office/powerpoint/2010/main" val="304859952"/>
       </p:ext>
     </p:extLst>
   </p:cSld>
@@ -18526,7 +18925,7 @@
               <a:rPr lang="en-GB" b="0" i="0" u="none" strike="noStrike" baseline="0" dirty="0">
                 <a:latin typeface="Arial" panose="020B0604020202020204" pitchFamily="34" charset="0"/>
               </a:rPr>
-              <a:t>Help</a:t>
+              <a:t>Combining code</a:t>
             </a:r>
           </a:p>
           <a:p>
@@ -18535,7 +18934,7 @@
               <a:rPr lang="en-GB" b="0" i="0" u="none" strike="noStrike" baseline="0" dirty="0">
                 <a:latin typeface="Arial" panose="020B0604020202020204" pitchFamily="34" charset="0"/>
               </a:rPr>
-              <a:t>Comment Based</a:t>
+              <a:t>Faster load time</a:t>
             </a:r>
           </a:p>
           <a:p>
@@ -18544,7 +18943,7 @@
               <a:rPr lang="en-GB" b="0" i="0" u="none" strike="noStrike" baseline="0" dirty="0">
                 <a:latin typeface="Arial" panose="020B0604020202020204" pitchFamily="34" charset="0"/>
               </a:rPr>
-              <a:t>External Help</a:t>
+              <a:t>Looking good</a:t>
             </a:r>
           </a:p>
         </p:txBody>
@@ -18554,7 +18953,7 @@
           <p:cNvPr id="4" name="Footer Placeholder 3">
             <a:extLst>
               <a:ext uri="{FF2B5EF4-FFF2-40B4-BE49-F238E27FC236}">
-                <a16:creationId xmlns:a16="http://schemas.microsoft.com/office/drawing/2014/main" id="{5D9FD4CF-C0CC-DC2A-FB72-495AA091970A}"/>
+                <a16:creationId xmlns:a16="http://schemas.microsoft.com/office/drawing/2014/main" id="{514AD157-8533-F4F8-8D64-4A61468AA2E2}"/>
               </a:ext>
             </a:extLst>
           </p:cNvPr>
@@ -18583,7 +18982,7 @@
           <p:cNvPr id="5" name="Slide Number Placeholder 4">
             <a:extLst>
               <a:ext uri="{FF2B5EF4-FFF2-40B4-BE49-F238E27FC236}">
-                <a16:creationId xmlns:a16="http://schemas.microsoft.com/office/drawing/2014/main" id="{28285445-EF8D-287A-DC2B-5D99A12460D1}"/>
+                <a16:creationId xmlns:a16="http://schemas.microsoft.com/office/drawing/2014/main" id="{79D383F2-777E-64BE-F7CC-7161947465D6}"/>
               </a:ext>
             </a:extLst>
           </p:cNvPr>
@@ -18610,7 +19009,7 @@
     </p:spTree>
     <p:extLst>
       <p:ext uri="{BB962C8B-B14F-4D97-AF65-F5344CB8AC3E}">
-        <p14:creationId xmlns:p14="http://schemas.microsoft.com/office/powerpoint/2010/main" val="2738249618"/>
+        <p14:creationId xmlns:p14="http://schemas.microsoft.com/office/powerpoint/2010/main" val="142978159"/>
       </p:ext>
     </p:extLst>
   </p:cSld>
@@ -18901,55 +19300,25 @@
               <a:rPr lang="en-GB" b="0" i="0" u="none" strike="noStrike" baseline="0" dirty="0">
                 <a:latin typeface="Arial" panose="020B0604020202020204" pitchFamily="34" charset="0"/>
               </a:rPr>
-              <a:t>Module helper tools</a:t>
+              <a:t>Help</a:t>
             </a:r>
           </a:p>
           <a:p>
             <a:pPr marR="0" lvl="1" rtl="0"/>
             <a:r>
-              <a:rPr lang="en-US" b="0" i="0" u="none" strike="noStrike" baseline="0" dirty="0" err="1">
-                <a:latin typeface="Arial" panose="020B0604020202020204" pitchFamily="34" charset="0"/>
-              </a:rPr>
-              <a:t>ModuleBuilder</a:t>
-            </a:r>
-            <a:r>
-              <a:rPr lang="en-US" b="0" i="0" u="none" strike="noStrike" baseline="0" dirty="0">
-                <a:latin typeface="Arial" panose="020B0604020202020204" pitchFamily="34" charset="0"/>
-              </a:rPr>
-              <a:t> - Combine and build your modules</a:t>
+              <a:rPr lang="en-GB" b="0" i="0" u="none" strike="noStrike" baseline="0" dirty="0">
+                <a:latin typeface="Arial" panose="020B0604020202020204" pitchFamily="34" charset="0"/>
+              </a:rPr>
+              <a:t>Comment Based</a:t>
             </a:r>
           </a:p>
           <a:p>
             <a:pPr marR="0" lvl="1" rtl="0"/>
             <a:r>
-              <a:rPr lang="en-US" b="0" i="0" u="none" strike="noStrike" baseline="0" dirty="0" err="1">
-                <a:latin typeface="Arial" panose="020B0604020202020204" pitchFamily="34" charset="0"/>
-              </a:rPr>
-              <a:t>PlatyPS</a:t>
-            </a:r>
-            <a:r>
-              <a:rPr lang="en-US" b="0" i="0" u="none" strike="noStrike" baseline="0" dirty="0">
-                <a:latin typeface="Arial" panose="020B0604020202020204" pitchFamily="34" charset="0"/>
-              </a:rPr>
-              <a:t> - Write help in Markdown</a:t>
-            </a:r>
-          </a:p>
-          <a:p>
-            <a:pPr marR="0" lvl="1" rtl="0"/>
-            <a:r>
-              <a:rPr lang="en-GB" b="0" i="0" u="none" strike="noStrike" baseline="0" dirty="0">
-                <a:latin typeface="Arial" panose="020B0604020202020204" pitchFamily="34" charset="0"/>
-              </a:rPr>
-              <a:t>Invoke-Build - Build automation tool</a:t>
-            </a:r>
-          </a:p>
-          <a:p>
-            <a:pPr marR="0" lvl="1" rtl="0"/>
-            <a:r>
-              <a:rPr lang="en-US" b="0" i="0" u="none" strike="noStrike" baseline="0" dirty="0">
-                <a:latin typeface="Arial" panose="020B0604020202020204" pitchFamily="34" charset="0"/>
-              </a:rPr>
-              <a:t>Sampler - All of the above</a:t>
+              <a:rPr lang="en-GB" b="0" i="0" u="none" strike="noStrike" baseline="0" dirty="0">
+                <a:latin typeface="Arial" panose="020B0604020202020204" pitchFamily="34" charset="0"/>
+              </a:rPr>
+              <a:t>External Help</a:t>
             </a:r>
           </a:p>
         </p:txBody>
@@ -18959,7 +19328,7 @@
           <p:cNvPr id="4" name="Footer Placeholder 3">
             <a:extLst>
               <a:ext uri="{FF2B5EF4-FFF2-40B4-BE49-F238E27FC236}">
-                <a16:creationId xmlns:a16="http://schemas.microsoft.com/office/drawing/2014/main" id="{A12C09FD-86A9-2C57-A125-6B22DDA63308}"/>
+                <a16:creationId xmlns:a16="http://schemas.microsoft.com/office/drawing/2014/main" id="{5D9FD4CF-C0CC-DC2A-FB72-495AA091970A}"/>
               </a:ext>
             </a:extLst>
           </p:cNvPr>
@@ -18988,7 +19357,7 @@
           <p:cNvPr id="5" name="Slide Number Placeholder 4">
             <a:extLst>
               <a:ext uri="{FF2B5EF4-FFF2-40B4-BE49-F238E27FC236}">
-                <a16:creationId xmlns:a16="http://schemas.microsoft.com/office/drawing/2014/main" id="{2382EB99-F26E-9E6B-FC0C-9437B8195389}"/>
+                <a16:creationId xmlns:a16="http://schemas.microsoft.com/office/drawing/2014/main" id="{28285445-EF8D-287A-DC2B-5D99A12460D1}"/>
               </a:ext>
             </a:extLst>
           </p:cNvPr>
@@ -19015,7 +19384,7 @@
     </p:spTree>
     <p:extLst>
       <p:ext uri="{BB962C8B-B14F-4D97-AF65-F5344CB8AC3E}">
-        <p14:creationId xmlns:p14="http://schemas.microsoft.com/office/powerpoint/2010/main" val="3584757074"/>
+        <p14:creationId xmlns:p14="http://schemas.microsoft.com/office/powerpoint/2010/main" val="2738249618"/>
       </p:ext>
     </p:extLst>
   </p:cSld>
@@ -19106,53 +19475,59 @@
           <a:p>
             <a:pPr marR="0" lvl="0" rtl="0"/>
             <a:r>
+              <a:rPr lang="en-GB" b="0" i="0" u="none" strike="noStrike" baseline="0" dirty="0">
+                <a:latin typeface="Arial" panose="020B0604020202020204" pitchFamily="34" charset="0"/>
+              </a:rPr>
+              <a:t>Module helper tools</a:t>
+            </a:r>
+          </a:p>
+          <a:p>
+            <a:pPr marR="0" lvl="1" rtl="0"/>
+            <a:r>
+              <a:rPr lang="en-US" b="0" i="0" u="none" strike="noStrike" baseline="0" dirty="0" err="1">
+                <a:latin typeface="Arial" panose="020B0604020202020204" pitchFamily="34" charset="0"/>
+              </a:rPr>
+              <a:t>ModuleBuilder</a:t>
+            </a:r>
+            <a:r>
               <a:rPr lang="en-US" b="0" i="0" u="none" strike="noStrike" baseline="0" dirty="0">
                 <a:latin typeface="Arial" panose="020B0604020202020204" pitchFamily="34" charset="0"/>
               </a:rPr>
-              <a:t>Modules </a:t>
-            </a:r>
-            <a:r>
-              <a:rPr lang="en-US" dirty="0">
-                <a:latin typeface="Arial" panose="020B0604020202020204" pitchFamily="34" charset="0"/>
-              </a:rPr>
-              <a:t>c</a:t>
+              <a:t> - Combine and build your modules</a:t>
+            </a:r>
+          </a:p>
+          <a:p>
+            <a:pPr marR="0" lvl="1" rtl="0"/>
+            <a:r>
+              <a:rPr lang="en-US" b="0" i="0" u="none" strike="noStrike" baseline="0" dirty="0" err="1">
+                <a:latin typeface="Arial" panose="020B0604020202020204" pitchFamily="34" charset="0"/>
+              </a:rPr>
+              <a:t>PlatyPS</a:t>
             </a:r>
             <a:r>
               <a:rPr lang="en-US" b="0" i="0" u="none" strike="noStrike" baseline="0" dirty="0">
                 <a:latin typeface="Arial" panose="020B0604020202020204" pitchFamily="34" charset="0"/>
               </a:rPr>
-              <a:t>an be done in C# or F#</a:t>
-            </a:r>
-          </a:p>
-          <a:p>
-            <a:pPr marR="0" lvl="0" rtl="0"/>
-            <a:r>
-              <a:rPr lang="en-GB" b="0" i="0" u="none" strike="noStrike" baseline="0" dirty="0">
-                <a:latin typeface="Arial" panose="020B0604020202020204" pitchFamily="34" charset="0"/>
-              </a:rPr>
-              <a:t>Publish to </a:t>
-            </a:r>
-            <a:r>
-              <a:rPr lang="en-GB" b="0" i="0" u="none" strike="noStrike" baseline="0" dirty="0" err="1">
-                <a:latin typeface="Arial" panose="020B0604020202020204" pitchFamily="34" charset="0"/>
-              </a:rPr>
-              <a:t>PSGallery</a:t>
-            </a:r>
-            <a:endParaRPr lang="en-GB" b="0" i="0" u="none" strike="noStrike" baseline="0" dirty="0">
-              <a:latin typeface="Arial" panose="020B0604020202020204" pitchFamily="34" charset="0"/>
-            </a:endParaRPr>
+              <a:t> - Write help in Markdown</a:t>
+            </a:r>
           </a:p>
           <a:p>
             <a:pPr marR="0" lvl="1" rtl="0"/>
             <a:r>
+              <a:rPr lang="en-GB" b="0" i="0" u="none" strike="noStrike" baseline="0" dirty="0">
+                <a:latin typeface="Arial" panose="020B0604020202020204" pitchFamily="34" charset="0"/>
+              </a:rPr>
+              <a:t>Invoke-Build - Build automation tool</a:t>
+            </a:r>
+          </a:p>
+          <a:p>
+            <a:pPr marR="0" lvl="1" rtl="0"/>
+            <a:r>
               <a:rPr lang="en-US" b="0" i="0" u="none" strike="noStrike" baseline="0" dirty="0">
                 <a:latin typeface="Arial" panose="020B0604020202020204" pitchFamily="34" charset="0"/>
               </a:rPr>
-              <a:t>Possible to create your own</a:t>
-            </a:r>
-            <a:endParaRPr lang="en-GB" b="0" i="0" u="none" strike="noStrike" baseline="0" dirty="0">
-              <a:latin typeface="Arial" panose="020B0604020202020204" pitchFamily="34" charset="0"/>
-            </a:endParaRPr>
+              <a:t>Sampler - All of the above</a:t>
+            </a:r>
           </a:p>
         </p:txBody>
       </p:sp>
@@ -19161,7 +19536,7 @@
           <p:cNvPr id="4" name="Footer Placeholder 3">
             <a:extLst>
               <a:ext uri="{FF2B5EF4-FFF2-40B4-BE49-F238E27FC236}">
-                <a16:creationId xmlns:a16="http://schemas.microsoft.com/office/drawing/2014/main" id="{E73354EF-AB50-E364-FB72-F745C877C008}"/>
+                <a16:creationId xmlns:a16="http://schemas.microsoft.com/office/drawing/2014/main" id="{A12C09FD-86A9-2C57-A125-6B22DDA63308}"/>
               </a:ext>
             </a:extLst>
           </p:cNvPr>
@@ -19190,7 +19565,7 @@
           <p:cNvPr id="5" name="Slide Number Placeholder 4">
             <a:extLst>
               <a:ext uri="{FF2B5EF4-FFF2-40B4-BE49-F238E27FC236}">
-                <a16:creationId xmlns:a16="http://schemas.microsoft.com/office/drawing/2014/main" id="{01127DE1-5C07-BBEB-B517-0D3DECE615C4}"/>
+                <a16:creationId xmlns:a16="http://schemas.microsoft.com/office/drawing/2014/main" id="{2382EB99-F26E-9E6B-FC0C-9437B8195389}"/>
               </a:ext>
             </a:extLst>
           </p:cNvPr>
@@ -19217,7 +19592,7 @@
     </p:spTree>
     <p:extLst>
       <p:ext uri="{BB962C8B-B14F-4D97-AF65-F5344CB8AC3E}">
-        <p14:creationId xmlns:p14="http://schemas.microsoft.com/office/powerpoint/2010/main" val="2950430145"/>
+        <p14:creationId xmlns:p14="http://schemas.microsoft.com/office/powerpoint/2010/main" val="3584757074"/>
       </p:ext>
     </p:extLst>
   </p:cSld>
@@ -19249,7 +19624,7 @@
           <p:cNvPr id="2" name="Title 1">
             <a:extLst>
               <a:ext uri="{FF2B5EF4-FFF2-40B4-BE49-F238E27FC236}">
-                <a16:creationId xmlns:a16="http://schemas.microsoft.com/office/drawing/2014/main" id="{69BCD6E1-D5BF-EF3E-F0CC-EDE7BAE35861}"/>
+                <a16:creationId xmlns:a16="http://schemas.microsoft.com/office/drawing/2014/main" id="{DE18B17E-0A89-005B-96F9-109E1F3023CB}"/>
               </a:ext>
             </a:extLst>
           </p:cNvPr>
@@ -19262,104 +19637,108 @@
         </p:nvSpPr>
         <p:spPr>
           <a:xfrm>
-            <a:off x="839788" y="457200"/>
-            <a:ext cx="9123078" cy="1600200"/>
+            <a:off x="838200" y="365125"/>
+            <a:ext cx="10515600" cy="1325563"/>
           </a:xfrm>
         </p:spPr>
         <p:txBody>
           <a:bodyPr/>
           <a:lstStyle/>
           <a:p>
+            <a:pPr marR="0" rtl="0"/>
             <a:r>
               <a:rPr lang="en-GB" b="1" i="0" u="none" strike="noStrike" baseline="0" dirty="0">
                 <a:latin typeface="Arial" panose="020B0604020202020204" pitchFamily="34" charset="0"/>
               </a:rPr>
               <a:t>Building Modules</a:t>
             </a:r>
-            <a:endParaRPr lang="en-SE" dirty="0"/>
-          </a:p>
-        </p:txBody>
-      </p:sp>
-      <p:sp>
-        <p:nvSpPr>
-          <p:cNvPr id="4" name="Text Placeholder 3">
-            <a:extLst>
-              <a:ext uri="{FF2B5EF4-FFF2-40B4-BE49-F238E27FC236}">
-                <a16:creationId xmlns:a16="http://schemas.microsoft.com/office/drawing/2014/main" id="{D7ABE405-4C8C-4761-DB98-41C6649D1B66}"/>
-              </a:ext>
-            </a:extLst>
-          </p:cNvPr>
-          <p:cNvSpPr>
-            <a:spLocks noGrp="1"/>
-          </p:cNvSpPr>
-          <p:nvPr>
-            <p:ph type="body" sz="half" idx="2"/>
-          </p:nvPr>
-        </p:nvSpPr>
-        <p:spPr>
-          <a:xfrm>
-            <a:off x="839788" y="2057400"/>
-            <a:ext cx="10877001" cy="3811588"/>
-          </a:xfrm>
-        </p:spPr>
+            <a:endParaRPr lang="en-GB" b="0" i="0" u="none" strike="noStrike" baseline="0" dirty="0">
+              <a:latin typeface="Arial" panose="020B0604020202020204" pitchFamily="34" charset="0"/>
+            </a:endParaRPr>
+          </a:p>
+        </p:txBody>
+      </p:sp>
+      <p:sp>
+        <p:nvSpPr>
+          <p:cNvPr id="3" name="Text Placeholder 2">
+            <a:extLst>
+              <a:ext uri="{FF2B5EF4-FFF2-40B4-BE49-F238E27FC236}">
+                <a16:creationId xmlns:a16="http://schemas.microsoft.com/office/drawing/2014/main" id="{CE53249F-5592-97C5-55B2-AEF35D6511A0}"/>
+              </a:ext>
+            </a:extLst>
+          </p:cNvPr>
+          <p:cNvSpPr>
+            <a:spLocks noGrp="1"/>
+          </p:cNvSpPr>
+          <p:nvPr>
+            <p:ph type="body" idx="1"/>
+          </p:nvPr>
+        </p:nvSpPr>
+        <p:spPr/>
         <p:txBody>
           <a:bodyPr>
             <a:normAutofit/>
           </a:bodyPr>
           <a:lstStyle/>
           <a:p>
-            <a:pPr marL="285750" indent="-285750">
-              <a:buFont typeface="Arial" panose="020B0604020202020204" pitchFamily="34" charset="0"/>
-              <a:buChar char="•"/>
-            </a:pPr>
-            <a:r>
-              <a:rPr lang="en-GB" sz="4400" b="0" i="0" u="none" strike="noStrike" baseline="0" dirty="0">
-                <a:latin typeface="Arial" panose="020B0604020202020204" pitchFamily="34" charset="0"/>
-              </a:rPr>
-              <a:t>Lab 8</a:t>
-            </a:r>
-          </a:p>
-          <a:p>
-            <a:pPr marL="285750" indent="-285750">
-              <a:buFont typeface="Arial" panose="020B0604020202020204" pitchFamily="34" charset="0"/>
-              <a:buChar char="•"/>
-            </a:pPr>
-            <a:endParaRPr lang="en-GB" sz="4400" b="0" i="0" u="none" strike="noStrike" baseline="0" dirty="0">
+            <a:pPr marR="0" lvl="0" rtl="0"/>
+            <a:r>
+              <a:rPr lang="en-US" b="0" i="0" u="none" strike="noStrike" baseline="0" dirty="0">
+                <a:latin typeface="Arial" panose="020B0604020202020204" pitchFamily="34" charset="0"/>
+              </a:rPr>
+              <a:t>Modules </a:t>
+            </a:r>
+            <a:r>
+              <a:rPr lang="en-US" dirty="0">
+                <a:latin typeface="Arial" panose="020B0604020202020204" pitchFamily="34" charset="0"/>
+              </a:rPr>
+              <a:t>c</a:t>
+            </a:r>
+            <a:r>
+              <a:rPr lang="en-US" b="0" i="0" u="none" strike="noStrike" baseline="0" dirty="0">
+                <a:latin typeface="Arial" panose="020B0604020202020204" pitchFamily="34" charset="0"/>
+              </a:rPr>
+              <a:t>an be done in C# or F#</a:t>
+            </a:r>
+          </a:p>
+          <a:p>
+            <a:pPr marR="0" lvl="0" rtl="0"/>
+            <a:r>
+              <a:rPr lang="en-GB" b="0" i="0" u="none" strike="noStrike" baseline="0" dirty="0">
+                <a:latin typeface="Arial" panose="020B0604020202020204" pitchFamily="34" charset="0"/>
+              </a:rPr>
+              <a:t>Publish to </a:t>
+            </a:r>
+            <a:r>
+              <a:rPr lang="en-GB" b="0" i="0" u="none" strike="noStrike" baseline="0" dirty="0" err="1">
+                <a:latin typeface="Arial" panose="020B0604020202020204" pitchFamily="34" charset="0"/>
+              </a:rPr>
+              <a:t>PSGallery</a:t>
+            </a:r>
+            <a:endParaRPr lang="en-GB" b="0" i="0" u="none" strike="noStrike" baseline="0" dirty="0">
               <a:latin typeface="Arial" panose="020B0604020202020204" pitchFamily="34" charset="0"/>
             </a:endParaRPr>
           </a:p>
           <a:p>
-            <a:pPr marL="285750" indent="-285750">
-              <a:buFont typeface="Arial" panose="020B0604020202020204" pitchFamily="34" charset="0"/>
-              <a:buChar char="•"/>
-            </a:pPr>
-            <a:r>
-              <a:rPr lang="en-US" sz="1800" dirty="0">
-                <a:hlinkClick r:id="rId2"/>
-              </a:rPr>
-              <a:t>https://github.com/AdvaniaSE/PowerShellAdvancedFundamentals</a:t>
-            </a:r>
-            <a:endParaRPr lang="en-US" sz="1800" dirty="0"/>
-          </a:p>
-          <a:p>
-            <a:pPr marL="742950" lvl="1" indent="-285750">
-              <a:buFont typeface="Arial" panose="020B0604020202020204" pitchFamily="34" charset="0"/>
-              <a:buChar char="•"/>
-            </a:pPr>
-            <a:r>
-              <a:rPr lang="en-US" sz="1600" dirty="0"/>
-              <a:t>08. Building Modules</a:t>
-            </a:r>
-            <a:endParaRPr lang="en-US" sz="1800" dirty="0"/>
-          </a:p>
-        </p:txBody>
-      </p:sp>
-      <p:sp>
-        <p:nvSpPr>
-          <p:cNvPr id="3" name="Footer Placeholder 2">
-            <a:extLst>
-              <a:ext uri="{FF2B5EF4-FFF2-40B4-BE49-F238E27FC236}">
-                <a16:creationId xmlns:a16="http://schemas.microsoft.com/office/drawing/2014/main" id="{649FC63A-378F-5297-B0F7-2C6037EBACCC}"/>
+            <a:pPr marR="0" lvl="1" rtl="0"/>
+            <a:r>
+              <a:rPr lang="en-US" b="0" i="0" u="none" strike="noStrike" baseline="0" dirty="0">
+                <a:latin typeface="Arial" panose="020B0604020202020204" pitchFamily="34" charset="0"/>
+              </a:rPr>
+              <a:t>Possible to create your own</a:t>
+            </a:r>
+            <a:endParaRPr lang="en-GB" b="0" i="0" u="none" strike="noStrike" baseline="0" dirty="0">
+              <a:latin typeface="Arial" panose="020B0604020202020204" pitchFamily="34" charset="0"/>
+            </a:endParaRPr>
+          </a:p>
+        </p:txBody>
+      </p:sp>
+      <p:sp>
+        <p:nvSpPr>
+          <p:cNvPr id="4" name="Footer Placeholder 3">
+            <a:extLst>
+              <a:ext uri="{FF2B5EF4-FFF2-40B4-BE49-F238E27FC236}">
+                <a16:creationId xmlns:a16="http://schemas.microsoft.com/office/drawing/2014/main" id="{E73354EF-AB50-E364-FB72-F745C877C008}"/>
               </a:ext>
             </a:extLst>
           </p:cNvPr>
@@ -19388,7 +19767,7 @@
           <p:cNvPr id="5" name="Slide Number Placeholder 4">
             <a:extLst>
               <a:ext uri="{FF2B5EF4-FFF2-40B4-BE49-F238E27FC236}">
-                <a16:creationId xmlns:a16="http://schemas.microsoft.com/office/drawing/2014/main" id="{D19EAE60-5C2D-BEA1-4F9E-2D55E2BBB146}"/>
+                <a16:creationId xmlns:a16="http://schemas.microsoft.com/office/drawing/2014/main" id="{01127DE1-5C07-BBEB-B517-0D3DECE615C4}"/>
               </a:ext>
             </a:extLst>
           </p:cNvPr>
@@ -19404,7 +19783,7 @@
           <a:bodyPr/>
           <a:lstStyle/>
           <a:p>
-            <a:fld id="{BFEA1545-8540-491B-83AB-51C306516EA6}" type="slidenum">
+            <a:fld id="{9993A830-6DA6-4394-A358-10250CDB3A67}" type="slidenum">
               <a:rPr lang="en-SE" smtClean="0"/>
               <a:t>72</a:t>
             </a:fld>
@@ -19415,7 +19794,7 @@
     </p:spTree>
     <p:extLst>
       <p:ext uri="{BB962C8B-B14F-4D97-AF65-F5344CB8AC3E}">
-        <p14:creationId xmlns:p14="http://schemas.microsoft.com/office/powerpoint/2010/main" val="3188957045"/>
+        <p14:creationId xmlns:p14="http://schemas.microsoft.com/office/powerpoint/2010/main" val="2950430145"/>
       </p:ext>
     </p:extLst>
   </p:cSld>
@@ -19447,7 +19826,7 @@
           <p:cNvPr id="2" name="Title 1">
             <a:extLst>
               <a:ext uri="{FF2B5EF4-FFF2-40B4-BE49-F238E27FC236}">
-                <a16:creationId xmlns:a16="http://schemas.microsoft.com/office/drawing/2014/main" id="{55D23047-3833-EFE0-8A01-090ACFE1D9FC}"/>
+                <a16:creationId xmlns:a16="http://schemas.microsoft.com/office/drawing/2014/main" id="{69BCD6E1-D5BF-EF3E-F0CC-EDE7BAE35861}"/>
               </a:ext>
             </a:extLst>
           </p:cNvPr>
@@ -19458,7 +19837,12 @@
             <p:ph type="title"/>
           </p:nvPr>
         </p:nvSpPr>
-        <p:spPr/>
+        <p:spPr>
+          <a:xfrm>
+            <a:off x="839788" y="457200"/>
+            <a:ext cx="9123078" cy="1600200"/>
+          </a:xfrm>
+        </p:spPr>
         <p:txBody>
           <a:bodyPr/>
           <a:lstStyle/>
@@ -19467,7 +19851,7 @@
               <a:rPr lang="en-GB" b="1" i="0" u="none" strike="noStrike" baseline="0" dirty="0">
                 <a:latin typeface="Arial" panose="020B0604020202020204" pitchFamily="34" charset="0"/>
               </a:rPr>
-              <a:t>Testing Code with Pester</a:t>
+              <a:t>Building Modules</a:t>
             </a:r>
             <a:endParaRPr lang="en-SE" dirty="0"/>
           </a:p>
@@ -19475,35 +19859,84 @@
       </p:sp>
       <p:sp>
         <p:nvSpPr>
-          <p:cNvPr id="3" name="Text Placeholder 2">
-            <a:extLst>
-              <a:ext uri="{FF2B5EF4-FFF2-40B4-BE49-F238E27FC236}">
-                <a16:creationId xmlns:a16="http://schemas.microsoft.com/office/drawing/2014/main" id="{1F80B5F8-E4FB-9CDB-0C7C-EEDCB4B8AF1D}"/>
-              </a:ext>
-            </a:extLst>
-          </p:cNvPr>
-          <p:cNvSpPr>
-            <a:spLocks noGrp="1"/>
-          </p:cNvSpPr>
-          <p:nvPr>
-            <p:ph type="body" idx="1"/>
-          </p:nvPr>
-        </p:nvSpPr>
-        <p:spPr/>
-        <p:txBody>
-          <a:bodyPr/>
-          <a:lstStyle/>
-          <a:p>
-            <a:endParaRPr lang="en-SE"/>
-          </a:p>
-        </p:txBody>
-      </p:sp>
-      <p:sp>
-        <p:nvSpPr>
-          <p:cNvPr id="4" name="Footer Placeholder 3">
-            <a:extLst>
-              <a:ext uri="{FF2B5EF4-FFF2-40B4-BE49-F238E27FC236}">
-                <a16:creationId xmlns:a16="http://schemas.microsoft.com/office/drawing/2014/main" id="{AF31F5B9-539F-68E0-F263-C35EBA0F4A8F}"/>
+          <p:cNvPr id="4" name="Text Placeholder 3">
+            <a:extLst>
+              <a:ext uri="{FF2B5EF4-FFF2-40B4-BE49-F238E27FC236}">
+                <a16:creationId xmlns:a16="http://schemas.microsoft.com/office/drawing/2014/main" id="{D7ABE405-4C8C-4761-DB98-41C6649D1B66}"/>
+              </a:ext>
+            </a:extLst>
+          </p:cNvPr>
+          <p:cNvSpPr>
+            <a:spLocks noGrp="1"/>
+          </p:cNvSpPr>
+          <p:nvPr>
+            <p:ph type="body" sz="half" idx="2"/>
+          </p:nvPr>
+        </p:nvSpPr>
+        <p:spPr>
+          <a:xfrm>
+            <a:off x="839788" y="2057400"/>
+            <a:ext cx="10877001" cy="3811588"/>
+          </a:xfrm>
+        </p:spPr>
+        <p:txBody>
+          <a:bodyPr>
+            <a:normAutofit/>
+          </a:bodyPr>
+          <a:lstStyle/>
+          <a:p>
+            <a:pPr marL="285750" indent="-285750">
+              <a:buFont typeface="Arial" panose="020B0604020202020204" pitchFamily="34" charset="0"/>
+              <a:buChar char="•"/>
+            </a:pPr>
+            <a:r>
+              <a:rPr lang="en-GB" sz="4400" b="0" i="0" u="none" strike="noStrike" baseline="0" dirty="0">
+                <a:latin typeface="Arial" panose="020B0604020202020204" pitchFamily="34" charset="0"/>
+              </a:rPr>
+              <a:t>Lab 8</a:t>
+            </a:r>
+          </a:p>
+          <a:p>
+            <a:pPr marL="285750" indent="-285750">
+              <a:buFont typeface="Arial" panose="020B0604020202020204" pitchFamily="34" charset="0"/>
+              <a:buChar char="•"/>
+            </a:pPr>
+            <a:endParaRPr lang="en-GB" sz="4400" b="0" i="0" u="none" strike="noStrike" baseline="0" dirty="0">
+              <a:latin typeface="Arial" panose="020B0604020202020204" pitchFamily="34" charset="0"/>
+            </a:endParaRPr>
+          </a:p>
+          <a:p>
+            <a:pPr marL="285750" indent="-285750">
+              <a:buFont typeface="Arial" panose="020B0604020202020204" pitchFamily="34" charset="0"/>
+              <a:buChar char="•"/>
+            </a:pPr>
+            <a:r>
+              <a:rPr lang="en-US" sz="1800" dirty="0">
+                <a:hlinkClick r:id="rId2"/>
+              </a:rPr>
+              <a:t>https://github.com/AdvaniaSE/PowerShellAdvancedFundamentals</a:t>
+            </a:r>
+            <a:endParaRPr lang="en-US" sz="1800" dirty="0"/>
+          </a:p>
+          <a:p>
+            <a:pPr marL="742950" lvl="1" indent="-285750">
+              <a:buFont typeface="Arial" panose="020B0604020202020204" pitchFamily="34" charset="0"/>
+              <a:buChar char="•"/>
+            </a:pPr>
+            <a:r>
+              <a:rPr lang="en-US" sz="1600" dirty="0"/>
+              <a:t>08. Building Modules</a:t>
+            </a:r>
+            <a:endParaRPr lang="en-US" sz="1800" dirty="0"/>
+          </a:p>
+        </p:txBody>
+      </p:sp>
+      <p:sp>
+        <p:nvSpPr>
+          <p:cNvPr id="3" name="Footer Placeholder 2">
+            <a:extLst>
+              <a:ext uri="{FF2B5EF4-FFF2-40B4-BE49-F238E27FC236}">
+                <a16:creationId xmlns:a16="http://schemas.microsoft.com/office/drawing/2014/main" id="{649FC63A-378F-5297-B0F7-2C6037EBACCC}"/>
               </a:ext>
             </a:extLst>
           </p:cNvPr>
@@ -19532,7 +19965,7 @@
           <p:cNvPr id="5" name="Slide Number Placeholder 4">
             <a:extLst>
               <a:ext uri="{FF2B5EF4-FFF2-40B4-BE49-F238E27FC236}">
-                <a16:creationId xmlns:a16="http://schemas.microsoft.com/office/drawing/2014/main" id="{C303D6E8-2F19-86B5-22E9-D7CE2ADC78A2}"/>
+                <a16:creationId xmlns:a16="http://schemas.microsoft.com/office/drawing/2014/main" id="{D19EAE60-5C2D-BEA1-4F9E-2D55E2BBB146}"/>
               </a:ext>
             </a:extLst>
           </p:cNvPr>
@@ -19559,7 +19992,7 @@
     </p:spTree>
     <p:extLst>
       <p:ext uri="{BB962C8B-B14F-4D97-AF65-F5344CB8AC3E}">
-        <p14:creationId xmlns:p14="http://schemas.microsoft.com/office/powerpoint/2010/main" val="1700760953"/>
+        <p14:creationId xmlns:p14="http://schemas.microsoft.com/office/powerpoint/2010/main" val="3188957045"/>
       </p:ext>
     </p:extLst>
   </p:cSld>
@@ -19591,7 +20024,7 @@
           <p:cNvPr id="2" name="Title 1">
             <a:extLst>
               <a:ext uri="{FF2B5EF4-FFF2-40B4-BE49-F238E27FC236}">
-                <a16:creationId xmlns:a16="http://schemas.microsoft.com/office/drawing/2014/main" id="{4BFFBC56-9C0E-F8FB-4BA3-CF40374C3779}"/>
+                <a16:creationId xmlns:a16="http://schemas.microsoft.com/office/drawing/2014/main" id="{55D23047-3833-EFE0-8A01-090ACFE1D9FC}"/>
               </a:ext>
             </a:extLst>
           </p:cNvPr>
@@ -19602,26 +20035,18 @@
             <p:ph type="title"/>
           </p:nvPr>
         </p:nvSpPr>
-        <p:spPr>
-          <a:xfrm>
-            <a:off x="838200" y="365125"/>
-            <a:ext cx="10515600" cy="1325563"/>
-          </a:xfrm>
-        </p:spPr>
-        <p:txBody>
-          <a:bodyPr/>
-          <a:lstStyle/>
-          <a:p>
-            <a:pPr marR="0" rtl="0"/>
+        <p:spPr/>
+        <p:txBody>
+          <a:bodyPr/>
+          <a:lstStyle/>
+          <a:p>
             <a:r>
               <a:rPr lang="en-GB" b="1" i="0" u="none" strike="noStrike" baseline="0" dirty="0">
                 <a:latin typeface="Arial" panose="020B0604020202020204" pitchFamily="34" charset="0"/>
               </a:rPr>
               <a:t>Testing Code with Pester</a:t>
             </a:r>
-            <a:endParaRPr lang="en-GB" b="0" i="0" u="none" strike="noStrike" baseline="0" dirty="0">
-              <a:latin typeface="Arial" panose="020B0604020202020204" pitchFamily="34" charset="0"/>
-            </a:endParaRPr>
+            <a:endParaRPr lang="en-SE" dirty="0"/>
           </a:p>
         </p:txBody>
       </p:sp>
@@ -19630,7 +20055,7 @@
           <p:cNvPr id="3" name="Text Placeholder 2">
             <a:extLst>
               <a:ext uri="{FF2B5EF4-FFF2-40B4-BE49-F238E27FC236}">
-                <a16:creationId xmlns:a16="http://schemas.microsoft.com/office/drawing/2014/main" id="{A7E31BCF-733A-5398-C9C9-C3CB11892F85}"/>
+                <a16:creationId xmlns:a16="http://schemas.microsoft.com/office/drawing/2014/main" id="{1F80B5F8-E4FB-9CDB-0C7C-EEDCB4B8AF1D}"/>
               </a:ext>
             </a:extLst>
           </p:cNvPr>
@@ -19643,36 +20068,10 @@
         </p:nvSpPr>
         <p:spPr/>
         <p:txBody>
-          <a:bodyPr>
-            <a:normAutofit/>
-          </a:bodyPr>
-          <a:lstStyle/>
-          <a:p>
-            <a:pPr marR="0" lvl="0" rtl="0"/>
-            <a:r>
-              <a:rPr lang="en-GB" b="0" i="0" u="none" strike="noStrike" baseline="0" dirty="0">
-                <a:latin typeface="Arial" panose="020B0604020202020204" pitchFamily="34" charset="0"/>
-              </a:rPr>
-              <a:t>Testing Code</a:t>
-            </a:r>
-          </a:p>
-          <a:p>
-            <a:pPr marR="0" lvl="1" rtl="0"/>
-            <a:r>
-              <a:rPr lang="en-GB" b="0" i="0" u="none" strike="noStrike" baseline="0" dirty="0">
-                <a:latin typeface="Arial" panose="020B0604020202020204" pitchFamily="34" charset="0"/>
-              </a:rPr>
-              <a:t>Unit</a:t>
-            </a:r>
-          </a:p>
-          <a:p>
-            <a:pPr marR="0" lvl="1" rtl="0"/>
-            <a:r>
-              <a:rPr lang="en-GB" b="0" i="0" u="none" strike="noStrike" baseline="0" dirty="0">
-                <a:latin typeface="Arial" panose="020B0604020202020204" pitchFamily="34" charset="0"/>
-              </a:rPr>
-              <a:t>Integration</a:t>
-            </a:r>
+          <a:bodyPr/>
+          <a:lstStyle/>
+          <a:p>
+            <a:endParaRPr lang="en-SE"/>
           </a:p>
         </p:txBody>
       </p:sp>
@@ -19681,7 +20080,7 @@
           <p:cNvPr id="4" name="Footer Placeholder 3">
             <a:extLst>
               <a:ext uri="{FF2B5EF4-FFF2-40B4-BE49-F238E27FC236}">
-                <a16:creationId xmlns:a16="http://schemas.microsoft.com/office/drawing/2014/main" id="{E351949F-9CB2-E77A-07D5-174611D57B15}"/>
+                <a16:creationId xmlns:a16="http://schemas.microsoft.com/office/drawing/2014/main" id="{AF31F5B9-539F-68E0-F263-C35EBA0F4A8F}"/>
               </a:ext>
             </a:extLst>
           </p:cNvPr>
@@ -19710,7 +20109,7 @@
           <p:cNvPr id="5" name="Slide Number Placeholder 4">
             <a:extLst>
               <a:ext uri="{FF2B5EF4-FFF2-40B4-BE49-F238E27FC236}">
-                <a16:creationId xmlns:a16="http://schemas.microsoft.com/office/drawing/2014/main" id="{575DC5ED-80EB-2D6A-C122-532E43D7466C}"/>
+                <a16:creationId xmlns:a16="http://schemas.microsoft.com/office/drawing/2014/main" id="{C303D6E8-2F19-86B5-22E9-D7CE2ADC78A2}"/>
               </a:ext>
             </a:extLst>
           </p:cNvPr>
@@ -19726,7 +20125,7 @@
           <a:bodyPr/>
           <a:lstStyle/>
           <a:p>
-            <a:fld id="{9993A830-6DA6-4394-A358-10250CDB3A67}" type="slidenum">
+            <a:fld id="{BFEA1545-8540-491B-83AB-51C306516EA6}" type="slidenum">
               <a:rPr lang="en-SE" smtClean="0"/>
               <a:t>74</a:t>
             </a:fld>
@@ -19737,7 +20136,7 @@
     </p:spTree>
     <p:extLst>
       <p:ext uri="{BB962C8B-B14F-4D97-AF65-F5344CB8AC3E}">
-        <p14:creationId xmlns:p14="http://schemas.microsoft.com/office/powerpoint/2010/main" val="1105636178"/>
+        <p14:creationId xmlns:p14="http://schemas.microsoft.com/office/powerpoint/2010/main" val="1700760953"/>
       </p:ext>
     </p:extLst>
   </p:cSld>
@@ -19831,7 +20230,7 @@
               <a:rPr lang="en-GB" b="0" i="0" u="none" strike="noStrike" baseline="0" dirty="0">
                 <a:latin typeface="Arial" panose="020B0604020202020204" pitchFamily="34" charset="0"/>
               </a:rPr>
-              <a:t>Commands</a:t>
+              <a:t>Testing Code</a:t>
             </a:r>
           </a:p>
           <a:p>
@@ -19840,7 +20239,7 @@
               <a:rPr lang="en-GB" b="0" i="0" u="none" strike="noStrike" baseline="0" dirty="0">
                 <a:latin typeface="Arial" panose="020B0604020202020204" pitchFamily="34" charset="0"/>
               </a:rPr>
-              <a:t>Describe</a:t>
+              <a:t>Unit</a:t>
             </a:r>
           </a:p>
           <a:p>
@@ -19849,34 +20248,7 @@
               <a:rPr lang="en-GB" b="0" i="0" u="none" strike="noStrike" baseline="0" dirty="0">
                 <a:latin typeface="Arial" panose="020B0604020202020204" pitchFamily="34" charset="0"/>
               </a:rPr>
-              <a:t>Context</a:t>
-            </a:r>
-          </a:p>
-          <a:p>
-            <a:pPr marR="0" lvl="1" rtl="0"/>
-            <a:r>
-              <a:rPr lang="en-GB" b="0" i="0" u="none" strike="noStrike" baseline="0" dirty="0">
-                <a:latin typeface="Arial" panose="020B0604020202020204" pitchFamily="34" charset="0"/>
-              </a:rPr>
-              <a:t>It</a:t>
-            </a:r>
-          </a:p>
-          <a:p>
-            <a:pPr marR="0" lvl="1" rtl="0"/>
-            <a:r>
-              <a:rPr lang="en-GB" b="0" i="0" u="none" strike="noStrike" baseline="0" dirty="0">
-                <a:latin typeface="Arial" panose="020B0604020202020204" pitchFamily="34" charset="0"/>
-              </a:rPr>
-              <a:t>Should</a:t>
-            </a:r>
-          </a:p>
-          <a:p>
-            <a:pPr marR="0" lvl="1" rtl="0"/>
-            <a:r>
-              <a:rPr lang="en-GB" b="0" i="0" u="none" strike="noStrike" baseline="0" dirty="0">
-                <a:latin typeface="Arial" panose="020B0604020202020204" pitchFamily="34" charset="0"/>
-              </a:rPr>
-              <a:t>Mock</a:t>
+              <a:t>Integration</a:t>
             </a:r>
           </a:p>
         </p:txBody>
@@ -19886,7 +20258,7 @@
           <p:cNvPr id="4" name="Footer Placeholder 3">
             <a:extLst>
               <a:ext uri="{FF2B5EF4-FFF2-40B4-BE49-F238E27FC236}">
-                <a16:creationId xmlns:a16="http://schemas.microsoft.com/office/drawing/2014/main" id="{382ADAF6-EA20-BBA1-45E7-512A19CCFF6D}"/>
+                <a16:creationId xmlns:a16="http://schemas.microsoft.com/office/drawing/2014/main" id="{E351949F-9CB2-E77A-07D5-174611D57B15}"/>
               </a:ext>
             </a:extLst>
           </p:cNvPr>
@@ -19915,7 +20287,7 @@
           <p:cNvPr id="5" name="Slide Number Placeholder 4">
             <a:extLst>
               <a:ext uri="{FF2B5EF4-FFF2-40B4-BE49-F238E27FC236}">
-                <a16:creationId xmlns:a16="http://schemas.microsoft.com/office/drawing/2014/main" id="{F89BE6D8-DB69-8DC6-B874-873AA1AF41D8}"/>
+                <a16:creationId xmlns:a16="http://schemas.microsoft.com/office/drawing/2014/main" id="{575DC5ED-80EB-2D6A-C122-532E43D7466C}"/>
               </a:ext>
             </a:extLst>
           </p:cNvPr>
@@ -19942,7 +20314,7 @@
     </p:spTree>
     <p:extLst>
       <p:ext uri="{BB962C8B-B14F-4D97-AF65-F5344CB8AC3E}">
-        <p14:creationId xmlns:p14="http://schemas.microsoft.com/office/powerpoint/2010/main" val="4222245311"/>
+        <p14:creationId xmlns:p14="http://schemas.microsoft.com/office/powerpoint/2010/main" val="1105636178"/>
       </p:ext>
     </p:extLst>
   </p:cSld>
@@ -20036,16 +20408,52 @@
               <a:rPr lang="en-GB" b="0" i="0" u="none" strike="noStrike" baseline="0" dirty="0">
                 <a:latin typeface="Arial" panose="020B0604020202020204" pitchFamily="34" charset="0"/>
               </a:rPr>
-              <a:t>TDD</a:t>
-            </a:r>
-          </a:p>
-          <a:p>
-            <a:pPr marR="0" lvl="0" rtl="0"/>
-            <a:r>
-              <a:rPr lang="en-GB" b="0" i="0" u="none" strike="noStrike" baseline="0" dirty="0">
-                <a:latin typeface="Arial" panose="020B0604020202020204" pitchFamily="34" charset="0"/>
-              </a:rPr>
-              <a:t>Infrastructure Testing</a:t>
+              <a:t>Commands</a:t>
+            </a:r>
+          </a:p>
+          <a:p>
+            <a:pPr marR="0" lvl="1" rtl="0"/>
+            <a:r>
+              <a:rPr lang="en-GB" b="0" i="0" u="none" strike="noStrike" baseline="0" dirty="0">
+                <a:latin typeface="Arial" panose="020B0604020202020204" pitchFamily="34" charset="0"/>
+              </a:rPr>
+              <a:t>Describe</a:t>
+            </a:r>
+          </a:p>
+          <a:p>
+            <a:pPr marR="0" lvl="1" rtl="0"/>
+            <a:r>
+              <a:rPr lang="en-GB" b="0" i="0" u="none" strike="noStrike" baseline="0" dirty="0">
+                <a:latin typeface="Arial" panose="020B0604020202020204" pitchFamily="34" charset="0"/>
+              </a:rPr>
+              <a:t>Context</a:t>
+            </a:r>
+          </a:p>
+          <a:p>
+            <a:pPr marR="0" lvl="1" rtl="0"/>
+            <a:r>
+              <a:rPr lang="en-GB" b="0" i="0" u="none" strike="noStrike" baseline="0" dirty="0">
+                <a:latin typeface="Arial" panose="020B0604020202020204" pitchFamily="34" charset="0"/>
+              </a:rPr>
+              <a:t>It</a:t>
+            </a:r>
+          </a:p>
+          <a:p>
+            <a:pPr marR="0" lvl="1" rtl="0"/>
+            <a:r>
+              <a:rPr lang="en-GB" b="0" i="0" u="none" strike="noStrike" baseline="0" dirty="0">
+                <a:latin typeface="Arial" panose="020B0604020202020204" pitchFamily="34" charset="0"/>
+              </a:rPr>
+              <a:t>Should</a:t>
+            </a:r>
+          </a:p>
+          <a:p>
+            <a:pPr marR="0" lvl="1" rtl="0"/>
+            <a:r>
+              <a:rPr lang="en-GB" b="0" i="0" u="none" strike="noStrike" baseline="0" dirty="0">
+                <a:latin typeface="Arial" panose="020B0604020202020204" pitchFamily="34" charset="0"/>
+              </a:rPr>
+              <a:t>Mock</a:t>
             </a:r>
           </a:p>
         </p:txBody>
@@ -20055,7 +20463,7 @@
           <p:cNvPr id="4" name="Footer Placeholder 3">
             <a:extLst>
               <a:ext uri="{FF2B5EF4-FFF2-40B4-BE49-F238E27FC236}">
-                <a16:creationId xmlns:a16="http://schemas.microsoft.com/office/drawing/2014/main" id="{457EE5F5-5E59-8AB2-1D86-8A744D5A641B}"/>
+                <a16:creationId xmlns:a16="http://schemas.microsoft.com/office/drawing/2014/main" id="{382ADAF6-EA20-BBA1-45E7-512A19CCFF6D}"/>
               </a:ext>
             </a:extLst>
           </p:cNvPr>
@@ -20084,7 +20492,7 @@
           <p:cNvPr id="5" name="Slide Number Placeholder 4">
             <a:extLst>
               <a:ext uri="{FF2B5EF4-FFF2-40B4-BE49-F238E27FC236}">
-                <a16:creationId xmlns:a16="http://schemas.microsoft.com/office/drawing/2014/main" id="{5788909B-AE3C-0A43-8F93-C13FD603B1BB}"/>
+                <a16:creationId xmlns:a16="http://schemas.microsoft.com/office/drawing/2014/main" id="{F89BE6D8-DB69-8DC6-B874-873AA1AF41D8}"/>
               </a:ext>
             </a:extLst>
           </p:cNvPr>
@@ -20111,7 +20519,7 @@
     </p:spTree>
     <p:extLst>
       <p:ext uri="{BB962C8B-B14F-4D97-AF65-F5344CB8AC3E}">
-        <p14:creationId xmlns:p14="http://schemas.microsoft.com/office/powerpoint/2010/main" val="535499248"/>
+        <p14:creationId xmlns:p14="http://schemas.microsoft.com/office/powerpoint/2010/main" val="4222245311"/>
       </p:ext>
     </p:extLst>
   </p:cSld>
@@ -20143,6 +20551,175 @@
           <p:cNvPr id="2" name="Title 1">
             <a:extLst>
               <a:ext uri="{FF2B5EF4-FFF2-40B4-BE49-F238E27FC236}">
+                <a16:creationId xmlns:a16="http://schemas.microsoft.com/office/drawing/2014/main" id="{4BFFBC56-9C0E-F8FB-4BA3-CF40374C3779}"/>
+              </a:ext>
+            </a:extLst>
+          </p:cNvPr>
+          <p:cNvSpPr>
+            <a:spLocks noGrp="1"/>
+          </p:cNvSpPr>
+          <p:nvPr>
+            <p:ph type="title"/>
+          </p:nvPr>
+        </p:nvSpPr>
+        <p:spPr>
+          <a:xfrm>
+            <a:off x="838200" y="365125"/>
+            <a:ext cx="10515600" cy="1325563"/>
+          </a:xfrm>
+        </p:spPr>
+        <p:txBody>
+          <a:bodyPr/>
+          <a:lstStyle/>
+          <a:p>
+            <a:pPr marR="0" rtl="0"/>
+            <a:r>
+              <a:rPr lang="en-GB" b="1" i="0" u="none" strike="noStrike" baseline="0" dirty="0">
+                <a:latin typeface="Arial" panose="020B0604020202020204" pitchFamily="34" charset="0"/>
+              </a:rPr>
+              <a:t>Testing Code with Pester</a:t>
+            </a:r>
+            <a:endParaRPr lang="en-GB" b="0" i="0" u="none" strike="noStrike" baseline="0" dirty="0">
+              <a:latin typeface="Arial" panose="020B0604020202020204" pitchFamily="34" charset="0"/>
+            </a:endParaRPr>
+          </a:p>
+        </p:txBody>
+      </p:sp>
+      <p:sp>
+        <p:nvSpPr>
+          <p:cNvPr id="3" name="Text Placeholder 2">
+            <a:extLst>
+              <a:ext uri="{FF2B5EF4-FFF2-40B4-BE49-F238E27FC236}">
+                <a16:creationId xmlns:a16="http://schemas.microsoft.com/office/drawing/2014/main" id="{A7E31BCF-733A-5398-C9C9-C3CB11892F85}"/>
+              </a:ext>
+            </a:extLst>
+          </p:cNvPr>
+          <p:cNvSpPr>
+            <a:spLocks noGrp="1"/>
+          </p:cNvSpPr>
+          <p:nvPr>
+            <p:ph type="body" idx="1"/>
+          </p:nvPr>
+        </p:nvSpPr>
+        <p:spPr/>
+        <p:txBody>
+          <a:bodyPr>
+            <a:normAutofit/>
+          </a:bodyPr>
+          <a:lstStyle/>
+          <a:p>
+            <a:pPr marR="0" lvl="0" rtl="0"/>
+            <a:r>
+              <a:rPr lang="en-GB" b="0" i="0" u="none" strike="noStrike" baseline="0" dirty="0">
+                <a:latin typeface="Arial" panose="020B0604020202020204" pitchFamily="34" charset="0"/>
+              </a:rPr>
+              <a:t>TDD</a:t>
+            </a:r>
+          </a:p>
+          <a:p>
+            <a:pPr marR="0" lvl="0" rtl="0"/>
+            <a:r>
+              <a:rPr lang="en-GB" b="0" i="0" u="none" strike="noStrike" baseline="0" dirty="0">
+                <a:latin typeface="Arial" panose="020B0604020202020204" pitchFamily="34" charset="0"/>
+              </a:rPr>
+              <a:t>Infrastructure Testing</a:t>
+            </a:r>
+          </a:p>
+        </p:txBody>
+      </p:sp>
+      <p:sp>
+        <p:nvSpPr>
+          <p:cNvPr id="4" name="Footer Placeholder 3">
+            <a:extLst>
+              <a:ext uri="{FF2B5EF4-FFF2-40B4-BE49-F238E27FC236}">
+                <a16:creationId xmlns:a16="http://schemas.microsoft.com/office/drawing/2014/main" id="{457EE5F5-5E59-8AB2-1D86-8A744D5A641B}"/>
+              </a:ext>
+            </a:extLst>
+          </p:cNvPr>
+          <p:cNvSpPr>
+            <a:spLocks noGrp="1"/>
+          </p:cNvSpPr>
+          <p:nvPr>
+            <p:ph type="ftr" sz="quarter" idx="11"/>
+          </p:nvPr>
+        </p:nvSpPr>
+        <p:spPr/>
+        <p:txBody>
+          <a:bodyPr/>
+          <a:lstStyle/>
+          <a:p>
+            <a:r>
+              <a:rPr lang="sv-SE"/>
+              <a:t>Björn Sundling  bjorn.sundling@advania.com</a:t>
+            </a:r>
+            <a:endParaRPr lang="en-SE"/>
+          </a:p>
+        </p:txBody>
+      </p:sp>
+      <p:sp>
+        <p:nvSpPr>
+          <p:cNvPr id="5" name="Slide Number Placeholder 4">
+            <a:extLst>
+              <a:ext uri="{FF2B5EF4-FFF2-40B4-BE49-F238E27FC236}">
+                <a16:creationId xmlns:a16="http://schemas.microsoft.com/office/drawing/2014/main" id="{5788909B-AE3C-0A43-8F93-C13FD603B1BB}"/>
+              </a:ext>
+            </a:extLst>
+          </p:cNvPr>
+          <p:cNvSpPr>
+            <a:spLocks noGrp="1"/>
+          </p:cNvSpPr>
+          <p:nvPr>
+            <p:ph type="sldNum" sz="quarter" idx="12"/>
+          </p:nvPr>
+        </p:nvSpPr>
+        <p:spPr/>
+        <p:txBody>
+          <a:bodyPr/>
+          <a:lstStyle/>
+          <a:p>
+            <a:fld id="{9993A830-6DA6-4394-A358-10250CDB3A67}" type="slidenum">
+              <a:rPr lang="en-SE" smtClean="0"/>
+              <a:t>77</a:t>
+            </a:fld>
+            <a:endParaRPr lang="en-SE"/>
+          </a:p>
+        </p:txBody>
+      </p:sp>
+    </p:spTree>
+    <p:extLst>
+      <p:ext uri="{BB962C8B-B14F-4D97-AF65-F5344CB8AC3E}">
+        <p14:creationId xmlns:p14="http://schemas.microsoft.com/office/powerpoint/2010/main" val="535499248"/>
+      </p:ext>
+    </p:extLst>
+  </p:cSld>
+  <p:clrMapOvr>
+    <a:masterClrMapping/>
+  </p:clrMapOvr>
+</p:sld>
+</file>
+
+<file path=ppt/slides/slide78.xml><?xml version="1.0" encoding="utf-8"?>
+<p:sld xmlns:a="http://schemas.openxmlformats.org/drawingml/2006/main" xmlns:r="http://schemas.openxmlformats.org/officeDocument/2006/relationships" xmlns:p="http://schemas.openxmlformats.org/presentationml/2006/main">
+  <p:cSld>
+    <p:spTree>
+      <p:nvGrpSpPr>
+        <p:cNvPr id="1" name=""/>
+        <p:cNvGrpSpPr/>
+        <p:nvPr/>
+      </p:nvGrpSpPr>
+      <p:grpSpPr>
+        <a:xfrm>
+          <a:off x="0" y="0"/>
+          <a:ext cx="0" cy="0"/>
+          <a:chOff x="0" y="0"/>
+          <a:chExt cx="0" cy="0"/>
+        </a:xfrm>
+      </p:grpSpPr>
+      <p:sp>
+        <p:nvSpPr>
+          <p:cNvPr id="2" name="Title 1">
+            <a:extLst>
+              <a:ext uri="{FF2B5EF4-FFF2-40B4-BE49-F238E27FC236}">
                 <a16:creationId xmlns:a16="http://schemas.microsoft.com/office/drawing/2014/main" id="{69BCD6E1-D5BF-EF3E-F0CC-EDE7BAE35861}"/>
               </a:ext>
             </a:extLst>
@@ -20300,7 +20877,7 @@
           <a:p>
             <a:fld id="{BFEA1545-8540-491B-83AB-51C306516EA6}" type="slidenum">
               <a:rPr lang="en-SE" smtClean="0"/>
-              <a:t>77</a:t>
+              <a:t>78</a:t>
             </a:fld>
             <a:endParaRPr lang="en-SE"/>
           </a:p>
@@ -20319,7 +20896,7 @@
 </p:sld>
 </file>
 
-<file path=ppt/slides/slide78.xml><?xml version="1.0" encoding="utf-8"?>
+<file path=ppt/slides/slide79.xml><?xml version="1.0" encoding="utf-8"?>
 <p:sld xmlns:a="http://schemas.openxmlformats.org/drawingml/2006/main" xmlns:r="http://schemas.openxmlformats.org/officeDocument/2006/relationships" xmlns:p="http://schemas.openxmlformats.org/presentationml/2006/main">
   <p:cSld>
     <p:spTree>
